--- a/præsentation/presentation_template.pptx
+++ b/præsentation/presentation_template.pptx
@@ -2,17 +2,16 @@
 <file path=ppt/presentation.xml><?xml version="1.0" encoding="utf-8"?>
 <p:presentation xmlns:a="http://schemas.openxmlformats.org/drawingml/2006/main" xmlns:r="http://schemas.openxmlformats.org/officeDocument/2006/relationships" xmlns:p="http://schemas.openxmlformats.org/presentationml/2006/main">
   <p:sldMasterIdLst>
-    <p:sldMasterId id="2147483648" r:id="rId5"/>
+    <p:sldMasterId id="2147483648" r:id="rId1"/>
   </p:sldMasterIdLst>
   <p:notesMasterIdLst>
-    <p:notesMasterId r:id="rId7"/>
+    <p:notesMasterId r:id="rId6"/>
   </p:notesMasterIdLst>
   <p:sldIdLst>
-    <p:sldId id="256" r:id="rId8"/>
-    <p:sldId id="257" r:id="rId9"/>
-    <p:sldId id="258" r:id="rId10"/>
-    <p:sldId id="259" r:id="rId11"/>
-    <p:sldId id="260" r:id="rId12"/>
+    <p:sldId id="257" r:id="rId2"/>
+    <p:sldId id="258" r:id="rId3"/>
+    <p:sldId id="259" r:id="rId4"/>
+    <p:sldId id="260" r:id="rId5"/>
   </p:sldIdLst>
   <p:sldSz cx="13004800" cy="9753600"/>
   <p:notesSz cx="6858000" cy="9144000"/>
@@ -32,7 +31,7 @@
       <a:buFontTx/>
       <a:buNone/>
       <a:tabLst/>
-      <a:defRPr b="0" baseline="0" cap="none" i="0" spc="0" strike="noStrike" sz="1800" u="none" kumimoji="0" normalizeH="0">
+      <a:defRPr kumimoji="0" sz="1800" b="0" i="0" u="none" strike="noStrike" cap="none" spc="0" normalizeH="0" baseline="0">
         <a:ln>
           <a:noFill/>
         </a:ln>
@@ -58,7 +57,7 @@
       <a:buFontTx/>
       <a:buNone/>
       <a:tabLst/>
-      <a:defRPr b="0" baseline="0" cap="none" i="0" spc="0" strike="noStrike" sz="3800" u="none" kumimoji="0" normalizeH="0">
+      <a:defRPr kumimoji="0" sz="3800" b="0" i="0" u="none" strike="noStrike" cap="none" spc="0" normalizeH="0" baseline="0">
         <a:ln>
           <a:noFill/>
         </a:ln>
@@ -88,7 +87,7 @@
       <a:buFontTx/>
       <a:buNone/>
       <a:tabLst/>
-      <a:defRPr b="0" baseline="0" cap="none" i="0" spc="0" strike="noStrike" sz="3800" u="none" kumimoji="0" normalizeH="0">
+      <a:defRPr kumimoji="0" sz="3800" b="0" i="0" u="none" strike="noStrike" cap="none" spc="0" normalizeH="0" baseline="0">
         <a:ln>
           <a:noFill/>
         </a:ln>
@@ -118,7 +117,7 @@
       <a:buFontTx/>
       <a:buNone/>
       <a:tabLst/>
-      <a:defRPr b="0" baseline="0" cap="none" i="0" spc="0" strike="noStrike" sz="3800" u="none" kumimoji="0" normalizeH="0">
+      <a:defRPr kumimoji="0" sz="3800" b="0" i="0" u="none" strike="noStrike" cap="none" spc="0" normalizeH="0" baseline="0">
         <a:ln>
           <a:noFill/>
         </a:ln>
@@ -148,7 +147,7 @@
       <a:buFontTx/>
       <a:buNone/>
       <a:tabLst/>
-      <a:defRPr b="0" baseline="0" cap="none" i="0" spc="0" strike="noStrike" sz="3800" u="none" kumimoji="0" normalizeH="0">
+      <a:defRPr kumimoji="0" sz="3800" b="0" i="0" u="none" strike="noStrike" cap="none" spc="0" normalizeH="0" baseline="0">
         <a:ln>
           <a:noFill/>
         </a:ln>
@@ -178,7 +177,7 @@
       <a:buFontTx/>
       <a:buNone/>
       <a:tabLst/>
-      <a:defRPr b="0" baseline="0" cap="none" i="0" spc="0" strike="noStrike" sz="3800" u="none" kumimoji="0" normalizeH="0">
+      <a:defRPr kumimoji="0" sz="3800" b="0" i="0" u="none" strike="noStrike" cap="none" spc="0" normalizeH="0" baseline="0">
         <a:ln>
           <a:noFill/>
         </a:ln>
@@ -208,7 +207,7 @@
       <a:buFontTx/>
       <a:buNone/>
       <a:tabLst/>
-      <a:defRPr b="0" baseline="0" cap="none" i="0" spc="0" strike="noStrike" sz="3800" u="none" kumimoji="0" normalizeH="0">
+      <a:defRPr kumimoji="0" sz="3800" b="0" i="0" u="none" strike="noStrike" cap="none" spc="0" normalizeH="0" baseline="0">
         <a:ln>
           <a:noFill/>
         </a:ln>
@@ -238,7 +237,7 @@
       <a:buFontTx/>
       <a:buNone/>
       <a:tabLst/>
-      <a:defRPr b="0" baseline="0" cap="none" i="0" spc="0" strike="noStrike" sz="3800" u="none" kumimoji="0" normalizeH="0">
+      <a:defRPr kumimoji="0" sz="3800" b="0" i="0" u="none" strike="noStrike" cap="none" spc="0" normalizeH="0" baseline="0">
         <a:ln>
           <a:noFill/>
         </a:ln>
@@ -268,7 +267,7 @@
       <a:buFontTx/>
       <a:buNone/>
       <a:tabLst/>
-      <a:defRPr b="0" baseline="0" cap="none" i="0" spc="0" strike="noStrike" sz="3800" u="none" kumimoji="0" normalizeH="0">
+      <a:defRPr kumimoji="0" sz="3800" b="0" i="0" u="none" strike="noStrike" cap="none" spc="0" normalizeH="0" baseline="0">
         <a:ln>
           <a:noFill/>
         </a:ln>
@@ -298,7 +297,7 @@
       <a:buFontTx/>
       <a:buNone/>
       <a:tabLst/>
-      <a:defRPr b="0" baseline="0" cap="none" i="0" spc="0" strike="noStrike" sz="3800" u="none" kumimoji="0" normalizeH="0">
+      <a:defRPr kumimoji="0" sz="3800" b="0" i="0" u="none" strike="noStrike" cap="none" spc="0" normalizeH="0" baseline="0">
         <a:ln>
           <a:noFill/>
         </a:ln>
@@ -317,14 +316,12 @@
 </p:presentation>
 </file>
 
-<file path=ppt/commentAuthors.xml><?xml version="1.0" encoding="utf-8"?>
-<p:cmAuthorLst xmlns:a="http://schemas.openxmlformats.org/drawingml/2006/main" xmlns:r="http://schemas.openxmlformats.org/officeDocument/2006/relationships" xmlns:p="http://schemas.openxmlformats.org/presentationml/2006/main"/>
-</file>
-
 <file path=ppt/charts/chart1.xml><?xml version="1.0" encoding="utf-8"?>
 <c:chartSpace xmlns:c="http://schemas.openxmlformats.org/drawingml/2006/chart" xmlns:a="http://schemas.openxmlformats.org/drawingml/2006/main" xmlns:r="http://schemas.openxmlformats.org/officeDocument/2006/relationships">
   <c:date1904 val="1"/>
+  <c:lang val="da-DK"/>
   <c:roundedCorners val="0"/>
+  <c:style val="2"/>
   <c:chart>
     <c:autoTitleDeleted val="1"/>
     <c:plotArea>
@@ -333,10 +330,10 @@
           <c:layoutTarget val="inner"/>
           <c:xMode val="edge"/>
           <c:yMode val="edge"/>
-          <c:x val="0.005"/>
-          <c:y val="0.005"/>
+          <c:x val="5.0000000000000001E-3"/>
+          <c:y val="5.0000000000000001E-3"/>
           <c:w val="0.99"/>
-          <c:h val="0.9875"/>
+          <c:h val="0.98750000000000004"/>
         </c:manualLayout>
       </c:layout>
       <c:pieChart>
@@ -365,24 +362,13 @@
             </a:ln>
             <a:effectLst/>
           </c:spPr>
-          <c:explosion val="0"/>
           <c:dPt>
             <c:idx val="0"/>
-            <c:explosion val="0"/>
-            <c:spPr>
-              <a:solidFill>
-                <a:srgbClr val="83B9AA"/>
-              </a:solidFill>
-              <a:ln w="12700" cap="flat">
-                <a:noFill/>
-                <a:miter lim="400000"/>
-              </a:ln>
-              <a:effectLst/>
-            </c:spPr>
+            <c:bubble3D val="0"/>
           </c:dPt>
           <c:dPt>
             <c:idx val="1"/>
-            <c:explosion val="0"/>
+            <c:bubble3D val="0"/>
             <c:spPr>
               <a:solidFill>
                 <a:srgbClr val="99C7CE"/>
@@ -396,7 +382,7 @@
           </c:dPt>
           <c:dPt>
             <c:idx val="2"/>
-            <c:explosion val="0"/>
+            <c:bubble3D val="0"/>
             <c:spPr>
               <a:solidFill>
                 <a:srgbClr val="C3C892"/>
@@ -410,7 +396,7 @@
           </c:dPt>
           <c:dPt>
             <c:idx val="3"/>
-            <c:explosion val="0"/>
+            <c:bubble3D val="0"/>
             <c:spPr>
               <a:solidFill>
                 <a:srgbClr val="CEB8CB"/>
@@ -424,7 +410,7 @@
           </c:dPt>
           <c:dPt>
             <c:idx val="4"/>
-            <c:explosion val="0"/>
+            <c:bubble3D val="0"/>
             <c:spPr>
               <a:solidFill>
                 <a:srgbClr val="BB997B"/>
@@ -438,7 +424,7 @@
           </c:dPt>
           <c:dPt>
             <c:idx val="5"/>
-            <c:explosion val="0"/>
+            <c:bubble3D val="0"/>
             <c:spPr>
               <a:solidFill>
                 <a:srgbClr val="4E5755"/>
@@ -454,18 +440,20 @@
             <c:dLbl>
               <c:idx val="0"/>
               <c:numFmt formatCode="#,##0%" sourceLinked="0"/>
+              <c:spPr/>
               <c:txPr>
                 <a:bodyPr/>
                 <a:lstStyle/>
                 <a:p>
                   <a:pPr>
-                    <a:defRPr b="0" i="0" strike="noStrike" sz="2800" u="none">
+                    <a:defRPr sz="2800" b="0" i="0" u="none" strike="noStrike">
                       <a:solidFill>
                         <a:srgbClr val="FFFFFF"/>
                       </a:solidFill>
                       <a:latin typeface="Helvetica Light"/>
                     </a:defRPr>
                   </a:pPr>
+                  <a:endParaRPr lang="da-DK"/>
                 </a:p>
               </c:txPr>
               <c:dLblPos val="ctr"/>
@@ -479,18 +467,20 @@
             <c:dLbl>
               <c:idx val="1"/>
               <c:numFmt formatCode="#,##0%" sourceLinked="0"/>
+              <c:spPr/>
               <c:txPr>
                 <a:bodyPr/>
                 <a:lstStyle/>
                 <a:p>
                   <a:pPr>
-                    <a:defRPr b="0" i="0" strike="noStrike" sz="2800" u="none">
+                    <a:defRPr sz="2800" b="0" i="0" u="none" strike="noStrike">
                       <a:solidFill>
                         <a:srgbClr val="FFFFFF"/>
                       </a:solidFill>
                       <a:latin typeface="Helvetica Light"/>
                     </a:defRPr>
                   </a:pPr>
+                  <a:endParaRPr lang="da-DK"/>
                 </a:p>
               </c:txPr>
               <c:dLblPos val="ctr"/>
@@ -504,18 +494,20 @@
             <c:dLbl>
               <c:idx val="2"/>
               <c:numFmt formatCode="#,##0%" sourceLinked="0"/>
+              <c:spPr/>
               <c:txPr>
                 <a:bodyPr/>
                 <a:lstStyle/>
                 <a:p>
                   <a:pPr>
-                    <a:defRPr b="0" i="0" strike="noStrike" sz="2800" u="none">
+                    <a:defRPr sz="2800" b="0" i="0" u="none" strike="noStrike">
                       <a:solidFill>
                         <a:srgbClr val="FFFFFF"/>
                       </a:solidFill>
                       <a:latin typeface="Helvetica Light"/>
                     </a:defRPr>
                   </a:pPr>
+                  <a:endParaRPr lang="da-DK"/>
                 </a:p>
               </c:txPr>
               <c:dLblPos val="ctr"/>
@@ -529,18 +521,20 @@
             <c:dLbl>
               <c:idx val="3"/>
               <c:numFmt formatCode="#,##0%" sourceLinked="0"/>
+              <c:spPr/>
               <c:txPr>
                 <a:bodyPr/>
                 <a:lstStyle/>
                 <a:p>
                   <a:pPr>
-                    <a:defRPr b="0" i="0" strike="noStrike" sz="2800" u="none">
+                    <a:defRPr sz="2800" b="0" i="0" u="none" strike="noStrike">
                       <a:solidFill>
                         <a:srgbClr val="FFFFFF"/>
                       </a:solidFill>
                       <a:latin typeface="Helvetica Light"/>
                     </a:defRPr>
                   </a:pPr>
+                  <a:endParaRPr lang="da-DK"/>
                 </a:p>
               </c:txPr>
               <c:dLblPos val="ctr"/>
@@ -554,18 +548,20 @@
             <c:dLbl>
               <c:idx val="4"/>
               <c:numFmt formatCode="#,##0%" sourceLinked="0"/>
+              <c:spPr/>
               <c:txPr>
                 <a:bodyPr/>
                 <a:lstStyle/>
                 <a:p>
                   <a:pPr>
-                    <a:defRPr b="0" i="0" strike="noStrike" sz="2800" u="none">
+                    <a:defRPr sz="2800" b="0" i="0" u="none" strike="noStrike">
                       <a:solidFill>
                         <a:srgbClr val="FFFFFF"/>
                       </a:solidFill>
                       <a:latin typeface="Helvetica Light"/>
                     </a:defRPr>
                   </a:pPr>
+                  <a:endParaRPr lang="da-DK"/>
                 </a:p>
               </c:txPr>
               <c:dLblPos val="ctr"/>
@@ -579,18 +575,20 @@
             <c:dLbl>
               <c:idx val="5"/>
               <c:numFmt formatCode="#,##0%" sourceLinked="0"/>
+              <c:spPr/>
               <c:txPr>
                 <a:bodyPr/>
                 <a:lstStyle/>
                 <a:p>
                   <a:pPr>
-                    <a:defRPr b="0" i="0" strike="noStrike" sz="2800" u="none">
+                    <a:defRPr sz="2800" b="0" i="0" u="none" strike="noStrike">
                       <a:solidFill>
                         <a:srgbClr val="FFFFFF"/>
                       </a:solidFill>
                       <a:latin typeface="Helvetica Light"/>
                     </a:defRPr>
                   </a:pPr>
+                  <a:endParaRPr lang="da-DK"/>
                 </a:p>
               </c:txPr>
               <c:dLblPos val="ctr"/>
@@ -602,18 +600,26 @@
               <c:showBubbleSize val="0"/>
             </c:dLbl>
             <c:numFmt formatCode="#,##0%" sourceLinked="0"/>
+            <c:spPr>
+              <a:noFill/>
+              <a:ln>
+                <a:noFill/>
+              </a:ln>
+              <a:effectLst/>
+            </c:spPr>
             <c:txPr>
               <a:bodyPr/>
               <a:lstStyle/>
               <a:p>
                 <a:pPr>
-                  <a:defRPr b="0" i="0" strike="noStrike" sz="2800" u="none">
+                  <a:defRPr sz="2800" b="0" i="0" u="none" strike="noStrike">
                     <a:solidFill>
                       <a:srgbClr val="FFFFFF"/>
                     </a:solidFill>
                     <a:latin typeface="Helvetica Light"/>
                   </a:defRPr>
                 </a:pPr>
+                <a:endParaRPr lang="da-DK"/>
               </a:p>
             </c:txPr>
             <c:dLblPos val="ctr"/>
@@ -624,6 +630,9 @@
             <c:showPercent val="1"/>
             <c:showBubbleSize val="0"/>
             <c:showLeaderLines val="0"/>
+            <c:extLst>
+              <c:ext xmlns:c15="http://schemas.microsoft.com/office/drawing/2012/chart" uri="{CE6537A1-D6FC-4f65-9D91-7224C49458BB}"/>
+            </c:extLst>
           </c:dLbls>
           <c:cat>
             <c:strRef>
@@ -655,29 +664,39 @@
             <c:numRef>
               <c:f>Sheet1!$B$2:$G$2</c:f>
               <c:numCache>
+                <c:formatCode>General</c:formatCode>
                 <c:ptCount val="6"/>
                 <c:pt idx="0">
-                  <c:v>91.000000</c:v>
+                  <c:v>91</c:v>
                 </c:pt>
                 <c:pt idx="1">
-                  <c:v>76.000000</c:v>
+                  <c:v>76</c:v>
                 </c:pt>
                 <c:pt idx="2">
-                  <c:v>28.000000</c:v>
+                  <c:v>28</c:v>
                 </c:pt>
                 <c:pt idx="3">
-                  <c:v>26.000000</c:v>
+                  <c:v>26</c:v>
                 </c:pt>
                 <c:pt idx="4">
-                  <c:v>21.000000</c:v>
+                  <c:v>21</c:v>
                 </c:pt>
                 <c:pt idx="5">
-                  <c:v>18.000000</c:v>
+                  <c:v>18</c:v>
                 </c:pt>
               </c:numCache>
             </c:numRef>
           </c:val>
         </c:ser>
+        <c:dLbls>
+          <c:showLegendKey val="0"/>
+          <c:showVal val="0"/>
+          <c:showCatName val="0"/>
+          <c:showSerName val="0"/>
+          <c:showPercent val="0"/>
+          <c:showBubbleSize val="0"/>
+          <c:showLeaderLines val="0"/>
+        </c:dLbls>
         <c:firstSliceAng val="0"/>
       </c:pieChart>
       <c:spPr>
@@ -691,6 +710,7 @@
     </c:plotArea>
     <c:plotVisOnly val="1"/>
     <c:dispBlanksAs val="gap"/>
+    <c:showDLblsOverMax val="1"/>
   </c:chart>
   <c:spPr>
     <a:noFill/>
@@ -708,7 +728,9 @@
 <file path=ppt/charts/chart2.xml><?xml version="1.0" encoding="utf-8"?>
 <c:chartSpace xmlns:c="http://schemas.openxmlformats.org/drawingml/2006/chart" xmlns:a="http://schemas.openxmlformats.org/drawingml/2006/main" xmlns:r="http://schemas.openxmlformats.org/officeDocument/2006/relationships">
   <c:date1904 val="1"/>
+  <c:lang val="da-DK"/>
   <c:roundedCorners val="0"/>
+  <c:style val="2"/>
   <c:chart>
     <c:autoTitleDeleted val="1"/>
     <c:plotArea>
@@ -718,8 +740,8 @@
           <c:xMode val="edge"/>
           <c:yMode val="edge"/>
           <c:x val="0.12118"/>
-          <c:y val="0.0607375"/>
-          <c:w val="0.87382"/>
+          <c:y val="6.07375E-2"/>
+          <c:w val="0.87382000000000004"/>
           <c:h val="0.844333"/>
         </c:manualLayout>
       </c:layout>
@@ -752,38 +774,6 @@
             <a:effectLst/>
           </c:spPr>
           <c:invertIfNegative val="0"/>
-          <c:dLbls>
-            <c:numFmt formatCode="#,##0" sourceLinked="0"/>
-            <c:txPr>
-              <a:bodyPr/>
-              <a:lstStyle/>
-              <a:p>
-                <a:pPr>
-                  <a:defRPr b="0" i="0" strike="noStrike" sz="2800" u="none">
-                    <a:solidFill>
-                      <a:srgbClr val="FFFFFF"/>
-                    </a:solidFill>
-                    <a:effectLst>
-                      <a:outerShdw sx="100000" sy="100000" kx="0" ky="0" algn="tl" rotWithShape="1" blurRad="127000" dist="63910" dir="5400000">
-                        <a:srgbClr val="000000">
-                          <a:alpha val="60000"/>
-                        </a:srgbClr>
-                      </a:outerShdw>
-                    </a:effectLst>
-                    <a:latin typeface="Helvetica Light"/>
-                  </a:defRPr>
-                </a:pPr>
-              </a:p>
-            </c:txPr>
-            <c:dLblPos val="inEnd"/>
-            <c:showLegendKey val="0"/>
-            <c:showVal val="0"/>
-            <c:showCatName val="0"/>
-            <c:showSerName val="0"/>
-            <c:showPercent val="0"/>
-            <c:showBubbleSize val="0"/>
-            <c:showLeaderLines val="0"/>
-          </c:dLbls>
           <c:cat>
             <c:strRef>
               <c:f>Sheet1!$B$1:$E$1</c:f>
@@ -808,18 +798,19 @@
             <c:numRef>
               <c:f>Sheet1!$B$2:$E$2</c:f>
               <c:numCache>
+                <c:formatCode>General</c:formatCode>
                 <c:ptCount val="4"/>
                 <c:pt idx="0">
-                  <c:v>17.000000</c:v>
+                  <c:v>17</c:v>
                 </c:pt>
                 <c:pt idx="1">
-                  <c:v>26.000000</c:v>
+                  <c:v>26</c:v>
                 </c:pt>
                 <c:pt idx="2">
-                  <c:v>53.000000</c:v>
+                  <c:v>53</c:v>
                 </c:pt>
                 <c:pt idx="3">
-                  <c:v>96.000000</c:v>
+                  <c:v>96</c:v>
                 </c:pt>
               </c:numCache>
             </c:numRef>
@@ -850,38 +841,6 @@
             <a:effectLst/>
           </c:spPr>
           <c:invertIfNegative val="0"/>
-          <c:dLbls>
-            <c:numFmt formatCode="#,##0" sourceLinked="0"/>
-            <c:txPr>
-              <a:bodyPr/>
-              <a:lstStyle/>
-              <a:p>
-                <a:pPr>
-                  <a:defRPr b="0" i="0" strike="noStrike" sz="2800" u="none">
-                    <a:solidFill>
-                      <a:srgbClr val="FFFFFF"/>
-                    </a:solidFill>
-                    <a:effectLst>
-                      <a:outerShdw sx="100000" sy="100000" kx="0" ky="0" algn="tl" rotWithShape="1" blurRad="127000" dist="63910" dir="5400000">
-                        <a:srgbClr val="000000">
-                          <a:alpha val="60000"/>
-                        </a:srgbClr>
-                      </a:outerShdw>
-                    </a:effectLst>
-                    <a:latin typeface="Helvetica Light"/>
-                  </a:defRPr>
-                </a:pPr>
-              </a:p>
-            </c:txPr>
-            <c:dLblPos val="inEnd"/>
-            <c:showLegendKey val="0"/>
-            <c:showVal val="0"/>
-            <c:showCatName val="0"/>
-            <c:showSerName val="0"/>
-            <c:showPercent val="0"/>
-            <c:showBubbleSize val="0"/>
-            <c:showLeaderLines val="0"/>
-          </c:dLbls>
           <c:cat>
             <c:strRef>
               <c:f>Sheet1!$B$1:$E$1</c:f>
@@ -906,30 +865,39 @@
             <c:numRef>
               <c:f>Sheet1!$B$3:$E$3</c:f>
               <c:numCache>
+                <c:formatCode>General</c:formatCode>
                 <c:ptCount val="4"/>
                 <c:pt idx="0">
-                  <c:v>55.000000</c:v>
+                  <c:v>55</c:v>
                 </c:pt>
                 <c:pt idx="1">
-                  <c:v>43.000000</c:v>
+                  <c:v>43</c:v>
                 </c:pt>
                 <c:pt idx="2">
-                  <c:v>70.000000</c:v>
+                  <c:v>70</c:v>
                 </c:pt>
                 <c:pt idx="3">
-                  <c:v>58.000000</c:v>
+                  <c:v>58</c:v>
                 </c:pt>
               </c:numCache>
             </c:numRef>
           </c:val>
         </c:ser>
+        <c:dLbls>
+          <c:showLegendKey val="0"/>
+          <c:showVal val="0"/>
+          <c:showCatName val="0"/>
+          <c:showSerName val="0"/>
+          <c:showPercent val="0"/>
+          <c:showBubbleSize val="0"/>
+        </c:dLbls>
         <c:gapWidth val="40"/>
         <c:overlap val="-10"/>
-        <c:axId val="2094734552"/>
-        <c:axId val="2094734553"/>
+        <c:axId val="-1584237360"/>
+        <c:axId val="-1584236816"/>
       </c:barChart>
       <c:catAx>
-        <c:axId val="2094734552"/>
+        <c:axId val="-1584237360"/>
         <c:scaling>
           <c:orientation val="minMax"/>
         </c:scaling>
@@ -953,23 +921,25 @@
           <a:lstStyle/>
           <a:p>
             <a:pPr>
-              <a:defRPr b="0" i="0" strike="noStrike" sz="2300" u="none">
+              <a:defRPr sz="2300" b="0" i="0" u="none" strike="noStrike">
                 <a:solidFill>
                   <a:srgbClr val="4E5755"/>
                 </a:solidFill>
                 <a:latin typeface="Helvetica Light"/>
               </a:defRPr>
             </a:pPr>
+            <a:endParaRPr lang="da-DK"/>
           </a:p>
         </c:txPr>
-        <c:crossAx val="2094734553"/>
+        <c:crossAx val="-1584236816"/>
         <c:crosses val="autoZero"/>
         <c:auto val="1"/>
         <c:lblAlgn val="ctr"/>
+        <c:lblOffset val="100"/>
         <c:noMultiLvlLbl val="1"/>
       </c:catAx>
       <c:valAx>
-        <c:axId val="2094734553"/>
+        <c:axId val="-1584236816"/>
         <c:scaling>
           <c:orientation val="minMax"/>
         </c:scaling>
@@ -1002,16 +972,17 @@
           <a:lstStyle/>
           <a:p>
             <a:pPr>
-              <a:defRPr b="0" i="0" strike="noStrike" sz="2300" u="none">
+              <a:defRPr sz="2300" b="0" i="0" u="none" strike="noStrike">
                 <a:solidFill>
                   <a:srgbClr val="4E5755"/>
                 </a:solidFill>
                 <a:latin typeface="Helvetica Light"/>
               </a:defRPr>
             </a:pPr>
+            <a:endParaRPr lang="da-DK"/>
           </a:p>
         </c:txPr>
-        <c:crossAx val="2094734552"/>
+        <c:crossAx val="-1584237360"/>
         <c:crosses val="autoZero"/>
         <c:crossBetween val="between"/>
         <c:majorUnit val="25"/>
@@ -1028,6 +999,7 @@
     </c:plotArea>
     <c:plotVisOnly val="1"/>
     <c:dispBlanksAs val="gap"/>
+    <c:showDLblsOverMax val="1"/>
   </c:chart>
   <c:spPr>
     <a:noFill/>
@@ -1045,7 +1017,9 @@
 <file path=ppt/charts/chart3.xml><?xml version="1.0" encoding="utf-8"?>
 <c:chartSpace xmlns:c="http://schemas.openxmlformats.org/drawingml/2006/chart" xmlns:a="http://schemas.openxmlformats.org/drawingml/2006/main" xmlns:r="http://schemas.openxmlformats.org/officeDocument/2006/relationships">
   <c:date1904 val="1"/>
+  <c:lang val="da-DK"/>
   <c:roundedCorners val="0"/>
+  <c:style val="2"/>
   <c:chart>
     <c:autoTitleDeleted val="1"/>
     <c:plotArea>
@@ -1054,10 +1028,10 @@
           <c:layoutTarget val="inner"/>
           <c:xMode val="edge"/>
           <c:yMode val="edge"/>
-          <c:x val="0.005"/>
-          <c:y val="0.005"/>
+          <c:x val="5.0000000000000001E-3"/>
+          <c:y val="5.0000000000000001E-3"/>
           <c:w val="0.99"/>
-          <c:h val="0.9875"/>
+          <c:h val="0.98750000000000004"/>
         </c:manualLayout>
       </c:layout>
       <c:pieChart>
@@ -1086,24 +1060,13 @@
             </a:ln>
             <a:effectLst/>
           </c:spPr>
-          <c:explosion val="0"/>
           <c:dPt>
             <c:idx val="0"/>
-            <c:explosion val="0"/>
-            <c:spPr>
-              <a:solidFill>
-                <a:srgbClr val="83B9AA"/>
-              </a:solidFill>
-              <a:ln w="12700" cap="flat">
-                <a:noFill/>
-                <a:miter lim="400000"/>
-              </a:ln>
-              <a:effectLst/>
-            </c:spPr>
+            <c:bubble3D val="0"/>
           </c:dPt>
           <c:dPt>
             <c:idx val="1"/>
-            <c:explosion val="0"/>
+            <c:bubble3D val="0"/>
             <c:spPr>
               <a:solidFill>
                 <a:srgbClr val="99C7CE"/>
@@ -1117,7 +1080,7 @@
           </c:dPt>
           <c:dPt>
             <c:idx val="2"/>
-            <c:explosion val="0"/>
+            <c:bubble3D val="0"/>
             <c:spPr>
               <a:solidFill>
                 <a:srgbClr val="C3C892"/>
@@ -1131,7 +1094,7 @@
           </c:dPt>
           <c:dPt>
             <c:idx val="3"/>
-            <c:explosion val="0"/>
+            <c:bubble3D val="0"/>
             <c:spPr>
               <a:solidFill>
                 <a:srgbClr val="CEB8CB"/>
@@ -1145,7 +1108,7 @@
           </c:dPt>
           <c:dPt>
             <c:idx val="4"/>
-            <c:explosion val="0"/>
+            <c:bubble3D val="0"/>
             <c:spPr>
               <a:solidFill>
                 <a:srgbClr val="BB997B"/>
@@ -1159,7 +1122,7 @@
           </c:dPt>
           <c:dPt>
             <c:idx val="5"/>
-            <c:explosion val="0"/>
+            <c:bubble3D val="0"/>
             <c:spPr>
               <a:solidFill>
                 <a:srgbClr val="DBE3E2"/>
@@ -1175,18 +1138,20 @@
             <c:dLbl>
               <c:idx val="0"/>
               <c:numFmt formatCode="#,##0%" sourceLinked="0"/>
+              <c:spPr/>
               <c:txPr>
                 <a:bodyPr/>
                 <a:lstStyle/>
                 <a:p>
                   <a:pPr>
-                    <a:defRPr b="0" i="0" strike="noStrike" sz="2800" u="none">
+                    <a:defRPr sz="2800" b="0" i="0" u="none" strike="noStrike">
                       <a:solidFill>
                         <a:srgbClr val="FFFFFF"/>
                       </a:solidFill>
                       <a:latin typeface="Helvetica Light"/>
                     </a:defRPr>
                   </a:pPr>
+                  <a:endParaRPr lang="da-DK"/>
                 </a:p>
               </c:txPr>
               <c:dLblPos val="ctr"/>
@@ -1200,18 +1165,20 @@
             <c:dLbl>
               <c:idx val="1"/>
               <c:numFmt formatCode="#,##0%" sourceLinked="0"/>
+              <c:spPr/>
               <c:txPr>
                 <a:bodyPr/>
                 <a:lstStyle/>
                 <a:p>
                   <a:pPr>
-                    <a:defRPr b="0" i="0" strike="noStrike" sz="2800" u="none">
+                    <a:defRPr sz="2800" b="0" i="0" u="none" strike="noStrike">
                       <a:solidFill>
                         <a:srgbClr val="FFFFFF"/>
                       </a:solidFill>
                       <a:latin typeface="Helvetica Light"/>
                     </a:defRPr>
                   </a:pPr>
+                  <a:endParaRPr lang="da-DK"/>
                 </a:p>
               </c:txPr>
               <c:dLblPos val="ctr"/>
@@ -1225,18 +1192,20 @@
             <c:dLbl>
               <c:idx val="2"/>
               <c:numFmt formatCode="#,##0%" sourceLinked="0"/>
+              <c:spPr/>
               <c:txPr>
                 <a:bodyPr/>
                 <a:lstStyle/>
                 <a:p>
                   <a:pPr>
-                    <a:defRPr b="0" i="0" strike="noStrike" sz="2800" u="none">
+                    <a:defRPr sz="2800" b="0" i="0" u="none" strike="noStrike">
                       <a:solidFill>
                         <a:srgbClr val="FFFFFF"/>
                       </a:solidFill>
                       <a:latin typeface="Helvetica Light"/>
                     </a:defRPr>
                   </a:pPr>
+                  <a:endParaRPr lang="da-DK"/>
                 </a:p>
               </c:txPr>
               <c:dLblPos val="ctr"/>
@@ -1250,18 +1219,20 @@
             <c:dLbl>
               <c:idx val="3"/>
               <c:numFmt formatCode="#,##0%" sourceLinked="0"/>
+              <c:spPr/>
               <c:txPr>
                 <a:bodyPr/>
                 <a:lstStyle/>
                 <a:p>
                   <a:pPr>
-                    <a:defRPr b="0" i="0" strike="noStrike" sz="2800" u="none">
+                    <a:defRPr sz="2800" b="0" i="0" u="none" strike="noStrike">
                       <a:solidFill>
                         <a:srgbClr val="FFFFFF"/>
                       </a:solidFill>
                       <a:latin typeface="Helvetica Light"/>
                     </a:defRPr>
                   </a:pPr>
+                  <a:endParaRPr lang="da-DK"/>
                 </a:p>
               </c:txPr>
               <c:dLblPos val="ctr"/>
@@ -1275,18 +1246,20 @@
             <c:dLbl>
               <c:idx val="4"/>
               <c:numFmt formatCode="#,##0%" sourceLinked="0"/>
+              <c:spPr/>
               <c:txPr>
                 <a:bodyPr/>
                 <a:lstStyle/>
                 <a:p>
                   <a:pPr>
-                    <a:defRPr b="0" i="0" strike="noStrike" sz="2800" u="none">
+                    <a:defRPr sz="2800" b="0" i="0" u="none" strike="noStrike">
                       <a:solidFill>
                         <a:srgbClr val="FFFFFF"/>
                       </a:solidFill>
                       <a:latin typeface="Helvetica Light"/>
                     </a:defRPr>
                   </a:pPr>
+                  <a:endParaRPr lang="da-DK"/>
                 </a:p>
               </c:txPr>
               <c:dLblPos val="ctr"/>
@@ -1300,18 +1273,20 @@
             <c:dLbl>
               <c:idx val="5"/>
               <c:numFmt formatCode="#,##0%" sourceLinked="0"/>
+              <c:spPr/>
               <c:txPr>
                 <a:bodyPr/>
                 <a:lstStyle/>
                 <a:p>
                   <a:pPr>
-                    <a:defRPr b="0" i="0" strike="noStrike" sz="2800" u="none">
+                    <a:defRPr sz="2800" b="0" i="0" u="none" strike="noStrike">
                       <a:solidFill>
                         <a:srgbClr val="FFFFFF"/>
                       </a:solidFill>
                       <a:latin typeface="Helvetica Light"/>
                     </a:defRPr>
                   </a:pPr>
+                  <a:endParaRPr lang="da-DK"/>
                 </a:p>
               </c:txPr>
               <c:dLblPos val="ctr"/>
@@ -1323,18 +1298,26 @@
               <c:showBubbleSize val="0"/>
             </c:dLbl>
             <c:numFmt formatCode="#,##0%" sourceLinked="0"/>
+            <c:spPr>
+              <a:noFill/>
+              <a:ln>
+                <a:noFill/>
+              </a:ln>
+              <a:effectLst/>
+            </c:spPr>
             <c:txPr>
               <a:bodyPr/>
               <a:lstStyle/>
               <a:p>
                 <a:pPr>
-                  <a:defRPr b="0" i="0" strike="noStrike" sz="2800" u="none">
+                  <a:defRPr sz="2800" b="0" i="0" u="none" strike="noStrike">
                     <a:solidFill>
                       <a:srgbClr val="FFFFFF"/>
                     </a:solidFill>
                     <a:latin typeface="Helvetica Light"/>
                   </a:defRPr>
                 </a:pPr>
+                <a:endParaRPr lang="da-DK"/>
               </a:p>
             </c:txPr>
             <c:dLblPos val="ctr"/>
@@ -1345,6 +1328,9 @@
             <c:showPercent val="1"/>
             <c:showBubbleSize val="0"/>
             <c:showLeaderLines val="0"/>
+            <c:extLst>
+              <c:ext xmlns:c15="http://schemas.microsoft.com/office/drawing/2012/chart" uri="{CE6537A1-D6FC-4f65-9D91-7224C49458BB}"/>
+            </c:extLst>
           </c:dLbls>
           <c:cat>
             <c:strRef>
@@ -1376,29 +1362,39 @@
             <c:numRef>
               <c:f>Sheet1!$B$2:$G$2</c:f>
               <c:numCache>
+                <c:formatCode>General</c:formatCode>
                 <c:ptCount val="6"/>
                 <c:pt idx="0">
-                  <c:v>91.000000</c:v>
+                  <c:v>91</c:v>
                 </c:pt>
                 <c:pt idx="1">
-                  <c:v>76.000000</c:v>
+                  <c:v>76</c:v>
                 </c:pt>
                 <c:pt idx="2">
-                  <c:v>28.000000</c:v>
+                  <c:v>28</c:v>
                 </c:pt>
                 <c:pt idx="3">
-                  <c:v>26.000000</c:v>
+                  <c:v>26</c:v>
                 </c:pt>
                 <c:pt idx="4">
-                  <c:v>21.000000</c:v>
+                  <c:v>21</c:v>
                 </c:pt>
                 <c:pt idx="5">
-                  <c:v>18.000000</c:v>
+                  <c:v>18</c:v>
                 </c:pt>
               </c:numCache>
             </c:numRef>
           </c:val>
         </c:ser>
+        <c:dLbls>
+          <c:showLegendKey val="0"/>
+          <c:showVal val="0"/>
+          <c:showCatName val="0"/>
+          <c:showSerName val="0"/>
+          <c:showPercent val="0"/>
+          <c:showBubbleSize val="0"/>
+          <c:showLeaderLines val="0"/>
+        </c:dLbls>
         <c:firstSliceAng val="0"/>
       </c:pieChart>
       <c:spPr>
@@ -1412,6 +1408,7 @@
     </c:plotArea>
     <c:plotVisOnly val="1"/>
     <c:dispBlanksAs val="gap"/>
+    <c:showDLblsOverMax val="1"/>
   </c:chart>
   <c:spPr>
     <a:noFill/>
@@ -1429,7 +1426,9 @@
 <file path=ppt/charts/chart4.xml><?xml version="1.0" encoding="utf-8"?>
 <c:chartSpace xmlns:c="http://schemas.openxmlformats.org/drawingml/2006/chart" xmlns:a="http://schemas.openxmlformats.org/drawingml/2006/main" xmlns:r="http://schemas.openxmlformats.org/officeDocument/2006/relationships">
   <c:date1904 val="1"/>
+  <c:lang val="da-DK"/>
   <c:roundedCorners val="0"/>
+  <c:style val="2"/>
   <c:chart>
     <c:autoTitleDeleted val="1"/>
     <c:plotArea>
@@ -1439,8 +1438,8 @@
           <c:xMode val="edge"/>
           <c:yMode val="edge"/>
           <c:x val="0.12118"/>
-          <c:y val="0.0607375"/>
-          <c:w val="0.87382"/>
+          <c:y val="6.07375E-2"/>
+          <c:w val="0.87382000000000004"/>
           <c:h val="0.844333"/>
         </c:manualLayout>
       </c:layout>
@@ -1473,38 +1472,6 @@
             <a:effectLst/>
           </c:spPr>
           <c:invertIfNegative val="0"/>
-          <c:dLbls>
-            <c:numFmt formatCode="#,##0" sourceLinked="0"/>
-            <c:txPr>
-              <a:bodyPr/>
-              <a:lstStyle/>
-              <a:p>
-                <a:pPr>
-                  <a:defRPr b="0" i="0" strike="noStrike" sz="2800" u="none">
-                    <a:solidFill>
-                      <a:srgbClr val="FFFFFF"/>
-                    </a:solidFill>
-                    <a:effectLst>
-                      <a:outerShdw sx="100000" sy="100000" kx="0" ky="0" algn="tl" rotWithShape="1" blurRad="127000" dist="63910" dir="5400000">
-                        <a:srgbClr val="000000">
-                          <a:alpha val="60000"/>
-                        </a:srgbClr>
-                      </a:outerShdw>
-                    </a:effectLst>
-                    <a:latin typeface="Helvetica Light"/>
-                  </a:defRPr>
-                </a:pPr>
-              </a:p>
-            </c:txPr>
-            <c:dLblPos val="inEnd"/>
-            <c:showLegendKey val="0"/>
-            <c:showVal val="0"/>
-            <c:showCatName val="0"/>
-            <c:showSerName val="0"/>
-            <c:showPercent val="0"/>
-            <c:showBubbleSize val="0"/>
-            <c:showLeaderLines val="0"/>
-          </c:dLbls>
           <c:cat>
             <c:strRef>
               <c:f>Sheet1!$B$1:$E$1</c:f>
@@ -1529,18 +1496,19 @@
             <c:numRef>
               <c:f>Sheet1!$B$2:$E$2</c:f>
               <c:numCache>
+                <c:formatCode>General</c:formatCode>
                 <c:ptCount val="4"/>
                 <c:pt idx="0">
-                  <c:v>17.000000</c:v>
+                  <c:v>17</c:v>
                 </c:pt>
                 <c:pt idx="1">
-                  <c:v>26.000000</c:v>
+                  <c:v>26</c:v>
                 </c:pt>
                 <c:pt idx="2">
-                  <c:v>53.000000</c:v>
+                  <c:v>53</c:v>
                 </c:pt>
                 <c:pt idx="3">
-                  <c:v>96.000000</c:v>
+                  <c:v>96</c:v>
                 </c:pt>
               </c:numCache>
             </c:numRef>
@@ -1571,38 +1539,6 @@
             <a:effectLst/>
           </c:spPr>
           <c:invertIfNegative val="0"/>
-          <c:dLbls>
-            <c:numFmt formatCode="#,##0" sourceLinked="0"/>
-            <c:txPr>
-              <a:bodyPr/>
-              <a:lstStyle/>
-              <a:p>
-                <a:pPr>
-                  <a:defRPr b="0" i="0" strike="noStrike" sz="2800" u="none">
-                    <a:solidFill>
-                      <a:srgbClr val="FFFFFF"/>
-                    </a:solidFill>
-                    <a:effectLst>
-                      <a:outerShdw sx="100000" sy="100000" kx="0" ky="0" algn="tl" rotWithShape="1" blurRad="127000" dist="63910" dir="5400000">
-                        <a:srgbClr val="000000">
-                          <a:alpha val="60000"/>
-                        </a:srgbClr>
-                      </a:outerShdw>
-                    </a:effectLst>
-                    <a:latin typeface="Helvetica Light"/>
-                  </a:defRPr>
-                </a:pPr>
-              </a:p>
-            </c:txPr>
-            <c:dLblPos val="inEnd"/>
-            <c:showLegendKey val="0"/>
-            <c:showVal val="0"/>
-            <c:showCatName val="0"/>
-            <c:showSerName val="0"/>
-            <c:showPercent val="0"/>
-            <c:showBubbleSize val="0"/>
-            <c:showLeaderLines val="0"/>
-          </c:dLbls>
           <c:cat>
             <c:strRef>
               <c:f>Sheet1!$B$1:$E$1</c:f>
@@ -1627,30 +1563,39 @@
             <c:numRef>
               <c:f>Sheet1!$B$3:$E$3</c:f>
               <c:numCache>
+                <c:formatCode>General</c:formatCode>
                 <c:ptCount val="4"/>
                 <c:pt idx="0">
-                  <c:v>55.000000</c:v>
+                  <c:v>55</c:v>
                 </c:pt>
                 <c:pt idx="1">
-                  <c:v>43.000000</c:v>
+                  <c:v>43</c:v>
                 </c:pt>
                 <c:pt idx="2">
-                  <c:v>70.000000</c:v>
+                  <c:v>70</c:v>
                 </c:pt>
                 <c:pt idx="3">
-                  <c:v>58.000000</c:v>
+                  <c:v>58</c:v>
                 </c:pt>
               </c:numCache>
             </c:numRef>
           </c:val>
         </c:ser>
+        <c:dLbls>
+          <c:showLegendKey val="0"/>
+          <c:showVal val="0"/>
+          <c:showCatName val="0"/>
+          <c:showSerName val="0"/>
+          <c:showPercent val="0"/>
+          <c:showBubbleSize val="0"/>
+        </c:dLbls>
         <c:gapWidth val="40"/>
         <c:overlap val="-10"/>
-        <c:axId val="2094734552"/>
-        <c:axId val="2094734553"/>
+        <c:axId val="-1585212800"/>
+        <c:axId val="-1497241088"/>
       </c:barChart>
       <c:catAx>
-        <c:axId val="2094734552"/>
+        <c:axId val="-1585212800"/>
         <c:scaling>
           <c:orientation val="minMax"/>
         </c:scaling>
@@ -1674,23 +1619,25 @@
           <a:lstStyle/>
           <a:p>
             <a:pPr>
-              <a:defRPr b="0" i="0" strike="noStrike" sz="2300" u="none">
+              <a:defRPr sz="2300" b="0" i="0" u="none" strike="noStrike">
                 <a:solidFill>
                   <a:srgbClr val="DBE3E2"/>
                 </a:solidFill>
                 <a:latin typeface="Helvetica Light"/>
               </a:defRPr>
             </a:pPr>
+            <a:endParaRPr lang="da-DK"/>
           </a:p>
         </c:txPr>
-        <c:crossAx val="2094734553"/>
+        <c:crossAx val="-1497241088"/>
         <c:crosses val="autoZero"/>
         <c:auto val="1"/>
         <c:lblAlgn val="ctr"/>
+        <c:lblOffset val="100"/>
         <c:noMultiLvlLbl val="1"/>
       </c:catAx>
       <c:valAx>
-        <c:axId val="2094734553"/>
+        <c:axId val="-1497241088"/>
         <c:scaling>
           <c:orientation val="minMax"/>
         </c:scaling>
@@ -1723,16 +1670,17 @@
           <a:lstStyle/>
           <a:p>
             <a:pPr>
-              <a:defRPr b="0" i="0" strike="noStrike" sz="2300" u="none">
+              <a:defRPr sz="2300" b="0" i="0" u="none" strike="noStrike">
                 <a:solidFill>
                   <a:srgbClr val="DBE3E2"/>
                 </a:solidFill>
                 <a:latin typeface="Helvetica Light"/>
               </a:defRPr>
             </a:pPr>
+            <a:endParaRPr lang="da-DK"/>
           </a:p>
         </c:txPr>
-        <c:crossAx val="2094734552"/>
+        <c:crossAx val="-1585212800"/>
         <c:crosses val="autoZero"/>
         <c:crossBetween val="between"/>
         <c:majorUnit val="25"/>
@@ -1749,6 +1697,7 @@
     </c:plotArea>
     <c:plotVisOnly val="1"/>
     <c:dispBlanksAs val="gap"/>
+    <c:showDLblsOverMax val="1"/>
   </c:chart>
   <c:spPr>
     <a:noFill/>
@@ -1766,6 +1715,11 @@
 <file path=ppt/notesMasters/notesMaster1.xml><?xml version="1.0" encoding="utf-8"?>
 <p:notesMaster xmlns:a="http://schemas.openxmlformats.org/drawingml/2006/main" xmlns:r="http://schemas.openxmlformats.org/officeDocument/2006/relationships" xmlns:p="http://schemas.openxmlformats.org/presentationml/2006/main">
   <p:cSld>
+    <p:bg>
+      <p:bgRef idx="1001">
+        <a:schemeClr val="bg1"/>
+      </p:bgRef>
+    </p:bg>
     <p:spTree>
       <p:nvGrpSpPr>
         <p:cNvPr id="1" name=""/>
@@ -1783,7 +1737,9 @@
       <p:sp>
         <p:nvSpPr>
           <p:cNvPr id="323" name="Shape 323"/>
-          <p:cNvSpPr/>
+          <p:cNvSpPr>
+            <a:spLocks noGrp="1" noRot="1" noChangeAspect="1"/>
+          </p:cNvSpPr>
           <p:nvPr>
             <p:ph type="sldImg"/>
           </p:nvPr>
@@ -1801,14 +1757,16 @@
           <a:bodyPr/>
           <a:lstStyle/>
           <a:p>
-            <a:pPr/>
+            <a:endParaRPr/>
           </a:p>
         </p:txBody>
       </p:sp>
       <p:sp>
         <p:nvSpPr>
           <p:cNvPr id="324" name="Shape 324"/>
-          <p:cNvSpPr/>
+          <p:cNvSpPr>
+            <a:spLocks noGrp="1"/>
+          </p:cNvSpPr>
           <p:nvPr>
             <p:ph type="body" sz="quarter" idx="1"/>
           </p:nvPr>
@@ -1826,11 +1784,16 @@
           <a:bodyPr/>
           <a:lstStyle/>
           <a:p>
-            <a:pPr/>
+            <a:endParaRPr/>
           </a:p>
         </p:txBody>
       </p:sp>
     </p:spTree>
+    <p:extLst>
+      <p:ext uri="{BB962C8B-B14F-4D97-AF65-F5344CB8AC3E}">
+        <p14:creationId xmlns:p14="http://schemas.microsoft.com/office/powerpoint/2010/main" val="2395244779"/>
+      </p:ext>
+    </p:extLst>
   </p:cSld>
   <p:clrMap bg1="lt1" tx1="dk1" bg2="lt2" tx2="dk2" accent1="accent1" accent2="accent2" accent3="accent3" accent4="accent4" accent5="accent5" accent6="accent6" hlink="hlink" folHlink="folHlink"/>
   <p:notesStyle>
@@ -1938,7 +1901,7 @@
 </file>
 
 <file path=ppt/slideLayouts/slideLayout1.xml><?xml version="1.0" encoding="utf-8"?>
-<p:sldLayout xmlns:a="http://schemas.openxmlformats.org/drawingml/2006/main" xmlns:r="http://schemas.openxmlformats.org/officeDocument/2006/relationships" xmlns:p="http://schemas.openxmlformats.org/presentationml/2006/main" type="tx" showMasterSp="1" showMasterPhAnim="1">
+<p:sldLayout xmlns:a="http://schemas.openxmlformats.org/drawingml/2006/main" xmlns:r="http://schemas.openxmlformats.org/officeDocument/2006/relationships" xmlns:p="http://schemas.openxmlformats.org/presentationml/2006/main" type="tx">
   <p:cSld name="First Page">
     <p:spTree>
       <p:nvGrpSpPr>
@@ -1957,7 +1920,9 @@
       <p:sp>
         <p:nvSpPr>
           <p:cNvPr id="13" name="Shape 13"/>
-          <p:cNvSpPr/>
+          <p:cNvSpPr>
+            <a:spLocks noGrp="1"/>
+          </p:cNvSpPr>
           <p:nvPr>
             <p:ph type="body" sz="half" idx="13"/>
           </p:nvPr>
@@ -1983,7 +1948,6 @@
             </a:lvl1pPr>
           </a:lstStyle>
           <a:p>
-            <a:pPr/>
             <a:r>
               <a:t>Topic</a:t>
             </a:r>
@@ -1993,7 +1957,9 @@
       <p:sp>
         <p:nvSpPr>
           <p:cNvPr id="14" name="Shape 14"/>
-          <p:cNvSpPr/>
+          <p:cNvSpPr>
+            <a:spLocks noGrp="1"/>
+          </p:cNvSpPr>
           <p:nvPr>
             <p:ph type="body" sz="quarter" idx="14"/>
           </p:nvPr>
@@ -2027,7 +1993,6 @@
             </a:lvl1pPr>
           </a:lstStyle>
           <a:p>
-            <a:pPr/>
             <a:r>
               <a:t>Short description</a:t>
             </a:r>
@@ -2037,7 +2002,9 @@
       <p:sp>
         <p:nvSpPr>
           <p:cNvPr id="15" name="Shape 15"/>
-          <p:cNvSpPr/>
+          <p:cNvSpPr>
+            <a:spLocks noGrp="1"/>
+          </p:cNvSpPr>
           <p:nvPr>
             <p:ph type="body" sz="quarter" idx="15"/>
           </p:nvPr>
@@ -2067,7 +2034,7 @@
             </a:r>
             <a:r>
               <a:rPr u="sng">
-                <a:hlinkClick r:id="rId2" invalidUrl="" action="" tgtFrame="" tooltip="" history="1" highlightClick="0" endSnd="0"/>
+                <a:hlinkClick r:id="rId2"/>
               </a:rPr>
               <a:t>jwb@eaaa.dk</a:t>
             </a:r>
@@ -2106,7 +2073,7 @@
             </a:r>
             <a:r>
               <a:rPr u="sng">
-                <a:hlinkClick r:id="rId3" invalidUrl="" action="" tgtFrame="" tooltip="" history="1" highlightClick="0" endSnd="0"/>
+                <a:hlinkClick r:id="rId3"/>
               </a:rPr>
               <a:t>www.baaa.dk</a:t>
             </a:r>
@@ -2119,7 +2086,9 @@
       <p:sp>
         <p:nvSpPr>
           <p:cNvPr id="16" name="Shape 16"/>
-          <p:cNvSpPr/>
+          <p:cNvSpPr>
+            <a:spLocks noGrp="1"/>
+          </p:cNvSpPr>
           <p:nvPr>
             <p:ph type="sldNum" sz="quarter" idx="2"/>
           </p:nvPr>
@@ -2133,8 +2102,10 @@
           <a:bodyPr/>
           <a:lstStyle/>
           <a:p>
-            <a:pPr/>
-            <a:fld id="{86CB4B4D-7CA3-9044-876B-883B54F8677D}" type="slidenum"/>
+            <a:fld id="{86CB4B4D-7CA3-9044-876B-883B54F8677D}" type="slidenum">
+              <a:t>‹nr.›</a:t>
+            </a:fld>
+            <a:endParaRPr/>
           </a:p>
         </p:txBody>
       </p:sp>
@@ -2143,18 +2114,19 @@
   <p:clrMapOvr>
     <a:masterClrMapping/>
   </p:clrMapOvr>
-  <p:transition xmlns:p14="http://schemas.microsoft.com/office/powerpoint/2010/main" spd="med" advClick="1"/>
+  <p:transition spd="med"/>
 </p:sldLayout>
 </file>
 
 <file path=ppt/slideLayouts/slideLayout10.xml><?xml version="1.0" encoding="utf-8"?>
-<p:sldLayout xmlns:a="http://schemas.openxmlformats.org/drawingml/2006/main" xmlns:r="http://schemas.openxmlformats.org/officeDocument/2006/relationships" xmlns:p="http://schemas.openxmlformats.org/presentationml/2006/main" type="tx" showMasterSp="0" showMasterPhAnim="1">
+<p:sldLayout xmlns:a="http://schemas.openxmlformats.org/drawingml/2006/main" xmlns:r="http://schemas.openxmlformats.org/officeDocument/2006/relationships" xmlns:p="http://schemas.openxmlformats.org/presentationml/2006/main" showMasterSp="0" type="tx">
   <p:cSld name="Blank - Light Grey">
     <p:bg>
       <p:bgPr>
         <a:solidFill>
           <a:srgbClr val="4E5755"/>
         </a:solidFill>
+        <a:effectLst/>
       </p:bgPr>
     </p:bg>
     <p:spTree>
@@ -2203,7 +2175,9 @@
       <p:sp>
         <p:nvSpPr>
           <p:cNvPr id="113" name="Shape 113"/>
-          <p:cNvSpPr/>
+          <p:cNvSpPr>
+            <a:spLocks noGrp="1"/>
+          </p:cNvSpPr>
           <p:nvPr>
             <p:ph type="sldNum" sz="quarter" idx="2"/>
           </p:nvPr>
@@ -2229,8 +2203,10 @@
             </a:lvl1pPr>
           </a:lstStyle>
           <a:p>
-            <a:pPr/>
-            <a:fld id="{86CB4B4D-7CA3-9044-876B-883B54F8677D}" type="slidenum"/>
+            <a:fld id="{86CB4B4D-7CA3-9044-876B-883B54F8677D}" type="slidenum">
+              <a:t>‹nr.›</a:t>
+            </a:fld>
+            <a:endParaRPr/>
           </a:p>
         </p:txBody>
       </p:sp>
@@ -2239,18 +2215,19 @@
   <p:clrMapOvr>
     <a:masterClrMapping/>
   </p:clrMapOvr>
-  <p:transition xmlns:p14="http://schemas.microsoft.com/office/powerpoint/2010/main" spd="med" advClick="1"/>
+  <p:transition spd="med"/>
 </p:sldLayout>
 </file>
 
 <file path=ppt/slideLayouts/slideLayout11.xml><?xml version="1.0" encoding="utf-8"?>
-<p:sldLayout xmlns:a="http://schemas.openxmlformats.org/drawingml/2006/main" xmlns:r="http://schemas.openxmlformats.org/officeDocument/2006/relationships" xmlns:p="http://schemas.openxmlformats.org/presentationml/2006/main" type="tx" showMasterSp="0" showMasterPhAnim="1">
+<p:sldLayout xmlns:a="http://schemas.openxmlformats.org/drawingml/2006/main" xmlns:r="http://schemas.openxmlformats.org/officeDocument/2006/relationships" xmlns:p="http://schemas.openxmlformats.org/presentationml/2006/main" showMasterSp="0" type="tx">
   <p:cSld name="Blank - Green">
     <p:bg>
       <p:bgPr>
         <a:solidFill>
           <a:srgbClr val="83B9AA"/>
         </a:solidFill>
+        <a:effectLst/>
       </p:bgPr>
     </p:bg>
     <p:spTree>
@@ -2299,7 +2276,9 @@
       <p:sp>
         <p:nvSpPr>
           <p:cNvPr id="121" name="Shape 121"/>
-          <p:cNvSpPr/>
+          <p:cNvSpPr>
+            <a:spLocks noGrp="1"/>
+          </p:cNvSpPr>
           <p:nvPr>
             <p:ph type="sldNum" sz="quarter" idx="2"/>
           </p:nvPr>
@@ -2325,8 +2304,10 @@
             </a:lvl1pPr>
           </a:lstStyle>
           <a:p>
-            <a:pPr/>
-            <a:fld id="{86CB4B4D-7CA3-9044-876B-883B54F8677D}" type="slidenum"/>
+            <a:fld id="{86CB4B4D-7CA3-9044-876B-883B54F8677D}" type="slidenum">
+              <a:t>‹nr.›</a:t>
+            </a:fld>
+            <a:endParaRPr/>
           </a:p>
         </p:txBody>
       </p:sp>
@@ -2335,18 +2316,19 @@
   <p:clrMapOvr>
     <a:masterClrMapping/>
   </p:clrMapOvr>
-  <p:transition xmlns:p14="http://schemas.microsoft.com/office/powerpoint/2010/main" spd="med" advClick="1"/>
+  <p:transition spd="med"/>
 </p:sldLayout>
 </file>
 
 <file path=ppt/slideLayouts/slideLayout12.xml><?xml version="1.0" encoding="utf-8"?>
-<p:sldLayout xmlns:a="http://schemas.openxmlformats.org/drawingml/2006/main" xmlns:r="http://schemas.openxmlformats.org/officeDocument/2006/relationships" xmlns:p="http://schemas.openxmlformats.org/presentationml/2006/main" type="tx" showMasterSp="0" showMasterPhAnim="1">
+<p:sldLayout xmlns:a="http://schemas.openxmlformats.org/drawingml/2006/main" xmlns:r="http://schemas.openxmlformats.org/officeDocument/2006/relationships" xmlns:p="http://schemas.openxmlformats.org/presentationml/2006/main" showMasterSp="0" type="tx">
   <p:cSld name="Blank - Brown">
     <p:bg>
       <p:bgPr>
         <a:solidFill>
           <a:srgbClr val="BB997B"/>
         </a:solidFill>
+        <a:effectLst/>
       </p:bgPr>
     </p:bg>
     <p:spTree>
@@ -2395,7 +2377,9 @@
       <p:sp>
         <p:nvSpPr>
           <p:cNvPr id="129" name="Shape 129"/>
-          <p:cNvSpPr/>
+          <p:cNvSpPr>
+            <a:spLocks noGrp="1"/>
+          </p:cNvSpPr>
           <p:nvPr>
             <p:ph type="sldNum" sz="quarter" idx="2"/>
           </p:nvPr>
@@ -2421,8 +2405,10 @@
             </a:lvl1pPr>
           </a:lstStyle>
           <a:p>
-            <a:pPr/>
-            <a:fld id="{86CB4B4D-7CA3-9044-876B-883B54F8677D}" type="slidenum"/>
+            <a:fld id="{86CB4B4D-7CA3-9044-876B-883B54F8677D}" type="slidenum">
+              <a:t>‹nr.›</a:t>
+            </a:fld>
+            <a:endParaRPr/>
           </a:p>
         </p:txBody>
       </p:sp>
@@ -2431,12 +2417,12 @@
   <p:clrMapOvr>
     <a:masterClrMapping/>
   </p:clrMapOvr>
-  <p:transition xmlns:p14="http://schemas.microsoft.com/office/powerpoint/2010/main" spd="med" advClick="1"/>
+  <p:transition spd="med"/>
 </p:sldLayout>
 </file>
 
 <file path=ppt/slideLayouts/slideLayout13.xml><?xml version="1.0" encoding="utf-8"?>
-<p:sldLayout xmlns:a="http://schemas.openxmlformats.org/drawingml/2006/main" xmlns:r="http://schemas.openxmlformats.org/officeDocument/2006/relationships" xmlns:p="http://schemas.openxmlformats.org/presentationml/2006/main" type="tx" showMasterSp="0" showMasterPhAnim="1">
+<p:sldLayout xmlns:a="http://schemas.openxmlformats.org/drawingml/2006/main" xmlns:r="http://schemas.openxmlformats.org/officeDocument/2006/relationships" xmlns:p="http://schemas.openxmlformats.org/presentationml/2006/main" showMasterSp="0" type="tx">
   <p:cSld name="Blank - Yellow">
     <p:spTree>
       <p:nvGrpSpPr>
@@ -2484,7 +2470,9 @@
       <p:sp>
         <p:nvSpPr>
           <p:cNvPr id="137" name="Shape 137"/>
-          <p:cNvSpPr/>
+          <p:cNvSpPr>
+            <a:spLocks noGrp="1"/>
+          </p:cNvSpPr>
           <p:nvPr>
             <p:ph type="sldNum" sz="quarter" idx="2"/>
           </p:nvPr>
@@ -2510,8 +2498,10 @@
             </a:lvl1pPr>
           </a:lstStyle>
           <a:p>
-            <a:pPr/>
-            <a:fld id="{86CB4B4D-7CA3-9044-876B-883B54F8677D}" type="slidenum"/>
+            <a:fld id="{86CB4B4D-7CA3-9044-876B-883B54F8677D}" type="slidenum">
+              <a:t>‹nr.›</a:t>
+            </a:fld>
+            <a:endParaRPr/>
           </a:p>
         </p:txBody>
       </p:sp>
@@ -2520,18 +2510,19 @@
   <p:clrMapOvr>
     <a:masterClrMapping/>
   </p:clrMapOvr>
-  <p:transition xmlns:p14="http://schemas.microsoft.com/office/powerpoint/2010/main" spd="med" advClick="1"/>
+  <p:transition spd="med"/>
 </p:sldLayout>
 </file>
 
 <file path=ppt/slideLayouts/slideLayout14.xml><?xml version="1.0" encoding="utf-8"?>
-<p:sldLayout xmlns:a="http://schemas.openxmlformats.org/drawingml/2006/main" xmlns:r="http://schemas.openxmlformats.org/officeDocument/2006/relationships" xmlns:p="http://schemas.openxmlformats.org/presentationml/2006/main" type="tx" showMasterSp="0" showMasterPhAnim="1">
+<p:sldLayout xmlns:a="http://schemas.openxmlformats.org/drawingml/2006/main" xmlns:r="http://schemas.openxmlformats.org/officeDocument/2006/relationships" xmlns:p="http://schemas.openxmlformats.org/presentationml/2006/main" showMasterSp="0" type="tx">
   <p:cSld name="Blank - Blue">
     <p:bg>
       <p:bgPr>
         <a:solidFill>
           <a:srgbClr val="99C7CE"/>
         </a:solidFill>
+        <a:effectLst/>
       </p:bgPr>
     </p:bg>
     <p:spTree>
@@ -2580,7 +2571,9 @@
       <p:sp>
         <p:nvSpPr>
           <p:cNvPr id="145" name="Shape 145"/>
-          <p:cNvSpPr/>
+          <p:cNvSpPr>
+            <a:spLocks noGrp="1"/>
+          </p:cNvSpPr>
           <p:nvPr>
             <p:ph type="sldNum" sz="quarter" idx="2"/>
           </p:nvPr>
@@ -2606,8 +2599,10 @@
             </a:lvl1pPr>
           </a:lstStyle>
           <a:p>
-            <a:pPr/>
-            <a:fld id="{86CB4B4D-7CA3-9044-876B-883B54F8677D}" type="slidenum"/>
+            <a:fld id="{86CB4B4D-7CA3-9044-876B-883B54F8677D}" type="slidenum">
+              <a:t>‹nr.›</a:t>
+            </a:fld>
+            <a:endParaRPr/>
           </a:p>
         </p:txBody>
       </p:sp>
@@ -2616,18 +2611,19 @@
   <p:clrMapOvr>
     <a:masterClrMapping/>
   </p:clrMapOvr>
-  <p:transition xmlns:p14="http://schemas.microsoft.com/office/powerpoint/2010/main" spd="med" advClick="1"/>
+  <p:transition spd="med"/>
 </p:sldLayout>
 </file>
 
 <file path=ppt/slideLayouts/slideLayout15.xml><?xml version="1.0" encoding="utf-8"?>
-<p:sldLayout xmlns:a="http://schemas.openxmlformats.org/drawingml/2006/main" xmlns:r="http://schemas.openxmlformats.org/officeDocument/2006/relationships" xmlns:p="http://schemas.openxmlformats.org/presentationml/2006/main" type="tx" showMasterSp="0" showMasterPhAnim="1">
+<p:sldLayout xmlns:a="http://schemas.openxmlformats.org/drawingml/2006/main" xmlns:r="http://schemas.openxmlformats.org/officeDocument/2006/relationships" xmlns:p="http://schemas.openxmlformats.org/presentationml/2006/main" showMasterSp="0" type="tx">
   <p:cSld name="Blank - Pink">
     <p:bg>
       <p:bgPr>
         <a:solidFill>
           <a:srgbClr val="CEB8CB"/>
         </a:solidFill>
+        <a:effectLst/>
       </p:bgPr>
     </p:bg>
     <p:spTree>
@@ -2676,7 +2672,9 @@
       <p:sp>
         <p:nvSpPr>
           <p:cNvPr id="153" name="Shape 153"/>
-          <p:cNvSpPr/>
+          <p:cNvSpPr>
+            <a:spLocks noGrp="1"/>
+          </p:cNvSpPr>
           <p:nvPr>
             <p:ph type="sldNum" sz="quarter" idx="2"/>
           </p:nvPr>
@@ -2702,8 +2700,10 @@
             </a:lvl1pPr>
           </a:lstStyle>
           <a:p>
-            <a:pPr/>
-            <a:fld id="{86CB4B4D-7CA3-9044-876B-883B54F8677D}" type="slidenum"/>
+            <a:fld id="{86CB4B4D-7CA3-9044-876B-883B54F8677D}" type="slidenum">
+              <a:t>‹nr.›</a:t>
+            </a:fld>
+            <a:endParaRPr/>
           </a:p>
         </p:txBody>
       </p:sp>
@@ -2712,18 +2712,19 @@
   <p:clrMapOvr>
     <a:masterClrMapping/>
   </p:clrMapOvr>
-  <p:transition xmlns:p14="http://schemas.microsoft.com/office/powerpoint/2010/main" spd="med" advClick="1"/>
+  <p:transition spd="med"/>
 </p:sldLayout>
 </file>
 
 <file path=ppt/slideLayouts/slideLayout16.xml><?xml version="1.0" encoding="utf-8"?>
-<p:sldLayout xmlns:a="http://schemas.openxmlformats.org/drawingml/2006/main" xmlns:r="http://schemas.openxmlformats.org/officeDocument/2006/relationships" xmlns:p="http://schemas.openxmlformats.org/presentationml/2006/main" type="tx" showMasterSp="0" showMasterPhAnim="1">
+<p:sldLayout xmlns:a="http://schemas.openxmlformats.org/drawingml/2006/main" xmlns:r="http://schemas.openxmlformats.org/officeDocument/2006/relationships" xmlns:p="http://schemas.openxmlformats.org/presentationml/2006/main" showMasterSp="0" type="tx">
   <p:cSld name="Blank - White">
     <p:bg>
       <p:bgPr>
         <a:solidFill>
           <a:srgbClr val="DBE3E2"/>
         </a:solidFill>
+        <a:effectLst/>
       </p:bgPr>
     </p:bg>
     <p:spTree>
@@ -2772,7 +2773,9 @@
       <p:sp>
         <p:nvSpPr>
           <p:cNvPr id="161" name="Shape 161"/>
-          <p:cNvSpPr/>
+          <p:cNvSpPr>
+            <a:spLocks noGrp="1"/>
+          </p:cNvSpPr>
           <p:nvPr>
             <p:ph type="sldNum" sz="quarter" idx="2"/>
           </p:nvPr>
@@ -2798,8 +2801,10 @@
             </a:lvl1pPr>
           </a:lstStyle>
           <a:p>
-            <a:pPr/>
-            <a:fld id="{86CB4B4D-7CA3-9044-876B-883B54F8677D}" type="slidenum"/>
+            <a:fld id="{86CB4B4D-7CA3-9044-876B-883B54F8677D}" type="slidenum">
+              <a:t>‹nr.›</a:t>
+            </a:fld>
+            <a:endParaRPr/>
           </a:p>
         </p:txBody>
       </p:sp>
@@ -2808,18 +2813,19 @@
   <p:clrMapOvr>
     <a:masterClrMapping/>
   </p:clrMapOvr>
-  <p:transition xmlns:p14="http://schemas.microsoft.com/office/powerpoint/2010/main" spd="med" advClick="1"/>
+  <p:transition spd="med"/>
 </p:sldLayout>
 </file>
 
 <file path=ppt/slideLayouts/slideLayout17.xml><?xml version="1.0" encoding="utf-8"?>
-<p:sldLayout xmlns:a="http://schemas.openxmlformats.org/drawingml/2006/main" xmlns:r="http://schemas.openxmlformats.org/officeDocument/2006/relationships" xmlns:p="http://schemas.openxmlformats.org/presentationml/2006/main" type="tx" showMasterSp="0" showMasterPhAnim="1">
+<p:sldLayout xmlns:a="http://schemas.openxmlformats.org/drawingml/2006/main" xmlns:r="http://schemas.openxmlformats.org/officeDocument/2006/relationships" xmlns:p="http://schemas.openxmlformats.org/presentationml/2006/main" showMasterSp="0" type="tx">
   <p:cSld name="Shapes">
     <p:bg>
       <p:bgPr>
         <a:solidFill>
           <a:srgbClr val="DBE3E2"/>
         </a:solidFill>
+        <a:effectLst/>
       </p:bgPr>
     </p:bg>
     <p:spTree>
@@ -2868,7 +2874,9 @@
       <p:sp>
         <p:nvSpPr>
           <p:cNvPr id="169" name="Shape 169"/>
-          <p:cNvSpPr/>
+          <p:cNvSpPr>
+            <a:spLocks noGrp="1"/>
+          </p:cNvSpPr>
           <p:nvPr>
             <p:ph type="body" sz="quarter" idx="13"/>
           </p:nvPr>
@@ -2898,7 +2906,7 @@
             </a:cxnLst>
             <a:rect l="0" t="0" r="r" b="b"/>
             <a:pathLst>
-              <a:path w="21600" h="21600" fill="norm" stroke="1" extrusionOk="0">
+              <a:path w="21600" h="21600" extrusionOk="0">
                 <a:moveTo>
                   <a:pt x="10800" y="0"/>
                 </a:moveTo>
@@ -2927,13 +2935,16 @@
               <a:buNone/>
               <a:defRPr sz="2000"/>
             </a:pPr>
+            <a:endParaRPr/>
           </a:p>
         </p:txBody>
       </p:sp>
       <p:sp>
         <p:nvSpPr>
           <p:cNvPr id="170" name="Shape 170"/>
-          <p:cNvSpPr/>
+          <p:cNvSpPr>
+            <a:spLocks noGrp="1"/>
+          </p:cNvSpPr>
           <p:nvPr>
             <p:ph type="body" sz="quarter" idx="14"/>
           </p:nvPr>
@@ -2963,7 +2974,7 @@
             </a:cxnLst>
             <a:rect l="0" t="0" r="r" b="b"/>
             <a:pathLst>
-              <a:path w="21600" h="21600" fill="norm" stroke="1" extrusionOk="0">
+              <a:path w="21600" h="21600" extrusionOk="0">
                 <a:moveTo>
                   <a:pt x="10800" y="0"/>
                 </a:moveTo>
@@ -2992,13 +3003,16 @@
               <a:buNone/>
               <a:defRPr sz="2000"/>
             </a:pPr>
+            <a:endParaRPr/>
           </a:p>
         </p:txBody>
       </p:sp>
       <p:sp>
         <p:nvSpPr>
           <p:cNvPr id="171" name="Shape 171"/>
-          <p:cNvSpPr/>
+          <p:cNvSpPr>
+            <a:spLocks noGrp="1"/>
+          </p:cNvSpPr>
           <p:nvPr>
             <p:ph type="body" sz="quarter" idx="15"/>
           </p:nvPr>
@@ -3028,7 +3042,7 @@
             </a:cxnLst>
             <a:rect l="0" t="0" r="r" b="b"/>
             <a:pathLst>
-              <a:path w="21600" h="21600" fill="norm" stroke="1" extrusionOk="0">
+              <a:path w="21600" h="21600" extrusionOk="0">
                 <a:moveTo>
                   <a:pt x="10800" y="0"/>
                 </a:moveTo>
@@ -3057,13 +3071,16 @@
               <a:buNone/>
               <a:defRPr sz="2000"/>
             </a:pPr>
+            <a:endParaRPr/>
           </a:p>
         </p:txBody>
       </p:sp>
       <p:sp>
         <p:nvSpPr>
           <p:cNvPr id="172" name="Shape 172"/>
-          <p:cNvSpPr/>
+          <p:cNvSpPr>
+            <a:spLocks noGrp="1"/>
+          </p:cNvSpPr>
           <p:nvPr>
             <p:ph type="body" sz="quarter" idx="16"/>
           </p:nvPr>
@@ -3093,7 +3110,7 @@
             </a:cxnLst>
             <a:rect l="0" t="0" r="r" b="b"/>
             <a:pathLst>
-              <a:path w="21600" h="21600" fill="norm" stroke="1" extrusionOk="0">
+              <a:path w="21600" h="21600" extrusionOk="0">
                 <a:moveTo>
                   <a:pt x="10800" y="0"/>
                 </a:moveTo>
@@ -3122,13 +3139,16 @@
               <a:buNone/>
               <a:defRPr sz="2000"/>
             </a:pPr>
+            <a:endParaRPr/>
           </a:p>
         </p:txBody>
       </p:sp>
       <p:sp>
         <p:nvSpPr>
           <p:cNvPr id="173" name="Shape 173"/>
-          <p:cNvSpPr/>
+          <p:cNvSpPr>
+            <a:spLocks noGrp="1"/>
+          </p:cNvSpPr>
           <p:nvPr>
             <p:ph type="body" sz="quarter" idx="17"/>
           </p:nvPr>
@@ -3158,7 +3178,7 @@
             </a:cxnLst>
             <a:rect l="0" t="0" r="r" b="b"/>
             <a:pathLst>
-              <a:path w="21600" h="21600" fill="norm" stroke="1" extrusionOk="0">
+              <a:path w="21600" h="21600" extrusionOk="0">
                 <a:moveTo>
                   <a:pt x="10800" y="0"/>
                 </a:moveTo>
@@ -3187,13 +3207,16 @@
               <a:buNone/>
               <a:defRPr sz="2000"/>
             </a:pPr>
+            <a:endParaRPr/>
           </a:p>
         </p:txBody>
       </p:sp>
       <p:sp>
         <p:nvSpPr>
           <p:cNvPr id="174" name="Shape 174"/>
-          <p:cNvSpPr/>
+          <p:cNvSpPr>
+            <a:spLocks noGrp="1"/>
+          </p:cNvSpPr>
           <p:nvPr>
             <p:ph type="body" sz="quarter" idx="18"/>
           </p:nvPr>
@@ -3223,7 +3246,7 @@
             </a:cxnLst>
             <a:rect l="0" t="0" r="r" b="b"/>
             <a:pathLst>
-              <a:path w="21600" h="21600" fill="norm" stroke="1" extrusionOk="0">
+              <a:path w="21600" h="21600" extrusionOk="0">
                 <a:moveTo>
                   <a:pt x="10800" y="0"/>
                 </a:moveTo>
@@ -3252,13 +3275,16 @@
               <a:buNone/>
               <a:defRPr sz="2000"/>
             </a:pPr>
+            <a:endParaRPr/>
           </a:p>
         </p:txBody>
       </p:sp>
       <p:sp>
         <p:nvSpPr>
           <p:cNvPr id="175" name="Shape 175"/>
-          <p:cNvSpPr/>
+          <p:cNvSpPr>
+            <a:spLocks noGrp="1"/>
+          </p:cNvSpPr>
           <p:nvPr>
             <p:ph type="body" sz="quarter" idx="19"/>
           </p:nvPr>
@@ -3286,13 +3312,16 @@
               <a:buNone/>
               <a:defRPr sz="2000"/>
             </a:pPr>
+            <a:endParaRPr/>
           </a:p>
         </p:txBody>
       </p:sp>
       <p:sp>
         <p:nvSpPr>
           <p:cNvPr id="176" name="Shape 176"/>
-          <p:cNvSpPr/>
+          <p:cNvSpPr>
+            <a:spLocks noGrp="1"/>
+          </p:cNvSpPr>
           <p:nvPr>
             <p:ph type="body" sz="quarter" idx="20"/>
           </p:nvPr>
@@ -3320,13 +3349,16 @@
               <a:buNone/>
               <a:defRPr sz="2000"/>
             </a:pPr>
+            <a:endParaRPr/>
           </a:p>
         </p:txBody>
       </p:sp>
       <p:sp>
         <p:nvSpPr>
           <p:cNvPr id="177" name="Shape 177"/>
-          <p:cNvSpPr/>
+          <p:cNvSpPr>
+            <a:spLocks noGrp="1"/>
+          </p:cNvSpPr>
           <p:nvPr>
             <p:ph type="body" sz="quarter" idx="21"/>
           </p:nvPr>
@@ -3354,13 +3386,16 @@
               <a:buNone/>
               <a:defRPr sz="2000"/>
             </a:pPr>
+            <a:endParaRPr/>
           </a:p>
         </p:txBody>
       </p:sp>
       <p:sp>
         <p:nvSpPr>
           <p:cNvPr id="178" name="Shape 178"/>
-          <p:cNvSpPr/>
+          <p:cNvSpPr>
+            <a:spLocks noGrp="1"/>
+          </p:cNvSpPr>
           <p:nvPr>
             <p:ph type="body" sz="quarter" idx="22"/>
           </p:nvPr>
@@ -3388,13 +3423,16 @@
               <a:buNone/>
               <a:defRPr sz="2000"/>
             </a:pPr>
+            <a:endParaRPr/>
           </a:p>
         </p:txBody>
       </p:sp>
       <p:sp>
         <p:nvSpPr>
           <p:cNvPr id="179" name="Shape 179"/>
-          <p:cNvSpPr/>
+          <p:cNvSpPr>
+            <a:spLocks noGrp="1"/>
+          </p:cNvSpPr>
           <p:nvPr>
             <p:ph type="body" sz="quarter" idx="23"/>
           </p:nvPr>
@@ -3422,13 +3460,16 @@
               <a:buNone/>
               <a:defRPr sz="2000"/>
             </a:pPr>
+            <a:endParaRPr/>
           </a:p>
         </p:txBody>
       </p:sp>
       <p:sp>
         <p:nvSpPr>
           <p:cNvPr id="180" name="Shape 180"/>
-          <p:cNvSpPr/>
+          <p:cNvSpPr>
+            <a:spLocks noGrp="1"/>
+          </p:cNvSpPr>
           <p:nvPr>
             <p:ph type="body" sz="quarter" idx="24"/>
           </p:nvPr>
@@ -3456,13 +3497,16 @@
               <a:buNone/>
               <a:defRPr sz="2000"/>
             </a:pPr>
+            <a:endParaRPr/>
           </a:p>
         </p:txBody>
       </p:sp>
       <p:sp>
         <p:nvSpPr>
           <p:cNvPr id="181" name="Shape 181"/>
-          <p:cNvSpPr/>
+          <p:cNvSpPr>
+            <a:spLocks noGrp="1"/>
+          </p:cNvSpPr>
           <p:nvPr>
             <p:ph type="body" sz="quarter" idx="25"/>
           </p:nvPr>
@@ -3490,13 +3534,16 @@
               <a:buNone/>
               <a:defRPr sz="2000"/>
             </a:pPr>
+            <a:endParaRPr/>
           </a:p>
         </p:txBody>
       </p:sp>
       <p:sp>
         <p:nvSpPr>
           <p:cNvPr id="182" name="Shape 182"/>
-          <p:cNvSpPr/>
+          <p:cNvSpPr>
+            <a:spLocks noGrp="1"/>
+          </p:cNvSpPr>
           <p:nvPr>
             <p:ph type="body" sz="quarter" idx="26"/>
           </p:nvPr>
@@ -3524,13 +3571,16 @@
               <a:buNone/>
               <a:defRPr sz="2000"/>
             </a:pPr>
+            <a:endParaRPr/>
           </a:p>
         </p:txBody>
       </p:sp>
       <p:sp>
         <p:nvSpPr>
           <p:cNvPr id="183" name="Shape 183"/>
-          <p:cNvSpPr/>
+          <p:cNvSpPr>
+            <a:spLocks noGrp="1"/>
+          </p:cNvSpPr>
           <p:nvPr>
             <p:ph type="body" sz="quarter" idx="27"/>
           </p:nvPr>
@@ -3558,13 +3608,16 @@
               <a:buNone/>
               <a:defRPr sz="2000"/>
             </a:pPr>
+            <a:endParaRPr/>
           </a:p>
         </p:txBody>
       </p:sp>
       <p:sp>
         <p:nvSpPr>
           <p:cNvPr id="184" name="Shape 184"/>
-          <p:cNvSpPr/>
+          <p:cNvSpPr>
+            <a:spLocks noGrp="1"/>
+          </p:cNvSpPr>
           <p:nvPr>
             <p:ph type="body" sz="quarter" idx="28"/>
           </p:nvPr>
@@ -3592,13 +3645,16 @@
               <a:buNone/>
               <a:defRPr sz="2000"/>
             </a:pPr>
+            <a:endParaRPr/>
           </a:p>
         </p:txBody>
       </p:sp>
       <p:sp>
         <p:nvSpPr>
           <p:cNvPr id="185" name="Shape 185"/>
-          <p:cNvSpPr/>
+          <p:cNvSpPr>
+            <a:spLocks noGrp="1"/>
+          </p:cNvSpPr>
           <p:nvPr>
             <p:ph type="body" sz="quarter" idx="29"/>
           </p:nvPr>
@@ -3626,13 +3682,16 @@
               <a:buNone/>
               <a:defRPr sz="2000"/>
             </a:pPr>
+            <a:endParaRPr/>
           </a:p>
         </p:txBody>
       </p:sp>
       <p:sp>
         <p:nvSpPr>
           <p:cNvPr id="186" name="Shape 186"/>
-          <p:cNvSpPr/>
+          <p:cNvSpPr>
+            <a:spLocks noGrp="1"/>
+          </p:cNvSpPr>
           <p:nvPr>
             <p:ph type="body" sz="quarter" idx="30"/>
           </p:nvPr>
@@ -3660,13 +3719,16 @@
               <a:buNone/>
               <a:defRPr sz="2000"/>
             </a:pPr>
+            <a:endParaRPr/>
           </a:p>
         </p:txBody>
       </p:sp>
       <p:sp>
         <p:nvSpPr>
           <p:cNvPr id="187" name="Shape 187"/>
-          <p:cNvSpPr/>
+          <p:cNvSpPr>
+            <a:spLocks noGrp="1"/>
+          </p:cNvSpPr>
           <p:nvPr>
             <p:ph type="body" sz="quarter" idx="31"/>
           </p:nvPr>
@@ -3694,13 +3756,16 @@
               <a:buNone/>
               <a:defRPr sz="2000"/>
             </a:pPr>
+            <a:endParaRPr/>
           </a:p>
         </p:txBody>
       </p:sp>
       <p:sp>
         <p:nvSpPr>
           <p:cNvPr id="188" name="Shape 188"/>
-          <p:cNvSpPr/>
+          <p:cNvSpPr>
+            <a:spLocks noGrp="1"/>
+          </p:cNvSpPr>
           <p:nvPr>
             <p:ph type="body" sz="quarter" idx="32"/>
           </p:nvPr>
@@ -3728,13 +3793,16 @@
               <a:buNone/>
               <a:defRPr sz="2000"/>
             </a:pPr>
+            <a:endParaRPr/>
           </a:p>
         </p:txBody>
       </p:sp>
       <p:sp>
         <p:nvSpPr>
           <p:cNvPr id="189" name="Shape 189"/>
-          <p:cNvSpPr/>
+          <p:cNvSpPr>
+            <a:spLocks noGrp="1"/>
+          </p:cNvSpPr>
           <p:nvPr>
             <p:ph type="body" sz="quarter" idx="33"/>
           </p:nvPr>
@@ -3762,13 +3830,16 @@
               <a:buNone/>
               <a:defRPr sz="2000"/>
             </a:pPr>
+            <a:endParaRPr/>
           </a:p>
         </p:txBody>
       </p:sp>
       <p:sp>
         <p:nvSpPr>
           <p:cNvPr id="190" name="Shape 190"/>
-          <p:cNvSpPr/>
+          <p:cNvSpPr>
+            <a:spLocks noGrp="1"/>
+          </p:cNvSpPr>
           <p:nvPr>
             <p:ph type="body" sz="quarter" idx="34"/>
           </p:nvPr>
@@ -3796,13 +3867,16 @@
               <a:buNone/>
               <a:defRPr sz="2000"/>
             </a:pPr>
+            <a:endParaRPr/>
           </a:p>
         </p:txBody>
       </p:sp>
       <p:sp>
         <p:nvSpPr>
           <p:cNvPr id="191" name="Shape 191"/>
-          <p:cNvSpPr/>
+          <p:cNvSpPr>
+            <a:spLocks noGrp="1"/>
+          </p:cNvSpPr>
           <p:nvPr>
             <p:ph type="body" sz="quarter" idx="35"/>
           </p:nvPr>
@@ -3830,13 +3904,16 @@
               <a:buNone/>
               <a:defRPr sz="2000"/>
             </a:pPr>
+            <a:endParaRPr/>
           </a:p>
         </p:txBody>
       </p:sp>
       <p:sp>
         <p:nvSpPr>
           <p:cNvPr id="192" name="Shape 192"/>
-          <p:cNvSpPr/>
+          <p:cNvSpPr>
+            <a:spLocks noGrp="1"/>
+          </p:cNvSpPr>
           <p:nvPr>
             <p:ph type="body" sz="quarter" idx="36"/>
           </p:nvPr>
@@ -3864,13 +3941,16 @@
               <a:buNone/>
               <a:defRPr sz="2000"/>
             </a:pPr>
+            <a:endParaRPr/>
           </a:p>
         </p:txBody>
       </p:sp>
       <p:sp>
         <p:nvSpPr>
           <p:cNvPr id="193" name="Shape 193"/>
-          <p:cNvSpPr/>
+          <p:cNvSpPr>
+            <a:spLocks noGrp="1"/>
+          </p:cNvSpPr>
           <p:nvPr>
             <p:ph type="body" sz="quarter" idx="37"/>
           </p:nvPr>
@@ -3898,13 +3978,16 @@
               <a:buNone/>
               <a:defRPr sz="2000"/>
             </a:pPr>
+            <a:endParaRPr/>
           </a:p>
         </p:txBody>
       </p:sp>
       <p:sp>
         <p:nvSpPr>
           <p:cNvPr id="194" name="Shape 194"/>
-          <p:cNvSpPr/>
+          <p:cNvSpPr>
+            <a:spLocks noGrp="1"/>
+          </p:cNvSpPr>
           <p:nvPr>
             <p:ph type="body" sz="quarter" idx="38"/>
           </p:nvPr>
@@ -3932,13 +4015,16 @@
               <a:buNone/>
               <a:defRPr sz="2000"/>
             </a:pPr>
+            <a:endParaRPr/>
           </a:p>
         </p:txBody>
       </p:sp>
       <p:sp>
         <p:nvSpPr>
           <p:cNvPr id="195" name="Shape 195"/>
-          <p:cNvSpPr/>
+          <p:cNvSpPr>
+            <a:spLocks noGrp="1"/>
+          </p:cNvSpPr>
           <p:nvPr>
             <p:ph type="body" sz="quarter" idx="39"/>
           </p:nvPr>
@@ -3966,13 +4052,16 @@
               <a:buNone/>
               <a:defRPr sz="2000"/>
             </a:pPr>
+            <a:endParaRPr/>
           </a:p>
         </p:txBody>
       </p:sp>
       <p:sp>
         <p:nvSpPr>
           <p:cNvPr id="196" name="Shape 196"/>
-          <p:cNvSpPr/>
+          <p:cNvSpPr>
+            <a:spLocks noGrp="1"/>
+          </p:cNvSpPr>
           <p:nvPr>
             <p:ph type="body" sz="quarter" idx="40"/>
           </p:nvPr>
@@ -4000,13 +4089,16 @@
               <a:buNone/>
               <a:defRPr sz="2000"/>
             </a:pPr>
+            <a:endParaRPr/>
           </a:p>
         </p:txBody>
       </p:sp>
       <p:sp>
         <p:nvSpPr>
           <p:cNvPr id="197" name="Shape 197"/>
-          <p:cNvSpPr/>
+          <p:cNvSpPr>
+            <a:spLocks noGrp="1"/>
+          </p:cNvSpPr>
           <p:nvPr>
             <p:ph type="body" sz="quarter" idx="41"/>
           </p:nvPr>
@@ -4034,13 +4126,16 @@
               <a:buNone/>
               <a:defRPr sz="2000"/>
             </a:pPr>
+            <a:endParaRPr/>
           </a:p>
         </p:txBody>
       </p:sp>
       <p:sp>
         <p:nvSpPr>
           <p:cNvPr id="198" name="Shape 198"/>
-          <p:cNvSpPr/>
+          <p:cNvSpPr>
+            <a:spLocks noGrp="1"/>
+          </p:cNvSpPr>
           <p:nvPr>
             <p:ph type="body" sz="quarter" idx="42"/>
           </p:nvPr>
@@ -4068,13 +4163,16 @@
               <a:buNone/>
               <a:defRPr sz="2000"/>
             </a:pPr>
+            <a:endParaRPr/>
           </a:p>
         </p:txBody>
       </p:sp>
       <p:sp>
         <p:nvSpPr>
           <p:cNvPr id="199" name="Shape 199"/>
-          <p:cNvSpPr/>
+          <p:cNvSpPr>
+            <a:spLocks noGrp="1"/>
+          </p:cNvSpPr>
           <p:nvPr>
             <p:ph type="sldNum" sz="quarter" idx="2"/>
           </p:nvPr>
@@ -4100,8 +4198,10 @@
             </a:lvl1pPr>
           </a:lstStyle>
           <a:p>
-            <a:pPr/>
-            <a:fld id="{86CB4B4D-7CA3-9044-876B-883B54F8677D}" type="slidenum"/>
+            <a:fld id="{86CB4B4D-7CA3-9044-876B-883B54F8677D}" type="slidenum">
+              <a:t>‹nr.›</a:t>
+            </a:fld>
+            <a:endParaRPr/>
           </a:p>
         </p:txBody>
       </p:sp>
@@ -4110,18 +4210,19 @@
   <p:clrMapOvr>
     <a:masterClrMapping/>
   </p:clrMapOvr>
-  <p:transition xmlns:p14="http://schemas.microsoft.com/office/powerpoint/2010/main" spd="med" advClick="1"/>
+  <p:transition spd="med"/>
 </p:sldLayout>
 </file>
 
 <file path=ppt/slideLayouts/slideLayout18.xml><?xml version="1.0" encoding="utf-8"?>
-<p:sldLayout xmlns:a="http://schemas.openxmlformats.org/drawingml/2006/main" xmlns:r="http://schemas.openxmlformats.org/officeDocument/2006/relationships" xmlns:p="http://schemas.openxmlformats.org/presentationml/2006/main" type="tx" showMasterSp="0" showMasterPhAnim="1">
+<p:sldLayout xmlns:a="http://schemas.openxmlformats.org/drawingml/2006/main" xmlns:r="http://schemas.openxmlformats.org/officeDocument/2006/relationships" xmlns:p="http://schemas.openxmlformats.org/presentationml/2006/main" showMasterSp="0" type="tx">
   <p:cSld name="Shapes">
     <p:bg>
       <p:bgPr>
         <a:solidFill>
           <a:srgbClr val="4E5755"/>
         </a:solidFill>
+        <a:effectLst/>
       </p:bgPr>
     </p:bg>
     <p:spTree>
@@ -4170,7 +4271,9 @@
       <p:sp>
         <p:nvSpPr>
           <p:cNvPr id="207" name="Shape 207"/>
-          <p:cNvSpPr/>
+          <p:cNvSpPr>
+            <a:spLocks noGrp="1"/>
+          </p:cNvSpPr>
           <p:nvPr>
             <p:ph type="body" sz="quarter" idx="13"/>
           </p:nvPr>
@@ -4200,7 +4303,7 @@
             </a:cxnLst>
             <a:rect l="0" t="0" r="r" b="b"/>
             <a:pathLst>
-              <a:path w="21600" h="21600" fill="norm" stroke="1" extrusionOk="0">
+              <a:path w="21600" h="21600" extrusionOk="0">
                 <a:moveTo>
                   <a:pt x="10800" y="0"/>
                 </a:moveTo>
@@ -4229,13 +4332,16 @@
               <a:buNone/>
               <a:defRPr sz="2000"/>
             </a:pPr>
+            <a:endParaRPr/>
           </a:p>
         </p:txBody>
       </p:sp>
       <p:sp>
         <p:nvSpPr>
           <p:cNvPr id="208" name="Shape 208"/>
-          <p:cNvSpPr/>
+          <p:cNvSpPr>
+            <a:spLocks noGrp="1"/>
+          </p:cNvSpPr>
           <p:nvPr>
             <p:ph type="body" sz="quarter" idx="14"/>
           </p:nvPr>
@@ -4265,7 +4371,7 @@
             </a:cxnLst>
             <a:rect l="0" t="0" r="r" b="b"/>
             <a:pathLst>
-              <a:path w="21600" h="21600" fill="norm" stroke="1" extrusionOk="0">
+              <a:path w="21600" h="21600" extrusionOk="0">
                 <a:moveTo>
                   <a:pt x="10800" y="0"/>
                 </a:moveTo>
@@ -4294,6 +4400,7 @@
               <a:buNone/>
               <a:defRPr sz="2000"/>
             </a:pPr>
+            <a:endParaRPr/>
           </a:p>
         </p:txBody>
       </p:sp>
@@ -4328,7 +4435,7 @@
             </a:cxnLst>
             <a:rect l="0" t="0" r="r" b="b"/>
             <a:pathLst>
-              <a:path w="21600" h="21600" fill="norm" stroke="1" extrusionOk="0">
+              <a:path w="21600" h="21600" extrusionOk="0">
                 <a:moveTo>
                   <a:pt x="10800" y="0"/>
                 </a:moveTo>
@@ -4356,6 +4463,7 @@
             <a:pPr algn="ctr">
               <a:defRPr sz="2000"/>
             </a:pPr>
+            <a:endParaRPr/>
           </a:p>
         </p:txBody>
       </p:sp>
@@ -4390,7 +4498,7 @@
             </a:cxnLst>
             <a:rect l="0" t="0" r="r" b="b"/>
             <a:pathLst>
-              <a:path w="21600" h="21600" fill="norm" stroke="1" extrusionOk="0">
+              <a:path w="21600" h="21600" extrusionOk="0">
                 <a:moveTo>
                   <a:pt x="10800" y="0"/>
                 </a:moveTo>
@@ -4418,6 +4526,7 @@
             <a:pPr algn="ctr">
               <a:defRPr sz="2000"/>
             </a:pPr>
+            <a:endParaRPr/>
           </a:p>
         </p:txBody>
       </p:sp>
@@ -4452,7 +4561,7 @@
             </a:cxnLst>
             <a:rect l="0" t="0" r="r" b="b"/>
             <a:pathLst>
-              <a:path w="21600" h="21600" fill="norm" stroke="1" extrusionOk="0">
+              <a:path w="21600" h="21600" extrusionOk="0">
                 <a:moveTo>
                   <a:pt x="10800" y="0"/>
                 </a:moveTo>
@@ -4480,6 +4589,7 @@
             <a:pPr algn="ctr">
               <a:defRPr sz="2000"/>
             </a:pPr>
+            <a:endParaRPr/>
           </a:p>
         </p:txBody>
       </p:sp>
@@ -4514,7 +4624,7 @@
             </a:cxnLst>
             <a:rect l="0" t="0" r="r" b="b"/>
             <a:pathLst>
-              <a:path w="21600" h="21600" fill="norm" stroke="1" extrusionOk="0">
+              <a:path w="21600" h="21600" extrusionOk="0">
                 <a:moveTo>
                   <a:pt x="10800" y="0"/>
                 </a:moveTo>
@@ -4542,6 +4652,7 @@
             <a:pPr algn="ctr">
               <a:defRPr sz="2000"/>
             </a:pPr>
+            <a:endParaRPr/>
           </a:p>
         </p:txBody>
       </p:sp>
@@ -4573,6 +4684,7 @@
             <a:pPr algn="ctr">
               <a:defRPr sz="2000"/>
             </a:pPr>
+            <a:endParaRPr/>
           </a:p>
         </p:txBody>
       </p:sp>
@@ -4604,6 +4716,7 @@
             <a:pPr algn="ctr">
               <a:defRPr sz="2000"/>
             </a:pPr>
+            <a:endParaRPr/>
           </a:p>
         </p:txBody>
       </p:sp>
@@ -4635,6 +4748,7 @@
             <a:pPr algn="ctr">
               <a:defRPr sz="2000"/>
             </a:pPr>
+            <a:endParaRPr/>
           </a:p>
         </p:txBody>
       </p:sp>
@@ -4666,6 +4780,7 @@
             <a:pPr algn="ctr">
               <a:defRPr sz="2000"/>
             </a:pPr>
+            <a:endParaRPr/>
           </a:p>
         </p:txBody>
       </p:sp>
@@ -4697,6 +4812,7 @@
             <a:pPr algn="ctr">
               <a:defRPr sz="2000"/>
             </a:pPr>
+            <a:endParaRPr/>
           </a:p>
         </p:txBody>
       </p:sp>
@@ -4728,6 +4844,7 @@
             <a:pPr algn="ctr">
               <a:defRPr sz="2000"/>
             </a:pPr>
+            <a:endParaRPr/>
           </a:p>
         </p:txBody>
       </p:sp>
@@ -4759,6 +4876,7 @@
             <a:pPr algn="ctr">
               <a:defRPr sz="2000"/>
             </a:pPr>
+            <a:endParaRPr/>
           </a:p>
         </p:txBody>
       </p:sp>
@@ -4790,6 +4908,7 @@
             <a:pPr algn="ctr">
               <a:defRPr sz="2000"/>
             </a:pPr>
+            <a:endParaRPr/>
           </a:p>
         </p:txBody>
       </p:sp>
@@ -4821,6 +4940,7 @@
             <a:pPr algn="ctr">
               <a:defRPr sz="2000"/>
             </a:pPr>
+            <a:endParaRPr/>
           </a:p>
         </p:txBody>
       </p:sp>
@@ -4852,6 +4972,7 @@
             <a:pPr algn="ctr">
               <a:defRPr sz="2000"/>
             </a:pPr>
+            <a:endParaRPr/>
           </a:p>
         </p:txBody>
       </p:sp>
@@ -4883,6 +5004,7 @@
             <a:pPr algn="ctr">
               <a:defRPr sz="2000"/>
             </a:pPr>
+            <a:endParaRPr/>
           </a:p>
         </p:txBody>
       </p:sp>
@@ -4914,6 +5036,7 @@
             <a:pPr algn="ctr">
               <a:defRPr sz="2000"/>
             </a:pPr>
+            <a:endParaRPr/>
           </a:p>
         </p:txBody>
       </p:sp>
@@ -4945,6 +5068,7 @@
             <a:pPr algn="ctr">
               <a:defRPr sz="2000"/>
             </a:pPr>
+            <a:endParaRPr/>
           </a:p>
         </p:txBody>
       </p:sp>
@@ -4976,6 +5100,7 @@
             <a:pPr algn="ctr">
               <a:defRPr sz="2000"/>
             </a:pPr>
+            <a:endParaRPr/>
           </a:p>
         </p:txBody>
       </p:sp>
@@ -5007,6 +5132,7 @@
             <a:pPr algn="ctr">
               <a:defRPr sz="2000"/>
             </a:pPr>
+            <a:endParaRPr/>
           </a:p>
         </p:txBody>
       </p:sp>
@@ -5038,6 +5164,7 @@
             <a:pPr algn="ctr">
               <a:defRPr sz="2000"/>
             </a:pPr>
+            <a:endParaRPr/>
           </a:p>
         </p:txBody>
       </p:sp>
@@ -5069,6 +5196,7 @@
             <a:pPr algn="ctr">
               <a:defRPr sz="2000"/>
             </a:pPr>
+            <a:endParaRPr/>
           </a:p>
         </p:txBody>
       </p:sp>
@@ -5100,6 +5228,7 @@
             <a:pPr algn="ctr">
               <a:defRPr sz="2000"/>
             </a:pPr>
+            <a:endParaRPr/>
           </a:p>
         </p:txBody>
       </p:sp>
@@ -5131,6 +5260,7 @@
             <a:pPr algn="ctr">
               <a:defRPr sz="2000"/>
             </a:pPr>
+            <a:endParaRPr/>
           </a:p>
         </p:txBody>
       </p:sp>
@@ -5162,6 +5292,7 @@
             <a:pPr algn="ctr">
               <a:defRPr sz="2000"/>
             </a:pPr>
+            <a:endParaRPr/>
           </a:p>
         </p:txBody>
       </p:sp>
@@ -5193,6 +5324,7 @@
             <a:pPr algn="ctr">
               <a:defRPr sz="2000"/>
             </a:pPr>
+            <a:endParaRPr/>
           </a:p>
         </p:txBody>
       </p:sp>
@@ -5224,6 +5356,7 @@
             <a:pPr algn="ctr">
               <a:defRPr sz="2000"/>
             </a:pPr>
+            <a:endParaRPr/>
           </a:p>
         </p:txBody>
       </p:sp>
@@ -5255,6 +5388,7 @@
             <a:pPr algn="ctr">
               <a:defRPr sz="2000"/>
             </a:pPr>
+            <a:endParaRPr/>
           </a:p>
         </p:txBody>
       </p:sp>
@@ -5286,13 +5420,16 @@
             <a:pPr algn="ctr">
               <a:defRPr sz="2000"/>
             </a:pPr>
+            <a:endParaRPr/>
           </a:p>
         </p:txBody>
       </p:sp>
       <p:sp>
         <p:nvSpPr>
           <p:cNvPr id="237" name="Shape 237"/>
-          <p:cNvSpPr/>
+          <p:cNvSpPr>
+            <a:spLocks noGrp="1"/>
+          </p:cNvSpPr>
           <p:nvPr>
             <p:ph type="sldNum" sz="quarter" idx="2"/>
           </p:nvPr>
@@ -5318,8 +5455,10 @@
             </a:lvl1pPr>
           </a:lstStyle>
           <a:p>
-            <a:pPr/>
-            <a:fld id="{86CB4B4D-7CA3-9044-876B-883B54F8677D}" type="slidenum"/>
+            <a:fld id="{86CB4B4D-7CA3-9044-876B-883B54F8677D}" type="slidenum">
+              <a:t>‹nr.›</a:t>
+            </a:fld>
+            <a:endParaRPr/>
           </a:p>
         </p:txBody>
       </p:sp>
@@ -5328,18 +5467,19 @@
   <p:clrMapOvr>
     <a:masterClrMapping/>
   </p:clrMapOvr>
-  <p:transition xmlns:p14="http://schemas.microsoft.com/office/powerpoint/2010/main" spd="med" advClick="1"/>
+  <p:transition spd="med"/>
 </p:sldLayout>
 </file>
 
 <file path=ppt/slideLayouts/slideLayout19.xml><?xml version="1.0" encoding="utf-8"?>
-<p:sldLayout xmlns:a="http://schemas.openxmlformats.org/drawingml/2006/main" xmlns:r="http://schemas.openxmlformats.org/officeDocument/2006/relationships" xmlns:p="http://schemas.openxmlformats.org/presentationml/2006/main" type="tx" showMasterSp="0" showMasterPhAnim="1">
+<p:sldLayout xmlns:a="http://schemas.openxmlformats.org/drawingml/2006/main" xmlns:r="http://schemas.openxmlformats.org/officeDocument/2006/relationships" xmlns:p="http://schemas.openxmlformats.org/presentationml/2006/main" showMasterSp="0" type="tx">
   <p:cSld name="Graphs">
     <p:bg>
       <p:bgPr>
         <a:solidFill>
           <a:srgbClr val="DBE3E2"/>
         </a:solidFill>
+        <a:effectLst/>
       </p:bgPr>
     </p:bg>
     <p:spTree>
@@ -5395,9 +5535,9 @@
           <a:off x="406108" y="1814776"/>
           <a:ext cx="5854701" cy="5854701"/>
         </p:xfrm>
-        <a:graphic xmlns:a="http://schemas.openxmlformats.org/drawingml/2006/main">
+        <a:graphic>
           <a:graphicData uri="http://schemas.openxmlformats.org/drawingml/2006/chart">
-            <c:chart xmlns:c="http://schemas.openxmlformats.org/drawingml/2006/chart" r:id="rId3"/>
+            <c:chart xmlns:c="http://schemas.openxmlformats.org/drawingml/2006/chart" xmlns:r="http://schemas.openxmlformats.org/officeDocument/2006/relationships" r:id="rId3"/>
           </a:graphicData>
         </a:graphic>
       </p:graphicFrame>
@@ -5411,16 +5551,18 @@
           <a:off x="6816354" y="1814776"/>
           <a:ext cx="5854701" cy="5854701"/>
         </p:xfrm>
-        <a:graphic xmlns:a="http://schemas.openxmlformats.org/drawingml/2006/main">
+        <a:graphic>
           <a:graphicData uri="http://schemas.openxmlformats.org/drawingml/2006/chart">
-            <c:chart xmlns:c="http://schemas.openxmlformats.org/drawingml/2006/chart" r:id="rId4"/>
+            <c:chart xmlns:c="http://schemas.openxmlformats.org/drawingml/2006/chart" xmlns:r="http://schemas.openxmlformats.org/officeDocument/2006/relationships" r:id="rId4"/>
           </a:graphicData>
         </a:graphic>
       </p:graphicFrame>
       <p:sp>
         <p:nvSpPr>
           <p:cNvPr id="247" name="Shape 247"/>
-          <p:cNvSpPr/>
+          <p:cNvSpPr>
+            <a:spLocks noGrp="1"/>
+          </p:cNvSpPr>
           <p:nvPr>
             <p:ph type="sldNum" sz="quarter" idx="2"/>
           </p:nvPr>
@@ -5446,8 +5588,10 @@
             </a:lvl1pPr>
           </a:lstStyle>
           <a:p>
-            <a:pPr/>
-            <a:fld id="{86CB4B4D-7CA3-9044-876B-883B54F8677D}" type="slidenum"/>
+            <a:fld id="{86CB4B4D-7CA3-9044-876B-883B54F8677D}" type="slidenum">
+              <a:t>‹nr.›</a:t>
+            </a:fld>
+            <a:endParaRPr/>
           </a:p>
         </p:txBody>
       </p:sp>
@@ -5456,18 +5600,19 @@
   <p:clrMapOvr>
     <a:masterClrMapping/>
   </p:clrMapOvr>
-  <p:transition xmlns:p14="http://schemas.microsoft.com/office/powerpoint/2010/main" spd="med" advClick="1"/>
+  <p:transition spd="med"/>
 </p:sldLayout>
 </file>
 
 <file path=ppt/slideLayouts/slideLayout2.xml><?xml version="1.0" encoding="utf-8"?>
-<p:sldLayout xmlns:a="http://schemas.openxmlformats.org/drawingml/2006/main" xmlns:r="http://schemas.openxmlformats.org/officeDocument/2006/relationships" xmlns:p="http://schemas.openxmlformats.org/presentationml/2006/main" type="tx" showMasterSp="0" showMasterPhAnim="1">
+<p:sldLayout xmlns:a="http://schemas.openxmlformats.org/drawingml/2006/main" xmlns:r="http://schemas.openxmlformats.org/officeDocument/2006/relationships" xmlns:p="http://schemas.openxmlformats.org/presentationml/2006/main" showMasterSp="0" type="tx">
   <p:cSld name="First Page copy">
     <p:bg>
       <p:bgPr>
         <a:solidFill>
           <a:srgbClr val="313636"/>
         </a:solidFill>
+        <a:effectLst/>
       </p:bgPr>
     </p:bg>
     <p:spTree>
@@ -5487,7 +5632,9 @@
       <p:sp>
         <p:nvSpPr>
           <p:cNvPr id="23" name="Shape 23"/>
-          <p:cNvSpPr/>
+          <p:cNvSpPr>
+            <a:spLocks noGrp="1"/>
+          </p:cNvSpPr>
           <p:nvPr>
             <p:ph type="body" sz="half" idx="13"/>
           </p:nvPr>
@@ -5517,7 +5664,6 @@
             </a:lvl1pPr>
           </a:lstStyle>
           <a:p>
-            <a:pPr/>
             <a:r>
               <a:t>Topic</a:t>
             </a:r>
@@ -5527,7 +5673,9 @@
       <p:sp>
         <p:nvSpPr>
           <p:cNvPr id="24" name="Shape 24"/>
-          <p:cNvSpPr/>
+          <p:cNvSpPr>
+            <a:spLocks noGrp="1"/>
+          </p:cNvSpPr>
           <p:nvPr>
             <p:ph type="body" sz="quarter" idx="14"/>
           </p:nvPr>
@@ -5561,7 +5709,6 @@
             </a:lvl1pPr>
           </a:lstStyle>
           <a:p>
-            <a:pPr/>
             <a:r>
               <a:t>Short description</a:t>
             </a:r>
@@ -5587,7 +5734,7 @@
           </a:ln>
           <a:extLst>
             <a:ext uri="{C572A759-6A51-4108-AA02-DFA0A04FC94B}">
-              <ma14:wrappingTextBoxFlag xmlns:ma14="http://schemas.microsoft.com/office/mac/drawingml/2011/main" val="1"/>
+              <ma14:wrappingTextBoxFlag xmlns:ma14="http://schemas.microsoft.com/office/mac/drawingml/2011/main" xmlns="" val="1"/>
             </a:ext>
           </a:extLst>
         </p:spPr>
@@ -5609,7 +5756,7 @@
             </a:r>
             <a:r>
               <a:rPr u="sng">
-                <a:hlinkClick r:id="rId2" invalidUrl="" action="" tgtFrame="" tooltip="" history="1" highlightClick="0" endSnd="0"/>
+                <a:hlinkClick r:id="rId2"/>
               </a:rPr>
               <a:t>jwb@eaaa.dk</a:t>
             </a:r>
@@ -5654,7 +5801,7 @@
             </a:r>
             <a:r>
               <a:rPr u="sng">
-                <a:hlinkClick r:id="rId3" invalidUrl="" action="" tgtFrame="" tooltip="" history="1" highlightClick="0" endSnd="0"/>
+                <a:hlinkClick r:id="rId3"/>
               </a:rPr>
               <a:t>www.baaa.dk</a:t>
             </a:r>
@@ -5692,6 +5839,7 @@
             <a:pPr>
               <a:defRPr sz="2000"/>
             </a:pPr>
+            <a:endParaRPr/>
           </a:p>
         </p:txBody>
       </p:sp>
@@ -5727,7 +5875,9 @@
       <p:sp>
         <p:nvSpPr>
           <p:cNvPr id="28" name="Shape 28"/>
-          <p:cNvSpPr/>
+          <p:cNvSpPr>
+            <a:spLocks noGrp="1"/>
+          </p:cNvSpPr>
           <p:nvPr>
             <p:ph type="sldNum" sz="quarter" idx="2"/>
           </p:nvPr>
@@ -5741,8 +5891,10 @@
           <a:bodyPr/>
           <a:lstStyle/>
           <a:p>
-            <a:pPr/>
-            <a:fld id="{86CB4B4D-7CA3-9044-876B-883B54F8677D}" type="slidenum"/>
+            <a:fld id="{86CB4B4D-7CA3-9044-876B-883B54F8677D}" type="slidenum">
+              <a:t>‹nr.›</a:t>
+            </a:fld>
+            <a:endParaRPr/>
           </a:p>
         </p:txBody>
       </p:sp>
@@ -5751,18 +5903,19 @@
   <p:clrMapOvr>
     <a:masterClrMapping/>
   </p:clrMapOvr>
-  <p:transition xmlns:p14="http://schemas.microsoft.com/office/powerpoint/2010/main" spd="med" advClick="1"/>
+  <p:transition spd="med"/>
 </p:sldLayout>
 </file>
 
 <file path=ppt/slideLayouts/slideLayout20.xml><?xml version="1.0" encoding="utf-8"?>
-<p:sldLayout xmlns:a="http://schemas.openxmlformats.org/drawingml/2006/main" xmlns:r="http://schemas.openxmlformats.org/officeDocument/2006/relationships" xmlns:p="http://schemas.openxmlformats.org/presentationml/2006/main" type="tx" showMasterSp="0" showMasterPhAnim="1">
+<p:sldLayout xmlns:a="http://schemas.openxmlformats.org/drawingml/2006/main" xmlns:r="http://schemas.openxmlformats.org/officeDocument/2006/relationships" xmlns:p="http://schemas.openxmlformats.org/presentationml/2006/main" showMasterSp="0" type="tx">
   <p:cSld name="Graphs">
     <p:bg>
       <p:bgPr>
         <a:solidFill>
           <a:srgbClr val="4E5755"/>
         </a:solidFill>
+        <a:effectLst/>
       </p:bgPr>
     </p:bg>
     <p:spTree>
@@ -5789,9 +5942,9 @@
           <a:off x="406108" y="1814776"/>
           <a:ext cx="5854701" cy="5854701"/>
         </p:xfrm>
-        <a:graphic xmlns:a="http://schemas.openxmlformats.org/drawingml/2006/main">
+        <a:graphic>
           <a:graphicData uri="http://schemas.openxmlformats.org/drawingml/2006/chart">
-            <c:chart xmlns:c="http://schemas.openxmlformats.org/drawingml/2006/chart" r:id="rId2"/>
+            <c:chart xmlns:c="http://schemas.openxmlformats.org/drawingml/2006/chart" xmlns:r="http://schemas.openxmlformats.org/officeDocument/2006/relationships" r:id="rId2"/>
           </a:graphicData>
         </a:graphic>
       </p:graphicFrame>
@@ -5805,9 +5958,9 @@
           <a:off x="6816354" y="1814776"/>
           <a:ext cx="5854701" cy="5854701"/>
         </p:xfrm>
-        <a:graphic xmlns:a="http://schemas.openxmlformats.org/drawingml/2006/main">
+        <a:graphic>
           <a:graphicData uri="http://schemas.openxmlformats.org/drawingml/2006/chart">
-            <c:chart xmlns:c="http://schemas.openxmlformats.org/drawingml/2006/chart" r:id="rId3"/>
+            <c:chart xmlns:c="http://schemas.openxmlformats.org/drawingml/2006/chart" xmlns:r="http://schemas.openxmlformats.org/officeDocument/2006/relationships" r:id="rId3"/>
           </a:graphicData>
         </a:graphic>
       </p:graphicFrame>
@@ -5843,7 +5996,9 @@
       <p:sp>
         <p:nvSpPr>
           <p:cNvPr id="257" name="Shape 257"/>
-          <p:cNvSpPr/>
+          <p:cNvSpPr>
+            <a:spLocks noGrp="1"/>
+          </p:cNvSpPr>
           <p:nvPr>
             <p:ph type="sldNum" sz="quarter" idx="2"/>
           </p:nvPr>
@@ -5869,8 +6024,10 @@
             </a:lvl1pPr>
           </a:lstStyle>
           <a:p>
-            <a:pPr/>
-            <a:fld id="{86CB4B4D-7CA3-9044-876B-883B54F8677D}" type="slidenum"/>
+            <a:fld id="{86CB4B4D-7CA3-9044-876B-883B54F8677D}" type="slidenum">
+              <a:t>‹nr.›</a:t>
+            </a:fld>
+            <a:endParaRPr/>
           </a:p>
         </p:txBody>
       </p:sp>
@@ -5879,18 +6036,19 @@
   <p:clrMapOvr>
     <a:masterClrMapping/>
   </p:clrMapOvr>
-  <p:transition xmlns:p14="http://schemas.microsoft.com/office/powerpoint/2010/main" spd="med" advClick="1"/>
+  <p:transition spd="med"/>
 </p:sldLayout>
 </file>
 
 <file path=ppt/slideLayouts/slideLayout21.xml><?xml version="1.0" encoding="utf-8"?>
-<p:sldLayout xmlns:a="http://schemas.openxmlformats.org/drawingml/2006/main" xmlns:r="http://schemas.openxmlformats.org/officeDocument/2006/relationships" xmlns:p="http://schemas.openxmlformats.org/presentationml/2006/main" type="tx" showMasterSp="0" showMasterPhAnim="1">
+<p:sldLayout xmlns:a="http://schemas.openxmlformats.org/drawingml/2006/main" xmlns:r="http://schemas.openxmlformats.org/officeDocument/2006/relationships" xmlns:p="http://schemas.openxmlformats.org/presentationml/2006/main" showMasterSp="0" type="tx">
   <p:cSld name="Styles">
     <p:bg>
       <p:bgPr>
         <a:solidFill>
           <a:srgbClr val="DBE3E2"/>
         </a:solidFill>
+        <a:effectLst/>
       </p:bgPr>
     </p:bg>
     <p:spTree>
@@ -5939,7 +6097,9 @@
       <p:sp>
         <p:nvSpPr>
           <p:cNvPr id="265" name="Shape 265"/>
-          <p:cNvSpPr/>
+          <p:cNvSpPr>
+            <a:spLocks noGrp="1"/>
+          </p:cNvSpPr>
           <p:nvPr>
             <p:ph type="body" sz="quarter" idx="13"/>
           </p:nvPr>
@@ -5976,7 +6136,6 @@
             </a:lvl1pPr>
           </a:lstStyle>
           <a:p>
-            <a:pPr/>
             <a:r>
               <a:t>Label</a:t>
             </a:r>
@@ -5986,7 +6145,9 @@
       <p:sp>
         <p:nvSpPr>
           <p:cNvPr id="266" name="Shape 266"/>
-          <p:cNvSpPr/>
+          <p:cNvSpPr>
+            <a:spLocks noGrp="1"/>
+          </p:cNvSpPr>
           <p:nvPr>
             <p:ph type="body" sz="quarter" idx="14"/>
           </p:nvPr>
@@ -6023,7 +6184,6 @@
             </a:lvl1pPr>
           </a:lstStyle>
           <a:p>
-            <a:pPr/>
             <a:r>
               <a:t>Label</a:t>
             </a:r>
@@ -6033,7 +6193,9 @@
       <p:sp>
         <p:nvSpPr>
           <p:cNvPr id="267" name="Shape 267"/>
-          <p:cNvSpPr/>
+          <p:cNvSpPr>
+            <a:spLocks noGrp="1"/>
+          </p:cNvSpPr>
           <p:nvPr>
             <p:ph type="body" sz="quarter" idx="15"/>
           </p:nvPr>
@@ -6070,7 +6232,6 @@
             </a:lvl1pPr>
           </a:lstStyle>
           <a:p>
-            <a:pPr/>
             <a:r>
               <a:t>Label</a:t>
             </a:r>
@@ -6080,7 +6241,9 @@
       <p:sp>
         <p:nvSpPr>
           <p:cNvPr id="268" name="Shape 268"/>
-          <p:cNvSpPr/>
+          <p:cNvSpPr>
+            <a:spLocks noGrp="1"/>
+          </p:cNvSpPr>
           <p:nvPr>
             <p:ph type="body" sz="quarter" idx="16"/>
           </p:nvPr>
@@ -6117,7 +6280,6 @@
             </a:lvl1pPr>
           </a:lstStyle>
           <a:p>
-            <a:pPr/>
             <a:r>
               <a:t>Label</a:t>
             </a:r>
@@ -6127,7 +6289,9 @@
       <p:sp>
         <p:nvSpPr>
           <p:cNvPr id="269" name="Shape 269"/>
-          <p:cNvSpPr/>
+          <p:cNvSpPr>
+            <a:spLocks noGrp="1"/>
+          </p:cNvSpPr>
           <p:nvPr>
             <p:ph type="body" sz="quarter" idx="17"/>
           </p:nvPr>
@@ -6164,7 +6328,6 @@
             </a:lvl1pPr>
           </a:lstStyle>
           <a:p>
-            <a:pPr/>
             <a:r>
               <a:t>Label</a:t>
             </a:r>
@@ -6174,7 +6337,9 @@
       <p:sp>
         <p:nvSpPr>
           <p:cNvPr id="270" name="Shape 270"/>
-          <p:cNvSpPr/>
+          <p:cNvSpPr>
+            <a:spLocks noGrp="1"/>
+          </p:cNvSpPr>
           <p:nvPr>
             <p:ph type="body" sz="quarter" idx="18"/>
           </p:nvPr>
@@ -6211,7 +6376,6 @@
             </a:lvl1pPr>
           </a:lstStyle>
           <a:p>
-            <a:pPr/>
             <a:r>
               <a:t>Label</a:t>
             </a:r>
@@ -6221,7 +6385,9 @@
       <p:sp>
         <p:nvSpPr>
           <p:cNvPr id="271" name="Shape 271"/>
-          <p:cNvSpPr/>
+          <p:cNvSpPr>
+            <a:spLocks noGrp="1"/>
+          </p:cNvSpPr>
           <p:nvPr>
             <p:ph type="body" sz="quarter" idx="19"/>
           </p:nvPr>
@@ -6258,7 +6424,6 @@
             </a:lvl1pPr>
           </a:lstStyle>
           <a:p>
-            <a:pPr/>
             <a:r>
               <a:t>Label</a:t>
             </a:r>
@@ -6268,7 +6433,9 @@
       <p:sp>
         <p:nvSpPr>
           <p:cNvPr id="272" name="Shape 272"/>
-          <p:cNvSpPr/>
+          <p:cNvSpPr>
+            <a:spLocks noGrp="1"/>
+          </p:cNvSpPr>
           <p:nvPr>
             <p:ph type="body" sz="quarter" idx="20"/>
           </p:nvPr>
@@ -6305,7 +6472,6 @@
             </a:lvl1pPr>
           </a:lstStyle>
           <a:p>
-            <a:pPr/>
             <a:r>
               <a:t>Label</a:t>
             </a:r>
@@ -6315,7 +6481,9 @@
       <p:sp>
         <p:nvSpPr>
           <p:cNvPr id="273" name="Shape 273"/>
-          <p:cNvSpPr/>
+          <p:cNvSpPr>
+            <a:spLocks noGrp="1"/>
+          </p:cNvSpPr>
           <p:nvPr>
             <p:ph type="body" sz="quarter" idx="21"/>
           </p:nvPr>
@@ -6352,7 +6520,6 @@
             </a:lvl1pPr>
           </a:lstStyle>
           <a:p>
-            <a:pPr/>
             <a:r>
               <a:t>Label</a:t>
             </a:r>
@@ -6362,7 +6529,9 @@
       <p:sp>
         <p:nvSpPr>
           <p:cNvPr id="274" name="Shape 274"/>
-          <p:cNvSpPr/>
+          <p:cNvSpPr>
+            <a:spLocks noGrp="1"/>
+          </p:cNvSpPr>
           <p:nvPr>
             <p:ph type="body" sz="quarter" idx="22"/>
           </p:nvPr>
@@ -6399,7 +6568,6 @@
             </a:lvl1pPr>
           </a:lstStyle>
           <a:p>
-            <a:pPr/>
             <a:r>
               <a:t>Label</a:t>
             </a:r>
@@ -6409,7 +6577,9 @@
       <p:sp>
         <p:nvSpPr>
           <p:cNvPr id="275" name="Shape 275"/>
-          <p:cNvSpPr/>
+          <p:cNvSpPr>
+            <a:spLocks noGrp="1"/>
+          </p:cNvSpPr>
           <p:nvPr>
             <p:ph type="body" sz="quarter" idx="23"/>
           </p:nvPr>
@@ -6446,7 +6616,6 @@
             </a:lvl1pPr>
           </a:lstStyle>
           <a:p>
-            <a:pPr/>
             <a:r>
               <a:t>Label</a:t>
             </a:r>
@@ -6456,7 +6625,9 @@
       <p:sp>
         <p:nvSpPr>
           <p:cNvPr id="276" name="Shape 276"/>
-          <p:cNvSpPr/>
+          <p:cNvSpPr>
+            <a:spLocks noGrp="1"/>
+          </p:cNvSpPr>
           <p:nvPr>
             <p:ph type="body" sz="quarter" idx="24"/>
           </p:nvPr>
@@ -6493,7 +6664,6 @@
             </a:lvl1pPr>
           </a:lstStyle>
           <a:p>
-            <a:pPr/>
             <a:r>
               <a:t>Label</a:t>
             </a:r>
@@ -6503,7 +6673,9 @@
       <p:sp>
         <p:nvSpPr>
           <p:cNvPr id="277" name="Shape 277"/>
-          <p:cNvSpPr/>
+          <p:cNvSpPr>
+            <a:spLocks noGrp="1"/>
+          </p:cNvSpPr>
           <p:nvPr>
             <p:ph type="sldNum" sz="quarter" idx="2"/>
           </p:nvPr>
@@ -6529,8 +6701,10 @@
             </a:lvl1pPr>
           </a:lstStyle>
           <a:p>
-            <a:pPr/>
-            <a:fld id="{86CB4B4D-7CA3-9044-876B-883B54F8677D}" type="slidenum"/>
+            <a:fld id="{86CB4B4D-7CA3-9044-876B-883B54F8677D}" type="slidenum">
+              <a:t>‹nr.›</a:t>
+            </a:fld>
+            <a:endParaRPr/>
           </a:p>
         </p:txBody>
       </p:sp>
@@ -6539,18 +6713,19 @@
   <p:clrMapOvr>
     <a:masterClrMapping/>
   </p:clrMapOvr>
-  <p:transition xmlns:p14="http://schemas.microsoft.com/office/powerpoint/2010/main" spd="med" advClick="1"/>
+  <p:transition spd="med"/>
 </p:sldLayout>
 </file>
 
 <file path=ppt/slideLayouts/slideLayout22.xml><?xml version="1.0" encoding="utf-8"?>
-<p:sldLayout xmlns:a="http://schemas.openxmlformats.org/drawingml/2006/main" xmlns:r="http://schemas.openxmlformats.org/officeDocument/2006/relationships" xmlns:p="http://schemas.openxmlformats.org/presentationml/2006/main" type="tx" showMasterSp="0" showMasterPhAnim="1">
+<p:sldLayout xmlns:a="http://schemas.openxmlformats.org/drawingml/2006/main" xmlns:r="http://schemas.openxmlformats.org/officeDocument/2006/relationships" xmlns:p="http://schemas.openxmlformats.org/presentationml/2006/main" showMasterSp="0" type="tx">
   <p:cSld name="Graphs copy">
     <p:bg>
       <p:bgPr>
         <a:solidFill>
           <a:srgbClr val="4E5755"/>
         </a:solidFill>
+        <a:effectLst/>
       </p:bgPr>
     </p:bg>
     <p:spTree>
@@ -6599,7 +6774,9 @@
       <p:sp>
         <p:nvSpPr>
           <p:cNvPr id="285" name="Shape 285"/>
-          <p:cNvSpPr/>
+          <p:cNvSpPr>
+            <a:spLocks noGrp="1"/>
+          </p:cNvSpPr>
           <p:nvPr>
             <p:ph type="body" sz="quarter" idx="13"/>
           </p:nvPr>
@@ -6636,7 +6813,6 @@
             </a:lvl1pPr>
           </a:lstStyle>
           <a:p>
-            <a:pPr/>
             <a:r>
               <a:t>Label</a:t>
             </a:r>
@@ -6646,7 +6822,9 @@
       <p:sp>
         <p:nvSpPr>
           <p:cNvPr id="286" name="Shape 286"/>
-          <p:cNvSpPr/>
+          <p:cNvSpPr>
+            <a:spLocks noGrp="1"/>
+          </p:cNvSpPr>
           <p:nvPr>
             <p:ph type="body" sz="quarter" idx="14"/>
           </p:nvPr>
@@ -6683,7 +6861,6 @@
             </a:lvl1pPr>
           </a:lstStyle>
           <a:p>
-            <a:pPr/>
             <a:r>
               <a:t>Label</a:t>
             </a:r>
@@ -6693,7 +6870,9 @@
       <p:sp>
         <p:nvSpPr>
           <p:cNvPr id="287" name="Shape 287"/>
-          <p:cNvSpPr/>
+          <p:cNvSpPr>
+            <a:spLocks noGrp="1"/>
+          </p:cNvSpPr>
           <p:nvPr>
             <p:ph type="body" sz="quarter" idx="15"/>
           </p:nvPr>
@@ -6730,7 +6909,6 @@
             </a:lvl1pPr>
           </a:lstStyle>
           <a:p>
-            <a:pPr/>
             <a:r>
               <a:t>Label</a:t>
             </a:r>
@@ -6740,7 +6918,9 @@
       <p:sp>
         <p:nvSpPr>
           <p:cNvPr id="288" name="Shape 288"/>
-          <p:cNvSpPr/>
+          <p:cNvSpPr>
+            <a:spLocks noGrp="1"/>
+          </p:cNvSpPr>
           <p:nvPr>
             <p:ph type="body" sz="quarter" idx="16"/>
           </p:nvPr>
@@ -6777,7 +6957,6 @@
             </a:lvl1pPr>
           </a:lstStyle>
           <a:p>
-            <a:pPr/>
             <a:r>
               <a:t>Label</a:t>
             </a:r>
@@ -6787,7 +6966,9 @@
       <p:sp>
         <p:nvSpPr>
           <p:cNvPr id="289" name="Shape 289"/>
-          <p:cNvSpPr/>
+          <p:cNvSpPr>
+            <a:spLocks noGrp="1"/>
+          </p:cNvSpPr>
           <p:nvPr>
             <p:ph type="body" sz="quarter" idx="17"/>
           </p:nvPr>
@@ -6824,7 +7005,6 @@
             </a:lvl1pPr>
           </a:lstStyle>
           <a:p>
-            <a:pPr/>
             <a:r>
               <a:t>Label</a:t>
             </a:r>
@@ -6834,7 +7014,9 @@
       <p:sp>
         <p:nvSpPr>
           <p:cNvPr id="290" name="Shape 290"/>
-          <p:cNvSpPr/>
+          <p:cNvSpPr>
+            <a:spLocks noGrp="1"/>
+          </p:cNvSpPr>
           <p:nvPr>
             <p:ph type="body" sz="quarter" idx="18"/>
           </p:nvPr>
@@ -6871,7 +7053,6 @@
             </a:lvl1pPr>
           </a:lstStyle>
           <a:p>
-            <a:pPr/>
             <a:r>
               <a:t>Label</a:t>
             </a:r>
@@ -6881,7 +7062,9 @@
       <p:sp>
         <p:nvSpPr>
           <p:cNvPr id="291" name="Shape 291"/>
-          <p:cNvSpPr/>
+          <p:cNvSpPr>
+            <a:spLocks noGrp="1"/>
+          </p:cNvSpPr>
           <p:nvPr>
             <p:ph type="body" sz="quarter" idx="19"/>
           </p:nvPr>
@@ -6918,7 +7101,6 @@
             </a:lvl1pPr>
           </a:lstStyle>
           <a:p>
-            <a:pPr/>
             <a:r>
               <a:t>Label</a:t>
             </a:r>
@@ -6928,7 +7110,9 @@
       <p:sp>
         <p:nvSpPr>
           <p:cNvPr id="292" name="Shape 292"/>
-          <p:cNvSpPr/>
+          <p:cNvSpPr>
+            <a:spLocks noGrp="1"/>
+          </p:cNvSpPr>
           <p:nvPr>
             <p:ph type="body" sz="quarter" idx="20"/>
           </p:nvPr>
@@ -6965,7 +7149,6 @@
             </a:lvl1pPr>
           </a:lstStyle>
           <a:p>
-            <a:pPr/>
             <a:r>
               <a:t>Label</a:t>
             </a:r>
@@ -6975,7 +7158,9 @@
       <p:sp>
         <p:nvSpPr>
           <p:cNvPr id="293" name="Shape 293"/>
-          <p:cNvSpPr/>
+          <p:cNvSpPr>
+            <a:spLocks noGrp="1"/>
+          </p:cNvSpPr>
           <p:nvPr>
             <p:ph type="body" sz="quarter" idx="21"/>
           </p:nvPr>
@@ -7012,7 +7197,6 @@
             </a:lvl1pPr>
           </a:lstStyle>
           <a:p>
-            <a:pPr/>
             <a:r>
               <a:t>Label</a:t>
             </a:r>
@@ -7022,7 +7206,9 @@
       <p:sp>
         <p:nvSpPr>
           <p:cNvPr id="294" name="Shape 294"/>
-          <p:cNvSpPr/>
+          <p:cNvSpPr>
+            <a:spLocks noGrp="1"/>
+          </p:cNvSpPr>
           <p:nvPr>
             <p:ph type="body" sz="quarter" idx="22"/>
           </p:nvPr>
@@ -7059,7 +7245,6 @@
             </a:lvl1pPr>
           </a:lstStyle>
           <a:p>
-            <a:pPr/>
             <a:r>
               <a:t>Label</a:t>
             </a:r>
@@ -7069,7 +7254,9 @@
       <p:sp>
         <p:nvSpPr>
           <p:cNvPr id="295" name="Shape 295"/>
-          <p:cNvSpPr/>
+          <p:cNvSpPr>
+            <a:spLocks noGrp="1"/>
+          </p:cNvSpPr>
           <p:nvPr>
             <p:ph type="body" sz="quarter" idx="23"/>
           </p:nvPr>
@@ -7106,7 +7293,6 @@
             </a:lvl1pPr>
           </a:lstStyle>
           <a:p>
-            <a:pPr/>
             <a:r>
               <a:t>Label</a:t>
             </a:r>
@@ -7116,7 +7302,9 @@
       <p:sp>
         <p:nvSpPr>
           <p:cNvPr id="296" name="Shape 296"/>
-          <p:cNvSpPr/>
+          <p:cNvSpPr>
+            <a:spLocks noGrp="1"/>
+          </p:cNvSpPr>
           <p:nvPr>
             <p:ph type="body" sz="quarter" idx="24"/>
           </p:nvPr>
@@ -7153,7 +7341,6 @@
             </a:lvl1pPr>
           </a:lstStyle>
           <a:p>
-            <a:pPr/>
             <a:r>
               <a:t>Label</a:t>
             </a:r>
@@ -7163,7 +7350,9 @@
       <p:sp>
         <p:nvSpPr>
           <p:cNvPr id="297" name="Shape 297"/>
-          <p:cNvSpPr/>
+          <p:cNvSpPr>
+            <a:spLocks noGrp="1"/>
+          </p:cNvSpPr>
           <p:nvPr>
             <p:ph type="sldNum" sz="quarter" idx="2"/>
           </p:nvPr>
@@ -7189,8 +7378,10 @@
             </a:lvl1pPr>
           </a:lstStyle>
           <a:p>
-            <a:pPr/>
-            <a:fld id="{86CB4B4D-7CA3-9044-876B-883B54F8677D}" type="slidenum"/>
+            <a:fld id="{86CB4B4D-7CA3-9044-876B-883B54F8677D}" type="slidenum">
+              <a:t>‹nr.›</a:t>
+            </a:fld>
+            <a:endParaRPr/>
           </a:p>
         </p:txBody>
       </p:sp>
@@ -7199,18 +7390,19 @@
   <p:clrMapOvr>
     <a:masterClrMapping/>
   </p:clrMapOvr>
-  <p:transition xmlns:p14="http://schemas.microsoft.com/office/powerpoint/2010/main" spd="med" advClick="1"/>
+  <p:transition spd="med"/>
 </p:sldLayout>
 </file>
 
 <file path=ppt/slideLayouts/slideLayout23.xml><?xml version="1.0" encoding="utf-8"?>
-<p:sldLayout xmlns:a="http://schemas.openxmlformats.org/drawingml/2006/main" xmlns:r="http://schemas.openxmlformats.org/officeDocument/2006/relationships" xmlns:p="http://schemas.openxmlformats.org/presentationml/2006/main" type="tx" showMasterSp="0" showMasterPhAnim="1">
+<p:sldLayout xmlns:a="http://schemas.openxmlformats.org/drawingml/2006/main" xmlns:r="http://schemas.openxmlformats.org/officeDocument/2006/relationships" xmlns:p="http://schemas.openxmlformats.org/presentationml/2006/main" showMasterSp="0" type="tx">
   <p:cSld name="End Page">
     <p:bg>
       <p:bgPr>
         <a:solidFill>
           <a:srgbClr val="DBE3E2"/>
         </a:solidFill>
+        <a:effectLst/>
       </p:bgPr>
     </p:bg>
     <p:spTree>
@@ -7259,7 +7451,9 @@
       <p:sp>
         <p:nvSpPr>
           <p:cNvPr id="305" name="Shape 305"/>
-          <p:cNvSpPr/>
+          <p:cNvSpPr>
+            <a:spLocks noGrp="1"/>
+          </p:cNvSpPr>
           <p:nvPr>
             <p:ph type="body" sz="quarter" idx="13"/>
           </p:nvPr>
@@ -7289,7 +7483,7 @@
             </a:r>
             <a:r>
               <a:rPr u="sng">
-                <a:hlinkClick r:id="rId3" invalidUrl="" action="" tgtFrame="" tooltip="" history="1" highlightClick="0" endSnd="0"/>
+                <a:hlinkClick r:id="rId3"/>
               </a:rPr>
               <a:t>jwb@eaaa.dk</a:t>
             </a:r>
@@ -7328,7 +7522,7 @@
             </a:r>
             <a:r>
               <a:rPr u="sng">
-                <a:hlinkClick r:id="rId4" invalidUrl="" action="" tgtFrame="" tooltip="" history="1" highlightClick="0" endSnd="0"/>
+                <a:hlinkClick r:id="rId4"/>
               </a:rPr>
               <a:t>www.baaa.dk</a:t>
             </a:r>
@@ -7366,13 +7560,16 @@
             <a:pPr>
               <a:defRPr sz="2000"/>
             </a:pPr>
+            <a:endParaRPr/>
           </a:p>
         </p:txBody>
       </p:sp>
       <p:sp>
         <p:nvSpPr>
           <p:cNvPr id="307" name="Shape 307"/>
-          <p:cNvSpPr/>
+          <p:cNvSpPr>
+            <a:spLocks noGrp="1"/>
+          </p:cNvSpPr>
           <p:nvPr>
             <p:ph type="sldNum" sz="quarter" idx="2"/>
           </p:nvPr>
@@ -7386,8 +7583,10 @@
           <a:bodyPr/>
           <a:lstStyle/>
           <a:p>
-            <a:pPr/>
-            <a:fld id="{86CB4B4D-7CA3-9044-876B-883B54F8677D}" type="slidenum"/>
+            <a:fld id="{86CB4B4D-7CA3-9044-876B-883B54F8677D}" type="slidenum">
+              <a:t>‹nr.›</a:t>
+            </a:fld>
+            <a:endParaRPr/>
           </a:p>
         </p:txBody>
       </p:sp>
@@ -7396,18 +7595,19 @@
   <p:clrMapOvr>
     <a:masterClrMapping/>
   </p:clrMapOvr>
-  <p:transition xmlns:p14="http://schemas.microsoft.com/office/powerpoint/2010/main" spd="med" advClick="1"/>
+  <p:transition spd="med"/>
 </p:sldLayout>
 </file>
 
 <file path=ppt/slideLayouts/slideLayout24.xml><?xml version="1.0" encoding="utf-8"?>
-<p:sldLayout xmlns:a="http://schemas.openxmlformats.org/drawingml/2006/main" xmlns:r="http://schemas.openxmlformats.org/officeDocument/2006/relationships" xmlns:p="http://schemas.openxmlformats.org/presentationml/2006/main" type="tx" showMasterSp="0" showMasterPhAnim="1">
+<p:sldLayout xmlns:a="http://schemas.openxmlformats.org/drawingml/2006/main" xmlns:r="http://schemas.openxmlformats.org/officeDocument/2006/relationships" xmlns:p="http://schemas.openxmlformats.org/presentationml/2006/main" showMasterSp="0" type="tx">
   <p:cSld name="End Page">
     <p:bg>
       <p:bgPr>
         <a:solidFill>
           <a:srgbClr val="313636"/>
         </a:solidFill>
+        <a:effectLst/>
       </p:bgPr>
     </p:bg>
     <p:spTree>
@@ -7427,7 +7627,9 @@
       <p:sp>
         <p:nvSpPr>
           <p:cNvPr id="314" name="Shape 314"/>
-          <p:cNvSpPr/>
+          <p:cNvSpPr>
+            <a:spLocks noGrp="1"/>
+          </p:cNvSpPr>
           <p:nvPr>
             <p:ph type="body" sz="quarter" idx="13"/>
           </p:nvPr>
@@ -7461,7 +7663,7 @@
             </a:r>
             <a:r>
               <a:rPr u="sng">
-                <a:hlinkClick r:id="rId2" invalidUrl="" action="" tgtFrame="" tooltip="" history="1" highlightClick="0" endSnd="0"/>
+                <a:hlinkClick r:id="rId2"/>
               </a:rPr>
               <a:t>jwb@eaaa.dk</a:t>
             </a:r>
@@ -7512,7 +7714,7 @@
             </a:r>
             <a:r>
               <a:rPr u="sng">
-                <a:hlinkClick r:id="rId3" invalidUrl="" action="" tgtFrame="" tooltip="" history="1" highlightClick="0" endSnd="0"/>
+                <a:hlinkClick r:id="rId3"/>
               </a:rPr>
               <a:t>www.baaa.dk</a:t>
             </a:r>
@@ -7550,6 +7752,7 @@
             <a:pPr>
               <a:defRPr sz="2000"/>
             </a:pPr>
+            <a:endParaRPr/>
           </a:p>
         </p:txBody>
       </p:sp>
@@ -7585,7 +7788,9 @@
       <p:sp>
         <p:nvSpPr>
           <p:cNvPr id="317" name="Shape 317"/>
-          <p:cNvSpPr/>
+          <p:cNvSpPr>
+            <a:spLocks noGrp="1"/>
+          </p:cNvSpPr>
           <p:nvPr>
             <p:ph type="sldNum" sz="quarter" idx="2"/>
           </p:nvPr>
@@ -7599,8 +7804,10 @@
           <a:bodyPr/>
           <a:lstStyle/>
           <a:p>
-            <a:pPr/>
-            <a:fld id="{86CB4B4D-7CA3-9044-876B-883B54F8677D}" type="slidenum"/>
+            <a:fld id="{86CB4B4D-7CA3-9044-876B-883B54F8677D}" type="slidenum">
+              <a:t>‹nr.›</a:t>
+            </a:fld>
+            <a:endParaRPr/>
           </a:p>
         </p:txBody>
       </p:sp>
@@ -7609,18 +7816,19 @@
   <p:clrMapOvr>
     <a:masterClrMapping/>
   </p:clrMapOvr>
-  <p:transition xmlns:p14="http://schemas.microsoft.com/office/powerpoint/2010/main" spd="med" advClick="1"/>
+  <p:transition spd="med"/>
 </p:sldLayout>
 </file>
 
 <file path=ppt/slideLayouts/slideLayout3.xml><?xml version="1.0" encoding="utf-8"?>
-<p:sldLayout xmlns:a="http://schemas.openxmlformats.org/drawingml/2006/main" xmlns:r="http://schemas.openxmlformats.org/officeDocument/2006/relationships" xmlns:p="http://schemas.openxmlformats.org/presentationml/2006/main" type="tx" showMasterSp="0" showMasterPhAnim="1">
+<p:sldLayout xmlns:a="http://schemas.openxmlformats.org/drawingml/2006/main" xmlns:r="http://schemas.openxmlformats.org/officeDocument/2006/relationships" xmlns:p="http://schemas.openxmlformats.org/presentationml/2006/main" showMasterSp="0" type="tx">
   <p:cSld name="Level 1">
     <p:bg>
       <p:bgPr>
         <a:solidFill>
           <a:srgbClr val="DBE3E2"/>
         </a:solidFill>
+        <a:effectLst/>
       </p:bgPr>
     </p:bg>
     <p:spTree>
@@ -7669,7 +7877,9 @@
       <p:sp>
         <p:nvSpPr>
           <p:cNvPr id="36" name="Shape 36"/>
-          <p:cNvSpPr/>
+          <p:cNvSpPr>
+            <a:spLocks noGrp="1"/>
+          </p:cNvSpPr>
           <p:nvPr>
             <p:ph type="body" sz="half" idx="13"/>
           </p:nvPr>
@@ -7699,7 +7909,6 @@
             </a:lvl1pPr>
           </a:lstStyle>
           <a:p>
-            <a:pPr/>
             <a:r>
               <a:t>Headline</a:t>
             </a:r>
@@ -7709,7 +7918,9 @@
       <p:sp>
         <p:nvSpPr>
           <p:cNvPr id="37" name="Shape 37"/>
-          <p:cNvSpPr/>
+          <p:cNvSpPr>
+            <a:spLocks noGrp="1"/>
+          </p:cNvSpPr>
           <p:nvPr>
             <p:ph type="sldNum" sz="quarter" idx="2"/>
           </p:nvPr>
@@ -7723,8 +7934,10 @@
           <a:bodyPr/>
           <a:lstStyle/>
           <a:p>
-            <a:pPr/>
-            <a:fld id="{86CB4B4D-7CA3-9044-876B-883B54F8677D}" type="slidenum"/>
+            <a:fld id="{86CB4B4D-7CA3-9044-876B-883B54F8677D}" type="slidenum">
+              <a:t>‹nr.›</a:t>
+            </a:fld>
+            <a:endParaRPr/>
           </a:p>
         </p:txBody>
       </p:sp>
@@ -7733,18 +7946,19 @@
   <p:clrMapOvr>
     <a:masterClrMapping/>
   </p:clrMapOvr>
-  <p:transition xmlns:p14="http://schemas.microsoft.com/office/powerpoint/2010/main" spd="med" advClick="1"/>
+  <p:transition spd="med"/>
 </p:sldLayout>
 </file>
 
 <file path=ppt/slideLayouts/slideLayout4.xml><?xml version="1.0" encoding="utf-8"?>
-<p:sldLayout xmlns:a="http://schemas.openxmlformats.org/drawingml/2006/main" xmlns:r="http://schemas.openxmlformats.org/officeDocument/2006/relationships" xmlns:p="http://schemas.openxmlformats.org/presentationml/2006/main" type="tx" showMasterSp="0" showMasterPhAnim="1">
+<p:sldLayout xmlns:a="http://schemas.openxmlformats.org/drawingml/2006/main" xmlns:r="http://schemas.openxmlformats.org/officeDocument/2006/relationships" xmlns:p="http://schemas.openxmlformats.org/presentationml/2006/main" showMasterSp="0" type="tx">
   <p:cSld name="Level 1">
     <p:bg>
       <p:bgPr>
         <a:solidFill>
           <a:srgbClr val="313636"/>
         </a:solidFill>
+        <a:effectLst/>
       </p:bgPr>
     </p:bg>
     <p:spTree>
@@ -7793,7 +8007,9 @@
       <p:sp>
         <p:nvSpPr>
           <p:cNvPr id="45" name="Shape 45"/>
-          <p:cNvSpPr/>
+          <p:cNvSpPr>
+            <a:spLocks noGrp="1"/>
+          </p:cNvSpPr>
           <p:nvPr>
             <p:ph type="body" sz="half" idx="13"/>
           </p:nvPr>
@@ -7823,7 +8039,6 @@
             </a:lvl1pPr>
           </a:lstStyle>
           <a:p>
-            <a:pPr/>
             <a:r>
               <a:t>Headline</a:t>
             </a:r>
@@ -7833,7 +8048,9 @@
       <p:sp>
         <p:nvSpPr>
           <p:cNvPr id="46" name="Shape 46"/>
-          <p:cNvSpPr/>
+          <p:cNvSpPr>
+            <a:spLocks noGrp="1"/>
+          </p:cNvSpPr>
           <p:nvPr>
             <p:ph type="sldNum" sz="quarter" idx="2"/>
           </p:nvPr>
@@ -7859,8 +8076,10 @@
             </a:lvl1pPr>
           </a:lstStyle>
           <a:p>
-            <a:pPr/>
-            <a:fld id="{86CB4B4D-7CA3-9044-876B-883B54F8677D}" type="slidenum"/>
+            <a:fld id="{86CB4B4D-7CA3-9044-876B-883B54F8677D}" type="slidenum">
+              <a:t>‹nr.›</a:t>
+            </a:fld>
+            <a:endParaRPr/>
           </a:p>
         </p:txBody>
       </p:sp>
@@ -7869,18 +8088,19 @@
   <p:clrMapOvr>
     <a:masterClrMapping/>
   </p:clrMapOvr>
-  <p:transition xmlns:p14="http://schemas.microsoft.com/office/powerpoint/2010/main" spd="med" advClick="1"/>
+  <p:transition spd="med"/>
 </p:sldLayout>
 </file>
 
 <file path=ppt/slideLayouts/slideLayout5.xml><?xml version="1.0" encoding="utf-8"?>
-<p:sldLayout xmlns:a="http://schemas.openxmlformats.org/drawingml/2006/main" xmlns:r="http://schemas.openxmlformats.org/officeDocument/2006/relationships" xmlns:p="http://schemas.openxmlformats.org/presentationml/2006/main" type="tx" showMasterSp="0" showMasterPhAnim="1">
+<p:sldLayout xmlns:a="http://schemas.openxmlformats.org/drawingml/2006/main" xmlns:r="http://schemas.openxmlformats.org/officeDocument/2006/relationships" xmlns:p="http://schemas.openxmlformats.org/presentationml/2006/main" showMasterSp="0" type="tx">
   <p:cSld name="Level 2">
     <p:bg>
       <p:bgPr>
         <a:solidFill>
           <a:srgbClr val="DBE3E2"/>
         </a:solidFill>
+        <a:effectLst/>
       </p:bgPr>
     </p:bg>
     <p:spTree>
@@ -7900,7 +8120,9 @@
       <p:sp>
         <p:nvSpPr>
           <p:cNvPr id="53" name="Shape 53"/>
-          <p:cNvSpPr/>
+          <p:cNvSpPr>
+            <a:spLocks noGrp="1"/>
+          </p:cNvSpPr>
           <p:nvPr>
             <p:ph type="body" sz="quarter" idx="13"/>
           </p:nvPr>
@@ -7926,7 +8148,6 @@
             </a:lvl1pPr>
           </a:lstStyle>
           <a:p>
-            <a:pPr/>
             <a:r>
               <a:t>Level 2</a:t>
             </a:r>
@@ -7965,7 +8186,9 @@
       <p:sp>
         <p:nvSpPr>
           <p:cNvPr id="55" name="Shape 55"/>
-          <p:cNvSpPr/>
+          <p:cNvSpPr>
+            <a:spLocks noGrp="1"/>
+          </p:cNvSpPr>
           <p:nvPr>
             <p:ph type="sldNum" sz="quarter" idx="2"/>
           </p:nvPr>
@@ -7991,8 +8214,10 @@
             </a:lvl1pPr>
           </a:lstStyle>
           <a:p>
-            <a:pPr/>
-            <a:fld id="{86CB4B4D-7CA3-9044-876B-883B54F8677D}" type="slidenum"/>
+            <a:fld id="{86CB4B4D-7CA3-9044-876B-883B54F8677D}" type="slidenum">
+              <a:t>‹nr.›</a:t>
+            </a:fld>
+            <a:endParaRPr/>
           </a:p>
         </p:txBody>
       </p:sp>
@@ -8001,18 +8226,19 @@
   <p:clrMapOvr>
     <a:masterClrMapping/>
   </p:clrMapOvr>
-  <p:transition xmlns:p14="http://schemas.microsoft.com/office/powerpoint/2010/main" spd="med" advClick="1"/>
+  <p:transition spd="med"/>
 </p:sldLayout>
 </file>
 
 <file path=ppt/slideLayouts/slideLayout6.xml><?xml version="1.0" encoding="utf-8"?>
-<p:sldLayout xmlns:a="http://schemas.openxmlformats.org/drawingml/2006/main" xmlns:r="http://schemas.openxmlformats.org/officeDocument/2006/relationships" xmlns:p="http://schemas.openxmlformats.org/presentationml/2006/main" type="tx" showMasterSp="0" showMasterPhAnim="1">
+<p:sldLayout xmlns:a="http://schemas.openxmlformats.org/drawingml/2006/main" xmlns:r="http://schemas.openxmlformats.org/officeDocument/2006/relationships" xmlns:p="http://schemas.openxmlformats.org/presentationml/2006/main" showMasterSp="0" type="tx">
   <p:cSld name="Level 2">
     <p:bg>
       <p:bgPr>
         <a:solidFill>
           <a:srgbClr val="313636"/>
         </a:solidFill>
+        <a:effectLst/>
       </p:bgPr>
     </p:bg>
     <p:spTree>
@@ -8061,7 +8287,9 @@
       <p:sp>
         <p:nvSpPr>
           <p:cNvPr id="63" name="Shape 63"/>
-          <p:cNvSpPr/>
+          <p:cNvSpPr>
+            <a:spLocks noGrp="1"/>
+          </p:cNvSpPr>
           <p:nvPr>
             <p:ph type="body" sz="quarter" idx="13"/>
           </p:nvPr>
@@ -8091,7 +8319,6 @@
             </a:lvl1pPr>
           </a:lstStyle>
           <a:p>
-            <a:pPr/>
             <a:r>
               <a:t>Level 2</a:t>
             </a:r>
@@ -8101,7 +8328,9 @@
       <p:sp>
         <p:nvSpPr>
           <p:cNvPr id="64" name="Shape 64"/>
-          <p:cNvSpPr/>
+          <p:cNvSpPr>
+            <a:spLocks noGrp="1"/>
+          </p:cNvSpPr>
           <p:nvPr>
             <p:ph type="sldNum" sz="quarter" idx="2"/>
           </p:nvPr>
@@ -8127,8 +8356,10 @@
             </a:lvl1pPr>
           </a:lstStyle>
           <a:p>
-            <a:pPr/>
-            <a:fld id="{86CB4B4D-7CA3-9044-876B-883B54F8677D}" type="slidenum"/>
+            <a:fld id="{86CB4B4D-7CA3-9044-876B-883B54F8677D}" type="slidenum">
+              <a:t>‹nr.›</a:t>
+            </a:fld>
+            <a:endParaRPr/>
           </a:p>
         </p:txBody>
       </p:sp>
@@ -8137,18 +8368,19 @@
   <p:clrMapOvr>
     <a:masterClrMapping/>
   </p:clrMapOvr>
-  <p:transition xmlns:p14="http://schemas.microsoft.com/office/powerpoint/2010/main" spd="med" advClick="1"/>
+  <p:transition spd="med"/>
 </p:sldLayout>
 </file>
 
 <file path=ppt/slideLayouts/slideLayout7.xml><?xml version="1.0" encoding="utf-8"?>
-<p:sldLayout xmlns:a="http://schemas.openxmlformats.org/drawingml/2006/main" xmlns:r="http://schemas.openxmlformats.org/officeDocument/2006/relationships" xmlns:p="http://schemas.openxmlformats.org/presentationml/2006/main" type="tx" showMasterSp="0" showMasterPhAnim="1">
+<p:sldLayout xmlns:a="http://schemas.openxmlformats.org/drawingml/2006/main" xmlns:r="http://schemas.openxmlformats.org/officeDocument/2006/relationships" xmlns:p="http://schemas.openxmlformats.org/presentationml/2006/main" showMasterSp="0" type="tx">
   <p:cSld name="Text">
     <p:bg>
       <p:bgPr>
         <a:solidFill>
           <a:srgbClr val="DBE3E2"/>
         </a:solidFill>
+        <a:effectLst/>
       </p:bgPr>
     </p:bg>
     <p:spTree>
@@ -8226,7 +8458,9 @@
       <p:sp>
         <p:nvSpPr>
           <p:cNvPr id="73" name="Shape 73"/>
-          <p:cNvSpPr/>
+          <p:cNvSpPr>
+            <a:spLocks noGrp="1"/>
+          </p:cNvSpPr>
           <p:nvPr>
             <p:ph type="body" sz="quarter" idx="13"/>
           </p:nvPr>
@@ -8251,7 +8485,6 @@
             </a:lvl1pPr>
           </a:lstStyle>
           <a:p>
-            <a:pPr/>
             <a:r>
               <a:t>Paragraph text that spans across several lines</a:t>
             </a:r>
@@ -8261,7 +8494,9 @@
       <p:sp>
         <p:nvSpPr>
           <p:cNvPr id="74" name="Shape 74"/>
-          <p:cNvSpPr/>
+          <p:cNvSpPr>
+            <a:spLocks noGrp="1"/>
+          </p:cNvSpPr>
           <p:nvPr>
             <p:ph type="body" sz="quarter" idx="14"/>
           </p:nvPr>
@@ -8286,7 +8521,6 @@
             </a:lvl1pPr>
           </a:lstStyle>
           <a:p>
-            <a:pPr/>
             <a:r>
               <a:t>Wide paragraph text spans across several lines on the slide</a:t>
             </a:r>
@@ -8296,7 +8530,9 @@
       <p:sp>
         <p:nvSpPr>
           <p:cNvPr id="75" name="Shape 75"/>
-          <p:cNvSpPr/>
+          <p:cNvSpPr>
+            <a:spLocks noGrp="1"/>
+          </p:cNvSpPr>
           <p:nvPr>
             <p:ph type="body" sz="quarter" idx="15"/>
           </p:nvPr>
@@ -8318,7 +8554,6 @@
             <a:lvl1pPr marL="467894" indent="-467894"/>
           </a:lstStyle>
           <a:p>
-            <a:pPr/>
             <a:r>
               <a:t>Bullet item that spans across several lines</a:t>
             </a:r>
@@ -8328,7 +8563,9 @@
       <p:sp>
         <p:nvSpPr>
           <p:cNvPr id="76" name="Shape 76"/>
-          <p:cNvSpPr/>
+          <p:cNvSpPr>
+            <a:spLocks noGrp="1"/>
+          </p:cNvSpPr>
           <p:nvPr>
             <p:ph type="body" sz="quarter" idx="16"/>
           </p:nvPr>
@@ -8354,7 +8591,6 @@
             </a:lvl1pPr>
           </a:lstStyle>
           <a:p>
-            <a:pPr/>
             <a:r>
               <a:t>Level 3 heading</a:t>
             </a:r>
@@ -8364,7 +8600,9 @@
       <p:sp>
         <p:nvSpPr>
           <p:cNvPr id="77" name="Shape 77"/>
-          <p:cNvSpPr/>
+          <p:cNvSpPr>
+            <a:spLocks noGrp="1"/>
+          </p:cNvSpPr>
           <p:nvPr>
             <p:ph type="body" sz="quarter" idx="17"/>
           </p:nvPr>
@@ -8390,7 +8628,6 @@
             </a:lvl1pPr>
           </a:lstStyle>
           <a:p>
-            <a:pPr/>
             <a:r>
               <a:t>Level 2</a:t>
             </a:r>
@@ -8400,7 +8637,9 @@
       <p:sp>
         <p:nvSpPr>
           <p:cNvPr id="78" name="Shape 78"/>
-          <p:cNvSpPr/>
+          <p:cNvSpPr>
+            <a:spLocks noGrp="1"/>
+          </p:cNvSpPr>
           <p:nvPr>
             <p:ph type="body" sz="quarter" idx="18"/>
           </p:nvPr>
@@ -8426,7 +8665,6 @@
             </a:lvl1pPr>
           </a:lstStyle>
           <a:p>
-            <a:pPr/>
             <a:r>
               <a:t>Level 4 heading</a:t>
             </a:r>
@@ -8452,7 +8690,7 @@
           </a:ln>
           <a:extLst>
             <a:ext uri="{C572A759-6A51-4108-AA02-DFA0A04FC94B}">
-              <ma14:wrappingTextBoxFlag xmlns:ma14="http://schemas.microsoft.com/office/mac/drawingml/2011/main" val="1"/>
+              <ma14:wrappingTextBoxFlag xmlns:ma14="http://schemas.microsoft.com/office/mac/drawingml/2011/main" xmlns="" val="1"/>
             </a:ext>
           </a:extLst>
         </p:spPr>
@@ -8466,7 +8704,6 @@
             </a:lvl1pPr>
           </a:lstStyle>
           <a:p>
-            <a:pPr/>
             <a:r>
               <a:t>Level 4 heading</a:t>
             </a:r>
@@ -8505,7 +8742,9 @@
       <p:sp>
         <p:nvSpPr>
           <p:cNvPr id="81" name="Shape 81"/>
-          <p:cNvSpPr/>
+          <p:cNvSpPr>
+            <a:spLocks noGrp="1"/>
+          </p:cNvSpPr>
           <p:nvPr>
             <p:ph type="sldNum" sz="quarter" idx="2"/>
           </p:nvPr>
@@ -8531,8 +8770,10 @@
             </a:lvl1pPr>
           </a:lstStyle>
           <a:p>
-            <a:pPr/>
-            <a:fld id="{86CB4B4D-7CA3-9044-876B-883B54F8677D}" type="slidenum"/>
+            <a:fld id="{86CB4B4D-7CA3-9044-876B-883B54F8677D}" type="slidenum">
+              <a:t>‹nr.›</a:t>
+            </a:fld>
+            <a:endParaRPr/>
           </a:p>
         </p:txBody>
       </p:sp>
@@ -8541,18 +8782,19 @@
   <p:clrMapOvr>
     <a:masterClrMapping/>
   </p:clrMapOvr>
-  <p:transition xmlns:p14="http://schemas.microsoft.com/office/powerpoint/2010/main" spd="med" advClick="1"/>
+  <p:transition spd="med"/>
 </p:sldLayout>
 </file>
 
 <file path=ppt/slideLayouts/slideLayout8.xml><?xml version="1.0" encoding="utf-8"?>
-<p:sldLayout xmlns:a="http://schemas.openxmlformats.org/drawingml/2006/main" xmlns:r="http://schemas.openxmlformats.org/officeDocument/2006/relationships" xmlns:p="http://schemas.openxmlformats.org/presentationml/2006/main" type="tx" showMasterSp="0" showMasterPhAnim="1">
+<p:sldLayout xmlns:a="http://schemas.openxmlformats.org/drawingml/2006/main" xmlns:r="http://schemas.openxmlformats.org/officeDocument/2006/relationships" xmlns:p="http://schemas.openxmlformats.org/presentationml/2006/main" showMasterSp="0" type="tx">
   <p:cSld name="Text">
     <p:bg>
       <p:bgPr>
         <a:solidFill>
           <a:srgbClr val="313636"/>
         </a:solidFill>
+        <a:effectLst/>
       </p:bgPr>
     </p:bg>
     <p:spTree>
@@ -8630,7 +8872,9 @@
       <p:sp>
         <p:nvSpPr>
           <p:cNvPr id="90" name="Shape 90"/>
-          <p:cNvSpPr/>
+          <p:cNvSpPr>
+            <a:spLocks noGrp="1"/>
+          </p:cNvSpPr>
           <p:nvPr>
             <p:ph type="body" sz="quarter" idx="13"/>
           </p:nvPr>
@@ -8660,7 +8904,6 @@
             </a:lvl1pPr>
           </a:lstStyle>
           <a:p>
-            <a:pPr/>
             <a:r>
               <a:t>Paragraph text that spans across several lines</a:t>
             </a:r>
@@ -8670,7 +8913,9 @@
       <p:sp>
         <p:nvSpPr>
           <p:cNvPr id="91" name="Shape 91"/>
-          <p:cNvSpPr/>
+          <p:cNvSpPr>
+            <a:spLocks noGrp="1"/>
+          </p:cNvSpPr>
           <p:nvPr>
             <p:ph type="body" sz="quarter" idx="14"/>
           </p:nvPr>
@@ -8700,7 +8945,6 @@
             </a:lvl1pPr>
           </a:lstStyle>
           <a:p>
-            <a:pPr/>
             <a:r>
               <a:t>Wide paragraph text spans across several lines on the slide</a:t>
             </a:r>
@@ -8710,7 +8954,9 @@
       <p:sp>
         <p:nvSpPr>
           <p:cNvPr id="92" name="Shape 92"/>
-          <p:cNvSpPr/>
+          <p:cNvSpPr>
+            <a:spLocks noGrp="1"/>
+          </p:cNvSpPr>
           <p:nvPr>
             <p:ph type="body" sz="quarter" idx="15"/>
           </p:nvPr>
@@ -8738,7 +8984,6 @@
             </a:lvl1pPr>
           </a:lstStyle>
           <a:p>
-            <a:pPr/>
             <a:r>
               <a:t>Bullet item that spans across several lines</a:t>
             </a:r>
@@ -8748,7 +8993,9 @@
       <p:sp>
         <p:nvSpPr>
           <p:cNvPr id="93" name="Shape 93"/>
-          <p:cNvSpPr/>
+          <p:cNvSpPr>
+            <a:spLocks noGrp="1"/>
+          </p:cNvSpPr>
           <p:nvPr>
             <p:ph type="body" sz="quarter" idx="16"/>
           </p:nvPr>
@@ -8778,7 +9025,6 @@
             </a:lvl1pPr>
           </a:lstStyle>
           <a:p>
-            <a:pPr/>
             <a:r>
               <a:t>Level 3 heading</a:t>
             </a:r>
@@ -8788,7 +9034,9 @@
       <p:sp>
         <p:nvSpPr>
           <p:cNvPr id="94" name="Shape 94"/>
-          <p:cNvSpPr/>
+          <p:cNvSpPr>
+            <a:spLocks noGrp="1"/>
+          </p:cNvSpPr>
           <p:nvPr>
             <p:ph type="body" sz="quarter" idx="17"/>
           </p:nvPr>
@@ -8818,7 +9066,6 @@
             </a:lvl1pPr>
           </a:lstStyle>
           <a:p>
-            <a:pPr/>
             <a:r>
               <a:t>Level 2</a:t>
             </a:r>
@@ -8828,7 +9075,9 @@
       <p:sp>
         <p:nvSpPr>
           <p:cNvPr id="95" name="Shape 95"/>
-          <p:cNvSpPr/>
+          <p:cNvSpPr>
+            <a:spLocks noGrp="1"/>
+          </p:cNvSpPr>
           <p:nvPr>
             <p:ph type="body" sz="quarter" idx="18"/>
           </p:nvPr>
@@ -8858,7 +9107,6 @@
             </a:lvl1pPr>
           </a:lstStyle>
           <a:p>
-            <a:pPr/>
             <a:r>
               <a:t>Level 4 heading</a:t>
             </a:r>
@@ -8897,7 +9145,9 @@
       <p:sp>
         <p:nvSpPr>
           <p:cNvPr id="97" name="Shape 97"/>
-          <p:cNvSpPr/>
+          <p:cNvSpPr>
+            <a:spLocks noGrp="1"/>
+          </p:cNvSpPr>
           <p:nvPr>
             <p:ph type="sldNum" sz="quarter" idx="2"/>
           </p:nvPr>
@@ -8923,8 +9173,10 @@
             </a:lvl1pPr>
           </a:lstStyle>
           <a:p>
-            <a:pPr/>
-            <a:fld id="{86CB4B4D-7CA3-9044-876B-883B54F8677D}" type="slidenum"/>
+            <a:fld id="{86CB4B4D-7CA3-9044-876B-883B54F8677D}" type="slidenum">
+              <a:t>‹nr.›</a:t>
+            </a:fld>
+            <a:endParaRPr/>
           </a:p>
         </p:txBody>
       </p:sp>
@@ -8933,18 +9185,19 @@
   <p:clrMapOvr>
     <a:masterClrMapping/>
   </p:clrMapOvr>
-  <p:transition xmlns:p14="http://schemas.microsoft.com/office/powerpoint/2010/main" spd="med" advClick="1"/>
+  <p:transition spd="med"/>
 </p:sldLayout>
 </file>
 
 <file path=ppt/slideLayouts/slideLayout9.xml><?xml version="1.0" encoding="utf-8"?>
-<p:sldLayout xmlns:a="http://schemas.openxmlformats.org/drawingml/2006/main" xmlns:r="http://schemas.openxmlformats.org/officeDocument/2006/relationships" xmlns:p="http://schemas.openxmlformats.org/presentationml/2006/main" type="tx" showMasterSp="0" showMasterPhAnim="1">
+<p:sldLayout xmlns:a="http://schemas.openxmlformats.org/drawingml/2006/main" xmlns:r="http://schemas.openxmlformats.org/officeDocument/2006/relationships" xmlns:p="http://schemas.openxmlformats.org/presentationml/2006/main" showMasterSp="0" type="tx">
   <p:cSld name="Blank - Grey">
     <p:bg>
       <p:bgPr>
         <a:solidFill>
           <a:srgbClr val="313636"/>
         </a:solidFill>
+        <a:effectLst/>
       </p:bgPr>
     </p:bg>
     <p:spTree>
@@ -8993,7 +9246,9 @@
       <p:sp>
         <p:nvSpPr>
           <p:cNvPr id="105" name="Shape 105"/>
-          <p:cNvSpPr/>
+          <p:cNvSpPr>
+            <a:spLocks noGrp="1"/>
+          </p:cNvSpPr>
           <p:nvPr>
             <p:ph type="sldNum" sz="quarter" idx="2"/>
           </p:nvPr>
@@ -9019,8 +9274,10 @@
             </a:lvl1pPr>
           </a:lstStyle>
           <a:p>
-            <a:pPr/>
-            <a:fld id="{86CB4B4D-7CA3-9044-876B-883B54F8677D}" type="slidenum"/>
+            <a:fld id="{86CB4B4D-7CA3-9044-876B-883B54F8677D}" type="slidenum">
+              <a:t>‹nr.›</a:t>
+            </a:fld>
+            <a:endParaRPr/>
           </a:p>
         </p:txBody>
       </p:sp>
@@ -9029,7 +9286,7 @@
   <p:clrMapOvr>
     <a:masterClrMapping/>
   </p:clrMapOvr>
-  <p:transition xmlns:p14="http://schemas.microsoft.com/office/powerpoint/2010/main" spd="med" advClick="1"/>
+  <p:transition spd="med"/>
 </p:sldLayout>
 </file>
 
@@ -9041,6 +9298,7 @@
         <a:solidFill>
           <a:srgbClr val="C3C892"/>
         </a:solidFill>
+        <a:effectLst/>
       </p:bgPr>
     </p:bg>
     <p:spTree>
@@ -9066,7 +9324,7 @@
           <p:nvPr/>
         </p:nvPicPr>
         <p:blipFill>
-          <a:blip r:embed="rId2">
+          <a:blip r:embed="rId26">
             <a:extLst/>
           </a:blip>
           <a:stretch>
@@ -9114,13 +9372,16 @@
             <a:pPr>
               <a:defRPr sz="2000"/>
             </a:pPr>
+            <a:endParaRPr/>
           </a:p>
         </p:txBody>
       </p:sp>
       <p:sp>
         <p:nvSpPr>
           <p:cNvPr id="4" name="Shape 4"/>
-          <p:cNvSpPr/>
+          <p:cNvSpPr>
+            <a:spLocks noGrp="1"/>
+          </p:cNvSpPr>
           <p:nvPr>
             <p:ph type="title"/>
           </p:nvPr>
@@ -9138,17 +9399,16 @@
           </a:ln>
           <a:extLst>
             <a:ext uri="{C572A759-6A51-4108-AA02-DFA0A04FC94B}">
-              <ma14:wrappingTextBoxFlag xmlns:ma14="http://schemas.microsoft.com/office/mac/drawingml/2011/main" val="1"/>
+              <ma14:wrappingTextBoxFlag xmlns:ma14="http://schemas.microsoft.com/office/mac/drawingml/2011/main" xmlns="" val="1"/>
             </a:ext>
           </a:extLst>
         </p:spPr>
         <p:txBody>
           <a:bodyPr lIns="50800" tIns="50800" rIns="50800" bIns="50800" anchor="ctr">
-            <a:normAutofit fontScale="100000" lnSpcReduction="0"/>
+            <a:normAutofit/>
           </a:bodyPr>
           <a:lstStyle/>
           <a:p>
-            <a:pPr/>
             <a:r>
               <a:t>Title Text</a:t>
             </a:r>
@@ -9158,7 +9418,9 @@
       <p:sp>
         <p:nvSpPr>
           <p:cNvPr id="5" name="Shape 5"/>
-          <p:cNvSpPr/>
+          <p:cNvSpPr>
+            <a:spLocks noGrp="1"/>
+          </p:cNvSpPr>
           <p:nvPr>
             <p:ph type="body" idx="1"/>
           </p:nvPr>
@@ -9176,17 +9438,16 @@
           </a:ln>
           <a:extLst>
             <a:ext uri="{C572A759-6A51-4108-AA02-DFA0A04FC94B}">
-              <ma14:wrappingTextBoxFlag xmlns:ma14="http://schemas.microsoft.com/office/mac/drawingml/2011/main" val="1"/>
+              <ma14:wrappingTextBoxFlag xmlns:ma14="http://schemas.microsoft.com/office/mac/drawingml/2011/main" xmlns="" val="1"/>
             </a:ext>
           </a:extLst>
         </p:spPr>
         <p:txBody>
           <a:bodyPr lIns="50800" tIns="50800" rIns="50800" bIns="50800" anchor="ctr">
-            <a:normAutofit fontScale="100000" lnSpcReduction="0"/>
+            <a:normAutofit/>
           </a:bodyPr>
           <a:lstStyle/>
           <a:p>
-            <a:pPr/>
             <a:r>
               <a:t>Body Level One</a:t>
             </a:r>
@@ -9220,7 +9481,9 @@
       <p:sp>
         <p:nvSpPr>
           <p:cNvPr id="6" name="Shape 6"/>
-          <p:cNvSpPr/>
+          <p:cNvSpPr>
+            <a:spLocks noGrp="1"/>
+          </p:cNvSpPr>
           <p:nvPr>
             <p:ph type="sldNum" sz="quarter" idx="2"/>
           </p:nvPr>
@@ -9255,8 +9518,10 @@
             </a:lvl1pPr>
           </a:lstStyle>
           <a:p>
-            <a:pPr/>
-            <a:fld id="{86CB4B4D-7CA3-9044-876B-883B54F8677D}" type="slidenum"/>
+            <a:fld id="{86CB4B4D-7CA3-9044-876B-883B54F8677D}" type="slidenum">
+              <a:t>‹nr.›</a:t>
+            </a:fld>
+            <a:endParaRPr/>
           </a:p>
         </p:txBody>
       </p:sp>
@@ -9264,32 +9529,32 @@
   </p:cSld>
   <p:clrMap bg1="lt1" tx1="dk1" bg2="lt2" tx2="dk2" accent1="accent1" accent2="accent2" accent3="accent3" accent4="accent4" accent5="accent5" accent6="accent6" hlink="hlink" folHlink="folHlink"/>
   <p:sldLayoutIdLst>
-    <p:sldLayoutId id="2147483649" r:id="rId3"/>
-    <p:sldLayoutId id="2147483650" r:id="rId4"/>
-    <p:sldLayoutId id="2147483651" r:id="rId5"/>
-    <p:sldLayoutId id="2147483652" r:id="rId6"/>
-    <p:sldLayoutId id="2147483653" r:id="rId7"/>
-    <p:sldLayoutId id="2147483654" r:id="rId8"/>
-    <p:sldLayoutId id="2147483655" r:id="rId9"/>
-    <p:sldLayoutId id="2147483656" r:id="rId10"/>
-    <p:sldLayoutId id="2147483657" r:id="rId11"/>
-    <p:sldLayoutId id="2147483658" r:id="rId12"/>
-    <p:sldLayoutId id="2147483659" r:id="rId13"/>
-    <p:sldLayoutId id="2147483660" r:id="rId14"/>
-    <p:sldLayoutId id="2147483661" r:id="rId15"/>
-    <p:sldLayoutId id="2147483662" r:id="rId16"/>
-    <p:sldLayoutId id="2147483663" r:id="rId17"/>
-    <p:sldLayoutId id="2147483664" r:id="rId18"/>
-    <p:sldLayoutId id="2147483665" r:id="rId19"/>
-    <p:sldLayoutId id="2147483666" r:id="rId20"/>
-    <p:sldLayoutId id="2147483667" r:id="rId21"/>
-    <p:sldLayoutId id="2147483668" r:id="rId22"/>
-    <p:sldLayoutId id="2147483669" r:id="rId23"/>
-    <p:sldLayoutId id="2147483670" r:id="rId24"/>
-    <p:sldLayoutId id="2147483671" r:id="rId25"/>
-    <p:sldLayoutId id="2147483672" r:id="rId26"/>
+    <p:sldLayoutId id="2147483649" r:id="rId1"/>
+    <p:sldLayoutId id="2147483650" r:id="rId2"/>
+    <p:sldLayoutId id="2147483651" r:id="rId3"/>
+    <p:sldLayoutId id="2147483652" r:id="rId4"/>
+    <p:sldLayoutId id="2147483653" r:id="rId5"/>
+    <p:sldLayoutId id="2147483654" r:id="rId6"/>
+    <p:sldLayoutId id="2147483655" r:id="rId7"/>
+    <p:sldLayoutId id="2147483656" r:id="rId8"/>
+    <p:sldLayoutId id="2147483657" r:id="rId9"/>
+    <p:sldLayoutId id="2147483658" r:id="rId10"/>
+    <p:sldLayoutId id="2147483659" r:id="rId11"/>
+    <p:sldLayoutId id="2147483660" r:id="rId12"/>
+    <p:sldLayoutId id="2147483661" r:id="rId13"/>
+    <p:sldLayoutId id="2147483662" r:id="rId14"/>
+    <p:sldLayoutId id="2147483663" r:id="rId15"/>
+    <p:sldLayoutId id="2147483664" r:id="rId16"/>
+    <p:sldLayoutId id="2147483665" r:id="rId17"/>
+    <p:sldLayoutId id="2147483666" r:id="rId18"/>
+    <p:sldLayoutId id="2147483667" r:id="rId19"/>
+    <p:sldLayoutId id="2147483668" r:id="rId20"/>
+    <p:sldLayoutId id="2147483669" r:id="rId21"/>
+    <p:sldLayoutId id="2147483670" r:id="rId22"/>
+    <p:sldLayoutId id="2147483671" r:id="rId23"/>
+    <p:sldLayoutId id="2147483672" r:id="rId24"/>
   </p:sldLayoutIdLst>
-  <p:transition xmlns:p14="http://schemas.microsoft.com/office/powerpoint/2010/main" spd="med" advClick="1"/>
+  <p:transition spd="med"/>
   <p:txStyles>
     <p:titleStyle>
       <a:lvl1pPr marL="0" marR="0" indent="0" algn="ctr" defTabSz="584200" rtl="0" latinLnBrk="0">
@@ -9307,7 +9572,7 @@
         <a:buFontTx/>
         <a:buNone/>
         <a:tabLst/>
-        <a:defRPr b="0" baseline="0" cap="none" i="0" spc="0" strike="noStrike" sz="14000" u="none">
+        <a:defRPr sz="14000" b="0" i="0" u="none" strike="noStrike" cap="none" spc="0" baseline="0">
           <a:ln>
             <a:noFill/>
           </a:ln>
@@ -9336,7 +9601,7 @@
         <a:buFontTx/>
         <a:buNone/>
         <a:tabLst/>
-        <a:defRPr b="0" baseline="0" cap="none" i="0" spc="0" strike="noStrike" sz="14000" u="none">
+        <a:defRPr sz="14000" b="0" i="0" u="none" strike="noStrike" cap="none" spc="0" baseline="0">
           <a:ln>
             <a:noFill/>
           </a:ln>
@@ -9365,7 +9630,7 @@
         <a:buFontTx/>
         <a:buNone/>
         <a:tabLst/>
-        <a:defRPr b="0" baseline="0" cap="none" i="0" spc="0" strike="noStrike" sz="14000" u="none">
+        <a:defRPr sz="14000" b="0" i="0" u="none" strike="noStrike" cap="none" spc="0" baseline="0">
           <a:ln>
             <a:noFill/>
           </a:ln>
@@ -9394,7 +9659,7 @@
         <a:buFontTx/>
         <a:buNone/>
         <a:tabLst/>
-        <a:defRPr b="0" baseline="0" cap="none" i="0" spc="0" strike="noStrike" sz="14000" u="none">
+        <a:defRPr sz="14000" b="0" i="0" u="none" strike="noStrike" cap="none" spc="0" baseline="0">
           <a:ln>
             <a:noFill/>
           </a:ln>
@@ -9423,7 +9688,7 @@
         <a:buFontTx/>
         <a:buNone/>
         <a:tabLst/>
-        <a:defRPr b="0" baseline="0" cap="none" i="0" spc="0" strike="noStrike" sz="14000" u="none">
+        <a:defRPr sz="14000" b="0" i="0" u="none" strike="noStrike" cap="none" spc="0" baseline="0">
           <a:ln>
             <a:noFill/>
           </a:ln>
@@ -9452,7 +9717,7 @@
         <a:buFontTx/>
         <a:buNone/>
         <a:tabLst/>
-        <a:defRPr b="0" baseline="0" cap="none" i="0" spc="0" strike="noStrike" sz="14000" u="none">
+        <a:defRPr sz="14000" b="0" i="0" u="none" strike="noStrike" cap="none" spc="0" baseline="0">
           <a:ln>
             <a:noFill/>
           </a:ln>
@@ -9481,7 +9746,7 @@
         <a:buFontTx/>
         <a:buNone/>
         <a:tabLst/>
-        <a:defRPr b="0" baseline="0" cap="none" i="0" spc="0" strike="noStrike" sz="14000" u="none">
+        <a:defRPr sz="14000" b="0" i="0" u="none" strike="noStrike" cap="none" spc="0" baseline="0">
           <a:ln>
             <a:noFill/>
           </a:ln>
@@ -9510,7 +9775,7 @@
         <a:buFontTx/>
         <a:buNone/>
         <a:tabLst/>
-        <a:defRPr b="0" baseline="0" cap="none" i="0" spc="0" strike="noStrike" sz="14000" u="none">
+        <a:defRPr sz="14000" b="0" i="0" u="none" strike="noStrike" cap="none" spc="0" baseline="0">
           <a:ln>
             <a:noFill/>
           </a:ln>
@@ -9539,7 +9804,7 @@
         <a:buFontTx/>
         <a:buNone/>
         <a:tabLst/>
-        <a:defRPr b="0" baseline="0" cap="none" i="0" spc="0" strike="noStrike" sz="14000" u="none">
+        <a:defRPr sz="14000" b="0" i="0" u="none" strike="noStrike" cap="none" spc="0" baseline="0">
           <a:ln>
             <a:noFill/>
           </a:ln>
@@ -9570,7 +9835,7 @@
         <a:buFontTx/>
         <a:buChar char="•"/>
         <a:tabLst/>
-        <a:defRPr b="0" baseline="0" cap="none" i="0" spc="0" strike="noStrike" sz="3800" u="none">
+        <a:defRPr sz="3800" b="0" i="0" u="none" strike="noStrike" cap="none" spc="0" baseline="0">
           <a:ln>
             <a:noFill/>
           </a:ln>
@@ -9599,7 +9864,7 @@
         <a:buFontTx/>
         <a:buChar char="•"/>
         <a:tabLst/>
-        <a:defRPr b="0" baseline="0" cap="none" i="0" spc="0" strike="noStrike" sz="3800" u="none">
+        <a:defRPr sz="3800" b="0" i="0" u="none" strike="noStrike" cap="none" spc="0" baseline="0">
           <a:ln>
             <a:noFill/>
           </a:ln>
@@ -9628,7 +9893,7 @@
         <a:buFontTx/>
         <a:buChar char="•"/>
         <a:tabLst/>
-        <a:defRPr b="0" baseline="0" cap="none" i="0" spc="0" strike="noStrike" sz="3800" u="none">
+        <a:defRPr sz="3800" b="0" i="0" u="none" strike="noStrike" cap="none" spc="0" baseline="0">
           <a:ln>
             <a:noFill/>
           </a:ln>
@@ -9657,7 +9922,7 @@
         <a:buFontTx/>
         <a:buChar char="•"/>
         <a:tabLst/>
-        <a:defRPr b="0" baseline="0" cap="none" i="0" spc="0" strike="noStrike" sz="3800" u="none">
+        <a:defRPr sz="3800" b="0" i="0" u="none" strike="noStrike" cap="none" spc="0" baseline="0">
           <a:ln>
             <a:noFill/>
           </a:ln>
@@ -9686,7 +9951,7 @@
         <a:buFontTx/>
         <a:buChar char="•"/>
         <a:tabLst/>
-        <a:defRPr b="0" baseline="0" cap="none" i="0" spc="0" strike="noStrike" sz="3800" u="none">
+        <a:defRPr sz="3800" b="0" i="0" u="none" strike="noStrike" cap="none" spc="0" baseline="0">
           <a:ln>
             <a:noFill/>
           </a:ln>
@@ -9715,7 +9980,7 @@
         <a:buFontTx/>
         <a:buChar char="•"/>
         <a:tabLst/>
-        <a:defRPr b="0" baseline="0" cap="none" i="0" spc="0" strike="noStrike" sz="3800" u="none">
+        <a:defRPr sz="3800" b="0" i="0" u="none" strike="noStrike" cap="none" spc="0" baseline="0">
           <a:ln>
             <a:noFill/>
           </a:ln>
@@ -9744,7 +10009,7 @@
         <a:buFontTx/>
         <a:buChar char="•"/>
         <a:tabLst/>
-        <a:defRPr b="0" baseline="0" cap="none" i="0" spc="0" strike="noStrike" sz="3800" u="none">
+        <a:defRPr sz="3800" b="0" i="0" u="none" strike="noStrike" cap="none" spc="0" baseline="0">
           <a:ln>
             <a:noFill/>
           </a:ln>
@@ -9773,7 +10038,7 @@
         <a:buFontTx/>
         <a:buChar char="•"/>
         <a:tabLst/>
-        <a:defRPr b="0" baseline="0" cap="none" i="0" spc="0" strike="noStrike" sz="3800" u="none">
+        <a:defRPr sz="3800" b="0" i="0" u="none" strike="noStrike" cap="none" spc="0" baseline="0">
           <a:ln>
             <a:noFill/>
           </a:ln>
@@ -9802,7 +10067,7 @@
         <a:buFontTx/>
         <a:buChar char="•"/>
         <a:tabLst/>
-        <a:defRPr b="0" baseline="0" cap="none" i="0" spc="0" strike="noStrike" sz="3800" u="none">
+        <a:defRPr sz="3800" b="0" i="0" u="none" strike="noStrike" cap="none" spc="0" baseline="0">
           <a:ln>
             <a:noFill/>
           </a:ln>
@@ -9833,7 +10098,7 @@
         <a:buFontTx/>
         <a:buNone/>
         <a:tabLst/>
-        <a:defRPr b="0" baseline="0" cap="none" i="0" spc="0" strike="noStrike" sz="1400" u="none">
+        <a:defRPr sz="1400" b="0" i="0" u="none" strike="noStrike" cap="none" spc="0" baseline="0">
           <a:ln>
             <a:noFill/>
           </a:ln>
@@ -9862,7 +10127,7 @@
         <a:buFontTx/>
         <a:buNone/>
         <a:tabLst/>
-        <a:defRPr b="0" baseline="0" cap="none" i="0" spc="0" strike="noStrike" sz="1400" u="none">
+        <a:defRPr sz="1400" b="0" i="0" u="none" strike="noStrike" cap="none" spc="0" baseline="0">
           <a:ln>
             <a:noFill/>
           </a:ln>
@@ -9891,7 +10156,7 @@
         <a:buFontTx/>
         <a:buNone/>
         <a:tabLst/>
-        <a:defRPr b="0" baseline="0" cap="none" i="0" spc="0" strike="noStrike" sz="1400" u="none">
+        <a:defRPr sz="1400" b="0" i="0" u="none" strike="noStrike" cap="none" spc="0" baseline="0">
           <a:ln>
             <a:noFill/>
           </a:ln>
@@ -9920,7 +10185,7 @@
         <a:buFontTx/>
         <a:buNone/>
         <a:tabLst/>
-        <a:defRPr b="0" baseline="0" cap="none" i="0" spc="0" strike="noStrike" sz="1400" u="none">
+        <a:defRPr sz="1400" b="0" i="0" u="none" strike="noStrike" cap="none" spc="0" baseline="0">
           <a:ln>
             <a:noFill/>
           </a:ln>
@@ -9949,7 +10214,7 @@
         <a:buFontTx/>
         <a:buNone/>
         <a:tabLst/>
-        <a:defRPr b="0" baseline="0" cap="none" i="0" spc="0" strike="noStrike" sz="1400" u="none">
+        <a:defRPr sz="1400" b="0" i="0" u="none" strike="noStrike" cap="none" spc="0" baseline="0">
           <a:ln>
             <a:noFill/>
           </a:ln>
@@ -9978,7 +10243,7 @@
         <a:buFontTx/>
         <a:buNone/>
         <a:tabLst/>
-        <a:defRPr b="0" baseline="0" cap="none" i="0" spc="0" strike="noStrike" sz="1400" u="none">
+        <a:defRPr sz="1400" b="0" i="0" u="none" strike="noStrike" cap="none" spc="0" baseline="0">
           <a:ln>
             <a:noFill/>
           </a:ln>
@@ -10007,7 +10272,7 @@
         <a:buFontTx/>
         <a:buNone/>
         <a:tabLst/>
-        <a:defRPr b="0" baseline="0" cap="none" i="0" spc="0" strike="noStrike" sz="1400" u="none">
+        <a:defRPr sz="1400" b="0" i="0" u="none" strike="noStrike" cap="none" spc="0" baseline="0">
           <a:ln>
             <a:noFill/>
           </a:ln>
@@ -10036,7 +10301,7 @@
         <a:buFontTx/>
         <a:buNone/>
         <a:tabLst/>
-        <a:defRPr b="0" baseline="0" cap="none" i="0" spc="0" strike="noStrike" sz="1400" u="none">
+        <a:defRPr sz="1400" b="0" i="0" u="none" strike="noStrike" cap="none" spc="0" baseline="0">
           <a:ln>
             <a:noFill/>
           </a:ln>
@@ -10065,7 +10330,7 @@
         <a:buFontTx/>
         <a:buNone/>
         <a:tabLst/>
-        <a:defRPr b="0" baseline="0" cap="none" i="0" spc="0" strike="noStrike" sz="1400" u="none">
+        <a:defRPr sz="1400" b="0" i="0" u="none" strike="noStrike" cap="none" spc="0" baseline="0">
           <a:ln>
             <a:noFill/>
           </a:ln>
@@ -10085,7 +10350,7 @@
 </file>
 
 <file path=ppt/slides/slide1.xml><?xml version="1.0" encoding="utf-8"?>
-<p:sld xmlns:a="http://schemas.openxmlformats.org/drawingml/2006/main" xmlns:r="http://schemas.openxmlformats.org/officeDocument/2006/relationships" xmlns:p="http://schemas.openxmlformats.org/presentationml/2006/main" showMasterSp="1" showMasterPhAnim="1">
+<p:sld xmlns:a="http://schemas.openxmlformats.org/drawingml/2006/main" xmlns:r="http://schemas.openxmlformats.org/officeDocument/2006/relationships" xmlns:p="http://schemas.openxmlformats.org/presentationml/2006/main">
   <p:cSld>
     <p:spTree>
       <p:nvGrpSpPr>
@@ -10101,124 +10366,542 @@
           <a:chExt cx="0" cy="0"/>
         </a:xfrm>
       </p:grpSpPr>
-      <p:sp>
-        <p:nvSpPr>
-          <p:cNvPr id="326" name="Shape 326"/>
-          <p:cNvSpPr/>
+      <p:pic>
+        <p:nvPicPr>
+          <p:cNvPr id="2" name="Billede 1"/>
+          <p:cNvPicPr>
+            <a:picLocks noChangeAspect="1"/>
+          </p:cNvPicPr>
           <p:nvPr/>
-        </p:nvSpPr>
-        <p:spPr>
-          <a:xfrm>
-            <a:off x="2168690" y="1409700"/>
-            <a:ext cx="8667420" cy="5384801"/>
-          </a:xfrm>
-          <a:prstGeom prst="rect">
-            <a:avLst/>
-          </a:prstGeom>
-          <a:ln w="12700">
+        </p:nvPicPr>
+        <p:blipFill>
+          <a:blip r:embed="rId2">
+            <a:extLst>
+              <a:ext uri="{28A0092B-C50C-407E-A947-70E740481C1C}">
+                <a14:useLocalDpi xmlns:a14="http://schemas.microsoft.com/office/drawing/2010/main" val="0"/>
+              </a:ext>
+            </a:extLst>
+          </a:blip>
+          <a:stretch>
+            <a:fillRect/>
+          </a:stretch>
+        </p:blipFill>
+        <p:spPr>
+          <a:xfrm>
+            <a:off x="0" y="964160"/>
+            <a:ext cx="7879582" cy="6702898"/>
+          </a:xfrm>
+          <a:prstGeom prst="rect">
+            <a:avLst/>
+          </a:prstGeom>
+        </p:spPr>
+      </p:pic>
+      <p:sp>
+        <p:nvSpPr>
+          <p:cNvPr id="3" name="Tekstfelt 2"/>
+          <p:cNvSpPr txBox="1"/>
+          <p:nvPr/>
+        </p:nvSpPr>
+        <p:spPr>
+          <a:xfrm>
+            <a:off x="7366000" y="3628241"/>
+            <a:ext cx="5638800" cy="687368"/>
+          </a:xfrm>
+          <a:prstGeom prst="rect">
+            <a:avLst/>
+          </a:prstGeom>
+          <a:noFill/>
+          <a:ln w="12700" cap="flat">
+            <a:noFill/>
             <a:miter lim="400000"/>
           </a:ln>
-          <a:extLst>
-            <a:ext uri="{C572A759-6A51-4108-AA02-DFA0A04FC94B}">
-              <ma14:wrappingTextBoxFlag xmlns:ma14="http://schemas.microsoft.com/office/mac/drawingml/2011/main" val="1"/>
-            </a:ext>
-          </a:extLst>
-        </p:spPr>
-        <p:txBody>
-          <a:bodyPr wrap="none" lIns="50800" tIns="50800" rIns="50800" bIns="50800" anchor="ctr">
+          <a:effectLst/>
+          <a:sp3d/>
+        </p:spPr>
+        <p:style>
+          <a:lnRef idx="0">
+            <a:scrgbClr r="0" g="0" b="0"/>
+          </a:lnRef>
+          <a:fillRef idx="0">
+            <a:scrgbClr r="0" g="0" b="0"/>
+          </a:fillRef>
+          <a:effectRef idx="0">
+            <a:scrgbClr r="0" g="0" b="0"/>
+          </a:effectRef>
+          <a:fontRef idx="none"/>
+        </p:style>
+        <p:txBody>
+          <a:bodyPr rot="0" spcFirstLastPara="1" vertOverflow="overflow" horzOverflow="overflow" vert="horz" wrap="square" lIns="50800" tIns="50800" rIns="50800" bIns="50800" numCol="1" spcCol="38100" rtlCol="0" anchor="ctr">
             <a:spAutoFit/>
           </a:bodyPr>
           <a:lstStyle/>
           <a:p>
-            <a:pPr>
-              <a:defRPr i="1">
-                <a:latin typeface="Avenir Heavy"/>
-                <a:ea typeface="Avenir Heavy"/>
-                <a:cs typeface="Avenir Heavy"/>
-                <a:sym typeface="Avenir Heavy"/>
-              </a:defRPr>
+            <a:pPr marL="0" marR="0" indent="0" algn="l" defTabSz="584200" rtl="0" fontAlgn="auto" latinLnBrk="0" hangingPunct="0">
+              <a:lnSpc>
+                <a:spcPct val="100000"/>
+              </a:lnSpc>
+              <a:spcBef>
+                <a:spcPts val="0"/>
+              </a:spcBef>
+              <a:spcAft>
+                <a:spcPts val="0"/>
+              </a:spcAft>
+              <a:buClrTx/>
+              <a:buSzTx/>
+              <a:buFontTx/>
+              <a:buNone/>
+              <a:tabLst/>
             </a:pPr>
             <a:r>
-              <a:t>Description</a:t>
+              <a:rPr kumimoji="0" lang="da-DK" sz="3800" b="0" i="0" u="none" strike="noStrike" cap="none" spc="0" normalizeH="0" baseline="0" dirty="0" smtClean="0">
+                <a:ln>
+                  <a:noFill/>
+                </a:ln>
+                <a:solidFill>
+                  <a:srgbClr val="4E5755"/>
+                </a:solidFill>
+                <a:effectLst/>
+                <a:uFillTx/>
+                <a:sym typeface="Avenir Book"/>
+              </a:rPr>
+              <a:t>Slogan:</a:t>
             </a:r>
-          </a:p>
-          <a:p>
-            <a:pPr>
-              <a:defRPr>
-                <a:latin typeface="Avenir Book Oblique"/>
-                <a:ea typeface="Avenir Book Oblique"/>
-                <a:cs typeface="Avenir Book Oblique"/>
-                <a:sym typeface="Avenir Book Oblique"/>
-              </a:defRPr>
+            <a:r>
+              <a:rPr kumimoji="0" lang="da-DK" sz="3800" b="0" i="0" u="none" strike="noStrike" cap="none" spc="0" normalizeH="0" dirty="0" smtClean="0">
+                <a:ln>
+                  <a:noFill/>
+                </a:ln>
+                <a:solidFill>
+                  <a:srgbClr val="4E5755"/>
+                </a:solidFill>
+                <a:effectLst/>
+                <a:uFillTx/>
+                <a:sym typeface="Avenir Book"/>
+              </a:rPr>
+              <a:t> </a:t>
+            </a:r>
+            <a:r>
+              <a:rPr kumimoji="0" lang="da-DK" sz="3800" b="0" i="0" u="none" strike="noStrike" cap="none" spc="0" normalizeH="0" baseline="0" dirty="0" smtClean="0">
+                <a:ln>
+                  <a:noFill/>
+                </a:ln>
+                <a:solidFill>
+                  <a:srgbClr val="4E5755"/>
+                </a:solidFill>
+                <a:effectLst/>
+                <a:uFillTx/>
+                <a:sym typeface="Avenir Book"/>
+              </a:rPr>
+              <a:t>Money well spent</a:t>
+            </a:r>
+            <a:endParaRPr kumimoji="0" lang="da-DK" sz="3800" b="0" i="0" u="none" strike="noStrike" cap="none" spc="0" normalizeH="0" baseline="0" dirty="0">
+              <a:ln>
+                <a:noFill/>
+              </a:ln>
+              <a:solidFill>
+                <a:srgbClr val="4E5755"/>
+              </a:solidFill>
+              <a:effectLst/>
+              <a:uFillTx/>
+              <a:sym typeface="Avenir Book"/>
+            </a:endParaRPr>
+          </a:p>
+        </p:txBody>
+      </p:sp>
+      <p:sp>
+        <p:nvSpPr>
+          <p:cNvPr id="4" name="Tekstfelt 3"/>
+          <p:cNvSpPr txBox="1"/>
+          <p:nvPr/>
+        </p:nvSpPr>
+        <p:spPr>
+          <a:xfrm>
+            <a:off x="7543800" y="726602"/>
+            <a:ext cx="4686300" cy="2349361"/>
+          </a:xfrm>
+          <a:prstGeom prst="rect">
+            <a:avLst/>
+          </a:prstGeom>
+          <a:noFill/>
+          <a:ln w="12700" cap="flat">
+            <a:noFill/>
+            <a:miter lim="400000"/>
+          </a:ln>
+          <a:effectLst/>
+          <a:sp3d/>
+        </p:spPr>
+        <p:style>
+          <a:lnRef idx="0">
+            <a:scrgbClr r="0" g="0" b="0"/>
+          </a:lnRef>
+          <a:fillRef idx="0">
+            <a:scrgbClr r="0" g="0" b="0"/>
+          </a:fillRef>
+          <a:effectRef idx="0">
+            <a:scrgbClr r="0" g="0" b="0"/>
+          </a:effectRef>
+          <a:fontRef idx="none"/>
+        </p:style>
+        <p:txBody>
+          <a:bodyPr rot="0" spcFirstLastPara="1" vertOverflow="overflow" horzOverflow="overflow" vert="horz" wrap="square" lIns="50800" tIns="50800" rIns="50800" bIns="50800" numCol="1" spcCol="38100" rtlCol="0" anchor="ctr">
+            <a:spAutoFit/>
+          </a:bodyPr>
+          <a:lstStyle/>
+          <a:p>
+            <a:pPr marL="0" marR="0" indent="0" algn="l" defTabSz="584200" rtl="0" fontAlgn="auto" latinLnBrk="0" hangingPunct="0">
+              <a:lnSpc>
+                <a:spcPct val="100000"/>
+              </a:lnSpc>
+              <a:spcBef>
+                <a:spcPts val="0"/>
+              </a:spcBef>
+              <a:spcAft>
+                <a:spcPts val="0"/>
+              </a:spcAft>
+              <a:buClrTx/>
+              <a:buSzTx/>
+              <a:buFontTx/>
+              <a:buNone/>
+              <a:tabLst/>
             </a:pPr>
             <a:r>
-              <a:t>Use this template to build your </a:t>
+              <a:rPr kumimoji="0" lang="da-DK" sz="3800" b="0" i="0" u="none" strike="noStrike" cap="none" spc="0" normalizeH="0" baseline="0" dirty="0" err="1" smtClean="0">
+                <a:ln>
+                  <a:noFill/>
+                </a:ln>
+                <a:solidFill>
+                  <a:srgbClr val="4E5755"/>
+                </a:solidFill>
+                <a:effectLst/>
+                <a:uFillTx/>
+                <a:latin typeface="+mn-lt"/>
+                <a:ea typeface="+mn-ea"/>
+                <a:cs typeface="+mn-cs"/>
+                <a:sym typeface="Avenir Book"/>
+              </a:rPr>
+              <a:t>Who</a:t>
             </a:r>
-          </a:p>
-          <a:p>
-            <a:pPr>
-              <a:defRPr>
-                <a:latin typeface="Avenir Book Oblique"/>
-                <a:ea typeface="Avenir Book Oblique"/>
-                <a:cs typeface="Avenir Book Oblique"/>
-                <a:sym typeface="Avenir Book Oblique"/>
-              </a:defRPr>
+            <a:r>
+              <a:rPr kumimoji="0" lang="da-DK" sz="3800" b="0" i="0" u="none" strike="noStrike" cap="none" spc="0" normalizeH="0" baseline="0" dirty="0" smtClean="0">
+                <a:ln>
+                  <a:noFill/>
+                </a:ln>
+                <a:solidFill>
+                  <a:srgbClr val="4E5755"/>
+                </a:solidFill>
+                <a:effectLst/>
+                <a:uFillTx/>
+                <a:latin typeface="+mn-lt"/>
+                <a:ea typeface="+mn-ea"/>
+                <a:cs typeface="+mn-cs"/>
+                <a:sym typeface="Avenir Book"/>
+              </a:rPr>
+              <a:t> </a:t>
+            </a:r>
+            <a:r>
+              <a:rPr kumimoji="0" lang="da-DK" sz="3800" b="0" i="0" u="none" strike="noStrike" cap="none" spc="0" normalizeH="0" baseline="0" dirty="0" err="1" smtClean="0">
+                <a:ln>
+                  <a:noFill/>
+                </a:ln>
+                <a:solidFill>
+                  <a:srgbClr val="4E5755"/>
+                </a:solidFill>
+                <a:effectLst/>
+                <a:uFillTx/>
+                <a:latin typeface="+mn-lt"/>
+                <a:ea typeface="+mn-ea"/>
+                <a:cs typeface="+mn-cs"/>
+                <a:sym typeface="Avenir Book"/>
+              </a:rPr>
+              <a:t>we</a:t>
+            </a:r>
+            <a:r>
+              <a:rPr kumimoji="0" lang="da-DK" sz="3800" b="0" i="0" u="none" strike="noStrike" cap="none" spc="0" normalizeH="0" baseline="0" dirty="0" smtClean="0">
+                <a:ln>
+                  <a:noFill/>
+                </a:ln>
+                <a:solidFill>
+                  <a:srgbClr val="4E5755"/>
+                </a:solidFill>
+                <a:effectLst/>
+                <a:uFillTx/>
+                <a:latin typeface="+mn-lt"/>
+                <a:ea typeface="+mn-ea"/>
+                <a:cs typeface="+mn-cs"/>
+                <a:sym typeface="Avenir Book"/>
+              </a:rPr>
+              <a:t> </a:t>
+            </a:r>
+            <a:r>
+              <a:rPr kumimoji="0" lang="da-DK" sz="3800" b="0" i="0" u="none" strike="noStrike" cap="none" spc="0" normalizeH="0" baseline="0" dirty="0" err="1" smtClean="0">
+                <a:ln>
+                  <a:noFill/>
+                </a:ln>
+                <a:solidFill>
+                  <a:srgbClr val="4E5755"/>
+                </a:solidFill>
+                <a:effectLst/>
+                <a:uFillTx/>
+                <a:latin typeface="+mn-lt"/>
+                <a:ea typeface="+mn-ea"/>
+                <a:cs typeface="+mn-cs"/>
+                <a:sym typeface="Avenir Book"/>
+              </a:rPr>
+              <a:t>are</a:t>
+            </a:r>
+            <a:r>
+              <a:rPr kumimoji="0" lang="da-DK" sz="3800" b="0" i="0" u="none" strike="noStrike" cap="none" spc="0" normalizeH="0" baseline="0" dirty="0" smtClean="0">
+                <a:ln>
+                  <a:noFill/>
+                </a:ln>
+                <a:solidFill>
+                  <a:srgbClr val="4E5755"/>
+                </a:solidFill>
+                <a:effectLst/>
+                <a:uFillTx/>
+                <a:latin typeface="+mn-lt"/>
+                <a:ea typeface="+mn-ea"/>
+                <a:cs typeface="+mn-cs"/>
+                <a:sym typeface="Avenir Book"/>
+              </a:rPr>
+              <a:t>:</a:t>
+            </a:r>
+          </a:p>
+          <a:p>
+            <a:pPr marL="0" marR="0" indent="0" algn="l" defTabSz="584200" rtl="0" fontAlgn="auto" latinLnBrk="0" hangingPunct="0">
+              <a:lnSpc>
+                <a:spcPct val="100000"/>
+              </a:lnSpc>
+              <a:spcBef>
+                <a:spcPts val="0"/>
+              </a:spcBef>
+              <a:spcAft>
+                <a:spcPts val="0"/>
+              </a:spcAft>
+              <a:buClrTx/>
+              <a:buSzTx/>
+              <a:buFontTx/>
+              <a:buNone/>
+              <a:tabLst/>
             </a:pPr>
             <a:r>
-              <a:t>presentation. Adjust the look and feel</a:t>
+              <a:rPr kumimoji="0" lang="da-DK" sz="3600" b="0" i="0" u="none" strike="noStrike" cap="none" spc="0" normalizeH="0" baseline="0" dirty="0" err="1" smtClean="0">
+                <a:ln>
+                  <a:noFill/>
+                </a:ln>
+                <a:solidFill>
+                  <a:srgbClr val="4E5755"/>
+                </a:solidFill>
+                <a:effectLst/>
+                <a:uFillTx/>
+                <a:latin typeface="+mn-lt"/>
+                <a:ea typeface="+mn-ea"/>
+                <a:cs typeface="+mn-cs"/>
+                <a:sym typeface="Avenir Book"/>
+              </a:rPr>
+              <a:t>We</a:t>
             </a:r>
-          </a:p>
-          <a:p>
-            <a:pPr>
-              <a:defRPr>
-                <a:latin typeface="Avenir Book Oblique"/>
-                <a:ea typeface="Avenir Book Oblique"/>
-                <a:cs typeface="Avenir Book Oblique"/>
-                <a:sym typeface="Avenir Book Oblique"/>
-              </a:defRPr>
-            </a:pPr>
             <a:r>
-              <a:t>to fit your agency.</a:t>
+              <a:rPr kumimoji="0" lang="da-DK" sz="3600" b="0" i="0" u="none" strike="noStrike" cap="none" spc="0" normalizeH="0" baseline="0" dirty="0" smtClean="0">
+                <a:ln>
+                  <a:noFill/>
+                </a:ln>
+                <a:solidFill>
+                  <a:srgbClr val="4E5755"/>
+                </a:solidFill>
+                <a:effectLst/>
+                <a:uFillTx/>
+                <a:latin typeface="+mn-lt"/>
+                <a:ea typeface="+mn-ea"/>
+                <a:cs typeface="+mn-cs"/>
+                <a:sym typeface="Avenir Book"/>
+              </a:rPr>
+              <a:t> </a:t>
             </a:r>
-          </a:p>
-          <a:p>
-            <a:pPr>
-              <a:defRPr>
-                <a:latin typeface="Avenir Book Oblique"/>
-                <a:ea typeface="Avenir Book Oblique"/>
-                <a:cs typeface="Avenir Book Oblique"/>
-                <a:sym typeface="Avenir Book Oblique"/>
-              </a:defRPr>
-            </a:pPr>
             <a:r>
-              <a:t>You must cover the content in this</a:t>
+              <a:rPr kumimoji="0" lang="da-DK" sz="3600" b="0" i="0" u="none" strike="noStrike" cap="none" spc="0" normalizeH="0" baseline="0" dirty="0" err="1" smtClean="0">
+                <a:ln>
+                  <a:noFill/>
+                </a:ln>
+                <a:solidFill>
+                  <a:srgbClr val="4E5755"/>
+                </a:solidFill>
+                <a:effectLst/>
+                <a:uFillTx/>
+                <a:latin typeface="+mn-lt"/>
+                <a:ea typeface="+mn-ea"/>
+                <a:cs typeface="+mn-cs"/>
+                <a:sym typeface="Avenir Book"/>
+              </a:rPr>
+              <a:t>take</a:t>
             </a:r>
-          </a:p>
-          <a:p>
-            <a:pPr>
-              <a:defRPr>
-                <a:latin typeface="Avenir Book Oblique"/>
-                <a:ea typeface="Avenir Book Oblique"/>
-                <a:cs typeface="Avenir Book Oblique"/>
-                <a:sym typeface="Avenir Book Oblique"/>
-              </a:defRPr>
-            </a:pPr>
             <a:r>
-              <a:t>presentation but you decide how to do</a:t>
+              <a:rPr kumimoji="0" lang="da-DK" sz="3600" b="0" i="0" u="none" strike="noStrike" cap="none" spc="0" normalizeH="0" dirty="0" smtClean="0">
+                <a:ln>
+                  <a:noFill/>
+                </a:ln>
+                <a:solidFill>
+                  <a:srgbClr val="4E5755"/>
+                </a:solidFill>
+                <a:effectLst/>
+                <a:uFillTx/>
+                <a:latin typeface="+mn-lt"/>
+                <a:ea typeface="+mn-ea"/>
+                <a:cs typeface="+mn-cs"/>
+                <a:sym typeface="Avenir Book"/>
+              </a:rPr>
+              <a:t> </a:t>
             </a:r>
-          </a:p>
-          <a:p>
-            <a:pPr>
-              <a:defRPr>
-                <a:latin typeface="Avenir Book Oblique"/>
-                <a:ea typeface="Avenir Book Oblique"/>
-                <a:cs typeface="Avenir Book Oblique"/>
-                <a:sym typeface="Avenir Book Oblique"/>
-              </a:defRPr>
-            </a:pPr>
             <a:r>
-              <a:t>that.</a:t>
+              <a:rPr kumimoji="0" lang="da-DK" sz="3600" b="0" i="0" u="none" strike="noStrike" cap="none" spc="0" normalizeH="0" dirty="0" err="1" smtClean="0">
+                <a:ln>
+                  <a:noFill/>
+                </a:ln>
+                <a:solidFill>
+                  <a:srgbClr val="4E5755"/>
+                </a:solidFill>
+                <a:effectLst/>
+                <a:uFillTx/>
+                <a:latin typeface="+mn-lt"/>
+                <a:ea typeface="+mn-ea"/>
+                <a:cs typeface="+mn-cs"/>
+                <a:sym typeface="Avenir Book"/>
+              </a:rPr>
+              <a:t>care</a:t>
             </a:r>
+            <a:r>
+              <a:rPr kumimoji="0" lang="da-DK" sz="3600" b="0" i="0" u="none" strike="noStrike" cap="none" spc="0" normalizeH="0" dirty="0" smtClean="0">
+                <a:ln>
+                  <a:noFill/>
+                </a:ln>
+                <a:solidFill>
+                  <a:srgbClr val="4E5755"/>
+                </a:solidFill>
+                <a:effectLst/>
+                <a:uFillTx/>
+                <a:latin typeface="+mn-lt"/>
+                <a:ea typeface="+mn-ea"/>
+                <a:cs typeface="+mn-cs"/>
+                <a:sym typeface="Avenir Book"/>
+              </a:rPr>
+              <a:t> of </a:t>
+            </a:r>
+            <a:r>
+              <a:rPr kumimoji="0" lang="da-DK" sz="3600" b="0" i="0" u="none" strike="noStrike" cap="none" spc="0" normalizeH="0" dirty="0" err="1" smtClean="0">
+                <a:ln>
+                  <a:noFill/>
+                </a:ln>
+                <a:solidFill>
+                  <a:srgbClr val="4E5755"/>
+                </a:solidFill>
+                <a:effectLst/>
+                <a:uFillTx/>
+                <a:latin typeface="+mn-lt"/>
+                <a:ea typeface="+mn-ea"/>
+                <a:cs typeface="+mn-cs"/>
+                <a:sym typeface="Avenir Book"/>
+              </a:rPr>
+              <a:t>your</a:t>
+            </a:r>
+            <a:r>
+              <a:rPr kumimoji="0" lang="da-DK" sz="3600" b="0" i="0" u="none" strike="noStrike" cap="none" spc="0" normalizeH="0" dirty="0" smtClean="0">
+                <a:ln>
+                  <a:noFill/>
+                </a:ln>
+                <a:solidFill>
+                  <a:srgbClr val="4E5755"/>
+                </a:solidFill>
+                <a:effectLst/>
+                <a:uFillTx/>
+                <a:latin typeface="+mn-lt"/>
+                <a:ea typeface="+mn-ea"/>
+                <a:cs typeface="+mn-cs"/>
+                <a:sym typeface="Avenir Book"/>
+              </a:rPr>
+              <a:t> </a:t>
+            </a:r>
+            <a:r>
+              <a:rPr kumimoji="0" lang="da-DK" sz="3600" b="0" i="0" u="none" strike="noStrike" cap="none" spc="0" normalizeH="0" dirty="0" err="1" smtClean="0">
+                <a:ln>
+                  <a:noFill/>
+                </a:ln>
+                <a:solidFill>
+                  <a:srgbClr val="4E5755"/>
+                </a:solidFill>
+                <a:effectLst/>
+                <a:uFillTx/>
+                <a:latin typeface="+mn-lt"/>
+                <a:ea typeface="+mn-ea"/>
+                <a:cs typeface="+mn-cs"/>
+                <a:sym typeface="Avenir Book"/>
+              </a:rPr>
+              <a:t>needs</a:t>
+            </a:r>
+            <a:r>
+              <a:rPr kumimoji="0" lang="da-DK" sz="3600" b="0" i="0" u="none" strike="noStrike" cap="none" spc="0" normalizeH="0" dirty="0" smtClean="0">
+                <a:ln>
+                  <a:noFill/>
+                </a:ln>
+                <a:solidFill>
+                  <a:srgbClr val="4E5755"/>
+                </a:solidFill>
+                <a:effectLst/>
+                <a:uFillTx/>
+                <a:latin typeface="+mn-lt"/>
+                <a:ea typeface="+mn-ea"/>
+                <a:cs typeface="+mn-cs"/>
+                <a:sym typeface="Avenir Book"/>
+              </a:rPr>
+              <a:t> – No problem is </a:t>
+            </a:r>
+            <a:r>
+              <a:rPr kumimoji="0" lang="da-DK" sz="3600" b="0" i="0" u="none" strike="noStrike" cap="none" spc="0" normalizeH="0" dirty="0" err="1" smtClean="0">
+                <a:ln>
+                  <a:noFill/>
+                </a:ln>
+                <a:solidFill>
+                  <a:srgbClr val="4E5755"/>
+                </a:solidFill>
+                <a:effectLst/>
+                <a:uFillTx/>
+                <a:latin typeface="+mn-lt"/>
+                <a:ea typeface="+mn-ea"/>
+                <a:cs typeface="+mn-cs"/>
+                <a:sym typeface="Avenir Book"/>
+              </a:rPr>
+              <a:t>too</a:t>
+            </a:r>
+            <a:r>
+              <a:rPr kumimoji="0" lang="da-DK" sz="3600" b="0" i="0" u="none" strike="noStrike" cap="none" spc="0" normalizeH="0" dirty="0" smtClean="0">
+                <a:ln>
+                  <a:noFill/>
+                </a:ln>
+                <a:solidFill>
+                  <a:srgbClr val="4E5755"/>
+                </a:solidFill>
+                <a:effectLst/>
+                <a:uFillTx/>
+                <a:latin typeface="+mn-lt"/>
+                <a:ea typeface="+mn-ea"/>
+                <a:cs typeface="+mn-cs"/>
+                <a:sym typeface="Avenir Book"/>
+              </a:rPr>
+              <a:t> big.</a:t>
+            </a:r>
+            <a:endParaRPr kumimoji="0" lang="da-DK" sz="3600" b="0" i="0" u="none" strike="noStrike" cap="none" spc="0" normalizeH="0" baseline="0" dirty="0">
+              <a:ln>
+                <a:noFill/>
+              </a:ln>
+              <a:solidFill>
+                <a:srgbClr val="4E5755"/>
+              </a:solidFill>
+              <a:effectLst/>
+              <a:uFillTx/>
+              <a:latin typeface="+mn-lt"/>
+              <a:ea typeface="+mn-ea"/>
+              <a:cs typeface="+mn-cs"/>
+              <a:sym typeface="Avenir Book"/>
+            </a:endParaRPr>
           </a:p>
         </p:txBody>
       </p:sp>
@@ -10227,12 +10910,12 @@
   <p:clrMapOvr>
     <a:masterClrMapping/>
   </p:clrMapOvr>
-  <p:transition xmlns:p14="http://schemas.microsoft.com/office/powerpoint/2010/main" spd="med" advClick="1"/>
+  <p:transition spd="med"/>
 </p:sld>
 </file>
 
 <file path=ppt/slides/slide2.xml><?xml version="1.0" encoding="utf-8"?>
-<p:sld xmlns:a="http://schemas.openxmlformats.org/drawingml/2006/main" xmlns:r="http://schemas.openxmlformats.org/officeDocument/2006/relationships" xmlns:p="http://schemas.openxmlformats.org/presentationml/2006/main" showMasterSp="1" showMasterPhAnim="1">
+<p:sld xmlns:a="http://schemas.openxmlformats.org/drawingml/2006/main" xmlns:r="http://schemas.openxmlformats.org/officeDocument/2006/relationships" xmlns:p="http://schemas.openxmlformats.org/presentationml/2006/main">
   <p:cSld>
     <p:spTree>
       <p:nvGrpSpPr>
@@ -10250,14 +10933,14 @@
       </p:grpSpPr>
       <p:sp>
         <p:nvSpPr>
-          <p:cNvPr id="328" name="Shape 328"/>
+          <p:cNvPr id="330" name="Shape 330"/>
           <p:cNvSpPr/>
           <p:nvPr/>
         </p:nvSpPr>
         <p:spPr>
           <a:xfrm>
-            <a:off x="3574745" y="2539999"/>
-            <a:ext cx="6148731" cy="1422401"/>
+            <a:off x="2991522" y="1737965"/>
+            <a:ext cx="7056419" cy="3026470"/>
           </a:xfrm>
           <a:prstGeom prst="rect">
             <a:avLst/>
@@ -10267,7 +10950,7 @@
           </a:ln>
           <a:extLst>
             <a:ext uri="{C572A759-6A51-4108-AA02-DFA0A04FC94B}">
-              <ma14:wrappingTextBoxFlag xmlns:ma14="http://schemas.microsoft.com/office/mac/drawingml/2011/main" val="1"/>
+              <ma14:wrappingTextBoxFlag xmlns:ma14="http://schemas.microsoft.com/office/mac/drawingml/2011/main" xmlns="" val="1"/>
             </a:ext>
           </a:extLst>
         </p:spPr>
@@ -10277,16 +10960,65 @@
           </a:bodyPr>
           <a:lstStyle/>
           <a:p>
-            <a:pPr/>
             <a:r>
-              <a:t>Who we are (as an agency)</a:t>
+              <a:rPr i="1" dirty="0"/>
+              <a:t>What our client wanted us to </a:t>
             </a:r>
-          </a:p>
-          <a:p>
-            <a:pPr/>
             <a:r>
-              <a:t>e.g. name, logo, slogan, etc</a:t>
+              <a:rPr i="1" dirty="0" smtClean="0"/>
+              <a:t>do</a:t>
             </a:r>
+            <a:r>
+              <a:rPr lang="da-DK" i="1" dirty="0" smtClean="0"/>
+              <a:t>:</a:t>
+            </a:r>
+          </a:p>
+          <a:p>
+            <a:endParaRPr lang="da-DK" dirty="0"/>
+          </a:p>
+          <a:p>
+            <a:pPr marL="571500" indent="-571500">
+              <a:buFont typeface="Arial" panose="020B0604020202020204" pitchFamily="34" charset="0"/>
+              <a:buChar char="•"/>
+            </a:pPr>
+            <a:r>
+              <a:rPr lang="da-DK" dirty="0" smtClean="0"/>
+              <a:t>Make the site </a:t>
+            </a:r>
+            <a:r>
+              <a:rPr lang="da-DK" dirty="0" err="1" smtClean="0"/>
+              <a:t>responsive</a:t>
+            </a:r>
+            <a:endParaRPr lang="da-DK" dirty="0" smtClean="0"/>
+          </a:p>
+          <a:p>
+            <a:pPr marL="571500" indent="-571500">
+              <a:buFont typeface="Arial" panose="020B0604020202020204" pitchFamily="34" charset="0"/>
+              <a:buChar char="•"/>
+            </a:pPr>
+            <a:r>
+              <a:rPr lang="da-DK" dirty="0" smtClean="0"/>
+              <a:t>One page</a:t>
+            </a:r>
+          </a:p>
+          <a:p>
+            <a:pPr marL="571500" indent="-571500">
+              <a:buFont typeface="Arial" panose="020B0604020202020204" pitchFamily="34" charset="0"/>
+              <a:buChar char="•"/>
+            </a:pPr>
+            <a:r>
+              <a:rPr lang="da-DK" dirty="0" smtClean="0"/>
+              <a:t>Menu on site </a:t>
+            </a:r>
+            <a:r>
+              <a:rPr lang="da-DK" dirty="0" err="1" smtClean="0"/>
+              <a:t>instead</a:t>
+            </a:r>
+            <a:r>
+              <a:rPr lang="da-DK" dirty="0" smtClean="0"/>
+              <a:t> of pdf</a:t>
+            </a:r>
+            <a:endParaRPr dirty="0"/>
           </a:p>
         </p:txBody>
       </p:sp>
@@ -10295,12 +11027,12 @@
   <p:clrMapOvr>
     <a:masterClrMapping/>
   </p:clrMapOvr>
-  <p:transition xmlns:p14="http://schemas.microsoft.com/office/powerpoint/2010/main" spd="med" advClick="1"/>
+  <p:transition spd="med"/>
 </p:sld>
 </file>
 
 <file path=ppt/slides/slide3.xml><?xml version="1.0" encoding="utf-8"?>
-<p:sld xmlns:a="http://schemas.openxmlformats.org/drawingml/2006/main" xmlns:r="http://schemas.openxmlformats.org/officeDocument/2006/relationships" xmlns:p="http://schemas.openxmlformats.org/presentationml/2006/main" showMasterSp="1" showMasterPhAnim="1">
+<p:sld xmlns:a="http://schemas.openxmlformats.org/drawingml/2006/main" xmlns:r="http://schemas.openxmlformats.org/officeDocument/2006/relationships" xmlns:p="http://schemas.openxmlformats.org/presentationml/2006/main">
   <p:cSld>
     <p:spTree>
       <p:nvGrpSpPr>
@@ -10318,14 +11050,14 @@
       </p:grpSpPr>
       <p:sp>
         <p:nvSpPr>
-          <p:cNvPr id="330" name="Shape 330"/>
+          <p:cNvPr id="332" name="Shape 332"/>
           <p:cNvSpPr/>
           <p:nvPr/>
         </p:nvSpPr>
         <p:spPr>
           <a:xfrm>
-            <a:off x="2991522" y="2870199"/>
-            <a:ext cx="7021755" cy="762001"/>
+            <a:off x="5015547" y="2539999"/>
+            <a:ext cx="2973706" cy="1422401"/>
           </a:xfrm>
           <a:prstGeom prst="rect">
             <a:avLst/>
@@ -10335,7 +11067,7 @@
           </a:ln>
           <a:extLst>
             <a:ext uri="{C572A759-6A51-4108-AA02-DFA0A04FC94B}">
-              <ma14:wrappingTextBoxFlag xmlns:ma14="http://schemas.microsoft.com/office/mac/drawingml/2011/main" val="1"/>
+              <ma14:wrappingTextBoxFlag xmlns:ma14="http://schemas.microsoft.com/office/mac/drawingml/2011/main" xmlns="" val="1"/>
             </a:ext>
           </a:extLst>
         </p:spPr>
@@ -10345,9 +11077,15 @@
           </a:bodyPr>
           <a:lstStyle/>
           <a:p>
-            <a:pPr/>
+            <a:pPr algn="ctr"/>
             <a:r>
-              <a:t>What our client wanted us to do</a:t>
+              <a:t>What we did</a:t>
+            </a:r>
+          </a:p>
+          <a:p>
+            <a:pPr algn="ctr"/>
+            <a:r>
+              <a:t>and how</a:t>
             </a:r>
           </a:p>
         </p:txBody>
@@ -10357,12 +11095,12 @@
   <p:clrMapOvr>
     <a:masterClrMapping/>
   </p:clrMapOvr>
-  <p:transition xmlns:p14="http://schemas.microsoft.com/office/powerpoint/2010/main" spd="med" advClick="1"/>
+  <p:transition spd="med"/>
 </p:sld>
 </file>
 
 <file path=ppt/slides/slide4.xml><?xml version="1.0" encoding="utf-8"?>
-<p:sld xmlns:a="http://schemas.openxmlformats.org/drawingml/2006/main" xmlns:r="http://schemas.openxmlformats.org/officeDocument/2006/relationships" xmlns:p="http://schemas.openxmlformats.org/presentationml/2006/main" showMasterSp="1" showMasterPhAnim="1">
+<p:sld xmlns:a="http://schemas.openxmlformats.org/drawingml/2006/main" xmlns:r="http://schemas.openxmlformats.org/officeDocument/2006/relationships" xmlns:p="http://schemas.openxmlformats.org/presentationml/2006/main">
   <p:cSld>
     <p:spTree>
       <p:nvGrpSpPr>
@@ -10380,14 +11118,14 @@
       </p:grpSpPr>
       <p:sp>
         <p:nvSpPr>
-          <p:cNvPr id="332" name="Shape 332"/>
+          <p:cNvPr id="334" name="Shape 334"/>
           <p:cNvSpPr/>
           <p:nvPr/>
         </p:nvSpPr>
         <p:spPr>
           <a:xfrm>
-            <a:off x="5015547" y="2539999"/>
-            <a:ext cx="2973706" cy="1422401"/>
+            <a:off x="4439081" y="2209800"/>
+            <a:ext cx="4126638" cy="2082801"/>
           </a:xfrm>
           <a:prstGeom prst="rect">
             <a:avLst/>
@@ -10397,75 +11135,7 @@
           </a:ln>
           <a:extLst>
             <a:ext uri="{C572A759-6A51-4108-AA02-DFA0A04FC94B}">
-              <ma14:wrappingTextBoxFlag xmlns:ma14="http://schemas.microsoft.com/office/mac/drawingml/2011/main" val="1"/>
-            </a:ext>
-          </a:extLst>
-        </p:spPr>
-        <p:txBody>
-          <a:bodyPr wrap="none" lIns="50800" tIns="50800" rIns="50800" bIns="50800" anchor="ctr">
-            <a:spAutoFit/>
-          </a:bodyPr>
-          <a:lstStyle/>
-          <a:p>
-            <a:pPr algn="ctr"/>
-            <a:r>
-              <a:t>What we did</a:t>
-            </a:r>
-          </a:p>
-          <a:p>
-            <a:pPr algn="ctr"/>
-            <a:r>
-              <a:t>and how</a:t>
-            </a:r>
-          </a:p>
-        </p:txBody>
-      </p:sp>
-    </p:spTree>
-  </p:cSld>
-  <p:clrMapOvr>
-    <a:masterClrMapping/>
-  </p:clrMapOvr>
-  <p:transition xmlns:p14="http://schemas.microsoft.com/office/powerpoint/2010/main" spd="med" advClick="1"/>
-</p:sld>
-</file>
-
-<file path=ppt/slides/slide5.xml><?xml version="1.0" encoding="utf-8"?>
-<p:sld xmlns:a="http://schemas.openxmlformats.org/drawingml/2006/main" xmlns:r="http://schemas.openxmlformats.org/officeDocument/2006/relationships" xmlns:p="http://schemas.openxmlformats.org/presentationml/2006/main" showMasterSp="1" showMasterPhAnim="1">
-  <p:cSld>
-    <p:spTree>
-      <p:nvGrpSpPr>
-        <p:cNvPr id="1" name=""/>
-        <p:cNvGrpSpPr/>
-        <p:nvPr/>
-      </p:nvGrpSpPr>
-      <p:grpSpPr>
-        <a:xfrm>
-          <a:off x="0" y="0"/>
-          <a:ext cx="0" cy="0"/>
-          <a:chOff x="0" y="0"/>
-          <a:chExt cx="0" cy="0"/>
-        </a:xfrm>
-      </p:grpSpPr>
-      <p:sp>
-        <p:nvSpPr>
-          <p:cNvPr id="334" name="Shape 334"/>
-          <p:cNvSpPr/>
-          <p:nvPr/>
-        </p:nvSpPr>
-        <p:spPr>
-          <a:xfrm>
-            <a:off x="4439081" y="2209800"/>
-            <a:ext cx="4126638" cy="2082801"/>
-          </a:xfrm>
-          <a:prstGeom prst="rect">
-            <a:avLst/>
-          </a:prstGeom>
-          <a:ln w="12700">
-            <a:miter lim="400000"/>
-          </a:ln>
-          <a:extLst>
-            <a:ext uri="{C572A759-6A51-4108-AA02-DFA0A04FC94B}">
-              <ma14:wrappingTextBoxFlag xmlns:ma14="http://schemas.microsoft.com/office/mac/drawingml/2011/main" val="1"/>
+              <ma14:wrappingTextBoxFlag xmlns:ma14="http://schemas.microsoft.com/office/mac/drawingml/2011/main" xmlns="" val="1"/>
             </a:ext>
           </a:extLst>
         </p:spPr>
@@ -10506,12 +11176,12 @@
   <p:clrMapOvr>
     <a:masterClrMapping/>
   </p:clrMapOvr>
-  <p:transition xmlns:p14="http://schemas.microsoft.com/office/powerpoint/2010/main" spd="med" advClick="1"/>
+  <p:transition spd="med"/>
 </p:sld>
 </file>
 
 <file path=ppt/theme/theme1.xml><?xml version="1.0" encoding="utf-8"?>
-<a:theme xmlns:a="http://schemas.openxmlformats.org/drawingml/2006/main" xmlns:r="http://schemas.openxmlformats.org/officeDocument/2006/relationships" name="Black">
+<a:theme xmlns:a="http://schemas.openxmlformats.org/drawingml/2006/main" name="Black">
   <a:themeElements>
     <a:clrScheme name="Black">
       <a:dk1>
@@ -10710,7 +11380,7 @@
         <a:effectLst/>
         <a:sp3d/>
       </a:spPr>
-      <a:bodyPr rot="0" spcFirstLastPara="1" vertOverflow="overflow" horzOverflow="overflow" vert="horz" wrap="square" lIns="50800" tIns="50800" rIns="50800" bIns="50800" numCol="1" spcCol="38100" rtlCol="0" anchor="ctr" upright="0">
+      <a:bodyPr rot="0" spcFirstLastPara="1" vertOverflow="overflow" horzOverflow="overflow" vert="horz" wrap="square" lIns="50800" tIns="50800" rIns="50800" bIns="50800" numCol="1" spcCol="38100" rtlCol="0" anchor="ctr">
         <a:spAutoFit/>
       </a:bodyPr>
       <a:lstStyle>
@@ -10729,7 +11399,7 @@
           <a:buFontTx/>
           <a:buNone/>
           <a:tabLst/>
-          <a:defRPr b="0" baseline="0" cap="none" i="0" spc="0" strike="noStrike" sz="3800" u="none" kumimoji="0" normalizeH="0">
+          <a:defRPr kumimoji="0" sz="3800" b="0" i="0" u="none" strike="noStrike" cap="none" spc="0" normalizeH="0" baseline="0">
             <a:ln>
               <a:noFill/>
             </a:ln>
@@ -10759,7 +11429,7 @@
           <a:buFontTx/>
           <a:buNone/>
           <a:tabLst/>
-          <a:defRPr b="0" baseline="0" cap="none" i="0" spc="0" strike="noStrike" sz="1800" u="none" kumimoji="0" normalizeH="0">
+          <a:defRPr kumimoji="0" sz="1800" b="0" i="0" u="none" strike="noStrike" cap="none" spc="0" normalizeH="0" baseline="0">
             <a:ln>
               <a:noFill/>
             </a:ln>
@@ -10785,7 +11455,7 @@
           <a:buFontTx/>
           <a:buNone/>
           <a:tabLst/>
-          <a:defRPr b="0" baseline="0" cap="none" i="0" spc="0" strike="noStrike" sz="1800" u="none" kumimoji="0" normalizeH="0">
+          <a:defRPr kumimoji="0" sz="1800" b="0" i="0" u="none" strike="noStrike" cap="none" spc="0" normalizeH="0" baseline="0">
             <a:ln>
               <a:noFill/>
             </a:ln>
@@ -10811,7 +11481,7 @@
           <a:buFontTx/>
           <a:buNone/>
           <a:tabLst/>
-          <a:defRPr b="0" baseline="0" cap="none" i="0" spc="0" strike="noStrike" sz="1800" u="none" kumimoji="0" normalizeH="0">
+          <a:defRPr kumimoji="0" sz="1800" b="0" i="0" u="none" strike="noStrike" cap="none" spc="0" normalizeH="0" baseline="0">
             <a:ln>
               <a:noFill/>
             </a:ln>
@@ -10837,7 +11507,7 @@
           <a:buFontTx/>
           <a:buNone/>
           <a:tabLst/>
-          <a:defRPr b="0" baseline="0" cap="none" i="0" spc="0" strike="noStrike" sz="1800" u="none" kumimoji="0" normalizeH="0">
+          <a:defRPr kumimoji="0" sz="1800" b="0" i="0" u="none" strike="noStrike" cap="none" spc="0" normalizeH="0" baseline="0">
             <a:ln>
               <a:noFill/>
             </a:ln>
@@ -10863,7 +11533,7 @@
           <a:buFontTx/>
           <a:buNone/>
           <a:tabLst/>
-          <a:defRPr b="0" baseline="0" cap="none" i="0" spc="0" strike="noStrike" sz="1800" u="none" kumimoji="0" normalizeH="0">
+          <a:defRPr kumimoji="0" sz="1800" b="0" i="0" u="none" strike="noStrike" cap="none" spc="0" normalizeH="0" baseline="0">
             <a:ln>
               <a:noFill/>
             </a:ln>
@@ -10889,7 +11559,7 @@
           <a:buFontTx/>
           <a:buNone/>
           <a:tabLst/>
-          <a:defRPr b="0" baseline="0" cap="none" i="0" spc="0" strike="noStrike" sz="1800" u="none" kumimoji="0" normalizeH="0">
+          <a:defRPr kumimoji="0" sz="1800" b="0" i="0" u="none" strike="noStrike" cap="none" spc="0" normalizeH="0" baseline="0">
             <a:ln>
               <a:noFill/>
             </a:ln>
@@ -10915,7 +11585,7 @@
           <a:buFontTx/>
           <a:buNone/>
           <a:tabLst/>
-          <a:defRPr b="0" baseline="0" cap="none" i="0" spc="0" strike="noStrike" sz="1800" u="none" kumimoji="0" normalizeH="0">
+          <a:defRPr kumimoji="0" sz="1800" b="0" i="0" u="none" strike="noStrike" cap="none" spc="0" normalizeH="0" baseline="0">
             <a:ln>
               <a:noFill/>
             </a:ln>
@@ -10941,7 +11611,7 @@
           <a:buFontTx/>
           <a:buNone/>
           <a:tabLst/>
-          <a:defRPr b="0" baseline="0" cap="none" i="0" spc="0" strike="noStrike" sz="1800" u="none" kumimoji="0" normalizeH="0">
+          <a:defRPr kumimoji="0" sz="1800" b="0" i="0" u="none" strike="noStrike" cap="none" spc="0" normalizeH="0" baseline="0">
             <a:ln>
               <a:noFill/>
             </a:ln>
@@ -10967,7 +11637,7 @@
           <a:buFontTx/>
           <a:buNone/>
           <a:tabLst/>
-          <a:defRPr b="0" baseline="0" cap="none" i="0" spc="0" strike="noStrike" sz="1800" u="none" kumimoji="0" normalizeH="0">
+          <a:defRPr kumimoji="0" sz="1800" b="0" i="0" u="none" strike="noStrike" cap="none" spc="0" normalizeH="0" baseline="0">
             <a:ln>
               <a:noFill/>
             </a:ln>
@@ -10980,9 +11650,15 @@
         </a:lvl9pPr>
       </a:lstStyle>
       <a:style>
-        <a:lnRef idx="0"/>
-        <a:fillRef idx="0"/>
-        <a:effectRef idx="0"/>
+        <a:lnRef idx="0">
+          <a:scrgbClr r="0" g="0" b="0"/>
+        </a:lnRef>
+        <a:fillRef idx="0">
+          <a:scrgbClr r="0" g="0" b="0"/>
+        </a:fillRef>
+        <a:effectRef idx="0">
+          <a:scrgbClr r="0" g="0" b="0"/>
+        </a:effectRef>
         <a:fontRef idx="none"/>
       </a:style>
     </a:spDef>
@@ -10999,7 +11675,7 @@
         <a:effectLst/>
         <a:sp3d/>
       </a:spPr>
-      <a:bodyPr rot="0" spcFirstLastPara="1" vertOverflow="overflow" horzOverflow="overflow" vert="horz" wrap="square" lIns="91439" tIns="45719" rIns="91439" bIns="45719" numCol="1" spcCol="38100" rtlCol="0" anchor="t" upright="0">
+      <a:bodyPr rot="0" spcFirstLastPara="1" vertOverflow="overflow" horzOverflow="overflow" vert="horz" wrap="square" lIns="91439" tIns="45719" rIns="91439" bIns="45719" numCol="1" spcCol="38100" rtlCol="0" anchor="t">
         <a:noAutofit/>
       </a:bodyPr>
       <a:lstStyle>
@@ -11018,7 +11694,7 @@
           <a:buFontTx/>
           <a:buNone/>
           <a:tabLst/>
-          <a:defRPr b="0" baseline="0" cap="none" i="0" spc="0" strike="noStrike" sz="1800" u="none" kumimoji="0" normalizeH="0">
+          <a:defRPr kumimoji="0" sz="1800" b="0" i="0" u="none" strike="noStrike" cap="none" spc="0" normalizeH="0" baseline="0">
             <a:ln>
               <a:noFill/>
             </a:ln>
@@ -11044,7 +11720,7 @@
           <a:buFontTx/>
           <a:buNone/>
           <a:tabLst/>
-          <a:defRPr b="0" baseline="0" cap="none" i="0" spc="0" strike="noStrike" sz="1800" u="none" kumimoji="0" normalizeH="0">
+          <a:defRPr kumimoji="0" sz="1800" b="0" i="0" u="none" strike="noStrike" cap="none" spc="0" normalizeH="0" baseline="0">
             <a:ln>
               <a:noFill/>
             </a:ln>
@@ -11070,7 +11746,7 @@
           <a:buFontTx/>
           <a:buNone/>
           <a:tabLst/>
-          <a:defRPr b="0" baseline="0" cap="none" i="0" spc="0" strike="noStrike" sz="1800" u="none" kumimoji="0" normalizeH="0">
+          <a:defRPr kumimoji="0" sz="1800" b="0" i="0" u="none" strike="noStrike" cap="none" spc="0" normalizeH="0" baseline="0">
             <a:ln>
               <a:noFill/>
             </a:ln>
@@ -11096,7 +11772,7 @@
           <a:buFontTx/>
           <a:buNone/>
           <a:tabLst/>
-          <a:defRPr b="0" baseline="0" cap="none" i="0" spc="0" strike="noStrike" sz="1800" u="none" kumimoji="0" normalizeH="0">
+          <a:defRPr kumimoji="0" sz="1800" b="0" i="0" u="none" strike="noStrike" cap="none" spc="0" normalizeH="0" baseline="0">
             <a:ln>
               <a:noFill/>
             </a:ln>
@@ -11122,7 +11798,7 @@
           <a:buFontTx/>
           <a:buNone/>
           <a:tabLst/>
-          <a:defRPr b="0" baseline="0" cap="none" i="0" spc="0" strike="noStrike" sz="1800" u="none" kumimoji="0" normalizeH="0">
+          <a:defRPr kumimoji="0" sz="1800" b="0" i="0" u="none" strike="noStrike" cap="none" spc="0" normalizeH="0" baseline="0">
             <a:ln>
               <a:noFill/>
             </a:ln>
@@ -11148,7 +11824,7 @@
           <a:buFontTx/>
           <a:buNone/>
           <a:tabLst/>
-          <a:defRPr b="0" baseline="0" cap="none" i="0" spc="0" strike="noStrike" sz="1800" u="none" kumimoji="0" normalizeH="0">
+          <a:defRPr kumimoji="0" sz="1800" b="0" i="0" u="none" strike="noStrike" cap="none" spc="0" normalizeH="0" baseline="0">
             <a:ln>
               <a:noFill/>
             </a:ln>
@@ -11174,7 +11850,7 @@
           <a:buFontTx/>
           <a:buNone/>
           <a:tabLst/>
-          <a:defRPr b="0" baseline="0" cap="none" i="0" spc="0" strike="noStrike" sz="1800" u="none" kumimoji="0" normalizeH="0">
+          <a:defRPr kumimoji="0" sz="1800" b="0" i="0" u="none" strike="noStrike" cap="none" spc="0" normalizeH="0" baseline="0">
             <a:ln>
               <a:noFill/>
             </a:ln>
@@ -11200,7 +11876,7 @@
           <a:buFontTx/>
           <a:buNone/>
           <a:tabLst/>
-          <a:defRPr b="0" baseline="0" cap="none" i="0" spc="0" strike="noStrike" sz="1800" u="none" kumimoji="0" normalizeH="0">
+          <a:defRPr kumimoji="0" sz="1800" b="0" i="0" u="none" strike="noStrike" cap="none" spc="0" normalizeH="0" baseline="0">
             <a:ln>
               <a:noFill/>
             </a:ln>
@@ -11226,7 +11902,7 @@
           <a:buFontTx/>
           <a:buNone/>
           <a:tabLst/>
-          <a:defRPr b="0" baseline="0" cap="none" i="0" spc="0" strike="noStrike" sz="1800" u="none" kumimoji="0" normalizeH="0">
+          <a:defRPr kumimoji="0" sz="1800" b="0" i="0" u="none" strike="noStrike" cap="none" spc="0" normalizeH="0" baseline="0">
             <a:ln>
               <a:noFill/>
             </a:ln>
@@ -11252,7 +11928,7 @@
           <a:buFontTx/>
           <a:buNone/>
           <a:tabLst/>
-          <a:defRPr b="0" baseline="0" cap="none" i="0" spc="0" strike="noStrike" sz="1800" u="none" kumimoji="0" normalizeH="0">
+          <a:defRPr kumimoji="0" sz="1800" b="0" i="0" u="none" strike="noStrike" cap="none" spc="0" normalizeH="0" baseline="0">
             <a:ln>
               <a:noFill/>
             </a:ln>
@@ -11265,9 +11941,15 @@
         </a:lvl9pPr>
       </a:lstStyle>
       <a:style>
-        <a:lnRef idx="0"/>
-        <a:fillRef idx="0"/>
-        <a:effectRef idx="0"/>
+        <a:lnRef idx="0">
+          <a:scrgbClr r="0" g="0" b="0"/>
+        </a:lnRef>
+        <a:fillRef idx="0">
+          <a:scrgbClr r="0" g="0" b="0"/>
+        </a:fillRef>
+        <a:effectRef idx="0">
+          <a:scrgbClr r="0" g="0" b="0"/>
+        </a:effectRef>
         <a:fontRef idx="none"/>
       </a:style>
     </a:lnDef>
@@ -11281,7 +11963,7 @@
         <a:effectLst/>
         <a:sp3d/>
       </a:spPr>
-      <a:bodyPr rot="0" spcFirstLastPara="1" vertOverflow="overflow" horzOverflow="overflow" vert="horz" wrap="square" lIns="50800" tIns="50800" rIns="50800" bIns="50800" numCol="1" spcCol="38100" rtlCol="0" anchor="ctr" upright="0">
+      <a:bodyPr rot="0" spcFirstLastPara="1" vertOverflow="overflow" horzOverflow="overflow" vert="horz" wrap="square" lIns="50800" tIns="50800" rIns="50800" bIns="50800" numCol="1" spcCol="38100" rtlCol="0" anchor="ctr">
         <a:spAutoFit/>
       </a:bodyPr>
       <a:lstStyle>
@@ -11300,7 +11982,7 @@
           <a:buFontTx/>
           <a:buNone/>
           <a:tabLst/>
-          <a:defRPr b="0" baseline="0" cap="none" i="0" spc="0" strike="noStrike" sz="3800" u="none" kumimoji="0" normalizeH="0">
+          <a:defRPr kumimoji="0" sz="3800" b="0" i="0" u="none" strike="noStrike" cap="none" spc="0" normalizeH="0" baseline="0">
             <a:ln>
               <a:noFill/>
             </a:ln>
@@ -11330,7 +12012,7 @@
           <a:buFontTx/>
           <a:buNone/>
           <a:tabLst/>
-          <a:defRPr b="0" baseline="0" cap="none" i="0" spc="0" strike="noStrike" sz="1800" u="none" kumimoji="0" normalizeH="0">
+          <a:defRPr kumimoji="0" sz="1800" b="0" i="0" u="none" strike="noStrike" cap="none" spc="0" normalizeH="0" baseline="0">
             <a:ln>
               <a:noFill/>
             </a:ln>
@@ -11356,7 +12038,7 @@
           <a:buFontTx/>
           <a:buNone/>
           <a:tabLst/>
-          <a:defRPr b="0" baseline="0" cap="none" i="0" spc="0" strike="noStrike" sz="1800" u="none" kumimoji="0" normalizeH="0">
+          <a:defRPr kumimoji="0" sz="1800" b="0" i="0" u="none" strike="noStrike" cap="none" spc="0" normalizeH="0" baseline="0">
             <a:ln>
               <a:noFill/>
             </a:ln>
@@ -11382,7 +12064,7 @@
           <a:buFontTx/>
           <a:buNone/>
           <a:tabLst/>
-          <a:defRPr b="0" baseline="0" cap="none" i="0" spc="0" strike="noStrike" sz="1800" u="none" kumimoji="0" normalizeH="0">
+          <a:defRPr kumimoji="0" sz="1800" b="0" i="0" u="none" strike="noStrike" cap="none" spc="0" normalizeH="0" baseline="0">
             <a:ln>
               <a:noFill/>
             </a:ln>
@@ -11408,7 +12090,7 @@
           <a:buFontTx/>
           <a:buNone/>
           <a:tabLst/>
-          <a:defRPr b="0" baseline="0" cap="none" i="0" spc="0" strike="noStrike" sz="1800" u="none" kumimoji="0" normalizeH="0">
+          <a:defRPr kumimoji="0" sz="1800" b="0" i="0" u="none" strike="noStrike" cap="none" spc="0" normalizeH="0" baseline="0">
             <a:ln>
               <a:noFill/>
             </a:ln>
@@ -11434,7 +12116,7 @@
           <a:buFontTx/>
           <a:buNone/>
           <a:tabLst/>
-          <a:defRPr b="0" baseline="0" cap="none" i="0" spc="0" strike="noStrike" sz="1800" u="none" kumimoji="0" normalizeH="0">
+          <a:defRPr kumimoji="0" sz="1800" b="0" i="0" u="none" strike="noStrike" cap="none" spc="0" normalizeH="0" baseline="0">
             <a:ln>
               <a:noFill/>
             </a:ln>
@@ -11460,7 +12142,7 @@
           <a:buFontTx/>
           <a:buNone/>
           <a:tabLst/>
-          <a:defRPr b="0" baseline="0" cap="none" i="0" spc="0" strike="noStrike" sz="1800" u="none" kumimoji="0" normalizeH="0">
+          <a:defRPr kumimoji="0" sz="1800" b="0" i="0" u="none" strike="noStrike" cap="none" spc="0" normalizeH="0" baseline="0">
             <a:ln>
               <a:noFill/>
             </a:ln>
@@ -11486,7 +12168,7 @@
           <a:buFontTx/>
           <a:buNone/>
           <a:tabLst/>
-          <a:defRPr b="0" baseline="0" cap="none" i="0" spc="0" strike="noStrike" sz="1800" u="none" kumimoji="0" normalizeH="0">
+          <a:defRPr kumimoji="0" sz="1800" b="0" i="0" u="none" strike="noStrike" cap="none" spc="0" normalizeH="0" baseline="0">
             <a:ln>
               <a:noFill/>
             </a:ln>
@@ -11512,7 +12194,7 @@
           <a:buFontTx/>
           <a:buNone/>
           <a:tabLst/>
-          <a:defRPr b="0" baseline="0" cap="none" i="0" spc="0" strike="noStrike" sz="1800" u="none" kumimoji="0" normalizeH="0">
+          <a:defRPr kumimoji="0" sz="1800" b="0" i="0" u="none" strike="noStrike" cap="none" spc="0" normalizeH="0" baseline="0">
             <a:ln>
               <a:noFill/>
             </a:ln>
@@ -11538,7 +12220,7 @@
           <a:buFontTx/>
           <a:buNone/>
           <a:tabLst/>
-          <a:defRPr b="0" baseline="0" cap="none" i="0" spc="0" strike="noStrike" sz="1800" u="none" kumimoji="0" normalizeH="0">
+          <a:defRPr kumimoji="0" sz="1800" b="0" i="0" u="none" strike="noStrike" cap="none" spc="0" normalizeH="0" baseline="0">
             <a:ln>
               <a:noFill/>
             </a:ln>
@@ -11551,18 +12233,25 @@
         </a:lvl9pPr>
       </a:lstStyle>
       <a:style>
-        <a:lnRef idx="0"/>
-        <a:fillRef idx="0"/>
-        <a:effectRef idx="0"/>
+        <a:lnRef idx="0">
+          <a:scrgbClr r="0" g="0" b="0"/>
+        </a:lnRef>
+        <a:fillRef idx="0">
+          <a:scrgbClr r="0" g="0" b="0"/>
+        </a:fillRef>
+        <a:effectRef idx="0">
+          <a:scrgbClr r="0" g="0" b="0"/>
+        </a:effectRef>
         <a:fontRef idx="none"/>
       </a:style>
     </a:txDef>
   </a:objectDefaults>
+  <a:extraClrSchemeLst/>
 </a:theme>
 </file>
 
 <file path=ppt/theme/theme2.xml><?xml version="1.0" encoding="utf-8"?>
-<a:theme xmlns:a="http://schemas.openxmlformats.org/drawingml/2006/main" xmlns:r="http://schemas.openxmlformats.org/officeDocument/2006/relationships" name="Black">
+<a:theme xmlns:a="http://schemas.openxmlformats.org/drawingml/2006/main" name="Black">
   <a:themeElements>
     <a:clrScheme name="Black">
       <a:dk1>
@@ -11761,7 +12450,7 @@
         <a:effectLst/>
         <a:sp3d/>
       </a:spPr>
-      <a:bodyPr rot="0" spcFirstLastPara="1" vertOverflow="overflow" horzOverflow="overflow" vert="horz" wrap="square" lIns="50800" tIns="50800" rIns="50800" bIns="50800" numCol="1" spcCol="38100" rtlCol="0" anchor="ctr" upright="0">
+      <a:bodyPr rot="0" spcFirstLastPara="1" vertOverflow="overflow" horzOverflow="overflow" vert="horz" wrap="square" lIns="50800" tIns="50800" rIns="50800" bIns="50800" numCol="1" spcCol="38100" rtlCol="0" anchor="ctr">
         <a:spAutoFit/>
       </a:bodyPr>
       <a:lstStyle>
@@ -11780,7 +12469,7 @@
           <a:buFontTx/>
           <a:buNone/>
           <a:tabLst/>
-          <a:defRPr b="0" baseline="0" cap="none" i="0" spc="0" strike="noStrike" sz="3800" u="none" kumimoji="0" normalizeH="0">
+          <a:defRPr kumimoji="0" sz="3800" b="0" i="0" u="none" strike="noStrike" cap="none" spc="0" normalizeH="0" baseline="0">
             <a:ln>
               <a:noFill/>
             </a:ln>
@@ -11810,7 +12499,7 @@
           <a:buFontTx/>
           <a:buNone/>
           <a:tabLst/>
-          <a:defRPr b="0" baseline="0" cap="none" i="0" spc="0" strike="noStrike" sz="1800" u="none" kumimoji="0" normalizeH="0">
+          <a:defRPr kumimoji="0" sz="1800" b="0" i="0" u="none" strike="noStrike" cap="none" spc="0" normalizeH="0" baseline="0">
             <a:ln>
               <a:noFill/>
             </a:ln>
@@ -11836,7 +12525,7 @@
           <a:buFontTx/>
           <a:buNone/>
           <a:tabLst/>
-          <a:defRPr b="0" baseline="0" cap="none" i="0" spc="0" strike="noStrike" sz="1800" u="none" kumimoji="0" normalizeH="0">
+          <a:defRPr kumimoji="0" sz="1800" b="0" i="0" u="none" strike="noStrike" cap="none" spc="0" normalizeH="0" baseline="0">
             <a:ln>
               <a:noFill/>
             </a:ln>
@@ -11862,7 +12551,7 @@
           <a:buFontTx/>
           <a:buNone/>
           <a:tabLst/>
-          <a:defRPr b="0" baseline="0" cap="none" i="0" spc="0" strike="noStrike" sz="1800" u="none" kumimoji="0" normalizeH="0">
+          <a:defRPr kumimoji="0" sz="1800" b="0" i="0" u="none" strike="noStrike" cap="none" spc="0" normalizeH="0" baseline="0">
             <a:ln>
               <a:noFill/>
             </a:ln>
@@ -11888,7 +12577,7 @@
           <a:buFontTx/>
           <a:buNone/>
           <a:tabLst/>
-          <a:defRPr b="0" baseline="0" cap="none" i="0" spc="0" strike="noStrike" sz="1800" u="none" kumimoji="0" normalizeH="0">
+          <a:defRPr kumimoji="0" sz="1800" b="0" i="0" u="none" strike="noStrike" cap="none" spc="0" normalizeH="0" baseline="0">
             <a:ln>
               <a:noFill/>
             </a:ln>
@@ -11914,7 +12603,7 @@
           <a:buFontTx/>
           <a:buNone/>
           <a:tabLst/>
-          <a:defRPr b="0" baseline="0" cap="none" i="0" spc="0" strike="noStrike" sz="1800" u="none" kumimoji="0" normalizeH="0">
+          <a:defRPr kumimoji="0" sz="1800" b="0" i="0" u="none" strike="noStrike" cap="none" spc="0" normalizeH="0" baseline="0">
             <a:ln>
               <a:noFill/>
             </a:ln>
@@ -11940,7 +12629,7 @@
           <a:buFontTx/>
           <a:buNone/>
           <a:tabLst/>
-          <a:defRPr b="0" baseline="0" cap="none" i="0" spc="0" strike="noStrike" sz="1800" u="none" kumimoji="0" normalizeH="0">
+          <a:defRPr kumimoji="0" sz="1800" b="0" i="0" u="none" strike="noStrike" cap="none" spc="0" normalizeH="0" baseline="0">
             <a:ln>
               <a:noFill/>
             </a:ln>
@@ -11966,7 +12655,7 @@
           <a:buFontTx/>
           <a:buNone/>
           <a:tabLst/>
-          <a:defRPr b="0" baseline="0" cap="none" i="0" spc="0" strike="noStrike" sz="1800" u="none" kumimoji="0" normalizeH="0">
+          <a:defRPr kumimoji="0" sz="1800" b="0" i="0" u="none" strike="noStrike" cap="none" spc="0" normalizeH="0" baseline="0">
             <a:ln>
               <a:noFill/>
             </a:ln>
@@ -11992,7 +12681,7 @@
           <a:buFontTx/>
           <a:buNone/>
           <a:tabLst/>
-          <a:defRPr b="0" baseline="0" cap="none" i="0" spc="0" strike="noStrike" sz="1800" u="none" kumimoji="0" normalizeH="0">
+          <a:defRPr kumimoji="0" sz="1800" b="0" i="0" u="none" strike="noStrike" cap="none" spc="0" normalizeH="0" baseline="0">
             <a:ln>
               <a:noFill/>
             </a:ln>
@@ -12018,7 +12707,7 @@
           <a:buFontTx/>
           <a:buNone/>
           <a:tabLst/>
-          <a:defRPr b="0" baseline="0" cap="none" i="0" spc="0" strike="noStrike" sz="1800" u="none" kumimoji="0" normalizeH="0">
+          <a:defRPr kumimoji="0" sz="1800" b="0" i="0" u="none" strike="noStrike" cap="none" spc="0" normalizeH="0" baseline="0">
             <a:ln>
               <a:noFill/>
             </a:ln>
@@ -12031,9 +12720,15 @@
         </a:lvl9pPr>
       </a:lstStyle>
       <a:style>
-        <a:lnRef idx="0"/>
-        <a:fillRef idx="0"/>
-        <a:effectRef idx="0"/>
+        <a:lnRef idx="0">
+          <a:scrgbClr r="0" g="0" b="0"/>
+        </a:lnRef>
+        <a:fillRef idx="0">
+          <a:scrgbClr r="0" g="0" b="0"/>
+        </a:fillRef>
+        <a:effectRef idx="0">
+          <a:scrgbClr r="0" g="0" b="0"/>
+        </a:effectRef>
         <a:fontRef idx="none"/>
       </a:style>
     </a:spDef>
@@ -12050,7 +12745,7 @@
         <a:effectLst/>
         <a:sp3d/>
       </a:spPr>
-      <a:bodyPr rot="0" spcFirstLastPara="1" vertOverflow="overflow" horzOverflow="overflow" vert="horz" wrap="square" lIns="91439" tIns="45719" rIns="91439" bIns="45719" numCol="1" spcCol="38100" rtlCol="0" anchor="t" upright="0">
+      <a:bodyPr rot="0" spcFirstLastPara="1" vertOverflow="overflow" horzOverflow="overflow" vert="horz" wrap="square" lIns="91439" tIns="45719" rIns="91439" bIns="45719" numCol="1" spcCol="38100" rtlCol="0" anchor="t">
         <a:noAutofit/>
       </a:bodyPr>
       <a:lstStyle>
@@ -12069,7 +12764,7 @@
           <a:buFontTx/>
           <a:buNone/>
           <a:tabLst/>
-          <a:defRPr b="0" baseline="0" cap="none" i="0" spc="0" strike="noStrike" sz="1800" u="none" kumimoji="0" normalizeH="0">
+          <a:defRPr kumimoji="0" sz="1800" b="0" i="0" u="none" strike="noStrike" cap="none" spc="0" normalizeH="0" baseline="0">
             <a:ln>
               <a:noFill/>
             </a:ln>
@@ -12095,7 +12790,7 @@
           <a:buFontTx/>
           <a:buNone/>
           <a:tabLst/>
-          <a:defRPr b="0" baseline="0" cap="none" i="0" spc="0" strike="noStrike" sz="1800" u="none" kumimoji="0" normalizeH="0">
+          <a:defRPr kumimoji="0" sz="1800" b="0" i="0" u="none" strike="noStrike" cap="none" spc="0" normalizeH="0" baseline="0">
             <a:ln>
               <a:noFill/>
             </a:ln>
@@ -12121,7 +12816,7 @@
           <a:buFontTx/>
           <a:buNone/>
           <a:tabLst/>
-          <a:defRPr b="0" baseline="0" cap="none" i="0" spc="0" strike="noStrike" sz="1800" u="none" kumimoji="0" normalizeH="0">
+          <a:defRPr kumimoji="0" sz="1800" b="0" i="0" u="none" strike="noStrike" cap="none" spc="0" normalizeH="0" baseline="0">
             <a:ln>
               <a:noFill/>
             </a:ln>
@@ -12147,7 +12842,7 @@
           <a:buFontTx/>
           <a:buNone/>
           <a:tabLst/>
-          <a:defRPr b="0" baseline="0" cap="none" i="0" spc="0" strike="noStrike" sz="1800" u="none" kumimoji="0" normalizeH="0">
+          <a:defRPr kumimoji="0" sz="1800" b="0" i="0" u="none" strike="noStrike" cap="none" spc="0" normalizeH="0" baseline="0">
             <a:ln>
               <a:noFill/>
             </a:ln>
@@ -12173,7 +12868,7 @@
           <a:buFontTx/>
           <a:buNone/>
           <a:tabLst/>
-          <a:defRPr b="0" baseline="0" cap="none" i="0" spc="0" strike="noStrike" sz="1800" u="none" kumimoji="0" normalizeH="0">
+          <a:defRPr kumimoji="0" sz="1800" b="0" i="0" u="none" strike="noStrike" cap="none" spc="0" normalizeH="0" baseline="0">
             <a:ln>
               <a:noFill/>
             </a:ln>
@@ -12199,7 +12894,7 @@
           <a:buFontTx/>
           <a:buNone/>
           <a:tabLst/>
-          <a:defRPr b="0" baseline="0" cap="none" i="0" spc="0" strike="noStrike" sz="1800" u="none" kumimoji="0" normalizeH="0">
+          <a:defRPr kumimoji="0" sz="1800" b="0" i="0" u="none" strike="noStrike" cap="none" spc="0" normalizeH="0" baseline="0">
             <a:ln>
               <a:noFill/>
             </a:ln>
@@ -12225,7 +12920,7 @@
           <a:buFontTx/>
           <a:buNone/>
           <a:tabLst/>
-          <a:defRPr b="0" baseline="0" cap="none" i="0" spc="0" strike="noStrike" sz="1800" u="none" kumimoji="0" normalizeH="0">
+          <a:defRPr kumimoji="0" sz="1800" b="0" i="0" u="none" strike="noStrike" cap="none" spc="0" normalizeH="0" baseline="0">
             <a:ln>
               <a:noFill/>
             </a:ln>
@@ -12251,7 +12946,7 @@
           <a:buFontTx/>
           <a:buNone/>
           <a:tabLst/>
-          <a:defRPr b="0" baseline="0" cap="none" i="0" spc="0" strike="noStrike" sz="1800" u="none" kumimoji="0" normalizeH="0">
+          <a:defRPr kumimoji="0" sz="1800" b="0" i="0" u="none" strike="noStrike" cap="none" spc="0" normalizeH="0" baseline="0">
             <a:ln>
               <a:noFill/>
             </a:ln>
@@ -12277,7 +12972,7 @@
           <a:buFontTx/>
           <a:buNone/>
           <a:tabLst/>
-          <a:defRPr b="0" baseline="0" cap="none" i="0" spc="0" strike="noStrike" sz="1800" u="none" kumimoji="0" normalizeH="0">
+          <a:defRPr kumimoji="0" sz="1800" b="0" i="0" u="none" strike="noStrike" cap="none" spc="0" normalizeH="0" baseline="0">
             <a:ln>
               <a:noFill/>
             </a:ln>
@@ -12303,7 +12998,7 @@
           <a:buFontTx/>
           <a:buNone/>
           <a:tabLst/>
-          <a:defRPr b="0" baseline="0" cap="none" i="0" spc="0" strike="noStrike" sz="1800" u="none" kumimoji="0" normalizeH="0">
+          <a:defRPr kumimoji="0" sz="1800" b="0" i="0" u="none" strike="noStrike" cap="none" spc="0" normalizeH="0" baseline="0">
             <a:ln>
               <a:noFill/>
             </a:ln>
@@ -12316,9 +13011,15 @@
         </a:lvl9pPr>
       </a:lstStyle>
       <a:style>
-        <a:lnRef idx="0"/>
-        <a:fillRef idx="0"/>
-        <a:effectRef idx="0"/>
+        <a:lnRef idx="0">
+          <a:scrgbClr r="0" g="0" b="0"/>
+        </a:lnRef>
+        <a:fillRef idx="0">
+          <a:scrgbClr r="0" g="0" b="0"/>
+        </a:fillRef>
+        <a:effectRef idx="0">
+          <a:scrgbClr r="0" g="0" b="0"/>
+        </a:effectRef>
         <a:fontRef idx="none"/>
       </a:style>
     </a:lnDef>
@@ -12332,7 +13033,7 @@
         <a:effectLst/>
         <a:sp3d/>
       </a:spPr>
-      <a:bodyPr rot="0" spcFirstLastPara="1" vertOverflow="overflow" horzOverflow="overflow" vert="horz" wrap="square" lIns="50800" tIns="50800" rIns="50800" bIns="50800" numCol="1" spcCol="38100" rtlCol="0" anchor="ctr" upright="0">
+      <a:bodyPr rot="0" spcFirstLastPara="1" vertOverflow="overflow" horzOverflow="overflow" vert="horz" wrap="square" lIns="50800" tIns="50800" rIns="50800" bIns="50800" numCol="1" spcCol="38100" rtlCol="0" anchor="ctr">
         <a:spAutoFit/>
       </a:bodyPr>
       <a:lstStyle>
@@ -12351,7 +13052,7 @@
           <a:buFontTx/>
           <a:buNone/>
           <a:tabLst/>
-          <a:defRPr b="0" baseline="0" cap="none" i="0" spc="0" strike="noStrike" sz="3800" u="none" kumimoji="0" normalizeH="0">
+          <a:defRPr kumimoji="0" sz="3800" b="0" i="0" u="none" strike="noStrike" cap="none" spc="0" normalizeH="0" baseline="0">
             <a:ln>
               <a:noFill/>
             </a:ln>
@@ -12381,7 +13082,7 @@
           <a:buFontTx/>
           <a:buNone/>
           <a:tabLst/>
-          <a:defRPr b="0" baseline="0" cap="none" i="0" spc="0" strike="noStrike" sz="1800" u="none" kumimoji="0" normalizeH="0">
+          <a:defRPr kumimoji="0" sz="1800" b="0" i="0" u="none" strike="noStrike" cap="none" spc="0" normalizeH="0" baseline="0">
             <a:ln>
               <a:noFill/>
             </a:ln>
@@ -12407,7 +13108,7 @@
           <a:buFontTx/>
           <a:buNone/>
           <a:tabLst/>
-          <a:defRPr b="0" baseline="0" cap="none" i="0" spc="0" strike="noStrike" sz="1800" u="none" kumimoji="0" normalizeH="0">
+          <a:defRPr kumimoji="0" sz="1800" b="0" i="0" u="none" strike="noStrike" cap="none" spc="0" normalizeH="0" baseline="0">
             <a:ln>
               <a:noFill/>
             </a:ln>
@@ -12433,7 +13134,7 @@
           <a:buFontTx/>
           <a:buNone/>
           <a:tabLst/>
-          <a:defRPr b="0" baseline="0" cap="none" i="0" spc="0" strike="noStrike" sz="1800" u="none" kumimoji="0" normalizeH="0">
+          <a:defRPr kumimoji="0" sz="1800" b="0" i="0" u="none" strike="noStrike" cap="none" spc="0" normalizeH="0" baseline="0">
             <a:ln>
               <a:noFill/>
             </a:ln>
@@ -12459,7 +13160,7 @@
           <a:buFontTx/>
           <a:buNone/>
           <a:tabLst/>
-          <a:defRPr b="0" baseline="0" cap="none" i="0" spc="0" strike="noStrike" sz="1800" u="none" kumimoji="0" normalizeH="0">
+          <a:defRPr kumimoji="0" sz="1800" b="0" i="0" u="none" strike="noStrike" cap="none" spc="0" normalizeH="0" baseline="0">
             <a:ln>
               <a:noFill/>
             </a:ln>
@@ -12485,7 +13186,7 @@
           <a:buFontTx/>
           <a:buNone/>
           <a:tabLst/>
-          <a:defRPr b="0" baseline="0" cap="none" i="0" spc="0" strike="noStrike" sz="1800" u="none" kumimoji="0" normalizeH="0">
+          <a:defRPr kumimoji="0" sz="1800" b="0" i="0" u="none" strike="noStrike" cap="none" spc="0" normalizeH="0" baseline="0">
             <a:ln>
               <a:noFill/>
             </a:ln>
@@ -12511,7 +13212,7 @@
           <a:buFontTx/>
           <a:buNone/>
           <a:tabLst/>
-          <a:defRPr b="0" baseline="0" cap="none" i="0" spc="0" strike="noStrike" sz="1800" u="none" kumimoji="0" normalizeH="0">
+          <a:defRPr kumimoji="0" sz="1800" b="0" i="0" u="none" strike="noStrike" cap="none" spc="0" normalizeH="0" baseline="0">
             <a:ln>
               <a:noFill/>
             </a:ln>
@@ -12537,7 +13238,7 @@
           <a:buFontTx/>
           <a:buNone/>
           <a:tabLst/>
-          <a:defRPr b="0" baseline="0" cap="none" i="0" spc="0" strike="noStrike" sz="1800" u="none" kumimoji="0" normalizeH="0">
+          <a:defRPr kumimoji="0" sz="1800" b="0" i="0" u="none" strike="noStrike" cap="none" spc="0" normalizeH="0" baseline="0">
             <a:ln>
               <a:noFill/>
             </a:ln>
@@ -12563,7 +13264,7 @@
           <a:buFontTx/>
           <a:buNone/>
           <a:tabLst/>
-          <a:defRPr b="0" baseline="0" cap="none" i="0" spc="0" strike="noStrike" sz="1800" u="none" kumimoji="0" normalizeH="0">
+          <a:defRPr kumimoji="0" sz="1800" b="0" i="0" u="none" strike="noStrike" cap="none" spc="0" normalizeH="0" baseline="0">
             <a:ln>
               <a:noFill/>
             </a:ln>
@@ -12589,7 +13290,7 @@
           <a:buFontTx/>
           <a:buNone/>
           <a:tabLst/>
-          <a:defRPr b="0" baseline="0" cap="none" i="0" spc="0" strike="noStrike" sz="1800" u="none" kumimoji="0" normalizeH="0">
+          <a:defRPr kumimoji="0" sz="1800" b="0" i="0" u="none" strike="noStrike" cap="none" spc="0" normalizeH="0" baseline="0">
             <a:ln>
               <a:noFill/>
             </a:ln>
@@ -12602,12 +13303,19 @@
         </a:lvl9pPr>
       </a:lstStyle>
       <a:style>
-        <a:lnRef idx="0"/>
-        <a:fillRef idx="0"/>
-        <a:effectRef idx="0"/>
+        <a:lnRef idx="0">
+          <a:scrgbClr r="0" g="0" b="0"/>
+        </a:lnRef>
+        <a:fillRef idx="0">
+          <a:scrgbClr r="0" g="0" b="0"/>
+        </a:fillRef>
+        <a:effectRef idx="0">
+          <a:scrgbClr r="0" g="0" b="0"/>
+        </a:effectRef>
         <a:fontRef idx="none"/>
       </a:style>
     </a:txDef>
   </a:objectDefaults>
+  <a:extraClrSchemeLst/>
 </a:theme>
 </file>
--- a/præsentation/presentation_template.pptx
+++ b/præsentation/presentation_template.pptx
@@ -313,6 +313,11 @@
       </a:defRPr>
     </a:lvl9pPr>
   </p:defaultTextStyle>
+  <p:extLst>
+    <p:ext uri="{EFAFB233-063F-42B5-8137-9DF3F51BA10A}">
+      <p15:sldGuideLst xmlns:p15="http://schemas.microsoft.com/office/powerpoint/2012/main"/>
+    </p:ext>
+  </p:extLst>
 </p:presentation>
 </file>
 
@@ -893,11 +898,11 @@
         </c:dLbls>
         <c:gapWidth val="40"/>
         <c:overlap val="-10"/>
-        <c:axId val="-1584237360"/>
-        <c:axId val="-1584236816"/>
+        <c:axId val="818088256"/>
+        <c:axId val="818089344"/>
       </c:barChart>
       <c:catAx>
-        <c:axId val="-1584237360"/>
+        <c:axId val="818088256"/>
         <c:scaling>
           <c:orientation val="minMax"/>
         </c:scaling>
@@ -931,7 +936,7 @@
             <a:endParaRPr lang="da-DK"/>
           </a:p>
         </c:txPr>
-        <c:crossAx val="-1584236816"/>
+        <c:crossAx val="818089344"/>
         <c:crosses val="autoZero"/>
         <c:auto val="1"/>
         <c:lblAlgn val="ctr"/>
@@ -939,7 +944,7 @@
         <c:noMultiLvlLbl val="1"/>
       </c:catAx>
       <c:valAx>
-        <c:axId val="-1584236816"/>
+        <c:axId val="818089344"/>
         <c:scaling>
           <c:orientation val="minMax"/>
         </c:scaling>
@@ -982,7 +987,7 @@
             <a:endParaRPr lang="da-DK"/>
           </a:p>
         </c:txPr>
-        <c:crossAx val="-1584237360"/>
+        <c:crossAx val="818088256"/>
         <c:crosses val="autoZero"/>
         <c:crossBetween val="between"/>
         <c:majorUnit val="25"/>
@@ -1591,11 +1596,11 @@
         </c:dLbls>
         <c:gapWidth val="40"/>
         <c:overlap val="-10"/>
-        <c:axId val="-1585212800"/>
-        <c:axId val="-1497241088"/>
+        <c:axId val="818099136"/>
+        <c:axId val="818094784"/>
       </c:barChart>
       <c:catAx>
-        <c:axId val="-1585212800"/>
+        <c:axId val="818099136"/>
         <c:scaling>
           <c:orientation val="minMax"/>
         </c:scaling>
@@ -1629,7 +1634,7 @@
             <a:endParaRPr lang="da-DK"/>
           </a:p>
         </c:txPr>
-        <c:crossAx val="-1497241088"/>
+        <c:crossAx val="818094784"/>
         <c:crosses val="autoZero"/>
         <c:auto val="1"/>
         <c:lblAlgn val="ctr"/>
@@ -1637,7 +1642,7 @@
         <c:noMultiLvlLbl val="1"/>
       </c:catAx>
       <c:valAx>
-        <c:axId val="-1497241088"/>
+        <c:axId val="818094784"/>
         <c:scaling>
           <c:orientation val="minMax"/>
         </c:scaling>
@@ -1680,7 +1685,7 @@
             <a:endParaRPr lang="da-DK"/>
           </a:p>
         </c:txPr>
-        <c:crossAx val="-1585212800"/>
+        <c:crossAx val="818099136"/>
         <c:crosses val="autoZero"/>
         <c:crossBetween val="between"/>
         <c:majorUnit val="25"/>
@@ -5734,7 +5739,7 @@
           </a:ln>
           <a:extLst>
             <a:ext uri="{C572A759-6A51-4108-AA02-DFA0A04FC94B}">
-              <ma14:wrappingTextBoxFlag xmlns:ma14="http://schemas.microsoft.com/office/mac/drawingml/2011/main" xmlns="" val="1"/>
+              <ma14:wrappingTextBoxFlag xmlns="" xmlns:ma14="http://schemas.microsoft.com/office/mac/drawingml/2011/main" val="1"/>
             </a:ext>
           </a:extLst>
         </p:spPr>
@@ -8690,7 +8695,7 @@
           </a:ln>
           <a:extLst>
             <a:ext uri="{C572A759-6A51-4108-AA02-DFA0A04FC94B}">
-              <ma14:wrappingTextBoxFlag xmlns:ma14="http://schemas.microsoft.com/office/mac/drawingml/2011/main" xmlns="" val="1"/>
+              <ma14:wrappingTextBoxFlag xmlns="" xmlns:ma14="http://schemas.microsoft.com/office/mac/drawingml/2011/main" val="1"/>
             </a:ext>
           </a:extLst>
         </p:spPr>
@@ -9399,7 +9404,7 @@
           </a:ln>
           <a:extLst>
             <a:ext uri="{C572A759-6A51-4108-AA02-DFA0A04FC94B}">
-              <ma14:wrappingTextBoxFlag xmlns:ma14="http://schemas.microsoft.com/office/mac/drawingml/2011/main" xmlns="" val="1"/>
+              <ma14:wrappingTextBoxFlag xmlns="" xmlns:ma14="http://schemas.microsoft.com/office/mac/drawingml/2011/main" val="1"/>
             </a:ext>
           </a:extLst>
         </p:spPr>
@@ -9438,7 +9443,7 @@
           </a:ln>
           <a:extLst>
             <a:ext uri="{C572A759-6A51-4108-AA02-DFA0A04FC94B}">
-              <ma14:wrappingTextBoxFlag xmlns:ma14="http://schemas.microsoft.com/office/mac/drawingml/2011/main" xmlns="" val="1"/>
+              <ma14:wrappingTextBoxFlag xmlns="" xmlns:ma14="http://schemas.microsoft.com/office/mac/drawingml/2011/main" val="1"/>
             </a:ext>
           </a:extLst>
         </p:spPr>
@@ -10404,7 +10409,7 @@
         </p:nvSpPr>
         <p:spPr>
           <a:xfrm>
-            <a:off x="7366000" y="3628241"/>
+            <a:off x="1120391" y="8276441"/>
             <a:ext cx="5638800" cy="687368"/>
           </a:xfrm>
           <a:prstGeom prst="rect">
@@ -10516,7 +10521,7 @@
         </p:nvSpPr>
         <p:spPr>
           <a:xfrm>
-            <a:off x="7543800" y="726602"/>
+            <a:off x="8318500" y="1564802"/>
             <a:ext cx="4686300" cy="2349361"/>
           </a:xfrm>
           <a:prstGeom prst="rect">
@@ -10950,7 +10955,7 @@
           </a:ln>
           <a:extLst>
             <a:ext uri="{C572A759-6A51-4108-AA02-DFA0A04FC94B}">
-              <ma14:wrappingTextBoxFlag xmlns:ma14="http://schemas.microsoft.com/office/mac/drawingml/2011/main" xmlns="" val="1"/>
+              <ma14:wrappingTextBoxFlag xmlns="" xmlns:ma14="http://schemas.microsoft.com/office/mac/drawingml/2011/main" val="1"/>
             </a:ext>
           </a:extLst>
         </p:spPr>
@@ -11056,7 +11061,7 @@
         </p:nvSpPr>
         <p:spPr>
           <a:xfrm>
-            <a:off x="5015547" y="2539999"/>
+            <a:off x="5034597" y="1301749"/>
             <a:ext cx="2973706" cy="1422401"/>
           </a:xfrm>
           <a:prstGeom prst="rect">
@@ -11067,7 +11072,7 @@
           </a:ln>
           <a:extLst>
             <a:ext uri="{C572A759-6A51-4108-AA02-DFA0A04FC94B}">
-              <ma14:wrappingTextBoxFlag xmlns:ma14="http://schemas.microsoft.com/office/mac/drawingml/2011/main" xmlns="" val="1"/>
+              <ma14:wrappingTextBoxFlag xmlns="" xmlns:ma14="http://schemas.microsoft.com/office/mac/drawingml/2011/main" val="1"/>
             </a:ext>
           </a:extLst>
         </p:spPr>
@@ -11079,14 +11084,206 @@
           <a:p>
             <a:pPr algn="ctr"/>
             <a:r>
+              <a:rPr dirty="0"/>
               <a:t>What we did</a:t>
             </a:r>
           </a:p>
           <a:p>
             <a:pPr algn="ctr"/>
             <a:r>
+              <a:rPr dirty="0"/>
               <a:t>and how</a:t>
             </a:r>
+          </a:p>
+        </p:txBody>
+      </p:sp>
+      <p:sp>
+        <p:nvSpPr>
+          <p:cNvPr id="2" name="Tekstfelt 1"/>
+          <p:cNvSpPr txBox="1"/>
+          <p:nvPr/>
+        </p:nvSpPr>
+        <p:spPr>
+          <a:xfrm>
+            <a:off x="1619250" y="3229354"/>
+            <a:ext cx="10896600" cy="4780796"/>
+          </a:xfrm>
+          <a:prstGeom prst="rect">
+            <a:avLst/>
+          </a:prstGeom>
+          <a:noFill/>
+          <a:ln w="12700" cap="flat">
+            <a:noFill/>
+            <a:miter lim="400000"/>
+          </a:ln>
+          <a:effectLst/>
+          <a:sp3d/>
+        </p:spPr>
+        <p:style>
+          <a:lnRef idx="0">
+            <a:scrgbClr r="0" g="0" b="0"/>
+          </a:lnRef>
+          <a:fillRef idx="0">
+            <a:scrgbClr r="0" g="0" b="0"/>
+          </a:fillRef>
+          <a:effectRef idx="0">
+            <a:scrgbClr r="0" g="0" b="0"/>
+          </a:effectRef>
+          <a:fontRef idx="none"/>
+        </p:style>
+        <p:txBody>
+          <a:bodyPr rot="0" spcFirstLastPara="1" vertOverflow="overflow" horzOverflow="overflow" vert="horz" wrap="square" lIns="50800" tIns="50800" rIns="50800" bIns="50800" numCol="1" spcCol="38100" rtlCol="0" anchor="ctr">
+            <a:spAutoFit/>
+          </a:bodyPr>
+          <a:lstStyle/>
+          <a:p>
+            <a:pPr marL="571500" marR="0" indent="-571500" algn="l" defTabSz="584200" rtl="0" fontAlgn="auto" latinLnBrk="0" hangingPunct="0">
+              <a:lnSpc>
+                <a:spcPct val="100000"/>
+              </a:lnSpc>
+              <a:spcBef>
+                <a:spcPts val="0"/>
+              </a:spcBef>
+              <a:spcAft>
+                <a:spcPts val="0"/>
+              </a:spcAft>
+              <a:buClrTx/>
+              <a:buSzTx/>
+              <a:buFont typeface="Arial" panose="020B0604020202020204" pitchFamily="34" charset="0"/>
+              <a:buChar char="•"/>
+              <a:tabLst/>
+            </a:pPr>
+            <a:r>
+              <a:rPr lang="en-US" dirty="0" smtClean="0"/>
+              <a:t>Started by viewing our objectives</a:t>
+            </a:r>
+          </a:p>
+          <a:p>
+            <a:pPr marL="571500" marR="0" indent="-571500" algn="l" defTabSz="584200" rtl="0" fontAlgn="auto" latinLnBrk="0" hangingPunct="0">
+              <a:lnSpc>
+                <a:spcPct val="100000"/>
+              </a:lnSpc>
+              <a:spcBef>
+                <a:spcPts val="0"/>
+              </a:spcBef>
+              <a:spcAft>
+                <a:spcPts val="0"/>
+              </a:spcAft>
+              <a:buClrTx/>
+              <a:buSzTx/>
+              <a:buFont typeface="Arial" panose="020B0604020202020204" pitchFamily="34" charset="0"/>
+              <a:buChar char="•"/>
+              <a:tabLst/>
+            </a:pPr>
+            <a:r>
+              <a:rPr lang="en-US" dirty="0" smtClean="0">
+                <a:sym typeface="Wingdings" panose="05000000000000000000" pitchFamily="2" charset="2"/>
+              </a:rPr>
+              <a:t></a:t>
+            </a:r>
+            <a:r>
+              <a:rPr lang="en-US" dirty="0" smtClean="0"/>
+              <a:t> Setting up a template for the site (&lt;header&gt;,&lt;</a:t>
+            </a:r>
+            <a:r>
+              <a:rPr lang="en-US" dirty="0" err="1" smtClean="0"/>
+              <a:t>nav</a:t>
+            </a:r>
+            <a:r>
+              <a:rPr lang="en-US" dirty="0" smtClean="0"/>
+              <a:t>&gt;,&lt;section&gt;, etc.)</a:t>
+            </a:r>
+          </a:p>
+          <a:p>
+            <a:pPr marL="571500" marR="0" indent="-571500" algn="l" defTabSz="584200" rtl="0" fontAlgn="auto" latinLnBrk="0" hangingPunct="0">
+              <a:lnSpc>
+                <a:spcPct val="100000"/>
+              </a:lnSpc>
+              <a:spcBef>
+                <a:spcPts val="0"/>
+              </a:spcBef>
+              <a:spcAft>
+                <a:spcPts val="0"/>
+              </a:spcAft>
+              <a:buClrTx/>
+              <a:buSzTx/>
+              <a:buFont typeface="Arial" panose="020B0604020202020204" pitchFamily="34" charset="0"/>
+              <a:buChar char="•"/>
+              <a:tabLst/>
+            </a:pPr>
+            <a:r>
+              <a:rPr lang="en-US" dirty="0" smtClean="0">
+                <a:sym typeface="Wingdings" panose="05000000000000000000" pitchFamily="2" charset="2"/>
+              </a:rPr>
+              <a:t> Filling in content</a:t>
+            </a:r>
+          </a:p>
+          <a:p>
+            <a:pPr marL="571500" marR="0" indent="-571500" algn="l" defTabSz="584200" rtl="0" fontAlgn="auto" latinLnBrk="0" hangingPunct="0">
+              <a:lnSpc>
+                <a:spcPct val="100000"/>
+              </a:lnSpc>
+              <a:spcBef>
+                <a:spcPts val="0"/>
+              </a:spcBef>
+              <a:spcAft>
+                <a:spcPts val="0"/>
+              </a:spcAft>
+              <a:buClrTx/>
+              <a:buSzTx/>
+              <a:buFont typeface="Arial" panose="020B0604020202020204" pitchFamily="34" charset="0"/>
+              <a:buChar char="•"/>
+              <a:tabLst/>
+            </a:pPr>
+            <a:r>
+              <a:rPr lang="en-US" dirty="0" smtClean="0">
+                <a:sym typeface="Wingdings" panose="05000000000000000000" pitchFamily="2" charset="2"/>
+              </a:rPr>
+              <a:t> Styling content</a:t>
+            </a:r>
+          </a:p>
+          <a:p>
+            <a:pPr marL="571500" marR="0" indent="-571500" algn="l" defTabSz="584200" rtl="0" fontAlgn="auto" latinLnBrk="0" hangingPunct="0">
+              <a:lnSpc>
+                <a:spcPct val="100000"/>
+              </a:lnSpc>
+              <a:spcBef>
+                <a:spcPts val="0"/>
+              </a:spcBef>
+              <a:spcAft>
+                <a:spcPts val="0"/>
+              </a:spcAft>
+              <a:buClrTx/>
+              <a:buSzTx/>
+              <a:buFont typeface="Arial" panose="020B0604020202020204" pitchFamily="34" charset="0"/>
+              <a:buChar char="•"/>
+              <a:tabLst/>
+            </a:pPr>
+            <a:r>
+              <a:rPr lang="en-US" dirty="0" smtClean="0">
+                <a:sym typeface="Wingdings" panose="05000000000000000000" pitchFamily="2" charset="2"/>
+              </a:rPr>
+              <a:t>Used GitHub throughout the process for easy collaboration</a:t>
+            </a:r>
+          </a:p>
+          <a:p>
+            <a:pPr marL="571500" marR="0" indent="-571500" algn="l" defTabSz="584200" rtl="0" fontAlgn="auto" latinLnBrk="0" hangingPunct="0">
+              <a:lnSpc>
+                <a:spcPct val="100000"/>
+              </a:lnSpc>
+              <a:spcBef>
+                <a:spcPts val="0"/>
+              </a:spcBef>
+              <a:spcAft>
+                <a:spcPts val="0"/>
+              </a:spcAft>
+              <a:buClrTx/>
+              <a:buSzTx/>
+              <a:buFont typeface="Arial" panose="020B0604020202020204" pitchFamily="34" charset="0"/>
+              <a:buChar char="•"/>
+              <a:tabLst/>
+            </a:pPr>
+            <a:endParaRPr lang="en-US" dirty="0" smtClean="0"/>
           </a:p>
         </p:txBody>
       </p:sp>
@@ -11124,8 +11321,8 @@
         </p:nvSpPr>
         <p:spPr>
           <a:xfrm>
-            <a:off x="4439081" y="2209800"/>
-            <a:ext cx="4126638" cy="2082801"/>
+            <a:off x="5914955" y="986640"/>
+            <a:ext cx="1402627" cy="687368"/>
           </a:xfrm>
           <a:prstGeom prst="rect">
             <a:avLst/>
@@ -11135,7 +11332,7 @@
           </a:ln>
           <a:extLst>
             <a:ext uri="{C572A759-6A51-4108-AA02-DFA0A04FC94B}">
-              <ma14:wrappingTextBoxFlag xmlns:ma14="http://schemas.microsoft.com/office/mac/drawingml/2011/main" xmlns="" val="1"/>
+              <ma14:wrappingTextBoxFlag xmlns="" xmlns:ma14="http://schemas.microsoft.com/office/mac/drawingml/2011/main" val="1"/>
             </a:ext>
           </a:extLst>
         </p:spPr>
@@ -11154,23 +11351,251 @@
               </a:defRPr>
             </a:pPr>
             <a:r>
+              <a:rPr dirty="0" smtClean="0"/>
               <a:t>Demo</a:t>
             </a:r>
-          </a:p>
-          <a:p>
-            <a:pPr algn="ctr"/>
+            <a:endParaRPr dirty="0"/>
+          </a:p>
+        </p:txBody>
+      </p:sp>
+      <p:sp>
+        <p:nvSpPr>
+          <p:cNvPr id="2" name="Tekstfelt 1"/>
+          <p:cNvSpPr txBox="1"/>
+          <p:nvPr/>
+        </p:nvSpPr>
+        <p:spPr>
+          <a:xfrm>
+            <a:off x="400050" y="2764354"/>
+            <a:ext cx="4152900" cy="1272143"/>
+          </a:xfrm>
+          <a:prstGeom prst="rect">
+            <a:avLst/>
+          </a:prstGeom>
+          <a:noFill/>
+          <a:ln w="12700" cap="flat">
+            <a:noFill/>
+            <a:miter lim="400000"/>
+          </a:ln>
+          <a:effectLst/>
+          <a:sp3d/>
+        </p:spPr>
+        <p:style>
+          <a:lnRef idx="0">
+            <a:scrgbClr r="0" g="0" b="0"/>
+          </a:lnRef>
+          <a:fillRef idx="0">
+            <a:scrgbClr r="0" g="0" b="0"/>
+          </a:fillRef>
+          <a:effectRef idx="0">
+            <a:scrgbClr r="0" g="0" b="0"/>
+          </a:effectRef>
+          <a:fontRef idx="none"/>
+        </p:style>
+        <p:txBody>
+          <a:bodyPr rot="0" spcFirstLastPara="1" vertOverflow="overflow" horzOverflow="overflow" vert="horz" wrap="square" lIns="50800" tIns="50800" rIns="50800" bIns="50800" numCol="1" spcCol="38100" rtlCol="0" anchor="ctr">
+            <a:spAutoFit/>
+          </a:bodyPr>
+          <a:lstStyle/>
+          <a:p>
             <a:r>
-              <a:t>How it was before</a:t>
+              <a:rPr lang="da-DK" dirty="0"/>
+              <a:t>How it </a:t>
             </a:r>
-          </a:p>
-          <a:p>
-            <a:pPr algn="ctr"/>
             <a:r>
-              <a:t>How it is now</a:t>
+              <a:rPr lang="da-DK" dirty="0" err="1"/>
+              <a:t>was</a:t>
             </a:r>
-          </a:p>
-        </p:txBody>
-      </p:sp>
+            <a:r>
+              <a:rPr lang="da-DK" dirty="0"/>
+              <a:t> </a:t>
+            </a:r>
+            <a:r>
+              <a:rPr lang="da-DK" dirty="0" err="1"/>
+              <a:t>before</a:t>
+            </a:r>
+            <a:endParaRPr lang="da-DK" dirty="0"/>
+          </a:p>
+          <a:p>
+            <a:pPr marL="0" marR="0" indent="0" algn="l" defTabSz="584200" rtl="0" fontAlgn="auto" latinLnBrk="0" hangingPunct="0">
+              <a:lnSpc>
+                <a:spcPct val="100000"/>
+              </a:lnSpc>
+              <a:spcBef>
+                <a:spcPts val="0"/>
+              </a:spcBef>
+              <a:spcAft>
+                <a:spcPts val="0"/>
+              </a:spcAft>
+              <a:buClrTx/>
+              <a:buSzTx/>
+              <a:buFontTx/>
+              <a:buNone/>
+              <a:tabLst/>
+            </a:pPr>
+            <a:endParaRPr kumimoji="0" lang="da-DK" sz="3800" b="0" i="0" u="none" strike="noStrike" cap="none" spc="0" normalizeH="0" baseline="0" dirty="0">
+              <a:ln>
+                <a:noFill/>
+              </a:ln>
+              <a:solidFill>
+                <a:srgbClr val="4E5755"/>
+              </a:solidFill>
+              <a:effectLst/>
+              <a:uFillTx/>
+              <a:latin typeface="+mn-lt"/>
+              <a:ea typeface="+mn-ea"/>
+              <a:cs typeface="+mn-cs"/>
+              <a:sym typeface="Avenir Book"/>
+            </a:endParaRPr>
+          </a:p>
+        </p:txBody>
+      </p:sp>
+      <p:sp>
+        <p:nvSpPr>
+          <p:cNvPr id="3" name="Tekstfelt 2"/>
+          <p:cNvSpPr txBox="1"/>
+          <p:nvPr/>
+        </p:nvSpPr>
+        <p:spPr>
+          <a:xfrm>
+            <a:off x="7943850" y="2764354"/>
+            <a:ext cx="5308600" cy="1272143"/>
+          </a:xfrm>
+          <a:prstGeom prst="rect">
+            <a:avLst/>
+          </a:prstGeom>
+          <a:noFill/>
+          <a:ln w="12700" cap="flat">
+            <a:noFill/>
+            <a:miter lim="400000"/>
+          </a:ln>
+          <a:effectLst/>
+          <a:sp3d/>
+        </p:spPr>
+        <p:style>
+          <a:lnRef idx="0">
+            <a:scrgbClr r="0" g="0" b="0"/>
+          </a:lnRef>
+          <a:fillRef idx="0">
+            <a:scrgbClr r="0" g="0" b="0"/>
+          </a:fillRef>
+          <a:effectRef idx="0">
+            <a:scrgbClr r="0" g="0" b="0"/>
+          </a:effectRef>
+          <a:fontRef idx="none"/>
+        </p:style>
+        <p:txBody>
+          <a:bodyPr rot="0" spcFirstLastPara="1" vertOverflow="overflow" horzOverflow="overflow" vert="horz" wrap="square" lIns="50800" tIns="50800" rIns="50800" bIns="50800" numCol="1" spcCol="38100" rtlCol="0" anchor="ctr">
+            <a:spAutoFit/>
+          </a:bodyPr>
+          <a:lstStyle/>
+          <a:p>
+            <a:r>
+              <a:rPr lang="da-DK" dirty="0"/>
+              <a:t>How it is </a:t>
+            </a:r>
+            <a:r>
+              <a:rPr lang="da-DK" dirty="0" err="1"/>
+              <a:t>now</a:t>
+            </a:r>
+            <a:endParaRPr lang="da-DK" dirty="0"/>
+          </a:p>
+          <a:p>
+            <a:pPr marL="0" marR="0" indent="0" algn="l" defTabSz="584200" rtl="0" fontAlgn="auto" latinLnBrk="0" hangingPunct="0">
+              <a:lnSpc>
+                <a:spcPct val="100000"/>
+              </a:lnSpc>
+              <a:spcBef>
+                <a:spcPts val="0"/>
+              </a:spcBef>
+              <a:spcAft>
+                <a:spcPts val="0"/>
+              </a:spcAft>
+              <a:buClrTx/>
+              <a:buSzTx/>
+              <a:buFontTx/>
+              <a:buNone/>
+              <a:tabLst/>
+            </a:pPr>
+            <a:endParaRPr kumimoji="0" lang="da-DK" sz="3800" b="0" i="0" u="none" strike="noStrike" cap="none" spc="0" normalizeH="0" baseline="0" dirty="0">
+              <a:ln>
+                <a:noFill/>
+              </a:ln>
+              <a:solidFill>
+                <a:srgbClr val="4E5755"/>
+              </a:solidFill>
+              <a:effectLst/>
+              <a:uFillTx/>
+              <a:latin typeface="+mn-lt"/>
+              <a:ea typeface="+mn-ea"/>
+              <a:cs typeface="+mn-cs"/>
+              <a:sym typeface="Avenir Book"/>
+            </a:endParaRPr>
+          </a:p>
+        </p:txBody>
+      </p:sp>
+      <p:pic>
+        <p:nvPicPr>
+          <p:cNvPr id="4" name="Billede 3">
+            <a:hlinkClick r:id="rId2"/>
+          </p:cNvPr>
+          <p:cNvPicPr>
+            <a:picLocks noChangeAspect="1"/>
+          </p:cNvPicPr>
+          <p:nvPr/>
+        </p:nvPicPr>
+        <p:blipFill>
+          <a:blip r:embed="rId3">
+            <a:extLst>
+              <a:ext uri="{28A0092B-C50C-407E-A947-70E740481C1C}">
+                <a14:useLocalDpi xmlns:a14="http://schemas.microsoft.com/office/drawing/2010/main" val="0"/>
+              </a:ext>
+            </a:extLst>
+          </a:blip>
+          <a:stretch>
+            <a:fillRect/>
+          </a:stretch>
+        </p:blipFill>
+        <p:spPr>
+          <a:xfrm>
+            <a:off x="0" y="3724275"/>
+            <a:ext cx="6285335" cy="3533775"/>
+          </a:xfrm>
+          <a:prstGeom prst="rect">
+            <a:avLst/>
+          </a:prstGeom>
+        </p:spPr>
+      </p:pic>
+      <p:pic>
+        <p:nvPicPr>
+          <p:cNvPr id="5" name="Billede 4"/>
+          <p:cNvPicPr>
+            <a:picLocks noChangeAspect="1"/>
+          </p:cNvPicPr>
+          <p:nvPr/>
+        </p:nvPicPr>
+        <p:blipFill>
+          <a:blip r:embed="rId4">
+            <a:extLst>
+              <a:ext uri="{28A0092B-C50C-407E-A947-70E740481C1C}">
+                <a14:useLocalDpi xmlns:a14="http://schemas.microsoft.com/office/drawing/2010/main" val="0"/>
+              </a:ext>
+            </a:extLst>
+          </a:blip>
+          <a:stretch>
+            <a:fillRect/>
+          </a:stretch>
+        </p:blipFill>
+        <p:spPr>
+          <a:xfrm>
+            <a:off x="6522877" y="3712255"/>
+            <a:ext cx="6306715" cy="3545795"/>
+          </a:xfrm>
+          <a:prstGeom prst="rect">
+            <a:avLst/>
+          </a:prstGeom>
+        </p:spPr>
+      </p:pic>
     </p:spTree>
   </p:cSld>
   <p:clrMapOvr>

--- a/præsentation/presentation_template.pptx
+++ b/præsentation/presentation_template.pptx
@@ -898,11 +898,11 @@
         </c:dLbls>
         <c:gapWidth val="40"/>
         <c:overlap val="-10"/>
-        <c:axId val="818088256"/>
-        <c:axId val="818089344"/>
+        <c:axId val="236288"/>
+        <c:axId val="235200"/>
       </c:barChart>
       <c:catAx>
-        <c:axId val="818088256"/>
+        <c:axId val="236288"/>
         <c:scaling>
           <c:orientation val="minMax"/>
         </c:scaling>
@@ -936,7 +936,7 @@
             <a:endParaRPr lang="da-DK"/>
           </a:p>
         </c:txPr>
-        <c:crossAx val="818089344"/>
+        <c:crossAx val="235200"/>
         <c:crosses val="autoZero"/>
         <c:auto val="1"/>
         <c:lblAlgn val="ctr"/>
@@ -944,7 +944,7 @@
         <c:noMultiLvlLbl val="1"/>
       </c:catAx>
       <c:valAx>
-        <c:axId val="818089344"/>
+        <c:axId val="235200"/>
         <c:scaling>
           <c:orientation val="minMax"/>
         </c:scaling>
@@ -987,7 +987,7 @@
             <a:endParaRPr lang="da-DK"/>
           </a:p>
         </c:txPr>
-        <c:crossAx val="818088256"/>
+        <c:crossAx val="236288"/>
         <c:crosses val="autoZero"/>
         <c:crossBetween val="between"/>
         <c:majorUnit val="25"/>
@@ -1596,11 +1596,11 @@
         </c:dLbls>
         <c:gapWidth val="40"/>
         <c:overlap val="-10"/>
-        <c:axId val="818099136"/>
-        <c:axId val="818094784"/>
+        <c:axId val="241728"/>
+        <c:axId val="233568"/>
       </c:barChart>
       <c:catAx>
-        <c:axId val="818099136"/>
+        <c:axId val="241728"/>
         <c:scaling>
           <c:orientation val="minMax"/>
         </c:scaling>
@@ -1634,7 +1634,7 @@
             <a:endParaRPr lang="da-DK"/>
           </a:p>
         </c:txPr>
-        <c:crossAx val="818094784"/>
+        <c:crossAx val="233568"/>
         <c:crosses val="autoZero"/>
         <c:auto val="1"/>
         <c:lblAlgn val="ctr"/>
@@ -1642,7 +1642,7 @@
         <c:noMultiLvlLbl val="1"/>
       </c:catAx>
       <c:valAx>
-        <c:axId val="818094784"/>
+        <c:axId val="233568"/>
         <c:scaling>
           <c:orientation val="minMax"/>
         </c:scaling>
@@ -1685,7 +1685,7 @@
             <a:endParaRPr lang="da-DK"/>
           </a:p>
         </c:txPr>
-        <c:crossAx val="818099136"/>
+        <c:crossAx val="241728"/>
         <c:crosses val="autoZero"/>
         <c:crossBetween val="between"/>
         <c:majorUnit val="25"/>
@@ -2124,16 +2124,8 @@
 </file>
 
 <file path=ppt/slideLayouts/slideLayout10.xml><?xml version="1.0" encoding="utf-8"?>
-<p:sldLayout xmlns:a="http://schemas.openxmlformats.org/drawingml/2006/main" xmlns:r="http://schemas.openxmlformats.org/officeDocument/2006/relationships" xmlns:p="http://schemas.openxmlformats.org/presentationml/2006/main" showMasterSp="0" type="tx">
+<p:sldLayout xmlns:a="http://schemas.openxmlformats.org/drawingml/2006/main" xmlns:r="http://schemas.openxmlformats.org/officeDocument/2006/relationships" xmlns:p="http://schemas.openxmlformats.org/presentationml/2006/main" type="tx">
   <p:cSld name="Blank - Light Grey">
-    <p:bg>
-      <p:bgPr>
-        <a:solidFill>
-          <a:srgbClr val="4E5755"/>
-        </a:solidFill>
-        <a:effectLst/>
-      </p:bgPr>
-    </p:bg>
     <p:spTree>
       <p:nvGrpSpPr>
         <p:cNvPr id="1" name=""/>
@@ -2225,16 +2217,8 @@
 </file>
 
 <file path=ppt/slideLayouts/slideLayout11.xml><?xml version="1.0" encoding="utf-8"?>
-<p:sldLayout xmlns:a="http://schemas.openxmlformats.org/drawingml/2006/main" xmlns:r="http://schemas.openxmlformats.org/officeDocument/2006/relationships" xmlns:p="http://schemas.openxmlformats.org/presentationml/2006/main" showMasterSp="0" type="tx">
+<p:sldLayout xmlns:a="http://schemas.openxmlformats.org/drawingml/2006/main" xmlns:r="http://schemas.openxmlformats.org/officeDocument/2006/relationships" xmlns:p="http://schemas.openxmlformats.org/presentationml/2006/main" type="tx">
   <p:cSld name="Blank - Green">
-    <p:bg>
-      <p:bgPr>
-        <a:solidFill>
-          <a:srgbClr val="83B9AA"/>
-        </a:solidFill>
-        <a:effectLst/>
-      </p:bgPr>
-    </p:bg>
     <p:spTree>
       <p:nvGrpSpPr>
         <p:cNvPr id="1" name=""/>
@@ -2326,16 +2310,8 @@
 </file>
 
 <file path=ppt/slideLayouts/slideLayout12.xml><?xml version="1.0" encoding="utf-8"?>
-<p:sldLayout xmlns:a="http://schemas.openxmlformats.org/drawingml/2006/main" xmlns:r="http://schemas.openxmlformats.org/officeDocument/2006/relationships" xmlns:p="http://schemas.openxmlformats.org/presentationml/2006/main" showMasterSp="0" type="tx">
+<p:sldLayout xmlns:a="http://schemas.openxmlformats.org/drawingml/2006/main" xmlns:r="http://schemas.openxmlformats.org/officeDocument/2006/relationships" xmlns:p="http://schemas.openxmlformats.org/presentationml/2006/main" type="tx">
   <p:cSld name="Blank - Brown">
-    <p:bg>
-      <p:bgPr>
-        <a:solidFill>
-          <a:srgbClr val="BB997B"/>
-        </a:solidFill>
-        <a:effectLst/>
-      </p:bgPr>
-    </p:bg>
     <p:spTree>
       <p:nvGrpSpPr>
         <p:cNvPr id="1" name=""/>
@@ -2427,7 +2403,7 @@
 </file>
 
 <file path=ppt/slideLayouts/slideLayout13.xml><?xml version="1.0" encoding="utf-8"?>
-<p:sldLayout xmlns:a="http://schemas.openxmlformats.org/drawingml/2006/main" xmlns:r="http://schemas.openxmlformats.org/officeDocument/2006/relationships" xmlns:p="http://schemas.openxmlformats.org/presentationml/2006/main" showMasterSp="0" type="tx">
+<p:sldLayout xmlns:a="http://schemas.openxmlformats.org/drawingml/2006/main" xmlns:r="http://schemas.openxmlformats.org/officeDocument/2006/relationships" xmlns:p="http://schemas.openxmlformats.org/presentationml/2006/main" type="tx">
   <p:cSld name="Blank - Yellow">
     <p:spTree>
       <p:nvGrpSpPr>
@@ -2520,16 +2496,8 @@
 </file>
 
 <file path=ppt/slideLayouts/slideLayout14.xml><?xml version="1.0" encoding="utf-8"?>
-<p:sldLayout xmlns:a="http://schemas.openxmlformats.org/drawingml/2006/main" xmlns:r="http://schemas.openxmlformats.org/officeDocument/2006/relationships" xmlns:p="http://schemas.openxmlformats.org/presentationml/2006/main" showMasterSp="0" type="tx">
+<p:sldLayout xmlns:a="http://schemas.openxmlformats.org/drawingml/2006/main" xmlns:r="http://schemas.openxmlformats.org/officeDocument/2006/relationships" xmlns:p="http://schemas.openxmlformats.org/presentationml/2006/main" type="tx">
   <p:cSld name="Blank - Blue">
-    <p:bg>
-      <p:bgPr>
-        <a:solidFill>
-          <a:srgbClr val="99C7CE"/>
-        </a:solidFill>
-        <a:effectLst/>
-      </p:bgPr>
-    </p:bg>
     <p:spTree>
       <p:nvGrpSpPr>
         <p:cNvPr id="1" name=""/>
@@ -2621,16 +2589,8 @@
 </file>
 
 <file path=ppt/slideLayouts/slideLayout15.xml><?xml version="1.0" encoding="utf-8"?>
-<p:sldLayout xmlns:a="http://schemas.openxmlformats.org/drawingml/2006/main" xmlns:r="http://schemas.openxmlformats.org/officeDocument/2006/relationships" xmlns:p="http://schemas.openxmlformats.org/presentationml/2006/main" showMasterSp="0" type="tx">
+<p:sldLayout xmlns:a="http://schemas.openxmlformats.org/drawingml/2006/main" xmlns:r="http://schemas.openxmlformats.org/officeDocument/2006/relationships" xmlns:p="http://schemas.openxmlformats.org/presentationml/2006/main" type="tx">
   <p:cSld name="Blank - Pink">
-    <p:bg>
-      <p:bgPr>
-        <a:solidFill>
-          <a:srgbClr val="CEB8CB"/>
-        </a:solidFill>
-        <a:effectLst/>
-      </p:bgPr>
-    </p:bg>
     <p:spTree>
       <p:nvGrpSpPr>
         <p:cNvPr id="1" name=""/>
@@ -2722,16 +2682,8 @@
 </file>
 
 <file path=ppt/slideLayouts/slideLayout16.xml><?xml version="1.0" encoding="utf-8"?>
-<p:sldLayout xmlns:a="http://schemas.openxmlformats.org/drawingml/2006/main" xmlns:r="http://schemas.openxmlformats.org/officeDocument/2006/relationships" xmlns:p="http://schemas.openxmlformats.org/presentationml/2006/main" showMasterSp="0" type="tx">
+<p:sldLayout xmlns:a="http://schemas.openxmlformats.org/drawingml/2006/main" xmlns:r="http://schemas.openxmlformats.org/officeDocument/2006/relationships" xmlns:p="http://schemas.openxmlformats.org/presentationml/2006/main" type="tx">
   <p:cSld name="Blank - White">
-    <p:bg>
-      <p:bgPr>
-        <a:solidFill>
-          <a:srgbClr val="DBE3E2"/>
-        </a:solidFill>
-        <a:effectLst/>
-      </p:bgPr>
-    </p:bg>
     <p:spTree>
       <p:nvGrpSpPr>
         <p:cNvPr id="1" name=""/>
@@ -2823,16 +2775,8 @@
 </file>
 
 <file path=ppt/slideLayouts/slideLayout17.xml><?xml version="1.0" encoding="utf-8"?>
-<p:sldLayout xmlns:a="http://schemas.openxmlformats.org/drawingml/2006/main" xmlns:r="http://schemas.openxmlformats.org/officeDocument/2006/relationships" xmlns:p="http://schemas.openxmlformats.org/presentationml/2006/main" showMasterSp="0" type="tx">
+<p:sldLayout xmlns:a="http://schemas.openxmlformats.org/drawingml/2006/main" xmlns:r="http://schemas.openxmlformats.org/officeDocument/2006/relationships" xmlns:p="http://schemas.openxmlformats.org/presentationml/2006/main" type="tx">
   <p:cSld name="Shapes">
-    <p:bg>
-      <p:bgPr>
-        <a:solidFill>
-          <a:srgbClr val="DBE3E2"/>
-        </a:solidFill>
-        <a:effectLst/>
-      </p:bgPr>
-    </p:bg>
     <p:spTree>
       <p:nvGrpSpPr>
         <p:cNvPr id="1" name=""/>
@@ -4220,16 +4164,8 @@
 </file>
 
 <file path=ppt/slideLayouts/slideLayout18.xml><?xml version="1.0" encoding="utf-8"?>
-<p:sldLayout xmlns:a="http://schemas.openxmlformats.org/drawingml/2006/main" xmlns:r="http://schemas.openxmlformats.org/officeDocument/2006/relationships" xmlns:p="http://schemas.openxmlformats.org/presentationml/2006/main" showMasterSp="0" type="tx">
+<p:sldLayout xmlns:a="http://schemas.openxmlformats.org/drawingml/2006/main" xmlns:r="http://schemas.openxmlformats.org/officeDocument/2006/relationships" xmlns:p="http://schemas.openxmlformats.org/presentationml/2006/main" type="tx">
   <p:cSld name="Shapes">
-    <p:bg>
-      <p:bgPr>
-        <a:solidFill>
-          <a:srgbClr val="4E5755"/>
-        </a:solidFill>
-        <a:effectLst/>
-      </p:bgPr>
-    </p:bg>
     <p:spTree>
       <p:nvGrpSpPr>
         <p:cNvPr id="1" name=""/>
@@ -5477,16 +5413,8 @@
 </file>
 
 <file path=ppt/slideLayouts/slideLayout19.xml><?xml version="1.0" encoding="utf-8"?>
-<p:sldLayout xmlns:a="http://schemas.openxmlformats.org/drawingml/2006/main" xmlns:r="http://schemas.openxmlformats.org/officeDocument/2006/relationships" xmlns:p="http://schemas.openxmlformats.org/presentationml/2006/main" showMasterSp="0" type="tx">
+<p:sldLayout xmlns:a="http://schemas.openxmlformats.org/drawingml/2006/main" xmlns:r="http://schemas.openxmlformats.org/officeDocument/2006/relationships" xmlns:p="http://schemas.openxmlformats.org/presentationml/2006/main" type="tx">
   <p:cSld name="Graphs">
-    <p:bg>
-      <p:bgPr>
-        <a:solidFill>
-          <a:srgbClr val="DBE3E2"/>
-        </a:solidFill>
-        <a:effectLst/>
-      </p:bgPr>
-    </p:bg>
     <p:spTree>
       <p:nvGrpSpPr>
         <p:cNvPr id="1" name=""/>
@@ -5610,16 +5538,8 @@
 </file>
 
 <file path=ppt/slideLayouts/slideLayout2.xml><?xml version="1.0" encoding="utf-8"?>
-<p:sldLayout xmlns:a="http://schemas.openxmlformats.org/drawingml/2006/main" xmlns:r="http://schemas.openxmlformats.org/officeDocument/2006/relationships" xmlns:p="http://schemas.openxmlformats.org/presentationml/2006/main" showMasterSp="0" type="tx">
+<p:sldLayout xmlns:a="http://schemas.openxmlformats.org/drawingml/2006/main" xmlns:r="http://schemas.openxmlformats.org/officeDocument/2006/relationships" xmlns:p="http://schemas.openxmlformats.org/presentationml/2006/main" type="tx">
   <p:cSld name="First Page copy">
-    <p:bg>
-      <p:bgPr>
-        <a:solidFill>
-          <a:srgbClr val="313636"/>
-        </a:solidFill>
-        <a:effectLst/>
-      </p:bgPr>
-    </p:bg>
     <p:spTree>
       <p:nvGrpSpPr>
         <p:cNvPr id="1" name=""/>
@@ -5739,7 +5659,7 @@
           </a:ln>
           <a:extLst>
             <a:ext uri="{C572A759-6A51-4108-AA02-DFA0A04FC94B}">
-              <ma14:wrappingTextBoxFlag xmlns="" xmlns:ma14="http://schemas.microsoft.com/office/mac/drawingml/2011/main" val="1"/>
+              <ma14:wrappingTextBoxFlag xmlns:ma14="http://schemas.microsoft.com/office/mac/drawingml/2011/main" xmlns="" val="1"/>
             </a:ext>
           </a:extLst>
         </p:spPr>
@@ -5913,16 +5833,8 @@
 </file>
 
 <file path=ppt/slideLayouts/slideLayout20.xml><?xml version="1.0" encoding="utf-8"?>
-<p:sldLayout xmlns:a="http://schemas.openxmlformats.org/drawingml/2006/main" xmlns:r="http://schemas.openxmlformats.org/officeDocument/2006/relationships" xmlns:p="http://schemas.openxmlformats.org/presentationml/2006/main" showMasterSp="0" type="tx">
+<p:sldLayout xmlns:a="http://schemas.openxmlformats.org/drawingml/2006/main" xmlns:r="http://schemas.openxmlformats.org/officeDocument/2006/relationships" xmlns:p="http://schemas.openxmlformats.org/presentationml/2006/main" type="tx">
   <p:cSld name="Graphs">
-    <p:bg>
-      <p:bgPr>
-        <a:solidFill>
-          <a:srgbClr val="4E5755"/>
-        </a:solidFill>
-        <a:effectLst/>
-      </p:bgPr>
-    </p:bg>
     <p:spTree>
       <p:nvGrpSpPr>
         <p:cNvPr id="1" name=""/>
@@ -6046,16 +5958,8 @@
 </file>
 
 <file path=ppt/slideLayouts/slideLayout21.xml><?xml version="1.0" encoding="utf-8"?>
-<p:sldLayout xmlns:a="http://schemas.openxmlformats.org/drawingml/2006/main" xmlns:r="http://schemas.openxmlformats.org/officeDocument/2006/relationships" xmlns:p="http://schemas.openxmlformats.org/presentationml/2006/main" showMasterSp="0" type="tx">
+<p:sldLayout xmlns:a="http://schemas.openxmlformats.org/drawingml/2006/main" xmlns:r="http://schemas.openxmlformats.org/officeDocument/2006/relationships" xmlns:p="http://schemas.openxmlformats.org/presentationml/2006/main" type="tx">
   <p:cSld name="Styles">
-    <p:bg>
-      <p:bgPr>
-        <a:solidFill>
-          <a:srgbClr val="DBE3E2"/>
-        </a:solidFill>
-        <a:effectLst/>
-      </p:bgPr>
-    </p:bg>
     <p:spTree>
       <p:nvGrpSpPr>
         <p:cNvPr id="1" name=""/>
@@ -6723,16 +6627,8 @@
 </file>
 
 <file path=ppt/slideLayouts/slideLayout22.xml><?xml version="1.0" encoding="utf-8"?>
-<p:sldLayout xmlns:a="http://schemas.openxmlformats.org/drawingml/2006/main" xmlns:r="http://schemas.openxmlformats.org/officeDocument/2006/relationships" xmlns:p="http://schemas.openxmlformats.org/presentationml/2006/main" showMasterSp="0" type="tx">
+<p:sldLayout xmlns:a="http://schemas.openxmlformats.org/drawingml/2006/main" xmlns:r="http://schemas.openxmlformats.org/officeDocument/2006/relationships" xmlns:p="http://schemas.openxmlformats.org/presentationml/2006/main" type="tx">
   <p:cSld name="Graphs copy">
-    <p:bg>
-      <p:bgPr>
-        <a:solidFill>
-          <a:srgbClr val="4E5755"/>
-        </a:solidFill>
-        <a:effectLst/>
-      </p:bgPr>
-    </p:bg>
     <p:spTree>
       <p:nvGrpSpPr>
         <p:cNvPr id="1" name=""/>
@@ -7400,16 +7296,8 @@
 </file>
 
 <file path=ppt/slideLayouts/slideLayout23.xml><?xml version="1.0" encoding="utf-8"?>
-<p:sldLayout xmlns:a="http://schemas.openxmlformats.org/drawingml/2006/main" xmlns:r="http://schemas.openxmlformats.org/officeDocument/2006/relationships" xmlns:p="http://schemas.openxmlformats.org/presentationml/2006/main" showMasterSp="0" type="tx">
+<p:sldLayout xmlns:a="http://schemas.openxmlformats.org/drawingml/2006/main" xmlns:r="http://schemas.openxmlformats.org/officeDocument/2006/relationships" xmlns:p="http://schemas.openxmlformats.org/presentationml/2006/main" type="tx">
   <p:cSld name="End Page">
-    <p:bg>
-      <p:bgPr>
-        <a:solidFill>
-          <a:srgbClr val="DBE3E2"/>
-        </a:solidFill>
-        <a:effectLst/>
-      </p:bgPr>
-    </p:bg>
     <p:spTree>
       <p:nvGrpSpPr>
         <p:cNvPr id="1" name=""/>
@@ -7605,16 +7493,8 @@
 </file>
 
 <file path=ppt/slideLayouts/slideLayout24.xml><?xml version="1.0" encoding="utf-8"?>
-<p:sldLayout xmlns:a="http://schemas.openxmlformats.org/drawingml/2006/main" xmlns:r="http://schemas.openxmlformats.org/officeDocument/2006/relationships" xmlns:p="http://schemas.openxmlformats.org/presentationml/2006/main" showMasterSp="0" type="tx">
+<p:sldLayout xmlns:a="http://schemas.openxmlformats.org/drawingml/2006/main" xmlns:r="http://schemas.openxmlformats.org/officeDocument/2006/relationships" xmlns:p="http://schemas.openxmlformats.org/presentationml/2006/main" type="tx">
   <p:cSld name="End Page">
-    <p:bg>
-      <p:bgPr>
-        <a:solidFill>
-          <a:srgbClr val="313636"/>
-        </a:solidFill>
-        <a:effectLst/>
-      </p:bgPr>
-    </p:bg>
     <p:spTree>
       <p:nvGrpSpPr>
         <p:cNvPr id="1" name=""/>
@@ -7826,16 +7706,8 @@
 </file>
 
 <file path=ppt/slideLayouts/slideLayout3.xml><?xml version="1.0" encoding="utf-8"?>
-<p:sldLayout xmlns:a="http://schemas.openxmlformats.org/drawingml/2006/main" xmlns:r="http://schemas.openxmlformats.org/officeDocument/2006/relationships" xmlns:p="http://schemas.openxmlformats.org/presentationml/2006/main" showMasterSp="0" type="tx">
+<p:sldLayout xmlns:a="http://schemas.openxmlformats.org/drawingml/2006/main" xmlns:r="http://schemas.openxmlformats.org/officeDocument/2006/relationships" xmlns:p="http://schemas.openxmlformats.org/presentationml/2006/main" type="tx">
   <p:cSld name="Level 1">
-    <p:bg>
-      <p:bgPr>
-        <a:solidFill>
-          <a:srgbClr val="DBE3E2"/>
-        </a:solidFill>
-        <a:effectLst/>
-      </p:bgPr>
-    </p:bg>
     <p:spTree>
       <p:nvGrpSpPr>
         <p:cNvPr id="1" name=""/>
@@ -7956,16 +7828,8 @@
 </file>
 
 <file path=ppt/slideLayouts/slideLayout4.xml><?xml version="1.0" encoding="utf-8"?>
-<p:sldLayout xmlns:a="http://schemas.openxmlformats.org/drawingml/2006/main" xmlns:r="http://schemas.openxmlformats.org/officeDocument/2006/relationships" xmlns:p="http://schemas.openxmlformats.org/presentationml/2006/main" showMasterSp="0" type="tx">
+<p:sldLayout xmlns:a="http://schemas.openxmlformats.org/drawingml/2006/main" xmlns:r="http://schemas.openxmlformats.org/officeDocument/2006/relationships" xmlns:p="http://schemas.openxmlformats.org/presentationml/2006/main" type="tx">
   <p:cSld name="Level 1">
-    <p:bg>
-      <p:bgPr>
-        <a:solidFill>
-          <a:srgbClr val="313636"/>
-        </a:solidFill>
-        <a:effectLst/>
-      </p:bgPr>
-    </p:bg>
     <p:spTree>
       <p:nvGrpSpPr>
         <p:cNvPr id="1" name=""/>
@@ -8098,16 +7962,8 @@
 </file>
 
 <file path=ppt/slideLayouts/slideLayout5.xml><?xml version="1.0" encoding="utf-8"?>
-<p:sldLayout xmlns:a="http://schemas.openxmlformats.org/drawingml/2006/main" xmlns:r="http://schemas.openxmlformats.org/officeDocument/2006/relationships" xmlns:p="http://schemas.openxmlformats.org/presentationml/2006/main" showMasterSp="0" type="tx">
+<p:sldLayout xmlns:a="http://schemas.openxmlformats.org/drawingml/2006/main" xmlns:r="http://schemas.openxmlformats.org/officeDocument/2006/relationships" xmlns:p="http://schemas.openxmlformats.org/presentationml/2006/main" type="tx">
   <p:cSld name="Level 2">
-    <p:bg>
-      <p:bgPr>
-        <a:solidFill>
-          <a:srgbClr val="DBE3E2"/>
-        </a:solidFill>
-        <a:effectLst/>
-      </p:bgPr>
-    </p:bg>
     <p:spTree>
       <p:nvGrpSpPr>
         <p:cNvPr id="1" name=""/>
@@ -8236,16 +8092,8 @@
 </file>
 
 <file path=ppt/slideLayouts/slideLayout6.xml><?xml version="1.0" encoding="utf-8"?>
-<p:sldLayout xmlns:a="http://schemas.openxmlformats.org/drawingml/2006/main" xmlns:r="http://schemas.openxmlformats.org/officeDocument/2006/relationships" xmlns:p="http://schemas.openxmlformats.org/presentationml/2006/main" showMasterSp="0" type="tx">
+<p:sldLayout xmlns:a="http://schemas.openxmlformats.org/drawingml/2006/main" xmlns:r="http://schemas.openxmlformats.org/officeDocument/2006/relationships" xmlns:p="http://schemas.openxmlformats.org/presentationml/2006/main" type="tx">
   <p:cSld name="Level 2">
-    <p:bg>
-      <p:bgPr>
-        <a:solidFill>
-          <a:srgbClr val="313636"/>
-        </a:solidFill>
-        <a:effectLst/>
-      </p:bgPr>
-    </p:bg>
     <p:spTree>
       <p:nvGrpSpPr>
         <p:cNvPr id="1" name=""/>
@@ -8378,16 +8226,8 @@
 </file>
 
 <file path=ppt/slideLayouts/slideLayout7.xml><?xml version="1.0" encoding="utf-8"?>
-<p:sldLayout xmlns:a="http://schemas.openxmlformats.org/drawingml/2006/main" xmlns:r="http://schemas.openxmlformats.org/officeDocument/2006/relationships" xmlns:p="http://schemas.openxmlformats.org/presentationml/2006/main" showMasterSp="0" type="tx">
+<p:sldLayout xmlns:a="http://schemas.openxmlformats.org/drawingml/2006/main" xmlns:r="http://schemas.openxmlformats.org/officeDocument/2006/relationships" xmlns:p="http://schemas.openxmlformats.org/presentationml/2006/main" type="tx">
   <p:cSld name="Text">
-    <p:bg>
-      <p:bgPr>
-        <a:solidFill>
-          <a:srgbClr val="DBE3E2"/>
-        </a:solidFill>
-        <a:effectLst/>
-      </p:bgPr>
-    </p:bg>
     <p:spTree>
       <p:nvGrpSpPr>
         <p:cNvPr id="1" name=""/>
@@ -8695,7 +8535,7 @@
           </a:ln>
           <a:extLst>
             <a:ext uri="{C572A759-6A51-4108-AA02-DFA0A04FC94B}">
-              <ma14:wrappingTextBoxFlag xmlns="" xmlns:ma14="http://schemas.microsoft.com/office/mac/drawingml/2011/main" val="1"/>
+              <ma14:wrappingTextBoxFlag xmlns:ma14="http://schemas.microsoft.com/office/mac/drawingml/2011/main" xmlns="" val="1"/>
             </a:ext>
           </a:extLst>
         </p:spPr>
@@ -8792,16 +8632,8 @@
 </file>
 
 <file path=ppt/slideLayouts/slideLayout8.xml><?xml version="1.0" encoding="utf-8"?>
-<p:sldLayout xmlns:a="http://schemas.openxmlformats.org/drawingml/2006/main" xmlns:r="http://schemas.openxmlformats.org/officeDocument/2006/relationships" xmlns:p="http://schemas.openxmlformats.org/presentationml/2006/main" showMasterSp="0" type="tx">
+<p:sldLayout xmlns:a="http://schemas.openxmlformats.org/drawingml/2006/main" xmlns:r="http://schemas.openxmlformats.org/officeDocument/2006/relationships" xmlns:p="http://schemas.openxmlformats.org/presentationml/2006/main" type="tx">
   <p:cSld name="Text">
-    <p:bg>
-      <p:bgPr>
-        <a:solidFill>
-          <a:srgbClr val="313636"/>
-        </a:solidFill>
-        <a:effectLst/>
-      </p:bgPr>
-    </p:bg>
     <p:spTree>
       <p:nvGrpSpPr>
         <p:cNvPr id="1" name=""/>
@@ -9195,16 +9027,8 @@
 </file>
 
 <file path=ppt/slideLayouts/slideLayout9.xml><?xml version="1.0" encoding="utf-8"?>
-<p:sldLayout xmlns:a="http://schemas.openxmlformats.org/drawingml/2006/main" xmlns:r="http://schemas.openxmlformats.org/officeDocument/2006/relationships" xmlns:p="http://schemas.openxmlformats.org/presentationml/2006/main" showMasterSp="0" type="tx">
+<p:sldLayout xmlns:a="http://schemas.openxmlformats.org/drawingml/2006/main" xmlns:r="http://schemas.openxmlformats.org/officeDocument/2006/relationships" xmlns:p="http://schemas.openxmlformats.org/presentationml/2006/main" type="tx">
   <p:cSld name="Blank - Grey">
-    <p:bg>
-      <p:bgPr>
-        <a:solidFill>
-          <a:srgbClr val="313636"/>
-        </a:solidFill>
-        <a:effectLst/>
-      </p:bgPr>
-    </p:bg>
     <p:spTree>
       <p:nvGrpSpPr>
         <p:cNvPr id="1" name=""/>
@@ -9300,9 +9124,15 @@
   <p:cSld>
     <p:bg>
       <p:bgPr>
-        <a:solidFill>
-          <a:srgbClr val="C3C892"/>
-        </a:solidFill>
+        <a:blipFill dpi="0" rotWithShape="1">
+          <a:blip r:embed="rId26">
+            <a:lum/>
+          </a:blip>
+          <a:srcRect/>
+          <a:stretch>
+            <a:fillRect t="-7000" b="-7000"/>
+          </a:stretch>
+        </a:blipFill>
         <a:effectLst/>
       </p:bgPr>
     </p:bg>
@@ -9329,7 +9159,7 @@
           <p:nvPr/>
         </p:nvPicPr>
         <p:blipFill>
-          <a:blip r:embed="rId26">
+          <a:blip r:embed="rId27">
             <a:extLst/>
           </a:blip>
           <a:stretch>
@@ -9404,7 +9234,7 @@
           </a:ln>
           <a:extLst>
             <a:ext uri="{C572A759-6A51-4108-AA02-DFA0A04FC94B}">
-              <ma14:wrappingTextBoxFlag xmlns="" xmlns:ma14="http://schemas.microsoft.com/office/mac/drawingml/2011/main" val="1"/>
+              <ma14:wrappingTextBoxFlag xmlns:ma14="http://schemas.microsoft.com/office/mac/drawingml/2011/main" xmlns="" val="1"/>
             </a:ext>
           </a:extLst>
         </p:spPr>
@@ -9443,7 +9273,7 @@
           </a:ln>
           <a:extLst>
             <a:ext uri="{C572A759-6A51-4108-AA02-DFA0A04FC94B}">
-              <ma14:wrappingTextBoxFlag xmlns="" xmlns:ma14="http://schemas.microsoft.com/office/mac/drawingml/2011/main" val="1"/>
+              <ma14:wrappingTextBoxFlag xmlns:ma14="http://schemas.microsoft.com/office/mac/drawingml/2011/main" xmlns="" val="1"/>
             </a:ext>
           </a:extLst>
         </p:spPr>
@@ -10371,36 +10201,6 @@
           <a:chExt cx="0" cy="0"/>
         </a:xfrm>
       </p:grpSpPr>
-      <p:pic>
-        <p:nvPicPr>
-          <p:cNvPr id="2" name="Billede 1"/>
-          <p:cNvPicPr>
-            <a:picLocks noChangeAspect="1"/>
-          </p:cNvPicPr>
-          <p:nvPr/>
-        </p:nvPicPr>
-        <p:blipFill>
-          <a:blip r:embed="rId2">
-            <a:extLst>
-              <a:ext uri="{28A0092B-C50C-407E-A947-70E740481C1C}">
-                <a14:useLocalDpi xmlns:a14="http://schemas.microsoft.com/office/drawing/2010/main" val="0"/>
-              </a:ext>
-            </a:extLst>
-          </a:blip>
-          <a:stretch>
-            <a:fillRect/>
-          </a:stretch>
-        </p:blipFill>
-        <p:spPr>
-          <a:xfrm>
-            <a:off x="0" y="964160"/>
-            <a:ext cx="7879582" cy="6702898"/>
-          </a:xfrm>
-          <a:prstGeom prst="rect">
-            <a:avLst/>
-          </a:prstGeom>
-        </p:spPr>
-      </p:pic>
       <p:sp>
         <p:nvSpPr>
           <p:cNvPr id="3" name="Tekstfelt 2"/>
@@ -10463,7 +10263,7 @@
                   <a:noFill/>
                 </a:ln>
                 <a:solidFill>
-                  <a:srgbClr val="4E5755"/>
+                  <a:schemeClr val="bg1"/>
                 </a:solidFill>
                 <a:effectLst/>
                 <a:uFillTx/>
@@ -10477,7 +10277,7 @@
                   <a:noFill/>
                 </a:ln>
                 <a:solidFill>
-                  <a:srgbClr val="4E5755"/>
+                  <a:schemeClr val="bg1"/>
                 </a:solidFill>
                 <a:effectLst/>
                 <a:uFillTx/>
@@ -10491,7 +10291,7 @@
                   <a:noFill/>
                 </a:ln>
                 <a:solidFill>
-                  <a:srgbClr val="4E5755"/>
+                  <a:schemeClr val="bg1"/>
                 </a:solidFill>
                 <a:effectLst/>
                 <a:uFillTx/>
@@ -10504,7 +10304,7 @@
                 <a:noFill/>
               </a:ln>
               <a:solidFill>
-                <a:srgbClr val="4E5755"/>
+                <a:schemeClr val="bg1"/>
               </a:solidFill>
               <a:effectLst/>
               <a:uFillTx/>
@@ -10521,7 +10321,7 @@
         </p:nvSpPr>
         <p:spPr>
           <a:xfrm>
-            <a:off x="8318500" y="1564802"/>
+            <a:off x="8318500" y="964160"/>
             <a:ext cx="4686300" cy="2349361"/>
           </a:xfrm>
           <a:prstGeom prst="rect">
@@ -10570,12 +10370,12 @@
               <a:tabLst/>
             </a:pPr>
             <a:r>
-              <a:rPr kumimoji="0" lang="da-DK" sz="3800" b="0" i="0" u="none" strike="noStrike" cap="none" spc="0" normalizeH="0" baseline="0" dirty="0" err="1" smtClean="0">
+              <a:rPr kumimoji="0" lang="en-US" sz="3800" b="0" i="0" u="none" strike="noStrike" cap="none" spc="0" normalizeH="0" baseline="0" dirty="0" smtClean="0">
                 <a:ln>
                   <a:noFill/>
                 </a:ln>
                 <a:solidFill>
-                  <a:srgbClr val="4E5755"/>
+                  <a:schemeClr val="bg1"/>
                 </a:solidFill>
                 <a:effectLst/>
                 <a:uFillTx/>
@@ -10584,92 +10384,7 @@
                 <a:cs typeface="+mn-cs"/>
                 <a:sym typeface="Avenir Book"/>
               </a:rPr>
-              <a:t>Who</a:t>
-            </a:r>
-            <a:r>
-              <a:rPr kumimoji="0" lang="da-DK" sz="3800" b="0" i="0" u="none" strike="noStrike" cap="none" spc="0" normalizeH="0" baseline="0" dirty="0" smtClean="0">
-                <a:ln>
-                  <a:noFill/>
-                </a:ln>
-                <a:solidFill>
-                  <a:srgbClr val="4E5755"/>
-                </a:solidFill>
-                <a:effectLst/>
-                <a:uFillTx/>
-                <a:latin typeface="+mn-lt"/>
-                <a:ea typeface="+mn-ea"/>
-                <a:cs typeface="+mn-cs"/>
-                <a:sym typeface="Avenir Book"/>
-              </a:rPr>
-              <a:t> </a:t>
-            </a:r>
-            <a:r>
-              <a:rPr kumimoji="0" lang="da-DK" sz="3800" b="0" i="0" u="none" strike="noStrike" cap="none" spc="0" normalizeH="0" baseline="0" dirty="0" err="1" smtClean="0">
-                <a:ln>
-                  <a:noFill/>
-                </a:ln>
-                <a:solidFill>
-                  <a:srgbClr val="4E5755"/>
-                </a:solidFill>
-                <a:effectLst/>
-                <a:uFillTx/>
-                <a:latin typeface="+mn-lt"/>
-                <a:ea typeface="+mn-ea"/>
-                <a:cs typeface="+mn-cs"/>
-                <a:sym typeface="Avenir Book"/>
-              </a:rPr>
-              <a:t>we</a:t>
-            </a:r>
-            <a:r>
-              <a:rPr kumimoji="0" lang="da-DK" sz="3800" b="0" i="0" u="none" strike="noStrike" cap="none" spc="0" normalizeH="0" baseline="0" dirty="0" smtClean="0">
-                <a:ln>
-                  <a:noFill/>
-                </a:ln>
-                <a:solidFill>
-                  <a:srgbClr val="4E5755"/>
-                </a:solidFill>
-                <a:effectLst/>
-                <a:uFillTx/>
-                <a:latin typeface="+mn-lt"/>
-                <a:ea typeface="+mn-ea"/>
-                <a:cs typeface="+mn-cs"/>
-                <a:sym typeface="Avenir Book"/>
-              </a:rPr>
-              <a:t> </a:t>
-            </a:r>
-            <a:r>
-              <a:rPr kumimoji="0" lang="da-DK" sz="3800" b="0" i="0" u="none" strike="noStrike" cap="none" spc="0" normalizeH="0" baseline="0" dirty="0" err="1" smtClean="0">
-                <a:ln>
-                  <a:noFill/>
-                </a:ln>
-                <a:solidFill>
-                  <a:srgbClr val="4E5755"/>
-                </a:solidFill>
-                <a:effectLst/>
-                <a:uFillTx/>
-                <a:latin typeface="+mn-lt"/>
-                <a:ea typeface="+mn-ea"/>
-                <a:cs typeface="+mn-cs"/>
-                <a:sym typeface="Avenir Book"/>
-              </a:rPr>
-              <a:t>are</a:t>
-            </a:r>
-            <a:r>
-              <a:rPr kumimoji="0" lang="da-DK" sz="3800" b="0" i="0" u="none" strike="noStrike" cap="none" spc="0" normalizeH="0" baseline="0" dirty="0" smtClean="0">
-                <a:ln>
-                  <a:noFill/>
-                </a:ln>
-                <a:solidFill>
-                  <a:srgbClr val="4E5755"/>
-                </a:solidFill>
-                <a:effectLst/>
-                <a:uFillTx/>
-                <a:latin typeface="+mn-lt"/>
-                <a:ea typeface="+mn-ea"/>
-                <a:cs typeface="+mn-cs"/>
-                <a:sym typeface="Avenir Book"/>
-              </a:rPr>
-              <a:t>:</a:t>
+              <a:t>Who we are:</a:t>
             </a:r>
           </a:p>
           <a:p>
@@ -10690,7 +10405,114 @@
               <a:tabLst/>
             </a:pPr>
             <a:r>
-              <a:rPr kumimoji="0" lang="da-DK" sz="3600" b="0" i="0" u="none" strike="noStrike" cap="none" spc="0" normalizeH="0" baseline="0" dirty="0" err="1" smtClean="0">
+              <a:rPr kumimoji="0" lang="en-US" sz="3600" b="0" i="0" u="none" strike="noStrike" cap="none" spc="0" normalizeH="0" baseline="0" dirty="0" smtClean="0">
+                <a:ln>
+                  <a:noFill/>
+                </a:ln>
+                <a:solidFill>
+                  <a:schemeClr val="bg1"/>
+                </a:solidFill>
+                <a:effectLst/>
+                <a:uFillTx/>
+                <a:latin typeface="+mn-lt"/>
+                <a:ea typeface="+mn-ea"/>
+                <a:cs typeface="+mn-cs"/>
+                <a:sym typeface="Avenir Book"/>
+              </a:rPr>
+              <a:t>We take</a:t>
+            </a:r>
+            <a:r>
+              <a:rPr kumimoji="0" lang="en-US" sz="3600" b="0" i="0" u="none" strike="noStrike" cap="none" spc="0" normalizeH="0" dirty="0" smtClean="0">
+                <a:ln>
+                  <a:noFill/>
+                </a:ln>
+                <a:solidFill>
+                  <a:schemeClr val="bg1"/>
+                </a:solidFill>
+                <a:effectLst/>
+                <a:uFillTx/>
+                <a:latin typeface="+mn-lt"/>
+                <a:ea typeface="+mn-ea"/>
+                <a:cs typeface="+mn-cs"/>
+                <a:sym typeface="Avenir Book"/>
+              </a:rPr>
+              <a:t> care of your needs – No problem is too big.</a:t>
+            </a:r>
+            <a:endParaRPr kumimoji="0" lang="en-US" sz="3600" b="0" i="0" u="none" strike="noStrike" cap="none" spc="0" normalizeH="0" baseline="0" dirty="0">
+              <a:ln>
+                <a:noFill/>
+              </a:ln>
+              <a:solidFill>
+                <a:schemeClr val="bg1"/>
+              </a:solidFill>
+              <a:effectLst/>
+              <a:uFillTx/>
+              <a:latin typeface="+mn-lt"/>
+              <a:ea typeface="+mn-ea"/>
+              <a:cs typeface="+mn-cs"/>
+              <a:sym typeface="Avenir Book"/>
+            </a:endParaRPr>
+          </a:p>
+        </p:txBody>
+      </p:sp>
+      <p:sp>
+        <p:nvSpPr>
+          <p:cNvPr id="5" name="Tekstfelt 4"/>
+          <p:cNvSpPr txBox="1"/>
+          <p:nvPr/>
+        </p:nvSpPr>
+        <p:spPr>
+          <a:xfrm>
+            <a:off x="247650" y="553791"/>
+            <a:ext cx="3219450" cy="410369"/>
+          </a:xfrm>
+          <a:prstGeom prst="rect">
+            <a:avLst/>
+          </a:prstGeom>
+          <a:noFill/>
+          <a:ln w="12700" cap="flat">
+            <a:noFill/>
+            <a:miter lim="400000"/>
+          </a:ln>
+          <a:effectLst/>
+          <a:sp3d/>
+        </p:spPr>
+        <p:style>
+          <a:lnRef idx="0">
+            <a:scrgbClr r="0" g="0" b="0"/>
+          </a:lnRef>
+          <a:fillRef idx="0">
+            <a:scrgbClr r="0" g="0" b="0"/>
+          </a:fillRef>
+          <a:effectRef idx="0">
+            <a:scrgbClr r="0" g="0" b="0"/>
+          </a:effectRef>
+          <a:fontRef idx="none"/>
+        </p:style>
+        <p:txBody>
+          <a:bodyPr rot="0" spcFirstLastPara="1" vertOverflow="overflow" horzOverflow="overflow" vert="horz" wrap="square" lIns="50800" tIns="50800" rIns="50800" bIns="50800" numCol="1" spcCol="38100" rtlCol="0" anchor="ctr">
+            <a:spAutoFit/>
+          </a:bodyPr>
+          <a:lstStyle/>
+          <a:p>
+            <a:pPr marL="0" marR="0" indent="0" algn="l" defTabSz="584200" rtl="0" fontAlgn="auto" latinLnBrk="0" hangingPunct="0">
+              <a:lnSpc>
+                <a:spcPct val="100000"/>
+              </a:lnSpc>
+              <a:spcBef>
+                <a:spcPts val="0"/>
+              </a:spcBef>
+              <a:spcAft>
+                <a:spcPts val="0"/>
+              </a:spcAft>
+              <a:buClrTx/>
+              <a:buSzTx/>
+              <a:buFontTx/>
+              <a:buNone/>
+              <a:tabLst/>
+            </a:pPr>
+            <a:r>
+              <a:rPr kumimoji="0" lang="da-DK" sz="2000" b="0" i="0" u="none" strike="noStrike" cap="none" spc="0" normalizeH="0" baseline="0" dirty="0" smtClean="0">
                 <a:ln>
                   <a:noFill/>
                 </a:ln>
@@ -10704,10 +10526,10 @@
                 <a:cs typeface="+mn-cs"/>
                 <a:sym typeface="Avenir Book"/>
               </a:rPr>
-              <a:t>We</a:t>
+              <a:t>Emanuel</a:t>
             </a:r>
             <a:r>
-              <a:rPr kumimoji="0" lang="da-DK" sz="3600" b="0" i="0" u="none" strike="noStrike" cap="none" spc="0" normalizeH="0" baseline="0" dirty="0" smtClean="0">
+              <a:rPr kumimoji="0" lang="da-DK" sz="2000" b="0" i="0" u="none" strike="noStrike" cap="none" spc="0" normalizeH="0" dirty="0" smtClean="0">
                 <a:ln>
                   <a:noFill/>
                 </a:ln>
@@ -10721,179 +10543,9 @@
                 <a:cs typeface="+mn-cs"/>
                 <a:sym typeface="Avenir Book"/>
               </a:rPr>
-              <a:t> </a:t>
+              <a:t> &amp; Peter</a:t>
             </a:r>
-            <a:r>
-              <a:rPr kumimoji="0" lang="da-DK" sz="3600" b="0" i="0" u="none" strike="noStrike" cap="none" spc="0" normalizeH="0" baseline="0" dirty="0" err="1" smtClean="0">
-                <a:ln>
-                  <a:noFill/>
-                </a:ln>
-                <a:solidFill>
-                  <a:srgbClr val="4E5755"/>
-                </a:solidFill>
-                <a:effectLst/>
-                <a:uFillTx/>
-                <a:latin typeface="+mn-lt"/>
-                <a:ea typeface="+mn-ea"/>
-                <a:cs typeface="+mn-cs"/>
-                <a:sym typeface="Avenir Book"/>
-              </a:rPr>
-              <a:t>take</a:t>
-            </a:r>
-            <a:r>
-              <a:rPr kumimoji="0" lang="da-DK" sz="3600" b="0" i="0" u="none" strike="noStrike" cap="none" spc="0" normalizeH="0" dirty="0" smtClean="0">
-                <a:ln>
-                  <a:noFill/>
-                </a:ln>
-                <a:solidFill>
-                  <a:srgbClr val="4E5755"/>
-                </a:solidFill>
-                <a:effectLst/>
-                <a:uFillTx/>
-                <a:latin typeface="+mn-lt"/>
-                <a:ea typeface="+mn-ea"/>
-                <a:cs typeface="+mn-cs"/>
-                <a:sym typeface="Avenir Book"/>
-              </a:rPr>
-              <a:t> </a:t>
-            </a:r>
-            <a:r>
-              <a:rPr kumimoji="0" lang="da-DK" sz="3600" b="0" i="0" u="none" strike="noStrike" cap="none" spc="0" normalizeH="0" dirty="0" err="1" smtClean="0">
-                <a:ln>
-                  <a:noFill/>
-                </a:ln>
-                <a:solidFill>
-                  <a:srgbClr val="4E5755"/>
-                </a:solidFill>
-                <a:effectLst/>
-                <a:uFillTx/>
-                <a:latin typeface="+mn-lt"/>
-                <a:ea typeface="+mn-ea"/>
-                <a:cs typeface="+mn-cs"/>
-                <a:sym typeface="Avenir Book"/>
-              </a:rPr>
-              <a:t>care</a:t>
-            </a:r>
-            <a:r>
-              <a:rPr kumimoji="0" lang="da-DK" sz="3600" b="0" i="0" u="none" strike="noStrike" cap="none" spc="0" normalizeH="0" dirty="0" smtClean="0">
-                <a:ln>
-                  <a:noFill/>
-                </a:ln>
-                <a:solidFill>
-                  <a:srgbClr val="4E5755"/>
-                </a:solidFill>
-                <a:effectLst/>
-                <a:uFillTx/>
-                <a:latin typeface="+mn-lt"/>
-                <a:ea typeface="+mn-ea"/>
-                <a:cs typeface="+mn-cs"/>
-                <a:sym typeface="Avenir Book"/>
-              </a:rPr>
-              <a:t> of </a:t>
-            </a:r>
-            <a:r>
-              <a:rPr kumimoji="0" lang="da-DK" sz="3600" b="0" i="0" u="none" strike="noStrike" cap="none" spc="0" normalizeH="0" dirty="0" err="1" smtClean="0">
-                <a:ln>
-                  <a:noFill/>
-                </a:ln>
-                <a:solidFill>
-                  <a:srgbClr val="4E5755"/>
-                </a:solidFill>
-                <a:effectLst/>
-                <a:uFillTx/>
-                <a:latin typeface="+mn-lt"/>
-                <a:ea typeface="+mn-ea"/>
-                <a:cs typeface="+mn-cs"/>
-                <a:sym typeface="Avenir Book"/>
-              </a:rPr>
-              <a:t>your</a:t>
-            </a:r>
-            <a:r>
-              <a:rPr kumimoji="0" lang="da-DK" sz="3600" b="0" i="0" u="none" strike="noStrike" cap="none" spc="0" normalizeH="0" dirty="0" smtClean="0">
-                <a:ln>
-                  <a:noFill/>
-                </a:ln>
-                <a:solidFill>
-                  <a:srgbClr val="4E5755"/>
-                </a:solidFill>
-                <a:effectLst/>
-                <a:uFillTx/>
-                <a:latin typeface="+mn-lt"/>
-                <a:ea typeface="+mn-ea"/>
-                <a:cs typeface="+mn-cs"/>
-                <a:sym typeface="Avenir Book"/>
-              </a:rPr>
-              <a:t> </a:t>
-            </a:r>
-            <a:r>
-              <a:rPr kumimoji="0" lang="da-DK" sz="3600" b="0" i="0" u="none" strike="noStrike" cap="none" spc="0" normalizeH="0" dirty="0" err="1" smtClean="0">
-                <a:ln>
-                  <a:noFill/>
-                </a:ln>
-                <a:solidFill>
-                  <a:srgbClr val="4E5755"/>
-                </a:solidFill>
-                <a:effectLst/>
-                <a:uFillTx/>
-                <a:latin typeface="+mn-lt"/>
-                <a:ea typeface="+mn-ea"/>
-                <a:cs typeface="+mn-cs"/>
-                <a:sym typeface="Avenir Book"/>
-              </a:rPr>
-              <a:t>needs</a:t>
-            </a:r>
-            <a:r>
-              <a:rPr kumimoji="0" lang="da-DK" sz="3600" b="0" i="0" u="none" strike="noStrike" cap="none" spc="0" normalizeH="0" dirty="0" smtClean="0">
-                <a:ln>
-                  <a:noFill/>
-                </a:ln>
-                <a:solidFill>
-                  <a:srgbClr val="4E5755"/>
-                </a:solidFill>
-                <a:effectLst/>
-                <a:uFillTx/>
-                <a:latin typeface="+mn-lt"/>
-                <a:ea typeface="+mn-ea"/>
-                <a:cs typeface="+mn-cs"/>
-                <a:sym typeface="Avenir Book"/>
-              </a:rPr>
-              <a:t> – No problem is </a:t>
-            </a:r>
-            <a:r>
-              <a:rPr kumimoji="0" lang="da-DK" sz="3600" b="0" i="0" u="none" strike="noStrike" cap="none" spc="0" normalizeH="0" dirty="0" err="1" smtClean="0">
-                <a:ln>
-                  <a:noFill/>
-                </a:ln>
-                <a:solidFill>
-                  <a:srgbClr val="4E5755"/>
-                </a:solidFill>
-                <a:effectLst/>
-                <a:uFillTx/>
-                <a:latin typeface="+mn-lt"/>
-                <a:ea typeface="+mn-ea"/>
-                <a:cs typeface="+mn-cs"/>
-                <a:sym typeface="Avenir Book"/>
-              </a:rPr>
-              <a:t>too</a:t>
-            </a:r>
-            <a:r>
-              <a:rPr kumimoji="0" lang="da-DK" sz="3600" b="0" i="0" u="none" strike="noStrike" cap="none" spc="0" normalizeH="0" dirty="0" smtClean="0">
-                <a:ln>
-                  <a:noFill/>
-                </a:ln>
-                <a:solidFill>
-                  <a:srgbClr val="4E5755"/>
-                </a:solidFill>
-                <a:effectLst/>
-                <a:uFillTx/>
-                <a:latin typeface="+mn-lt"/>
-                <a:ea typeface="+mn-ea"/>
-                <a:cs typeface="+mn-cs"/>
-                <a:sym typeface="Avenir Book"/>
-              </a:rPr>
-              <a:t> big.</a:t>
-            </a:r>
-            <a:endParaRPr kumimoji="0" lang="da-DK" sz="3600" b="0" i="0" u="none" strike="noStrike" cap="none" spc="0" normalizeH="0" baseline="0" dirty="0">
+            <a:endParaRPr kumimoji="0" lang="da-DK" sz="2000" b="0" i="0" u="none" strike="noStrike" cap="none" spc="0" normalizeH="0" baseline="0" dirty="0">
               <a:ln>
                 <a:noFill/>
               </a:ln>
@@ -10922,6 +10574,18 @@
 <file path=ppt/slides/slide2.xml><?xml version="1.0" encoding="utf-8"?>
 <p:sld xmlns:a="http://schemas.openxmlformats.org/drawingml/2006/main" xmlns:r="http://schemas.openxmlformats.org/officeDocument/2006/relationships" xmlns:p="http://schemas.openxmlformats.org/presentationml/2006/main">
   <p:cSld>
+    <p:bg>
+      <p:bgPr>
+        <a:blipFill dpi="0" rotWithShape="1">
+          <a:blip r:embed="rId2"/>
+          <a:srcRect/>
+          <a:stretch>
+            <a:fillRect t="-7000" b="-7000"/>
+          </a:stretch>
+        </a:blipFill>
+        <a:effectLst/>
+      </p:bgPr>
+    </p:bg>
     <p:spTree>
       <p:nvGrpSpPr>
         <p:cNvPr id="1" name=""/>
@@ -10944,8 +10608,8 @@
         </p:nvSpPr>
         <p:spPr>
           <a:xfrm>
-            <a:off x="2991522" y="1737965"/>
-            <a:ext cx="7056419" cy="3026470"/>
+            <a:off x="2697181" y="1072078"/>
+            <a:ext cx="7056419" cy="1272143"/>
           </a:xfrm>
           <a:prstGeom prst="rect">
             <a:avLst/>
@@ -10955,7 +10619,7 @@
           </a:ln>
           <a:extLst>
             <a:ext uri="{C572A759-6A51-4108-AA02-DFA0A04FC94B}">
-              <ma14:wrappingTextBoxFlag xmlns="" xmlns:ma14="http://schemas.microsoft.com/office/mac/drawingml/2011/main" val="1"/>
+              <ma14:wrappingTextBoxFlag xmlns:ma14="http://schemas.microsoft.com/office/mac/drawingml/2011/main" xmlns="" val="1"/>
             </a:ext>
           </a:extLst>
         </p:spPr>
@@ -10966,35 +10630,72 @@
           <a:lstStyle/>
           <a:p>
             <a:r>
-              <a:rPr i="1" dirty="0"/>
+              <a:rPr i="1" dirty="0">
+                <a:solidFill>
+                  <a:schemeClr val="bg1"/>
+                </a:solidFill>
+              </a:rPr>
               <a:t>What our client wanted us to </a:t>
             </a:r>
             <a:r>
-              <a:rPr i="1" dirty="0" smtClean="0"/>
+              <a:rPr i="1" dirty="0" smtClean="0">
+                <a:solidFill>
+                  <a:schemeClr val="bg1"/>
+                </a:solidFill>
+              </a:rPr>
               <a:t>do</a:t>
             </a:r>
             <a:r>
-              <a:rPr lang="da-DK" i="1" dirty="0" smtClean="0"/>
+              <a:rPr lang="da-DK" i="1" dirty="0" smtClean="0">
+                <a:solidFill>
+                  <a:schemeClr val="bg1"/>
+                </a:solidFill>
+              </a:rPr>
               <a:t>:</a:t>
             </a:r>
           </a:p>
           <a:p>
-            <a:endParaRPr lang="da-DK" dirty="0"/>
-          </a:p>
+            <a:endParaRPr lang="da-DK" dirty="0">
+              <a:solidFill>
+                <a:schemeClr val="bg1"/>
+              </a:solidFill>
+            </a:endParaRPr>
+          </a:p>
+        </p:txBody>
+      </p:sp>
+      <p:sp>
+        <p:nvSpPr>
+          <p:cNvPr id="2" name="Rektangel 1"/>
+          <p:cNvSpPr/>
+          <p:nvPr/>
+        </p:nvSpPr>
+        <p:spPr>
+          <a:xfrm>
+            <a:off x="7975600" y="2022783"/>
+            <a:ext cx="4768850" cy="3016210"/>
+          </a:xfrm>
+          <a:prstGeom prst="rect">
+            <a:avLst/>
+          </a:prstGeom>
+        </p:spPr>
+        <p:txBody>
+          <a:bodyPr wrap="square">
+            <a:spAutoFit/>
+          </a:bodyPr>
+          <a:lstStyle/>
           <a:p>
             <a:pPr marL="571500" indent="-571500">
               <a:buFont typeface="Arial" panose="020B0604020202020204" pitchFamily="34" charset="0"/>
               <a:buChar char="•"/>
             </a:pPr>
             <a:r>
-              <a:rPr lang="da-DK" dirty="0" smtClean="0"/>
-              <a:t>Make the site </a:t>
+              <a:rPr lang="en-US" dirty="0">
+                <a:solidFill>
+                  <a:schemeClr val="bg1"/>
+                </a:solidFill>
+              </a:rPr>
+              <a:t>Make the site responsive</a:t>
             </a:r>
-            <a:r>
-              <a:rPr lang="da-DK" dirty="0" err="1" smtClean="0"/>
-              <a:t>responsive</a:t>
-            </a:r>
-            <a:endParaRPr lang="da-DK" dirty="0" smtClean="0"/>
           </a:p>
           <a:p>
             <a:pPr marL="571500" indent="-571500">
@@ -11002,7 +10703,11 @@
               <a:buChar char="•"/>
             </a:pPr>
             <a:r>
-              <a:rPr lang="da-DK" dirty="0" smtClean="0"/>
+              <a:rPr lang="en-US" dirty="0">
+                <a:solidFill>
+                  <a:schemeClr val="bg1"/>
+                </a:solidFill>
+              </a:rPr>
               <a:t>One page</a:t>
             </a:r>
           </a:p>
@@ -11012,18 +10717,18 @@
               <a:buChar char="•"/>
             </a:pPr>
             <a:r>
-              <a:rPr lang="da-DK" dirty="0" smtClean="0"/>
-              <a:t>Menu on site </a:t>
+              <a:rPr lang="en-US" dirty="0">
+                <a:solidFill>
+                  <a:schemeClr val="bg1"/>
+                </a:solidFill>
+              </a:rPr>
+              <a:t>Menu on site instead of pdf</a:t>
             </a:r>
-            <a:r>
-              <a:rPr lang="da-DK" dirty="0" err="1" smtClean="0"/>
-              <a:t>instead</a:t>
-            </a:r>
-            <a:r>
-              <a:rPr lang="da-DK" dirty="0" smtClean="0"/>
-              <a:t> of pdf</a:t>
-            </a:r>
-            <a:endParaRPr dirty="0"/>
+            <a:endParaRPr lang="en-US" dirty="0">
+              <a:solidFill>
+                <a:schemeClr val="bg1"/>
+              </a:solidFill>
+            </a:endParaRPr>
           </a:p>
         </p:txBody>
       </p:sp>
@@ -11039,6 +10744,18 @@
 <file path=ppt/slides/slide3.xml><?xml version="1.0" encoding="utf-8"?>
 <p:sld xmlns:a="http://schemas.openxmlformats.org/drawingml/2006/main" xmlns:r="http://schemas.openxmlformats.org/officeDocument/2006/relationships" xmlns:p="http://schemas.openxmlformats.org/presentationml/2006/main">
   <p:cSld>
+    <p:bg>
+      <p:bgPr>
+        <a:blipFill dpi="0" rotWithShape="1">
+          <a:blip r:embed="rId2"/>
+          <a:srcRect/>
+          <a:stretch>
+            <a:fillRect t="-7000" b="-7000"/>
+          </a:stretch>
+        </a:blipFill>
+        <a:effectLst/>
+      </p:bgPr>
+    </p:bg>
     <p:spTree>
       <p:nvGrpSpPr>
         <p:cNvPr id="1" name=""/>
@@ -11061,8 +10778,8 @@
         </p:nvSpPr>
         <p:spPr>
           <a:xfrm>
-            <a:off x="5034597" y="1301749"/>
-            <a:ext cx="2973706" cy="1422401"/>
+            <a:off x="5168143" y="633928"/>
+            <a:ext cx="2782813" cy="1272143"/>
           </a:xfrm>
           <a:prstGeom prst="rect">
             <a:avLst/>
@@ -11072,7 +10789,7 @@
           </a:ln>
           <a:extLst>
             <a:ext uri="{C572A759-6A51-4108-AA02-DFA0A04FC94B}">
-              <ma14:wrappingTextBoxFlag xmlns="" xmlns:ma14="http://schemas.microsoft.com/office/mac/drawingml/2011/main" val="1"/>
+              <ma14:wrappingTextBoxFlag xmlns:ma14="http://schemas.microsoft.com/office/mac/drawingml/2011/main" xmlns="" val="1"/>
             </a:ext>
           </a:extLst>
         </p:spPr>
@@ -11084,14 +10801,22 @@
           <a:p>
             <a:pPr algn="ctr"/>
             <a:r>
-              <a:rPr dirty="0"/>
+              <a:rPr dirty="0">
+                <a:solidFill>
+                  <a:srgbClr val="FFFFFF"/>
+                </a:solidFill>
+              </a:rPr>
               <a:t>What we did</a:t>
             </a:r>
           </a:p>
           <a:p>
             <a:pPr algn="ctr"/>
             <a:r>
-              <a:rPr dirty="0"/>
+              <a:rPr dirty="0">
+                <a:solidFill>
+                  <a:srgbClr val="FFFFFF"/>
+                </a:solidFill>
+              </a:rPr>
               <a:t>and how</a:t>
             </a:r>
           </a:p>
@@ -11105,7 +10830,7 @@
         </p:nvSpPr>
         <p:spPr>
           <a:xfrm>
-            <a:off x="1619250" y="3229354"/>
+            <a:off x="1733550" y="2295904"/>
             <a:ext cx="10896600" cy="4780796"/>
           </a:xfrm>
           <a:prstGeom prst="rect">
@@ -11136,28 +10861,6 @@
             <a:spAutoFit/>
           </a:bodyPr>
           <a:lstStyle/>
-          <a:p>
-            <a:pPr marL="571500" marR="0" indent="-571500" algn="l" defTabSz="584200" rtl="0" fontAlgn="auto" latinLnBrk="0" hangingPunct="0">
-              <a:lnSpc>
-                <a:spcPct val="100000"/>
-              </a:lnSpc>
-              <a:spcBef>
-                <a:spcPts val="0"/>
-              </a:spcBef>
-              <a:spcAft>
-                <a:spcPts val="0"/>
-              </a:spcAft>
-              <a:buClrTx/>
-              <a:buSzTx/>
-              <a:buFont typeface="Arial" panose="020B0604020202020204" pitchFamily="34" charset="0"/>
-              <a:buChar char="•"/>
-              <a:tabLst/>
-            </a:pPr>
-            <a:r>
-              <a:rPr lang="en-US" dirty="0" smtClean="0"/>
-              <a:t>Started by viewing our objectives</a:t>
-            </a:r>
-          </a:p>
           <a:p>
             <a:pPr marL="571500" marR="0" indent="-571500" algn="l" defTabSz="584200" rtl="0" fontAlgn="auto" latinLnBrk="0" hangingPunct="0">
               <a:lnSpc>
@@ -11177,21 +10880,11 @@
             </a:pPr>
             <a:r>
               <a:rPr lang="en-US" dirty="0" smtClean="0">
-                <a:sym typeface="Wingdings" panose="05000000000000000000" pitchFamily="2" charset="2"/>
+                <a:solidFill>
+                  <a:srgbClr val="FFFFFF"/>
+                </a:solidFill>
               </a:rPr>
-              <a:t></a:t>
-            </a:r>
-            <a:r>
-              <a:rPr lang="en-US" dirty="0" smtClean="0"/>
-              <a:t> Setting up a template for the site (&lt;header&gt;,&lt;</a:t>
-            </a:r>
-            <a:r>
-              <a:rPr lang="en-US" dirty="0" err="1" smtClean="0"/>
-              <a:t>nav</a:t>
-            </a:r>
-            <a:r>
-              <a:rPr lang="en-US" dirty="0" smtClean="0"/>
-              <a:t>&gt;,&lt;section&gt;, etc.)</a:t>
+              <a:t>Started by viewing our objectives</a:t>
             </a:r>
           </a:p>
           <a:p>
@@ -11213,9 +10906,36 @@
             </a:pPr>
             <a:r>
               <a:rPr lang="en-US" dirty="0" smtClean="0">
+                <a:solidFill>
+                  <a:srgbClr val="FFFFFF"/>
+                </a:solidFill>
                 <a:sym typeface="Wingdings" panose="05000000000000000000" pitchFamily="2" charset="2"/>
               </a:rPr>
-              <a:t> Filling in content</a:t>
+              <a:t></a:t>
+            </a:r>
+            <a:r>
+              <a:rPr lang="en-US" dirty="0" smtClean="0">
+                <a:solidFill>
+                  <a:srgbClr val="FFFFFF"/>
+                </a:solidFill>
+              </a:rPr>
+              <a:t> Setting up a template for the site (&lt;header&gt;,&lt;</a:t>
+            </a:r>
+            <a:r>
+              <a:rPr lang="en-US" dirty="0" err="1" smtClean="0">
+                <a:solidFill>
+                  <a:srgbClr val="FFFFFF"/>
+                </a:solidFill>
+              </a:rPr>
+              <a:t>nav</a:t>
+            </a:r>
+            <a:r>
+              <a:rPr lang="en-US" dirty="0" smtClean="0">
+                <a:solidFill>
+                  <a:srgbClr val="FFFFFF"/>
+                </a:solidFill>
+              </a:rPr>
+              <a:t>&gt;,&lt;section&gt;, etc.)</a:t>
             </a:r>
           </a:p>
           <a:p>
@@ -11237,9 +10957,12 @@
             </a:pPr>
             <a:r>
               <a:rPr lang="en-US" dirty="0" smtClean="0">
+                <a:solidFill>
+                  <a:srgbClr val="FFFFFF"/>
+                </a:solidFill>
                 <a:sym typeface="Wingdings" panose="05000000000000000000" pitchFamily="2" charset="2"/>
               </a:rPr>
-              <a:t> Styling content</a:t>
+              <a:t> Filling in content</a:t>
             </a:r>
           </a:p>
           <a:p>
@@ -11261,9 +10984,12 @@
             </a:pPr>
             <a:r>
               <a:rPr lang="en-US" dirty="0" smtClean="0">
+                <a:solidFill>
+                  <a:srgbClr val="FFFFFF"/>
+                </a:solidFill>
                 <a:sym typeface="Wingdings" panose="05000000000000000000" pitchFamily="2" charset="2"/>
               </a:rPr>
-              <a:t>Used GitHub throughout the process for easy collaboration</a:t>
+              <a:t> Styling content</a:t>
             </a:r>
           </a:p>
           <a:p>
@@ -11283,7 +11009,38 @@
               <a:buChar char="•"/>
               <a:tabLst/>
             </a:pPr>
-            <a:endParaRPr lang="en-US" dirty="0" smtClean="0"/>
+            <a:r>
+              <a:rPr lang="en-US" dirty="0" smtClean="0">
+                <a:solidFill>
+                  <a:srgbClr val="FFFFFF"/>
+                </a:solidFill>
+                <a:sym typeface="Wingdings" panose="05000000000000000000" pitchFamily="2" charset="2"/>
+              </a:rPr>
+              <a:t>Used GitHub throughout the process for easy collaboration</a:t>
+            </a:r>
+          </a:p>
+          <a:p>
+            <a:pPr marL="571500" marR="0" indent="-571500" algn="l" defTabSz="584200" rtl="0" fontAlgn="auto" latinLnBrk="0" hangingPunct="0">
+              <a:lnSpc>
+                <a:spcPct val="100000"/>
+              </a:lnSpc>
+              <a:spcBef>
+                <a:spcPts val="0"/>
+              </a:spcBef>
+              <a:spcAft>
+                <a:spcPts val="0"/>
+              </a:spcAft>
+              <a:buClrTx/>
+              <a:buSzTx/>
+              <a:buFont typeface="Arial" panose="020B0604020202020204" pitchFamily="34" charset="0"/>
+              <a:buChar char="•"/>
+              <a:tabLst/>
+            </a:pPr>
+            <a:endParaRPr lang="en-US" dirty="0" smtClean="0">
+              <a:solidFill>
+                <a:srgbClr val="FFFFFF"/>
+              </a:solidFill>
+            </a:endParaRPr>
           </a:p>
         </p:txBody>
       </p:sp>
@@ -11299,6 +11056,18 @@
 <file path=ppt/slides/slide4.xml><?xml version="1.0" encoding="utf-8"?>
 <p:sld xmlns:a="http://schemas.openxmlformats.org/drawingml/2006/main" xmlns:r="http://schemas.openxmlformats.org/officeDocument/2006/relationships" xmlns:p="http://schemas.openxmlformats.org/presentationml/2006/main">
   <p:cSld>
+    <p:bg>
+      <p:bgPr>
+        <a:blipFill dpi="0" rotWithShape="1">
+          <a:blip r:embed="rId2"/>
+          <a:srcRect/>
+          <a:stretch>
+            <a:fillRect t="-7000" b="-7000"/>
+          </a:stretch>
+        </a:blipFill>
+        <a:effectLst/>
+      </p:bgPr>
+    </p:bg>
     <p:spTree>
       <p:nvGrpSpPr>
         <p:cNvPr id="1" name=""/>
@@ -11332,7 +11101,7 @@
           </a:ln>
           <a:extLst>
             <a:ext uri="{C572A759-6A51-4108-AA02-DFA0A04FC94B}">
-              <ma14:wrappingTextBoxFlag xmlns="" xmlns:ma14="http://schemas.microsoft.com/office/mac/drawingml/2011/main" val="1"/>
+              <ma14:wrappingTextBoxFlag xmlns:ma14="http://schemas.microsoft.com/office/mac/drawingml/2011/main" xmlns="" val="1"/>
             </a:ext>
           </a:extLst>
         </p:spPr>
@@ -11351,10 +11120,18 @@
               </a:defRPr>
             </a:pPr>
             <a:r>
-              <a:rPr dirty="0" smtClean="0"/>
+              <a:rPr dirty="0" smtClean="0">
+                <a:solidFill>
+                  <a:srgbClr val="FFFFFF"/>
+                </a:solidFill>
+              </a:rPr>
               <a:t>Demo</a:t>
             </a:r>
-            <a:endParaRPr dirty="0"/>
+            <a:endParaRPr dirty="0">
+              <a:solidFill>
+                <a:srgbClr val="FFFFFF"/>
+              </a:solidFill>
+            </a:endParaRPr>
           </a:p>
         </p:txBody>
       </p:sp>
@@ -11399,22 +11176,42 @@
           <a:lstStyle/>
           <a:p>
             <a:r>
-              <a:rPr lang="da-DK" dirty="0"/>
+              <a:rPr lang="da-DK" dirty="0">
+                <a:solidFill>
+                  <a:srgbClr val="FFFFFF"/>
+                </a:solidFill>
+              </a:rPr>
               <a:t>How it </a:t>
             </a:r>
             <a:r>
-              <a:rPr lang="da-DK" dirty="0" err="1"/>
+              <a:rPr lang="da-DK" dirty="0" err="1">
+                <a:solidFill>
+                  <a:srgbClr val="FFFFFF"/>
+                </a:solidFill>
+              </a:rPr>
               <a:t>was</a:t>
             </a:r>
             <a:r>
-              <a:rPr lang="da-DK" dirty="0"/>
+              <a:rPr lang="da-DK" dirty="0">
+                <a:solidFill>
+                  <a:srgbClr val="FFFFFF"/>
+                </a:solidFill>
+              </a:rPr>
               <a:t> </a:t>
             </a:r>
             <a:r>
-              <a:rPr lang="da-DK" dirty="0" err="1"/>
+              <a:rPr lang="da-DK" dirty="0" err="1">
+                <a:solidFill>
+                  <a:srgbClr val="FFFFFF"/>
+                </a:solidFill>
+              </a:rPr>
               <a:t>before</a:t>
             </a:r>
-            <a:endParaRPr lang="da-DK" dirty="0"/>
+            <a:endParaRPr lang="da-DK" dirty="0">
+              <a:solidFill>
+                <a:srgbClr val="FFFFFF"/>
+              </a:solidFill>
+            </a:endParaRPr>
           </a:p>
           <a:p>
             <a:pPr marL="0" marR="0" indent="0" algn="l" defTabSz="584200" rtl="0" fontAlgn="auto" latinLnBrk="0" hangingPunct="0">
@@ -11491,14 +11288,26 @@
           <a:lstStyle/>
           <a:p>
             <a:r>
-              <a:rPr lang="da-DK" dirty="0"/>
+              <a:rPr lang="da-DK" dirty="0">
+                <a:solidFill>
+                  <a:srgbClr val="FFFFFF"/>
+                </a:solidFill>
+              </a:rPr>
               <a:t>How it is </a:t>
             </a:r>
             <a:r>
-              <a:rPr lang="da-DK" dirty="0" err="1"/>
+              <a:rPr lang="da-DK" dirty="0" err="1">
+                <a:solidFill>
+                  <a:srgbClr val="FFFFFF"/>
+                </a:solidFill>
+              </a:rPr>
               <a:t>now</a:t>
             </a:r>
-            <a:endParaRPr lang="da-DK" dirty="0"/>
+            <a:endParaRPr lang="da-DK" dirty="0">
+              <a:solidFill>
+                <a:srgbClr val="FFFFFF"/>
+              </a:solidFill>
+            </a:endParaRPr>
           </a:p>
           <a:p>
             <a:pPr marL="0" marR="0" indent="0" algn="l" defTabSz="584200" rtl="0" fontAlgn="auto" latinLnBrk="0" hangingPunct="0">
@@ -11537,38 +11346,8 @@
       <p:pic>
         <p:nvPicPr>
           <p:cNvPr id="4" name="Billede 3">
-            <a:hlinkClick r:id="rId2"/>
+            <a:hlinkClick r:id="rId3"/>
           </p:cNvPr>
-          <p:cNvPicPr>
-            <a:picLocks noChangeAspect="1"/>
-          </p:cNvPicPr>
-          <p:nvPr/>
-        </p:nvPicPr>
-        <p:blipFill>
-          <a:blip r:embed="rId3">
-            <a:extLst>
-              <a:ext uri="{28A0092B-C50C-407E-A947-70E740481C1C}">
-                <a14:useLocalDpi xmlns:a14="http://schemas.microsoft.com/office/drawing/2010/main" val="0"/>
-              </a:ext>
-            </a:extLst>
-          </a:blip>
-          <a:stretch>
-            <a:fillRect/>
-          </a:stretch>
-        </p:blipFill>
-        <p:spPr>
-          <a:xfrm>
-            <a:off x="0" y="3724275"/>
-            <a:ext cx="6285335" cy="3533775"/>
-          </a:xfrm>
-          <a:prstGeom prst="rect">
-            <a:avLst/>
-          </a:prstGeom>
-        </p:spPr>
-      </p:pic>
-      <p:pic>
-        <p:nvPicPr>
-          <p:cNvPr id="5" name="Billede 4"/>
           <p:cNvPicPr>
             <a:picLocks noChangeAspect="1"/>
           </p:cNvPicPr>
@@ -11588,6 +11367,36 @@
         </p:blipFill>
         <p:spPr>
           <a:xfrm>
+            <a:off x="0" y="3724275"/>
+            <a:ext cx="6285335" cy="3533775"/>
+          </a:xfrm>
+          <a:prstGeom prst="rect">
+            <a:avLst/>
+          </a:prstGeom>
+        </p:spPr>
+      </p:pic>
+      <p:pic>
+        <p:nvPicPr>
+          <p:cNvPr id="5" name="Billede 4"/>
+          <p:cNvPicPr>
+            <a:picLocks noChangeAspect="1"/>
+          </p:cNvPicPr>
+          <p:nvPr/>
+        </p:nvPicPr>
+        <p:blipFill>
+          <a:blip r:embed="rId5">
+            <a:extLst>
+              <a:ext uri="{28A0092B-C50C-407E-A947-70E740481C1C}">
+                <a14:useLocalDpi xmlns:a14="http://schemas.microsoft.com/office/drawing/2010/main" val="0"/>
+              </a:ext>
+            </a:extLst>
+          </a:blip>
+          <a:stretch>
+            <a:fillRect/>
+          </a:stretch>
+        </p:blipFill>
+        <p:spPr>
+          <a:xfrm>
             <a:off x="6522877" y="3712255"/>
             <a:ext cx="6306715" cy="3545795"/>
           </a:xfrm>
@@ -11596,6 +11405,113 @@
           </a:prstGeom>
         </p:spPr>
       </p:pic>
+      <p:sp>
+        <p:nvSpPr>
+          <p:cNvPr id="7" name="Tekstfelt 6"/>
+          <p:cNvSpPr txBox="1"/>
+          <p:nvPr/>
+        </p:nvSpPr>
+        <p:spPr>
+          <a:xfrm>
+            <a:off x="247650" y="553791"/>
+            <a:ext cx="3219450" cy="410369"/>
+          </a:xfrm>
+          <a:prstGeom prst="rect">
+            <a:avLst/>
+          </a:prstGeom>
+          <a:noFill/>
+          <a:ln w="12700" cap="flat">
+            <a:noFill/>
+            <a:miter lim="400000"/>
+          </a:ln>
+          <a:effectLst/>
+          <a:sp3d/>
+        </p:spPr>
+        <p:style>
+          <a:lnRef idx="0">
+            <a:scrgbClr r="0" g="0" b="0"/>
+          </a:lnRef>
+          <a:fillRef idx="0">
+            <a:scrgbClr r="0" g="0" b="0"/>
+          </a:fillRef>
+          <a:effectRef idx="0">
+            <a:scrgbClr r="0" g="0" b="0"/>
+          </a:effectRef>
+          <a:fontRef idx="none"/>
+        </p:style>
+        <p:txBody>
+          <a:bodyPr rot="0" spcFirstLastPara="1" vertOverflow="overflow" horzOverflow="overflow" vert="horz" wrap="square" lIns="50800" tIns="50800" rIns="50800" bIns="50800" numCol="1" spcCol="38100" rtlCol="0" anchor="ctr">
+            <a:spAutoFit/>
+          </a:bodyPr>
+          <a:lstStyle/>
+          <a:p>
+            <a:pPr marL="0" marR="0" indent="0" algn="l" defTabSz="584200" rtl="0" fontAlgn="auto" latinLnBrk="0" hangingPunct="0">
+              <a:lnSpc>
+                <a:spcPct val="100000"/>
+              </a:lnSpc>
+              <a:spcBef>
+                <a:spcPts val="0"/>
+              </a:spcBef>
+              <a:spcAft>
+                <a:spcPts val="0"/>
+              </a:spcAft>
+              <a:buClrTx/>
+              <a:buSzTx/>
+              <a:buFontTx/>
+              <a:buNone/>
+              <a:tabLst/>
+            </a:pPr>
+            <a:r>
+              <a:rPr kumimoji="0" lang="da-DK" sz="2000" b="0" i="0" u="none" strike="noStrike" cap="none" spc="0" normalizeH="0" baseline="0" dirty="0" smtClean="0">
+                <a:ln>
+                  <a:noFill/>
+                </a:ln>
+                <a:solidFill>
+                  <a:srgbClr val="4E5755"/>
+                </a:solidFill>
+                <a:effectLst/>
+                <a:uFillTx/>
+                <a:latin typeface="+mn-lt"/>
+                <a:ea typeface="+mn-ea"/>
+                <a:cs typeface="+mn-cs"/>
+                <a:sym typeface="Avenir Book"/>
+              </a:rPr>
+              <a:t>Emanuel</a:t>
+            </a:r>
+            <a:r>
+              <a:rPr kumimoji="0" lang="da-DK" sz="2000" b="0" i="0" u="none" strike="noStrike" cap="none" spc="0" normalizeH="0" dirty="0" smtClean="0">
+                <a:ln>
+                  <a:noFill/>
+                </a:ln>
+                <a:solidFill>
+                  <a:srgbClr val="4E5755"/>
+                </a:solidFill>
+                <a:effectLst/>
+                <a:uFillTx/>
+                <a:latin typeface="+mn-lt"/>
+                <a:ea typeface="+mn-ea"/>
+                <a:cs typeface="+mn-cs"/>
+                <a:sym typeface="Avenir Book"/>
+              </a:rPr>
+              <a:t> &amp; Peter</a:t>
+            </a:r>
+            <a:endParaRPr kumimoji="0" lang="da-DK" sz="2000" b="0" i="0" u="none" strike="noStrike" cap="none" spc="0" normalizeH="0" baseline="0" dirty="0">
+              <a:ln>
+                <a:noFill/>
+              </a:ln>
+              <a:solidFill>
+                <a:srgbClr val="4E5755"/>
+              </a:solidFill>
+              <a:effectLst/>
+              <a:uFillTx/>
+              <a:latin typeface="+mn-lt"/>
+              <a:ea typeface="+mn-ea"/>
+              <a:cs typeface="+mn-cs"/>
+              <a:sym typeface="Avenir Book"/>
+            </a:endParaRPr>
+          </a:p>
+        </p:txBody>
+      </p:sp>
     </p:spTree>
   </p:cSld>
   <p:clrMapOvr>

--- a/præsentation/presentation_template.pptx
+++ b/præsentation/presentation_template.pptx
@@ -322,7 +322,7 @@
 </file>
 
 <file path=ppt/charts/chart1.xml><?xml version="1.0" encoding="utf-8"?>
-<c:chartSpace xmlns:c="http://schemas.openxmlformats.org/drawingml/2006/chart" xmlns:a="http://schemas.openxmlformats.org/drawingml/2006/main" xmlns:r="http://schemas.openxmlformats.org/officeDocument/2006/relationships">
+<c:chartSpace xmlns:c="http://schemas.openxmlformats.org/drawingml/2006/chart" xmlns:a="http://schemas.openxmlformats.org/drawingml/2006/main" xmlns:r="http://schemas.openxmlformats.org/officeDocument/2006/relationships" xmlns:c16r2="http://schemas.microsoft.com/office/drawing/2015/06/chart">
   <c:date1904 val="1"/>
   <c:lang val="da-DK"/>
   <c:roundedCorners val="0"/>
@@ -370,6 +370,11 @@
           <c:dPt>
             <c:idx val="0"/>
             <c:bubble3D val="0"/>
+            <c:extLst>
+              <c:ext xmlns:c16="http://schemas.microsoft.com/office/drawing/2014/chart" uri="{C3380CC4-5D6E-409C-BE32-E72D297353CC}">
+                <c16:uniqueId val="{00000000-3592-4474-BF53-30EB4C2F4D76}"/>
+              </c:ext>
+            </c:extLst>
           </c:dPt>
           <c:dPt>
             <c:idx val="1"/>
@@ -384,6 +389,11 @@
               </a:ln>
               <a:effectLst/>
             </c:spPr>
+            <c:extLst>
+              <c:ext xmlns:c16="http://schemas.microsoft.com/office/drawing/2014/chart" uri="{C3380CC4-5D6E-409C-BE32-E72D297353CC}">
+                <c16:uniqueId val="{00000002-3592-4474-BF53-30EB4C2F4D76}"/>
+              </c:ext>
+            </c:extLst>
           </c:dPt>
           <c:dPt>
             <c:idx val="2"/>
@@ -398,6 +408,11 @@
               </a:ln>
               <a:effectLst/>
             </c:spPr>
+            <c:extLst>
+              <c:ext xmlns:c16="http://schemas.microsoft.com/office/drawing/2014/chart" uri="{C3380CC4-5D6E-409C-BE32-E72D297353CC}">
+                <c16:uniqueId val="{00000004-3592-4474-BF53-30EB4C2F4D76}"/>
+              </c:ext>
+            </c:extLst>
           </c:dPt>
           <c:dPt>
             <c:idx val="3"/>
@@ -412,6 +427,11 @@
               </a:ln>
               <a:effectLst/>
             </c:spPr>
+            <c:extLst>
+              <c:ext xmlns:c16="http://schemas.microsoft.com/office/drawing/2014/chart" uri="{C3380CC4-5D6E-409C-BE32-E72D297353CC}">
+                <c16:uniqueId val="{00000006-3592-4474-BF53-30EB4C2F4D76}"/>
+              </c:ext>
+            </c:extLst>
           </c:dPt>
           <c:dPt>
             <c:idx val="4"/>
@@ -426,6 +446,11 @@
               </a:ln>
               <a:effectLst/>
             </c:spPr>
+            <c:extLst>
+              <c:ext xmlns:c16="http://schemas.microsoft.com/office/drawing/2014/chart" uri="{C3380CC4-5D6E-409C-BE32-E72D297353CC}">
+                <c16:uniqueId val="{00000008-3592-4474-BF53-30EB4C2F4D76}"/>
+              </c:ext>
+            </c:extLst>
           </c:dPt>
           <c:dPt>
             <c:idx val="5"/>
@@ -440,6 +465,11 @@
               </a:ln>
               <a:effectLst/>
             </c:spPr>
+            <c:extLst>
+              <c:ext xmlns:c16="http://schemas.microsoft.com/office/drawing/2014/chart" uri="{C3380CC4-5D6E-409C-BE32-E72D297353CC}">
+                <c16:uniqueId val="{0000000A-3592-4474-BF53-30EB4C2F4D76}"/>
+              </c:ext>
+            </c:extLst>
           </c:dPt>
           <c:dLbls>
             <c:dLbl>
@@ -468,6 +498,11 @@
               <c:showSerName val="0"/>
               <c:showPercent val="1"/>
               <c:showBubbleSize val="0"/>
+              <c:extLst>
+                <c:ext xmlns:c16="http://schemas.microsoft.com/office/drawing/2014/chart" uri="{C3380CC4-5D6E-409C-BE32-E72D297353CC}">
+                  <c16:uniqueId val="{00000000-3592-4474-BF53-30EB4C2F4D76}"/>
+                </c:ext>
+              </c:extLst>
             </c:dLbl>
             <c:dLbl>
               <c:idx val="1"/>
@@ -495,6 +530,11 @@
               <c:showSerName val="0"/>
               <c:showPercent val="1"/>
               <c:showBubbleSize val="0"/>
+              <c:extLst>
+                <c:ext xmlns:c16="http://schemas.microsoft.com/office/drawing/2014/chart" uri="{C3380CC4-5D6E-409C-BE32-E72D297353CC}">
+                  <c16:uniqueId val="{00000002-3592-4474-BF53-30EB4C2F4D76}"/>
+                </c:ext>
+              </c:extLst>
             </c:dLbl>
             <c:dLbl>
               <c:idx val="2"/>
@@ -522,6 +562,11 @@
               <c:showSerName val="0"/>
               <c:showPercent val="1"/>
               <c:showBubbleSize val="0"/>
+              <c:extLst>
+                <c:ext xmlns:c16="http://schemas.microsoft.com/office/drawing/2014/chart" uri="{C3380CC4-5D6E-409C-BE32-E72D297353CC}">
+                  <c16:uniqueId val="{00000004-3592-4474-BF53-30EB4C2F4D76}"/>
+                </c:ext>
+              </c:extLst>
             </c:dLbl>
             <c:dLbl>
               <c:idx val="3"/>
@@ -549,6 +594,11 @@
               <c:showSerName val="0"/>
               <c:showPercent val="1"/>
               <c:showBubbleSize val="0"/>
+              <c:extLst>
+                <c:ext xmlns:c16="http://schemas.microsoft.com/office/drawing/2014/chart" uri="{C3380CC4-5D6E-409C-BE32-E72D297353CC}">
+                  <c16:uniqueId val="{00000006-3592-4474-BF53-30EB4C2F4D76}"/>
+                </c:ext>
+              </c:extLst>
             </c:dLbl>
             <c:dLbl>
               <c:idx val="4"/>
@@ -576,6 +626,11 @@
               <c:showSerName val="0"/>
               <c:showPercent val="1"/>
               <c:showBubbleSize val="0"/>
+              <c:extLst>
+                <c:ext xmlns:c16="http://schemas.microsoft.com/office/drawing/2014/chart" uri="{C3380CC4-5D6E-409C-BE32-E72D297353CC}">
+                  <c16:uniqueId val="{00000008-3592-4474-BF53-30EB4C2F4D76}"/>
+                </c:ext>
+              </c:extLst>
             </c:dLbl>
             <c:dLbl>
               <c:idx val="5"/>
@@ -603,6 +658,11 @@
               <c:showSerName val="0"/>
               <c:showPercent val="1"/>
               <c:showBubbleSize val="0"/>
+              <c:extLst>
+                <c:ext xmlns:c16="http://schemas.microsoft.com/office/drawing/2014/chart" uri="{C3380CC4-5D6E-409C-BE32-E72D297353CC}">
+                  <c16:uniqueId val="{0000000A-3592-4474-BF53-30EB4C2F4D76}"/>
+                </c:ext>
+              </c:extLst>
             </c:dLbl>
             <c:numFmt formatCode="#,##0%" sourceLinked="0"/>
             <c:spPr>
@@ -692,6 +752,11 @@
               </c:numCache>
             </c:numRef>
           </c:val>
+          <c:extLst>
+            <c:ext xmlns:c16="http://schemas.microsoft.com/office/drawing/2014/chart" uri="{C3380CC4-5D6E-409C-BE32-E72D297353CC}">
+              <c16:uniqueId val="{0000000B-3592-4474-BF53-30EB4C2F4D76}"/>
+            </c:ext>
+          </c:extLst>
         </c:ser>
         <c:dLbls>
           <c:showLegendKey val="0"/>
@@ -731,7 +796,7 @@
 </file>
 
 <file path=ppt/charts/chart2.xml><?xml version="1.0" encoding="utf-8"?>
-<c:chartSpace xmlns:c="http://schemas.openxmlformats.org/drawingml/2006/chart" xmlns:a="http://schemas.openxmlformats.org/drawingml/2006/main" xmlns:r="http://schemas.openxmlformats.org/officeDocument/2006/relationships">
+<c:chartSpace xmlns:c="http://schemas.openxmlformats.org/drawingml/2006/chart" xmlns:a="http://schemas.openxmlformats.org/drawingml/2006/main" xmlns:r="http://schemas.openxmlformats.org/officeDocument/2006/relationships" xmlns:c16r2="http://schemas.microsoft.com/office/drawing/2015/06/chart">
   <c:date1904 val="1"/>
   <c:lang val="da-DK"/>
   <c:roundedCorners val="0"/>
@@ -820,6 +885,11 @@
               </c:numCache>
             </c:numRef>
           </c:val>
+          <c:extLst>
+            <c:ext xmlns:c16="http://schemas.microsoft.com/office/drawing/2014/chart" uri="{C3380CC4-5D6E-409C-BE32-E72D297353CC}">
+              <c16:uniqueId val="{00000000-D643-47A6-A477-F9C5EEB34C88}"/>
+            </c:ext>
+          </c:extLst>
         </c:ser>
         <c:ser>
           <c:idx val="1"/>
@@ -887,6 +957,11 @@
               </c:numCache>
             </c:numRef>
           </c:val>
+          <c:extLst>
+            <c:ext xmlns:c16="http://schemas.microsoft.com/office/drawing/2014/chart" uri="{C3380CC4-5D6E-409C-BE32-E72D297353CC}">
+              <c16:uniqueId val="{00000001-D643-47A6-A477-F9C5EEB34C88}"/>
+            </c:ext>
+          </c:extLst>
         </c:ser>
         <c:dLbls>
           <c:showLegendKey val="0"/>
@@ -1020,7 +1095,7 @@
 </file>
 
 <file path=ppt/charts/chart3.xml><?xml version="1.0" encoding="utf-8"?>
-<c:chartSpace xmlns:c="http://schemas.openxmlformats.org/drawingml/2006/chart" xmlns:a="http://schemas.openxmlformats.org/drawingml/2006/main" xmlns:r="http://schemas.openxmlformats.org/officeDocument/2006/relationships">
+<c:chartSpace xmlns:c="http://schemas.openxmlformats.org/drawingml/2006/chart" xmlns:a="http://schemas.openxmlformats.org/drawingml/2006/main" xmlns:r="http://schemas.openxmlformats.org/officeDocument/2006/relationships" xmlns:c16r2="http://schemas.microsoft.com/office/drawing/2015/06/chart">
   <c:date1904 val="1"/>
   <c:lang val="da-DK"/>
   <c:roundedCorners val="0"/>
@@ -1068,6 +1143,11 @@
           <c:dPt>
             <c:idx val="0"/>
             <c:bubble3D val="0"/>
+            <c:extLst>
+              <c:ext xmlns:c16="http://schemas.microsoft.com/office/drawing/2014/chart" uri="{C3380CC4-5D6E-409C-BE32-E72D297353CC}">
+                <c16:uniqueId val="{00000000-2B3A-4E1C-BB3B-24C873456E99}"/>
+              </c:ext>
+            </c:extLst>
           </c:dPt>
           <c:dPt>
             <c:idx val="1"/>
@@ -1082,6 +1162,11 @@
               </a:ln>
               <a:effectLst/>
             </c:spPr>
+            <c:extLst>
+              <c:ext xmlns:c16="http://schemas.microsoft.com/office/drawing/2014/chart" uri="{C3380CC4-5D6E-409C-BE32-E72D297353CC}">
+                <c16:uniqueId val="{00000002-2B3A-4E1C-BB3B-24C873456E99}"/>
+              </c:ext>
+            </c:extLst>
           </c:dPt>
           <c:dPt>
             <c:idx val="2"/>
@@ -1096,6 +1181,11 @@
               </a:ln>
               <a:effectLst/>
             </c:spPr>
+            <c:extLst>
+              <c:ext xmlns:c16="http://schemas.microsoft.com/office/drawing/2014/chart" uri="{C3380CC4-5D6E-409C-BE32-E72D297353CC}">
+                <c16:uniqueId val="{00000004-2B3A-4E1C-BB3B-24C873456E99}"/>
+              </c:ext>
+            </c:extLst>
           </c:dPt>
           <c:dPt>
             <c:idx val="3"/>
@@ -1110,6 +1200,11 @@
               </a:ln>
               <a:effectLst/>
             </c:spPr>
+            <c:extLst>
+              <c:ext xmlns:c16="http://schemas.microsoft.com/office/drawing/2014/chart" uri="{C3380CC4-5D6E-409C-BE32-E72D297353CC}">
+                <c16:uniqueId val="{00000006-2B3A-4E1C-BB3B-24C873456E99}"/>
+              </c:ext>
+            </c:extLst>
           </c:dPt>
           <c:dPt>
             <c:idx val="4"/>
@@ -1124,6 +1219,11 @@
               </a:ln>
               <a:effectLst/>
             </c:spPr>
+            <c:extLst>
+              <c:ext xmlns:c16="http://schemas.microsoft.com/office/drawing/2014/chart" uri="{C3380CC4-5D6E-409C-BE32-E72D297353CC}">
+                <c16:uniqueId val="{00000008-2B3A-4E1C-BB3B-24C873456E99}"/>
+              </c:ext>
+            </c:extLst>
           </c:dPt>
           <c:dPt>
             <c:idx val="5"/>
@@ -1138,6 +1238,11 @@
               </a:ln>
               <a:effectLst/>
             </c:spPr>
+            <c:extLst>
+              <c:ext xmlns:c16="http://schemas.microsoft.com/office/drawing/2014/chart" uri="{C3380CC4-5D6E-409C-BE32-E72D297353CC}">
+                <c16:uniqueId val="{0000000A-2B3A-4E1C-BB3B-24C873456E99}"/>
+              </c:ext>
+            </c:extLst>
           </c:dPt>
           <c:dLbls>
             <c:dLbl>
@@ -1166,6 +1271,11 @@
               <c:showSerName val="0"/>
               <c:showPercent val="1"/>
               <c:showBubbleSize val="0"/>
+              <c:extLst>
+                <c:ext xmlns:c16="http://schemas.microsoft.com/office/drawing/2014/chart" uri="{C3380CC4-5D6E-409C-BE32-E72D297353CC}">
+                  <c16:uniqueId val="{00000000-2B3A-4E1C-BB3B-24C873456E99}"/>
+                </c:ext>
+              </c:extLst>
             </c:dLbl>
             <c:dLbl>
               <c:idx val="1"/>
@@ -1193,6 +1303,11 @@
               <c:showSerName val="0"/>
               <c:showPercent val="1"/>
               <c:showBubbleSize val="0"/>
+              <c:extLst>
+                <c:ext xmlns:c16="http://schemas.microsoft.com/office/drawing/2014/chart" uri="{C3380CC4-5D6E-409C-BE32-E72D297353CC}">
+                  <c16:uniqueId val="{00000002-2B3A-4E1C-BB3B-24C873456E99}"/>
+                </c:ext>
+              </c:extLst>
             </c:dLbl>
             <c:dLbl>
               <c:idx val="2"/>
@@ -1220,6 +1335,11 @@
               <c:showSerName val="0"/>
               <c:showPercent val="1"/>
               <c:showBubbleSize val="0"/>
+              <c:extLst>
+                <c:ext xmlns:c16="http://schemas.microsoft.com/office/drawing/2014/chart" uri="{C3380CC4-5D6E-409C-BE32-E72D297353CC}">
+                  <c16:uniqueId val="{00000004-2B3A-4E1C-BB3B-24C873456E99}"/>
+                </c:ext>
+              </c:extLst>
             </c:dLbl>
             <c:dLbl>
               <c:idx val="3"/>
@@ -1247,6 +1367,11 @@
               <c:showSerName val="0"/>
               <c:showPercent val="1"/>
               <c:showBubbleSize val="0"/>
+              <c:extLst>
+                <c:ext xmlns:c16="http://schemas.microsoft.com/office/drawing/2014/chart" uri="{C3380CC4-5D6E-409C-BE32-E72D297353CC}">
+                  <c16:uniqueId val="{00000006-2B3A-4E1C-BB3B-24C873456E99}"/>
+                </c:ext>
+              </c:extLst>
             </c:dLbl>
             <c:dLbl>
               <c:idx val="4"/>
@@ -1274,6 +1399,11 @@
               <c:showSerName val="0"/>
               <c:showPercent val="1"/>
               <c:showBubbleSize val="0"/>
+              <c:extLst>
+                <c:ext xmlns:c16="http://schemas.microsoft.com/office/drawing/2014/chart" uri="{C3380CC4-5D6E-409C-BE32-E72D297353CC}">
+                  <c16:uniqueId val="{00000008-2B3A-4E1C-BB3B-24C873456E99}"/>
+                </c:ext>
+              </c:extLst>
             </c:dLbl>
             <c:dLbl>
               <c:idx val="5"/>
@@ -1301,6 +1431,11 @@
               <c:showSerName val="0"/>
               <c:showPercent val="1"/>
               <c:showBubbleSize val="0"/>
+              <c:extLst>
+                <c:ext xmlns:c16="http://schemas.microsoft.com/office/drawing/2014/chart" uri="{C3380CC4-5D6E-409C-BE32-E72D297353CC}">
+                  <c16:uniqueId val="{0000000A-2B3A-4E1C-BB3B-24C873456E99}"/>
+                </c:ext>
+              </c:extLst>
             </c:dLbl>
             <c:numFmt formatCode="#,##0%" sourceLinked="0"/>
             <c:spPr>
@@ -1390,6 +1525,11 @@
               </c:numCache>
             </c:numRef>
           </c:val>
+          <c:extLst>
+            <c:ext xmlns:c16="http://schemas.microsoft.com/office/drawing/2014/chart" uri="{C3380CC4-5D6E-409C-BE32-E72D297353CC}">
+              <c16:uniqueId val="{0000000B-2B3A-4E1C-BB3B-24C873456E99}"/>
+            </c:ext>
+          </c:extLst>
         </c:ser>
         <c:dLbls>
           <c:showLegendKey val="0"/>
@@ -1429,7 +1569,7 @@
 </file>
 
 <file path=ppt/charts/chart4.xml><?xml version="1.0" encoding="utf-8"?>
-<c:chartSpace xmlns:c="http://schemas.openxmlformats.org/drawingml/2006/chart" xmlns:a="http://schemas.openxmlformats.org/drawingml/2006/main" xmlns:r="http://schemas.openxmlformats.org/officeDocument/2006/relationships">
+<c:chartSpace xmlns:c="http://schemas.openxmlformats.org/drawingml/2006/chart" xmlns:a="http://schemas.openxmlformats.org/drawingml/2006/main" xmlns:r="http://schemas.openxmlformats.org/officeDocument/2006/relationships" xmlns:c16r2="http://schemas.microsoft.com/office/drawing/2015/06/chart">
   <c:date1904 val="1"/>
   <c:lang val="da-DK"/>
   <c:roundedCorners val="0"/>
@@ -1518,6 +1658,11 @@
               </c:numCache>
             </c:numRef>
           </c:val>
+          <c:extLst>
+            <c:ext xmlns:c16="http://schemas.microsoft.com/office/drawing/2014/chart" uri="{C3380CC4-5D6E-409C-BE32-E72D297353CC}">
+              <c16:uniqueId val="{00000000-B3B1-48D3-84E0-9715396FF4E6}"/>
+            </c:ext>
+          </c:extLst>
         </c:ser>
         <c:ser>
           <c:idx val="1"/>
@@ -1585,6 +1730,11 @@
               </c:numCache>
             </c:numRef>
           </c:val>
+          <c:extLst>
+            <c:ext xmlns:c16="http://schemas.microsoft.com/office/drawing/2014/chart" uri="{C3380CC4-5D6E-409C-BE32-E72D297353CC}">
+              <c16:uniqueId val="{00000001-B3B1-48D3-84E0-9715396FF4E6}"/>
+            </c:ext>
+          </c:extLst>
         </c:ser>
         <c:dLbls>
           <c:showLegendKey val="0"/>
@@ -5659,7 +5809,7 @@
           </a:ln>
           <a:extLst>
             <a:ext uri="{C572A759-6A51-4108-AA02-DFA0A04FC94B}">
-              <ma14:wrappingTextBoxFlag xmlns:ma14="http://schemas.microsoft.com/office/mac/drawingml/2011/main" xmlns="" val="1"/>
+              <ma14:wrappingTextBoxFlag xmlns="" xmlns:ma14="http://schemas.microsoft.com/office/mac/drawingml/2011/main" val="1"/>
             </a:ext>
           </a:extLst>
         </p:spPr>
@@ -8535,7 +8685,7 @@
           </a:ln>
           <a:extLst>
             <a:ext uri="{C572A759-6A51-4108-AA02-DFA0A04FC94B}">
-              <ma14:wrappingTextBoxFlag xmlns:ma14="http://schemas.microsoft.com/office/mac/drawingml/2011/main" xmlns="" val="1"/>
+              <ma14:wrappingTextBoxFlag xmlns="" xmlns:ma14="http://schemas.microsoft.com/office/mac/drawingml/2011/main" val="1"/>
             </a:ext>
           </a:extLst>
         </p:spPr>
@@ -9234,7 +9384,7 @@
           </a:ln>
           <a:extLst>
             <a:ext uri="{C572A759-6A51-4108-AA02-DFA0A04FC94B}">
-              <ma14:wrappingTextBoxFlag xmlns:ma14="http://schemas.microsoft.com/office/mac/drawingml/2011/main" xmlns="" val="1"/>
+              <ma14:wrappingTextBoxFlag xmlns="" xmlns:ma14="http://schemas.microsoft.com/office/mac/drawingml/2011/main" val="1"/>
             </a:ext>
           </a:extLst>
         </p:spPr>
@@ -9273,7 +9423,7 @@
           </a:ln>
           <a:extLst>
             <a:ext uri="{C572A759-6A51-4108-AA02-DFA0A04FC94B}">
-              <ma14:wrappingTextBoxFlag xmlns:ma14="http://schemas.microsoft.com/office/mac/drawingml/2011/main" xmlns="" val="1"/>
+              <ma14:wrappingTextBoxFlag xmlns="" xmlns:ma14="http://schemas.microsoft.com/office/mac/drawingml/2011/main" val="1"/>
             </a:ext>
           </a:extLst>
         </p:spPr>
@@ -10258,7 +10408,7 @@
               <a:tabLst/>
             </a:pPr>
             <a:r>
-              <a:rPr kumimoji="0" lang="da-DK" sz="3800" b="0" i="0" u="none" strike="noStrike" cap="none" spc="0" normalizeH="0" baseline="0" dirty="0" smtClean="0">
+              <a:rPr kumimoji="0" lang="da-DK" sz="3800" b="0" i="0" u="none" strike="noStrike" cap="none" spc="0" normalizeH="0" baseline="0" dirty="0">
                 <a:ln>
                   <a:noFill/>
                 </a:ln>
@@ -10272,7 +10422,7 @@
               <a:t>Slogan:</a:t>
             </a:r>
             <a:r>
-              <a:rPr kumimoji="0" lang="da-DK" sz="3800" b="0" i="0" u="none" strike="noStrike" cap="none" spc="0" normalizeH="0" dirty="0" smtClean="0">
+              <a:rPr kumimoji="0" lang="da-DK" sz="3800" b="0" i="0" u="none" strike="noStrike" cap="none" spc="0" normalizeH="0" dirty="0">
                 <a:ln>
                   <a:noFill/>
                 </a:ln>
@@ -10286,7 +10436,7 @@
               <a:t> </a:t>
             </a:r>
             <a:r>
-              <a:rPr kumimoji="0" lang="da-DK" sz="3800" b="0" i="0" u="none" strike="noStrike" cap="none" spc="0" normalizeH="0" baseline="0" dirty="0" smtClean="0">
+              <a:rPr kumimoji="0" lang="da-DK" sz="3800" b="0" i="0" u="none" strike="noStrike" cap="none" spc="0" normalizeH="0" baseline="0" dirty="0">
                 <a:ln>
                   <a:noFill/>
                 </a:ln>
@@ -10299,17 +10449,6 @@
               </a:rPr>
               <a:t>Money well spent</a:t>
             </a:r>
-            <a:endParaRPr kumimoji="0" lang="da-DK" sz="3800" b="0" i="0" u="none" strike="noStrike" cap="none" spc="0" normalizeH="0" baseline="0" dirty="0">
-              <a:ln>
-                <a:noFill/>
-              </a:ln>
-              <a:solidFill>
-                <a:schemeClr val="bg1"/>
-              </a:solidFill>
-              <a:effectLst/>
-              <a:uFillTx/>
-              <a:sym typeface="Avenir Book"/>
-            </a:endParaRPr>
           </a:p>
         </p:txBody>
       </p:sp>
@@ -10370,7 +10509,7 @@
               <a:tabLst/>
             </a:pPr>
             <a:r>
-              <a:rPr kumimoji="0" lang="en-US" sz="3800" b="0" i="0" u="none" strike="noStrike" cap="none" spc="0" normalizeH="0" baseline="0" dirty="0" smtClean="0">
+              <a:rPr kumimoji="0" lang="en-US" sz="3800" b="0" i="0" u="none" strike="noStrike" cap="none" spc="0" normalizeH="0" baseline="0" dirty="0">
                 <a:ln>
                   <a:noFill/>
                 </a:ln>
@@ -10405,7 +10544,7 @@
               <a:tabLst/>
             </a:pPr>
             <a:r>
-              <a:rPr kumimoji="0" lang="en-US" sz="3600" b="0" i="0" u="none" strike="noStrike" cap="none" spc="0" normalizeH="0" baseline="0" dirty="0" smtClean="0">
+              <a:rPr kumimoji="0" lang="en-US" sz="3600" b="0" i="0" u="none" strike="noStrike" cap="none" spc="0" normalizeH="0" baseline="0" dirty="0">
                 <a:ln>
                   <a:noFill/>
                 </a:ln>
@@ -10422,7 +10561,7 @@
               <a:t>We take</a:t>
             </a:r>
             <a:r>
-              <a:rPr kumimoji="0" lang="en-US" sz="3600" b="0" i="0" u="none" strike="noStrike" cap="none" spc="0" normalizeH="0" dirty="0" smtClean="0">
+              <a:rPr kumimoji="0" lang="en-US" sz="3600" b="0" i="0" u="none" strike="noStrike" cap="none" spc="0" normalizeH="0" dirty="0">
                 <a:ln>
                   <a:noFill/>
                 </a:ln>
@@ -10512,7 +10651,7 @@
               <a:tabLst/>
             </a:pPr>
             <a:r>
-              <a:rPr kumimoji="0" lang="da-DK" sz="2000" b="0" i="0" u="none" strike="noStrike" cap="none" spc="0" normalizeH="0" baseline="0" dirty="0" smtClean="0">
+              <a:rPr kumimoji="0" lang="da-DK" sz="2000" b="0" i="0" u="none" strike="noStrike" cap="none" spc="0" normalizeH="0" baseline="0" dirty="0">
                 <a:ln>
                   <a:noFill/>
                 </a:ln>
@@ -10529,7 +10668,7 @@
               <a:t>Emanuel</a:t>
             </a:r>
             <a:r>
-              <a:rPr kumimoji="0" lang="da-DK" sz="2000" b="0" i="0" u="none" strike="noStrike" cap="none" spc="0" normalizeH="0" dirty="0" smtClean="0">
+              <a:rPr kumimoji="0" lang="da-DK" sz="2000" b="0" i="0" u="none" strike="noStrike" cap="none" spc="0" normalizeH="0" dirty="0">
                 <a:ln>
                   <a:noFill/>
                 </a:ln>
@@ -10619,7 +10758,7 @@
           </a:ln>
           <a:extLst>
             <a:ext uri="{C572A759-6A51-4108-AA02-DFA0A04FC94B}">
-              <ma14:wrappingTextBoxFlag xmlns:ma14="http://schemas.microsoft.com/office/mac/drawingml/2011/main" xmlns="" val="1"/>
+              <ma14:wrappingTextBoxFlag xmlns="" xmlns:ma14="http://schemas.microsoft.com/office/mac/drawingml/2011/main" val="1"/>
             </a:ext>
           </a:extLst>
         </p:spPr>
@@ -10635,18 +10774,10 @@
                   <a:schemeClr val="bg1"/>
                 </a:solidFill>
               </a:rPr>
-              <a:t>What our client wanted us to </a:t>
+              <a:t>What our client wanted us to do</a:t>
             </a:r>
             <a:r>
-              <a:rPr i="1" dirty="0" smtClean="0">
-                <a:solidFill>
-                  <a:schemeClr val="bg1"/>
-                </a:solidFill>
-              </a:rPr>
-              <a:t>do</a:t>
-            </a:r>
-            <a:r>
-              <a:rPr lang="da-DK" i="1" dirty="0" smtClean="0">
+              <a:rPr lang="da-DK" i="1" dirty="0">
                 <a:solidFill>
                   <a:schemeClr val="bg1"/>
                 </a:solidFill>
@@ -10724,11 +10855,6 @@
               </a:rPr>
               <a:t>Menu on site instead of pdf</a:t>
             </a:r>
-            <a:endParaRPr lang="en-US" dirty="0">
-              <a:solidFill>
-                <a:schemeClr val="bg1"/>
-              </a:solidFill>
-            </a:endParaRPr>
           </a:p>
         </p:txBody>
       </p:sp>
@@ -10789,7 +10915,7 @@
           </a:ln>
           <a:extLst>
             <a:ext uri="{C572A759-6A51-4108-AA02-DFA0A04FC94B}">
-              <ma14:wrappingTextBoxFlag xmlns:ma14="http://schemas.microsoft.com/office/mac/drawingml/2011/main" xmlns="" val="1"/>
+              <ma14:wrappingTextBoxFlag xmlns="" xmlns:ma14="http://schemas.microsoft.com/office/mac/drawingml/2011/main" val="1"/>
             </a:ext>
           </a:extLst>
         </p:spPr>
@@ -10879,7 +11005,7 @@
               <a:tabLst/>
             </a:pPr>
             <a:r>
-              <a:rPr lang="en-US" dirty="0" smtClean="0">
+              <a:rPr lang="en-US" dirty="0">
                 <a:solidFill>
                   <a:srgbClr val="FFFFFF"/>
                 </a:solidFill>
@@ -10905,7 +11031,7 @@
               <a:tabLst/>
             </a:pPr>
             <a:r>
-              <a:rPr lang="en-US" dirty="0" smtClean="0">
+              <a:rPr lang="en-US" dirty="0">
                 <a:solidFill>
                   <a:srgbClr val="FFFFFF"/>
                 </a:solidFill>
@@ -10914,7 +11040,7 @@
               <a:t></a:t>
             </a:r>
             <a:r>
-              <a:rPr lang="en-US" dirty="0" smtClean="0">
+              <a:rPr lang="en-US" dirty="0">
                 <a:solidFill>
                   <a:srgbClr val="FFFFFF"/>
                 </a:solidFill>
@@ -10922,7 +11048,7 @@
               <a:t> Setting up a template for the site (&lt;header&gt;,&lt;</a:t>
             </a:r>
             <a:r>
-              <a:rPr lang="en-US" dirty="0" err="1" smtClean="0">
+              <a:rPr lang="en-US" dirty="0" err="1">
                 <a:solidFill>
                   <a:srgbClr val="FFFFFF"/>
                 </a:solidFill>
@@ -10930,7 +11056,7 @@
               <a:t>nav</a:t>
             </a:r>
             <a:r>
-              <a:rPr lang="en-US" dirty="0" smtClean="0">
+              <a:rPr lang="en-US" dirty="0">
                 <a:solidFill>
                   <a:srgbClr val="FFFFFF"/>
                 </a:solidFill>
@@ -10956,7 +11082,7 @@
               <a:tabLst/>
             </a:pPr>
             <a:r>
-              <a:rPr lang="en-US" dirty="0" smtClean="0">
+              <a:rPr lang="en-US" dirty="0">
                 <a:solidFill>
                   <a:srgbClr val="FFFFFF"/>
                 </a:solidFill>
@@ -10983,7 +11109,7 @@
               <a:tabLst/>
             </a:pPr>
             <a:r>
-              <a:rPr lang="en-US" dirty="0" smtClean="0">
+              <a:rPr lang="en-US" dirty="0">
                 <a:solidFill>
                   <a:srgbClr val="FFFFFF"/>
                 </a:solidFill>
@@ -11010,7 +11136,7 @@
               <a:tabLst/>
             </a:pPr>
             <a:r>
-              <a:rPr lang="en-US" dirty="0" smtClean="0">
+              <a:rPr lang="en-US" dirty="0">
                 <a:solidFill>
                   <a:srgbClr val="FFFFFF"/>
                 </a:solidFill>
@@ -11036,7 +11162,7 @@
               <a:buChar char="•"/>
               <a:tabLst/>
             </a:pPr>
-            <a:endParaRPr lang="en-US" dirty="0" smtClean="0">
+            <a:endParaRPr lang="en-US" dirty="0">
               <a:solidFill>
                 <a:srgbClr val="FFFFFF"/>
               </a:solidFill>
@@ -11101,7 +11227,7 @@
           </a:ln>
           <a:extLst>
             <a:ext uri="{C572A759-6A51-4108-AA02-DFA0A04FC94B}">
-              <ma14:wrappingTextBoxFlag xmlns:ma14="http://schemas.microsoft.com/office/mac/drawingml/2011/main" xmlns="" val="1"/>
+              <ma14:wrappingTextBoxFlag xmlns="" xmlns:ma14="http://schemas.microsoft.com/office/mac/drawingml/2011/main" val="1"/>
             </a:ext>
           </a:extLst>
         </p:spPr>
@@ -11120,18 +11246,13 @@
               </a:defRPr>
             </a:pPr>
             <a:r>
-              <a:rPr dirty="0" smtClean="0">
+              <a:rPr dirty="0">
                 <a:solidFill>
                   <a:srgbClr val="FFFFFF"/>
                 </a:solidFill>
               </a:rPr>
               <a:t>Demo</a:t>
             </a:r>
-            <a:endParaRPr dirty="0">
-              <a:solidFill>
-                <a:srgbClr val="FFFFFF"/>
-              </a:solidFill>
-            </a:endParaRPr>
           </a:p>
         </p:txBody>
       </p:sp>
@@ -11462,7 +11583,7 @@
               <a:tabLst/>
             </a:pPr>
             <a:r>
-              <a:rPr kumimoji="0" lang="da-DK" sz="2000" b="0" i="0" u="none" strike="noStrike" cap="none" spc="0" normalizeH="0" baseline="0" dirty="0" smtClean="0">
+              <a:rPr kumimoji="0" lang="da-DK" sz="2000" b="0" i="0" u="none" strike="noStrike" cap="none" spc="0" normalizeH="0" baseline="0" dirty="0">
                 <a:ln>
                   <a:noFill/>
                 </a:ln>
@@ -11479,7 +11600,7 @@
               <a:t>Emanuel</a:t>
             </a:r>
             <a:r>
-              <a:rPr kumimoji="0" lang="da-DK" sz="2000" b="0" i="0" u="none" strike="noStrike" cap="none" spc="0" normalizeH="0" dirty="0" smtClean="0">
+              <a:rPr kumimoji="0" lang="da-DK" sz="2000" b="0" i="0" u="none" strike="noStrike" cap="none" spc="0" normalizeH="0" dirty="0">
                 <a:ln>
                   <a:noFill/>
                 </a:ln>
@@ -11496,6 +11617,71 @@
               <a:t> &amp; Peter</a:t>
             </a:r>
             <a:endParaRPr kumimoji="0" lang="da-DK" sz="2000" b="0" i="0" u="none" strike="noStrike" cap="none" spc="0" normalizeH="0" baseline="0" dirty="0">
+              <a:ln>
+                <a:noFill/>
+              </a:ln>
+              <a:solidFill>
+                <a:srgbClr val="4E5755"/>
+              </a:solidFill>
+              <a:effectLst/>
+              <a:uFillTx/>
+              <a:latin typeface="+mn-lt"/>
+              <a:ea typeface="+mn-ea"/>
+              <a:cs typeface="+mn-cs"/>
+              <a:sym typeface="Avenir Book"/>
+            </a:endParaRPr>
+          </a:p>
+        </p:txBody>
+      </p:sp>
+      <p:sp>
+        <p:nvSpPr>
+          <p:cNvPr id="8" name="Tekstfelt 7"/>
+          <p:cNvSpPr txBox="1"/>
+          <p:nvPr/>
+        </p:nvSpPr>
+        <p:spPr>
+          <a:xfrm>
+            <a:off x="2580362" y="8510358"/>
+            <a:ext cx="8017788" cy="687368"/>
+          </a:xfrm>
+          <a:prstGeom prst="rect">
+            <a:avLst/>
+          </a:prstGeom>
+          <a:noFill/>
+          <a:ln w="12700" cap="flat">
+            <a:noFill/>
+            <a:miter lim="400000"/>
+          </a:ln>
+          <a:effectLst/>
+          <a:sp3d/>
+        </p:spPr>
+        <p:style>
+          <a:lnRef idx="0">
+            <a:scrgbClr r="0" g="0" b="0"/>
+          </a:lnRef>
+          <a:fillRef idx="0">
+            <a:scrgbClr r="0" g="0" b="0"/>
+          </a:fillRef>
+          <a:effectRef idx="0">
+            <a:scrgbClr r="0" g="0" b="0"/>
+          </a:effectRef>
+          <a:fontRef idx="none"/>
+        </p:style>
+        <p:txBody>
+          <a:bodyPr rot="0" spcFirstLastPara="1" vertOverflow="overflow" horzOverflow="overflow" vert="horz" wrap="square" lIns="50800" tIns="50800" rIns="50800" bIns="50800" numCol="1" spcCol="38100" rtlCol="0" anchor="ctr">
+            <a:spAutoFit/>
+          </a:bodyPr>
+          <a:lstStyle/>
+          <a:p>
+            <a:r>
+              <a:rPr lang="da-DK" dirty="0">
+                <a:solidFill>
+                  <a:srgbClr val="FFFFFF"/>
+                </a:solidFill>
+              </a:rPr>
+              <a:t>https://github.com/Pederytter/vleminck</a:t>
+            </a:r>
+            <a:endParaRPr kumimoji="0" lang="da-DK" sz="3800" b="0" i="0" u="none" strike="noStrike" cap="none" spc="0" normalizeH="0" baseline="0" dirty="0">
               <a:ln>
                 <a:noFill/>
               </a:ln>
